--- a/ruby-codemash.pptx
+++ b/ruby-codemash.pptx
@@ -5,39 +5,41 @@
     <p:sldMasterId id="2147483840" r:id="rId1"/>
   </p:sldMasterIdLst>
   <p:notesMasterIdLst>
-    <p:notesMasterId r:id="rId32"/>
+    <p:notesMasterId r:id="rId34"/>
   </p:notesMasterIdLst>
   <p:sldIdLst>
     <p:sldId id="320" r:id="rId2"/>
-    <p:sldId id="321" r:id="rId3"/>
-    <p:sldId id="323" r:id="rId4"/>
-    <p:sldId id="322" r:id="rId5"/>
-    <p:sldId id="325" r:id="rId6"/>
-    <p:sldId id="324" r:id="rId7"/>
-    <p:sldId id="327" r:id="rId8"/>
-    <p:sldId id="328" r:id="rId9"/>
-    <p:sldId id="329" r:id="rId10"/>
-    <p:sldId id="330" r:id="rId11"/>
-    <p:sldId id="331" r:id="rId12"/>
-    <p:sldId id="348" r:id="rId13"/>
-    <p:sldId id="349" r:id="rId14"/>
-    <p:sldId id="342" r:id="rId15"/>
-    <p:sldId id="343" r:id="rId16"/>
-    <p:sldId id="344" r:id="rId17"/>
-    <p:sldId id="345" r:id="rId18"/>
-    <p:sldId id="346" r:id="rId19"/>
-    <p:sldId id="347" r:id="rId20"/>
-    <p:sldId id="350" r:id="rId21"/>
-    <p:sldId id="352" r:id="rId22"/>
-    <p:sldId id="351" r:id="rId23"/>
-    <p:sldId id="339" r:id="rId24"/>
-    <p:sldId id="340" r:id="rId25"/>
-    <p:sldId id="341" r:id="rId26"/>
-    <p:sldId id="333" r:id="rId27"/>
-    <p:sldId id="334" r:id="rId28"/>
-    <p:sldId id="335" r:id="rId29"/>
-    <p:sldId id="337" r:id="rId30"/>
-    <p:sldId id="338" r:id="rId31"/>
+    <p:sldId id="353" r:id="rId3"/>
+    <p:sldId id="321" r:id="rId4"/>
+    <p:sldId id="323" r:id="rId5"/>
+    <p:sldId id="322" r:id="rId6"/>
+    <p:sldId id="325" r:id="rId7"/>
+    <p:sldId id="324" r:id="rId8"/>
+    <p:sldId id="327" r:id="rId9"/>
+    <p:sldId id="328" r:id="rId10"/>
+    <p:sldId id="329" r:id="rId11"/>
+    <p:sldId id="330" r:id="rId12"/>
+    <p:sldId id="331" r:id="rId13"/>
+    <p:sldId id="348" r:id="rId14"/>
+    <p:sldId id="349" r:id="rId15"/>
+    <p:sldId id="342" r:id="rId16"/>
+    <p:sldId id="343" r:id="rId17"/>
+    <p:sldId id="344" r:id="rId18"/>
+    <p:sldId id="345" r:id="rId19"/>
+    <p:sldId id="346" r:id="rId20"/>
+    <p:sldId id="347" r:id="rId21"/>
+    <p:sldId id="350" r:id="rId22"/>
+    <p:sldId id="352" r:id="rId23"/>
+    <p:sldId id="351" r:id="rId24"/>
+    <p:sldId id="339" r:id="rId25"/>
+    <p:sldId id="340" r:id="rId26"/>
+    <p:sldId id="341" r:id="rId27"/>
+    <p:sldId id="333" r:id="rId28"/>
+    <p:sldId id="334" r:id="rId29"/>
+    <p:sldId id="335" r:id="rId30"/>
+    <p:sldId id="354" r:id="rId31"/>
+    <p:sldId id="337" r:id="rId32"/>
+    <p:sldId id="338" r:id="rId33"/>
   </p:sldIdLst>
   <p:sldSz cx="9144000" cy="6858000" type="screen4x3"/>
   <p:notesSz cx="6858000" cy="9144000"/>
@@ -222,7 +224,7 @@
             <a:fld id="{CE22DD2D-CE48-432A-B750-FE638311F72D}" type="datetimeFigureOut">
               <a:rPr lang="en-US" smtClean="0"/>
               <a:pPr/>
-              <a:t>1/2/2011</a:t>
+              <a:t>1/12/2011</a:t>
             </a:fld>
             <a:endParaRPr lang="en-US"/>
           </a:p>
@@ -724,7 +726,7 @@
             <a:fld id="{46B52E04-8F68-435C-880A-7C7B12D9BA2F}" type="slidenum">
               <a:rPr lang="en-US" smtClean="0"/>
               <a:pPr/>
-              <a:t>26</a:t>
+              <a:t>23</a:t>
             </a:fld>
             <a:endParaRPr lang="en-US"/>
           </a:p>
@@ -784,99 +786,6 @@
           </a:bodyPr>
           <a:lstStyle/>
           <a:p>
-            <a:r>
-              <a:rPr lang="en-US" sz="1200" b="0" i="0" kern="1200" dirty="0" smtClean="0">
-                <a:solidFill>
-                  <a:schemeClr val="tx1"/>
-                </a:solidFill>
-                <a:latin typeface="+mn-lt"/>
-                <a:ea typeface="+mn-ea"/>
-                <a:cs typeface="+mn-cs"/>
-              </a:rPr>
-              <a:t>-Rails is the "company framework" that everyone is trying to build  </a:t>
-            </a:r>
-            <a:endParaRPr lang="en-US" dirty="0" smtClean="0"/>
-          </a:p>
-          <a:p>
-            <a:r>
-              <a:rPr lang="en-US" sz="1200" b="0" i="0" kern="1200" dirty="0" smtClean="0">
-                <a:solidFill>
-                  <a:schemeClr val="tx1"/>
-                </a:solidFill>
-                <a:latin typeface="+mn-lt"/>
-                <a:ea typeface="+mn-ea"/>
-                <a:cs typeface="+mn-cs"/>
-              </a:rPr>
-              <a:t>-things are done the same way in most Rails projects, so you can join a Rails team and you don't have to learn someone else's homegrown framework  </a:t>
-            </a:r>
-            <a:endParaRPr lang="en-US" dirty="0" smtClean="0"/>
-          </a:p>
-          <a:p>
-            <a:r>
-              <a:rPr lang="en-US" sz="1200" b="0" i="0" kern="1200" dirty="0" smtClean="0">
-                <a:solidFill>
-                  <a:schemeClr val="tx1"/>
-                </a:solidFill>
-                <a:latin typeface="+mn-lt"/>
-                <a:ea typeface="+mn-ea"/>
-                <a:cs typeface="+mn-cs"/>
-              </a:rPr>
-              <a:t>-homegrown frameworks often are a big detriment to getting things done (maintenance is hard, keeps you from upgrading your codebase, etc.)</a:t>
-            </a:r>
-          </a:p>
-          <a:p>
-            <a:r>
-              <a:rPr lang="en-US" sz="1200" b="0" i="0" kern="1200" dirty="0" smtClean="0">
-                <a:solidFill>
-                  <a:schemeClr val="tx1"/>
-                </a:solidFill>
-                <a:latin typeface="+mn-lt"/>
-                <a:ea typeface="+mn-ea"/>
-                <a:cs typeface="+mn-cs"/>
-              </a:rPr>
-              <a:t>- Rails works in the enterprise - cleanest 4 yr old codebase I've ever worked on, wouldn't gain much if I could rewrite it</a:t>
-            </a:r>
-            <a:endParaRPr lang="en-US" dirty="0" smtClean="0"/>
-          </a:p>
-          <a:p>
-            <a:r>
-              <a:rPr lang="en-US" sz="1200" b="0" i="0" kern="1200" dirty="0" smtClean="0">
-                <a:solidFill>
-                  <a:schemeClr val="tx1"/>
-                </a:solidFill>
-                <a:latin typeface="+mn-lt"/>
-                <a:ea typeface="+mn-ea"/>
-                <a:cs typeface="+mn-cs"/>
-              </a:rPr>
-              <a:t>-not "switching to Ruby", not "leaving .NET"- don't be afraid of leaving your comfort zone (framework, language, syntax, etc.)- you will learn things that will help you on other platforms/languages</a:t>
-            </a:r>
-          </a:p>
-          <a:p>
-            <a:r>
-              <a:rPr lang="en-US" sz="1200" b="0" i="0" kern="1200" dirty="0" smtClean="0">
-                <a:solidFill>
-                  <a:schemeClr val="tx1"/>
-                </a:solidFill>
-                <a:latin typeface="+mn-lt"/>
-                <a:ea typeface="+mn-ea"/>
-                <a:cs typeface="+mn-cs"/>
-              </a:rPr>
-              <a:t>-Ruby</a:t>
-            </a:r>
-            <a:r>
-              <a:rPr lang="en-US" sz="1200" b="0" i="0" kern="1200" baseline="0" dirty="0" smtClean="0">
-                <a:solidFill>
-                  <a:schemeClr val="tx1"/>
-                </a:solidFill>
-                <a:latin typeface="+mn-lt"/>
-                <a:ea typeface="+mn-ea"/>
-                <a:cs typeface="+mn-cs"/>
-              </a:rPr>
-              <a:t> on Rails is just another tool in my toolbox (that happens to be really good at building web applications)</a:t>
-            </a:r>
-            <a:endParaRPr lang="en-US" dirty="0" smtClean="0"/>
-          </a:p>
-          <a:p>
             <a:endParaRPr lang="en-US" dirty="0"/>
           </a:p>
         </p:txBody>
@@ -959,6 +868,246 @@
           </a:bodyPr>
           <a:lstStyle/>
           <a:p>
+            <a:r>
+              <a:rPr lang="en-US" sz="1200" b="0" i="0" kern="1200" dirty="0" smtClean="0">
+                <a:solidFill>
+                  <a:schemeClr val="tx1"/>
+                </a:solidFill>
+                <a:latin typeface="+mn-lt"/>
+                <a:ea typeface="+mn-ea"/>
+                <a:cs typeface="+mn-cs"/>
+              </a:rPr>
+              <a:t>-Rails is the "company framework" that everyone is trying to build  </a:t>
+            </a:r>
+            <a:endParaRPr lang="en-US" dirty="0" smtClean="0"/>
+          </a:p>
+          <a:p>
+            <a:r>
+              <a:rPr lang="en-US" sz="1200" b="0" i="0" kern="1200" dirty="0" smtClean="0">
+                <a:solidFill>
+                  <a:schemeClr val="tx1"/>
+                </a:solidFill>
+                <a:latin typeface="+mn-lt"/>
+                <a:ea typeface="+mn-ea"/>
+                <a:cs typeface="+mn-cs"/>
+              </a:rPr>
+              <a:t>-things are done the same way in most Rails projects, so you can join a Rails team and you don't have to learn someone else's homegrown framework  </a:t>
+            </a:r>
+            <a:endParaRPr lang="en-US" dirty="0" smtClean="0"/>
+          </a:p>
+          <a:p>
+            <a:r>
+              <a:rPr lang="en-US" sz="1200" b="0" i="0" kern="1200" dirty="0" smtClean="0">
+                <a:solidFill>
+                  <a:schemeClr val="tx1"/>
+                </a:solidFill>
+                <a:latin typeface="+mn-lt"/>
+                <a:ea typeface="+mn-ea"/>
+                <a:cs typeface="+mn-cs"/>
+              </a:rPr>
+              <a:t>-homegrown frameworks often are a big detriment to getting things done (maintenance is hard, keeps you from upgrading your codebase, etc</a:t>
+            </a:r>
+            <a:r>
+              <a:rPr lang="en-US" sz="1200" b="0" i="0" kern="1200" dirty="0" smtClean="0">
+                <a:solidFill>
+                  <a:schemeClr val="tx1"/>
+                </a:solidFill>
+                <a:latin typeface="+mn-lt"/>
+                <a:ea typeface="+mn-ea"/>
+                <a:cs typeface="+mn-cs"/>
+              </a:rPr>
+              <a:t>.)</a:t>
+            </a:r>
+          </a:p>
+          <a:p>
+            <a:endParaRPr lang="en-US" sz="1200" b="0" i="0" kern="1200" dirty="0" smtClean="0">
+              <a:solidFill>
+                <a:schemeClr val="tx1"/>
+              </a:solidFill>
+              <a:latin typeface="+mn-lt"/>
+              <a:ea typeface="+mn-ea"/>
+              <a:cs typeface="+mn-cs"/>
+            </a:endParaRPr>
+          </a:p>
+          <a:p>
+            <a:pPr>
+              <a:buFontTx/>
+              <a:buChar char="-"/>
+            </a:pPr>
+            <a:r>
+              <a:rPr lang="en-US" sz="1200" b="0" i="0" kern="1200" dirty="0" smtClean="0">
+                <a:solidFill>
+                  <a:schemeClr val="tx1"/>
+                </a:solidFill>
+                <a:latin typeface="+mn-lt"/>
+                <a:ea typeface="+mn-ea"/>
+                <a:cs typeface="+mn-cs"/>
+              </a:rPr>
+              <a:t>Rails </a:t>
+            </a:r>
+            <a:r>
+              <a:rPr lang="en-US" sz="1200" b="0" i="0" kern="1200" dirty="0" smtClean="0">
+                <a:solidFill>
+                  <a:schemeClr val="tx1"/>
+                </a:solidFill>
+                <a:latin typeface="+mn-lt"/>
+                <a:ea typeface="+mn-ea"/>
+                <a:cs typeface="+mn-cs"/>
+              </a:rPr>
+              <a:t>works in the enterprise - cleanest 4 yr old codebase I've ever worked on, wouldn't gain much if I could rewrite </a:t>
+            </a:r>
+            <a:r>
+              <a:rPr lang="en-US" sz="1200" b="0" i="0" kern="1200" dirty="0" smtClean="0">
+                <a:solidFill>
+                  <a:schemeClr val="tx1"/>
+                </a:solidFill>
+                <a:latin typeface="+mn-lt"/>
+                <a:ea typeface="+mn-ea"/>
+                <a:cs typeface="+mn-cs"/>
+              </a:rPr>
+              <a:t>it</a:t>
+            </a:r>
+          </a:p>
+          <a:p>
+            <a:pPr>
+              <a:buFontTx/>
+              <a:buChar char="-"/>
+            </a:pPr>
+            <a:r>
+              <a:rPr lang="en-US" sz="1200" b="0" i="0" kern="1200" dirty="0" smtClean="0">
+                <a:solidFill>
+                  <a:schemeClr val="tx1"/>
+                </a:solidFill>
+                <a:latin typeface="+mn-lt"/>
+                <a:ea typeface="+mn-ea"/>
+                <a:cs typeface="+mn-cs"/>
+              </a:rPr>
+              <a:t>Lots</a:t>
+            </a:r>
+            <a:r>
+              <a:rPr lang="en-US" sz="1200" b="0" i="0" kern="1200" baseline="0" dirty="0" smtClean="0">
+                <a:solidFill>
+                  <a:schemeClr val="tx1"/>
+                </a:solidFill>
+                <a:latin typeface="+mn-lt"/>
+                <a:ea typeface="+mn-ea"/>
+                <a:cs typeface="+mn-cs"/>
+              </a:rPr>
+              <a:t> of big companies using Rails (Twitter, </a:t>
+            </a:r>
+            <a:r>
+              <a:rPr lang="en-US" sz="1200" b="0" i="0" kern="1200" baseline="0" dirty="0" err="1" smtClean="0">
+                <a:solidFill>
+                  <a:schemeClr val="tx1"/>
+                </a:solidFill>
+                <a:latin typeface="+mn-lt"/>
+                <a:ea typeface="+mn-ea"/>
+                <a:cs typeface="+mn-cs"/>
+              </a:rPr>
+              <a:t>Github</a:t>
+            </a:r>
+            <a:r>
+              <a:rPr lang="en-US" sz="1200" b="0" i="0" kern="1200" baseline="0" dirty="0" smtClean="0">
+                <a:solidFill>
+                  <a:schemeClr val="tx1"/>
+                </a:solidFill>
+                <a:latin typeface="+mn-lt"/>
+                <a:ea typeface="+mn-ea"/>
+                <a:cs typeface="+mn-cs"/>
+              </a:rPr>
+              <a:t>, </a:t>
+            </a:r>
+            <a:r>
+              <a:rPr lang="en-US" sz="1200" b="0" i="0" kern="1200" baseline="0" dirty="0" err="1" smtClean="0">
+                <a:solidFill>
+                  <a:schemeClr val="tx1"/>
+                </a:solidFill>
+                <a:latin typeface="+mn-lt"/>
+                <a:ea typeface="+mn-ea"/>
+                <a:cs typeface="+mn-cs"/>
+              </a:rPr>
+              <a:t>Hulu</a:t>
+            </a:r>
+            <a:r>
+              <a:rPr lang="en-US" sz="1200" b="0" i="0" kern="1200" baseline="0" dirty="0" smtClean="0">
+                <a:solidFill>
+                  <a:schemeClr val="tx1"/>
+                </a:solidFill>
+                <a:latin typeface="+mn-lt"/>
+                <a:ea typeface="+mn-ea"/>
+                <a:cs typeface="+mn-cs"/>
+              </a:rPr>
+              <a:t>, </a:t>
+            </a:r>
+            <a:r>
+              <a:rPr lang="en-US" sz="1200" b="0" i="0" kern="1200" baseline="0" dirty="0" err="1" smtClean="0">
+                <a:solidFill>
+                  <a:schemeClr val="tx1"/>
+                </a:solidFill>
+                <a:latin typeface="+mn-lt"/>
+                <a:ea typeface="+mn-ea"/>
+                <a:cs typeface="+mn-cs"/>
+              </a:rPr>
+              <a:t>Groupon</a:t>
+            </a:r>
+            <a:r>
+              <a:rPr lang="en-US" sz="1200" b="0" i="0" kern="1200" baseline="0" dirty="0" smtClean="0">
+                <a:solidFill>
+                  <a:schemeClr val="tx1"/>
+                </a:solidFill>
+                <a:latin typeface="+mn-lt"/>
+                <a:ea typeface="+mn-ea"/>
+                <a:cs typeface="+mn-cs"/>
+              </a:rPr>
+              <a:t>)</a:t>
+            </a:r>
+          </a:p>
+          <a:p>
+            <a:pPr>
+              <a:buFontTx/>
+              <a:buChar char="-"/>
+            </a:pPr>
+            <a:endParaRPr lang="en-US" dirty="0" smtClean="0"/>
+          </a:p>
+          <a:p>
+            <a:r>
+              <a:rPr lang="en-US" sz="1200" b="0" i="0" kern="1200" dirty="0" smtClean="0">
+                <a:solidFill>
+                  <a:schemeClr val="tx1"/>
+                </a:solidFill>
+                <a:latin typeface="+mn-lt"/>
+                <a:ea typeface="+mn-ea"/>
+                <a:cs typeface="+mn-cs"/>
+              </a:rPr>
+              <a:t>-not "switching to Ruby", not "leaving .NET"- don't be afraid of leaving your comfort zone (framework, language, syntax, etc.)- you will learn things that will help you on other platforms/languages</a:t>
+            </a:r>
+          </a:p>
+          <a:p>
+            <a:r>
+              <a:rPr lang="en-US" sz="1200" b="0" i="0" kern="1200" dirty="0" smtClean="0">
+                <a:solidFill>
+                  <a:schemeClr val="tx1"/>
+                </a:solidFill>
+                <a:latin typeface="+mn-lt"/>
+                <a:ea typeface="+mn-ea"/>
+                <a:cs typeface="+mn-cs"/>
+              </a:rPr>
+              <a:t>-Ruby</a:t>
+            </a:r>
+            <a:r>
+              <a:rPr lang="en-US" sz="1200" b="0" i="0" kern="1200" baseline="0" dirty="0" smtClean="0">
+                <a:solidFill>
+                  <a:schemeClr val="tx1"/>
+                </a:solidFill>
+                <a:latin typeface="+mn-lt"/>
+                <a:ea typeface="+mn-ea"/>
+                <a:cs typeface="+mn-cs"/>
+              </a:rPr>
+              <a:t> on Rails is just another tool in my toolbox (that happens to be really good at building web applications)</a:t>
+            </a:r>
+            <a:endParaRPr lang="en-US" dirty="0" smtClean="0"/>
+          </a:p>
+          <a:p>
             <a:endParaRPr lang="en-US" dirty="0"/>
           </a:p>
         </p:txBody>
@@ -1077,6 +1226,170 @@
 </p:notes>
 </file>
 
+<file path=ppt/notesSlides/notesSlide15.xml><?xml version="1.0" encoding="utf-8"?>
+<p:notes xmlns:a="http://schemas.openxmlformats.org/drawingml/2006/main" xmlns:r="http://schemas.openxmlformats.org/officeDocument/2006/relationships" xmlns:p="http://schemas.openxmlformats.org/presentationml/2006/main">
+  <p:cSld>
+    <p:spTree>
+      <p:nvGrpSpPr>
+        <p:cNvPr id="1" name=""/>
+        <p:cNvGrpSpPr/>
+        <p:nvPr/>
+      </p:nvGrpSpPr>
+      <p:grpSpPr>
+        <a:xfrm>
+          <a:off x="0" y="0"/>
+          <a:ext cx="0" cy="0"/>
+          <a:chOff x="0" y="0"/>
+          <a:chExt cx="0" cy="0"/>
+        </a:xfrm>
+      </p:grpSpPr>
+      <p:sp>
+        <p:nvSpPr>
+          <p:cNvPr id="2" name="Slide Image Placeholder 1"/>
+          <p:cNvSpPr>
+            <a:spLocks noGrp="1" noRot="1" noChangeAspect="1"/>
+          </p:cNvSpPr>
+          <p:nvPr>
+            <p:ph type="sldImg"/>
+          </p:nvPr>
+        </p:nvSpPr>
+        <p:spPr/>
+      </p:sp>
+      <p:sp>
+        <p:nvSpPr>
+          <p:cNvPr id="3" name="Notes Placeholder 2"/>
+          <p:cNvSpPr>
+            <a:spLocks noGrp="1"/>
+          </p:cNvSpPr>
+          <p:nvPr>
+            <p:ph type="body" idx="1"/>
+          </p:nvPr>
+        </p:nvSpPr>
+        <p:spPr/>
+        <p:txBody>
+          <a:bodyPr>
+            <a:normAutofit/>
+          </a:bodyPr>
+          <a:lstStyle/>
+          <a:p>
+            <a:endParaRPr lang="en-US" dirty="0"/>
+          </a:p>
+        </p:txBody>
+      </p:sp>
+      <p:sp>
+        <p:nvSpPr>
+          <p:cNvPr id="4" name="Slide Number Placeholder 3"/>
+          <p:cNvSpPr>
+            <a:spLocks noGrp="1"/>
+          </p:cNvSpPr>
+          <p:nvPr>
+            <p:ph type="sldNum" sz="quarter" idx="10"/>
+          </p:nvPr>
+        </p:nvSpPr>
+        <p:spPr/>
+        <p:txBody>
+          <a:bodyPr/>
+          <a:lstStyle/>
+          <a:p>
+            <a:fld id="{46B52E04-8F68-435C-880A-7C7B12D9BA2F}" type="slidenum">
+              <a:rPr lang="en-US" smtClean="0"/>
+              <a:pPr/>
+              <a:t>30</a:t>
+            </a:fld>
+            <a:endParaRPr lang="en-US"/>
+          </a:p>
+        </p:txBody>
+      </p:sp>
+    </p:spTree>
+  </p:cSld>
+  <p:clrMapOvr>
+    <a:masterClrMapping/>
+  </p:clrMapOvr>
+</p:notes>
+</file>
+
+<file path=ppt/notesSlides/notesSlide16.xml><?xml version="1.0" encoding="utf-8"?>
+<p:notes xmlns:a="http://schemas.openxmlformats.org/drawingml/2006/main" xmlns:r="http://schemas.openxmlformats.org/officeDocument/2006/relationships" xmlns:p="http://schemas.openxmlformats.org/presentationml/2006/main">
+  <p:cSld>
+    <p:spTree>
+      <p:nvGrpSpPr>
+        <p:cNvPr id="1" name=""/>
+        <p:cNvGrpSpPr/>
+        <p:nvPr/>
+      </p:nvGrpSpPr>
+      <p:grpSpPr>
+        <a:xfrm>
+          <a:off x="0" y="0"/>
+          <a:ext cx="0" cy="0"/>
+          <a:chOff x="0" y="0"/>
+          <a:chExt cx="0" cy="0"/>
+        </a:xfrm>
+      </p:grpSpPr>
+      <p:sp>
+        <p:nvSpPr>
+          <p:cNvPr id="2" name="Slide Image Placeholder 1"/>
+          <p:cNvSpPr>
+            <a:spLocks noGrp="1" noRot="1" noChangeAspect="1"/>
+          </p:cNvSpPr>
+          <p:nvPr>
+            <p:ph type="sldImg"/>
+          </p:nvPr>
+        </p:nvSpPr>
+        <p:spPr/>
+      </p:sp>
+      <p:sp>
+        <p:nvSpPr>
+          <p:cNvPr id="3" name="Notes Placeholder 2"/>
+          <p:cNvSpPr>
+            <a:spLocks noGrp="1"/>
+          </p:cNvSpPr>
+          <p:nvPr>
+            <p:ph type="body" idx="1"/>
+          </p:nvPr>
+        </p:nvSpPr>
+        <p:spPr/>
+        <p:txBody>
+          <a:bodyPr>
+            <a:normAutofit/>
+          </a:bodyPr>
+          <a:lstStyle/>
+          <a:p>
+            <a:endParaRPr lang="en-US" dirty="0"/>
+          </a:p>
+        </p:txBody>
+      </p:sp>
+      <p:sp>
+        <p:nvSpPr>
+          <p:cNvPr id="4" name="Slide Number Placeholder 3"/>
+          <p:cNvSpPr>
+            <a:spLocks noGrp="1"/>
+          </p:cNvSpPr>
+          <p:nvPr>
+            <p:ph type="sldNum" sz="quarter" idx="10"/>
+          </p:nvPr>
+        </p:nvSpPr>
+        <p:spPr/>
+        <p:txBody>
+          <a:bodyPr/>
+          <a:lstStyle/>
+          <a:p>
+            <a:fld id="{46B52E04-8F68-435C-880A-7C7B12D9BA2F}" type="slidenum">
+              <a:rPr lang="en-US" smtClean="0"/>
+              <a:pPr/>
+              <a:t>31</a:t>
+            </a:fld>
+            <a:endParaRPr lang="en-US"/>
+          </a:p>
+        </p:txBody>
+      </p:sp>
+    </p:spTree>
+  </p:cSld>
+  <p:clrMapOvr>
+    <a:masterClrMapping/>
+  </p:clrMapOvr>
+</p:notes>
+</file>
+
 <file path=ppt/notesSlides/notesSlide2.xml><?xml version="1.0" encoding="utf-8"?>
 <p:notes xmlns:a="http://schemas.openxmlformats.org/drawingml/2006/main" xmlns:r="http://schemas.openxmlformats.org/officeDocument/2006/relationships" xmlns:p="http://schemas.openxmlformats.org/presentationml/2006/main">
   <p:cSld>
@@ -1125,11 +1438,7 @@
           <a:p>
             <a:r>
               <a:rPr lang="en-US" dirty="0" smtClean="0"/>
-              <a:t>Things</a:t>
-            </a:r>
-            <a:r>
-              <a:rPr lang="en-US" baseline="0" dirty="0" smtClean="0"/>
-              <a:t> that got annoying…</a:t>
+              <a:t>Ever been annoyed by:</a:t>
             </a:r>
           </a:p>
           <a:p>
@@ -1138,8 +1447,12 @@
               <a:buChar char="-"/>
             </a:pPr>
             <a:r>
+              <a:rPr lang="en-US" dirty="0" smtClean="0"/>
+              <a:t>Not</a:t>
+            </a:r>
+            <a:r>
               <a:rPr lang="en-US" baseline="0" dirty="0" smtClean="0"/>
-              <a:t>Generic constraint errors</a:t>
+              <a:t> being able to override a method unless it’s marked as virtual</a:t>
             </a:r>
           </a:p>
           <a:p>
@@ -1149,7 +1462,7 @@
             </a:pPr>
             <a:r>
               <a:rPr lang="en-US" baseline="0" dirty="0" smtClean="0"/>
-              <a:t>Sealed classes and methods</a:t>
+              <a:t>Not being able to inherit from a sealed class</a:t>
             </a:r>
           </a:p>
           <a:p>
@@ -1159,7 +1472,56 @@
             </a:pPr>
             <a:r>
               <a:rPr lang="en-US" baseline="0" dirty="0" smtClean="0"/>
-              <a:t>The fact that I have to wait for everything to compile</a:t>
+              <a:t>Getting generic constraint errors</a:t>
+            </a:r>
+          </a:p>
+          <a:p>
+            <a:pPr>
+              <a:buFontTx/>
+              <a:buChar char="-"/>
+            </a:pPr>
+            <a:r>
+              <a:rPr lang="en-US" baseline="0" dirty="0" smtClean="0"/>
+              <a:t>Not being able to add methods to an existing class</a:t>
+            </a:r>
+          </a:p>
+          <a:p>
+            <a:pPr>
+              <a:buFontTx/>
+              <a:buChar char="-"/>
+            </a:pPr>
+            <a:r>
+              <a:rPr lang="en-US" baseline="0" dirty="0" smtClean="0"/>
+              <a:t>Not having </a:t>
+            </a:r>
+            <a:r>
+              <a:rPr lang="en-US" baseline="0" dirty="0" err="1" smtClean="0"/>
+              <a:t>mixins</a:t>
+            </a:r>
+            <a:endParaRPr lang="en-US" baseline="0" dirty="0" smtClean="0"/>
+          </a:p>
+          <a:p>
+            <a:pPr>
+              <a:buFontTx/>
+              <a:buChar char="-"/>
+            </a:pPr>
+            <a:r>
+              <a:rPr lang="en-US" baseline="0" dirty="0" smtClean="0"/>
+              <a:t>Having to use dependency injection in order to test</a:t>
+            </a:r>
+          </a:p>
+          <a:p>
+            <a:pPr>
+              <a:buFontTx/>
+              <a:buChar char="-"/>
+            </a:pPr>
+            <a:r>
+              <a:rPr lang="en-US" dirty="0" smtClean="0"/>
+              <a:t>Having to</a:t>
+            </a:r>
+            <a:r>
+              <a:rPr lang="en-US" baseline="0" dirty="0" smtClean="0"/>
+              <a:t> compile your code every time you change anything</a:t>
             </a:r>
             <a:endParaRPr lang="en-US" dirty="0"/>
           </a:p>
@@ -1243,6 +1605,44 @@
           </a:bodyPr>
           <a:lstStyle/>
           <a:p>
+            <a:r>
+              <a:rPr lang="en-US" dirty="0" smtClean="0"/>
+              <a:t>Things</a:t>
+            </a:r>
+            <a:r>
+              <a:rPr lang="en-US" baseline="0" dirty="0" smtClean="0"/>
+              <a:t> that got annoying…</a:t>
+            </a:r>
+          </a:p>
+          <a:p>
+            <a:pPr>
+              <a:buFontTx/>
+              <a:buChar char="-"/>
+            </a:pPr>
+            <a:r>
+              <a:rPr lang="en-US" baseline="0" dirty="0" smtClean="0"/>
+              <a:t>Generic constraint errors</a:t>
+            </a:r>
+          </a:p>
+          <a:p>
+            <a:pPr>
+              <a:buFontTx/>
+              <a:buChar char="-"/>
+            </a:pPr>
+            <a:r>
+              <a:rPr lang="en-US" baseline="0" dirty="0" smtClean="0"/>
+              <a:t>Sealed classes and methods</a:t>
+            </a:r>
+          </a:p>
+          <a:p>
+            <a:pPr>
+              <a:buFontTx/>
+              <a:buChar char="-"/>
+            </a:pPr>
+            <a:r>
+              <a:rPr lang="en-US" baseline="0" dirty="0" smtClean="0"/>
+              <a:t>The fact that I have to wait for everything to compile</a:t>
+            </a:r>
             <a:endParaRPr lang="en-US" dirty="0"/>
           </a:p>
         </p:txBody>
@@ -1325,44 +1725,6 @@
           </a:bodyPr>
           <a:lstStyle/>
           <a:p>
-            <a:r>
-              <a:rPr lang="en-US" dirty="0" smtClean="0"/>
-              <a:t>Things</a:t>
-            </a:r>
-            <a:r>
-              <a:rPr lang="en-US" baseline="0" dirty="0" smtClean="0"/>
-              <a:t> that got annoying…</a:t>
-            </a:r>
-          </a:p>
-          <a:p>
-            <a:pPr>
-              <a:buFontTx/>
-              <a:buChar char="-"/>
-            </a:pPr>
-            <a:r>
-              <a:rPr lang="en-US" baseline="0" dirty="0" smtClean="0"/>
-              <a:t>Generic constraint errors</a:t>
-            </a:r>
-          </a:p>
-          <a:p>
-            <a:pPr>
-              <a:buFontTx/>
-              <a:buChar char="-"/>
-            </a:pPr>
-            <a:r>
-              <a:rPr lang="en-US" baseline="0" dirty="0" smtClean="0"/>
-              <a:t>Sealed classes and methods</a:t>
-            </a:r>
-          </a:p>
-          <a:p>
-            <a:pPr>
-              <a:buFontTx/>
-              <a:buChar char="-"/>
-            </a:pPr>
-            <a:r>
-              <a:rPr lang="en-US" baseline="0" dirty="0" smtClean="0"/>
-              <a:t>The fact that I have to wait for everything to compile</a:t>
-            </a:r>
             <a:endParaRPr lang="en-US" dirty="0"/>
           </a:p>
         </p:txBody>
@@ -1445,6 +1807,31 @@
           </a:bodyPr>
           <a:lstStyle/>
           <a:p>
+            <a:r>
+              <a:rPr lang="en-US" dirty="0" smtClean="0"/>
+              <a:t>Code and</a:t>
+            </a:r>
+            <a:r>
+              <a:rPr lang="en-US" baseline="0" dirty="0" smtClean="0"/>
+              <a:t> coffee</a:t>
+            </a:r>
+            <a:endParaRPr lang="en-US" dirty="0" smtClean="0"/>
+          </a:p>
+          <a:p>
+            <a:r>
+              <a:rPr lang="en-US" dirty="0" smtClean="0"/>
+              <a:t>Rails</a:t>
+            </a:r>
+            <a:r>
+              <a:rPr lang="en-US" baseline="0" dirty="0" smtClean="0"/>
+              <a:t> for .NET Developers</a:t>
+            </a:r>
+          </a:p>
+          <a:p>
+            <a:r>
+              <a:rPr lang="en-US" baseline="0" dirty="0" smtClean="0"/>
+              <a:t>Practice problems</a:t>
+            </a:r>
             <a:endParaRPr lang="en-US" dirty="0"/>
           </a:p>
         </p:txBody>
@@ -1713,7 +2100,7 @@
             <a:fld id="{46B52E04-8F68-435C-880A-7C7B12D9BA2F}" type="slidenum">
               <a:rPr lang="en-US" smtClean="0"/>
               <a:pPr/>
-              <a:t>20</a:t>
+              <a:t>14</a:t>
             </a:fld>
             <a:endParaRPr lang="en-US"/>
           </a:p>
@@ -1969,7 +2356,7 @@
             <a:fld id="{C3F416CD-67A3-4CF0-A210-F6AF31AC147F}" type="datetimeFigureOut">
               <a:rPr lang="en-US" smtClean="0"/>
               <a:pPr/>
-              <a:t>1/2/2011</a:t>
+              <a:t>1/12/2011</a:t>
             </a:fld>
             <a:endParaRPr lang="en-US"/>
           </a:p>
@@ -2149,7 +2536,7 @@
             <a:fld id="{C3F416CD-67A3-4CF0-A210-F6AF31AC147F}" type="datetimeFigureOut">
               <a:rPr lang="en-US" smtClean="0"/>
               <a:pPr/>
-              <a:t>1/2/2011</a:t>
+              <a:t>1/12/2011</a:t>
             </a:fld>
             <a:endParaRPr lang="en-US"/>
           </a:p>
@@ -2326,7 +2713,7 @@
             <a:fld id="{C3F416CD-67A3-4CF0-A210-F6AF31AC147F}" type="datetimeFigureOut">
               <a:rPr lang="en-US" smtClean="0"/>
               <a:pPr/>
-              <a:t>1/2/2011</a:t>
+              <a:t>1/12/2011</a:t>
             </a:fld>
             <a:endParaRPr lang="en-US"/>
           </a:p>
@@ -2493,7 +2880,7 @@
             <a:fld id="{C3F416CD-67A3-4CF0-A210-F6AF31AC147F}" type="datetimeFigureOut">
               <a:rPr lang="en-US" smtClean="0"/>
               <a:pPr/>
-              <a:t>1/2/2011</a:t>
+              <a:t>1/12/2011</a:t>
             </a:fld>
             <a:endParaRPr lang="en-US"/>
           </a:p>
@@ -2706,7 +3093,7 @@
             <a:fld id="{C3F416CD-67A3-4CF0-A210-F6AF31AC147F}" type="datetimeFigureOut">
               <a:rPr lang="en-US" smtClean="0"/>
               <a:pPr/>
-              <a:t>1/2/2011</a:t>
+              <a:t>1/12/2011</a:t>
             </a:fld>
             <a:endParaRPr lang="en-US"/>
           </a:p>
@@ -2991,7 +3378,7 @@
             <a:fld id="{C3F416CD-67A3-4CF0-A210-F6AF31AC147F}" type="datetimeFigureOut">
               <a:rPr lang="en-US" smtClean="0"/>
               <a:pPr/>
-              <a:t>1/2/2011</a:t>
+              <a:t>1/12/2011</a:t>
             </a:fld>
             <a:endParaRPr lang="en-US"/>
           </a:p>
@@ -3423,7 +3810,7 @@
             <a:fld id="{C3F416CD-67A3-4CF0-A210-F6AF31AC147F}" type="datetimeFigureOut">
               <a:rPr lang="en-US" smtClean="0"/>
               <a:pPr algn="l" eaLnBrk="1" latinLnBrk="0" hangingPunct="1"/>
-              <a:t>1/2/2011</a:t>
+              <a:t>1/12/2011</a:t>
             </a:fld>
             <a:endParaRPr lang="en-US"/>
           </a:p>
@@ -3543,7 +3930,7 @@
             <a:fld id="{C3F416CD-67A3-4CF0-A210-F6AF31AC147F}" type="datetimeFigureOut">
               <a:rPr lang="en-US" smtClean="0"/>
               <a:pPr/>
-              <a:t>1/2/2011</a:t>
+              <a:t>1/12/2011</a:t>
             </a:fld>
             <a:endParaRPr lang="en-US"/>
           </a:p>
@@ -3635,7 +4022,7 @@
             <a:fld id="{C3F416CD-67A3-4CF0-A210-F6AF31AC147F}" type="datetimeFigureOut">
               <a:rPr lang="en-US" smtClean="0"/>
               <a:pPr/>
-              <a:t>1/2/2011</a:t>
+              <a:t>1/12/2011</a:t>
             </a:fld>
             <a:endParaRPr lang="en-US"/>
           </a:p>
@@ -3926,7 +4313,7 @@
             <a:fld id="{C3F416CD-67A3-4CF0-A210-F6AF31AC147F}" type="datetimeFigureOut">
               <a:rPr lang="en-US" smtClean="0"/>
               <a:pPr/>
-              <a:t>1/2/2011</a:t>
+              <a:t>1/12/2011</a:t>
             </a:fld>
             <a:endParaRPr lang="en-US"/>
           </a:p>
@@ -4253,7 +4640,7 @@
             <a:fld id="{C3F416CD-67A3-4CF0-A210-F6AF31AC147F}" type="datetimeFigureOut">
               <a:rPr lang="en-US" smtClean="0"/>
               <a:pPr/>
-              <a:t>1/2/2011</a:t>
+              <a:t>1/12/2011</a:t>
             </a:fld>
             <a:endParaRPr lang="en-US"/>
           </a:p>
@@ -4474,7 +4861,7 @@
             <a:fld id="{C3F416CD-67A3-4CF0-A210-F6AF31AC147F}" type="datetimeFigureOut">
               <a:rPr lang="en-US" smtClean="0"/>
               <a:pPr algn="l" eaLnBrk="1" latinLnBrk="0" hangingPunct="1"/>
-              <a:t>1/2/2011</a:t>
+              <a:t>1/12/2011</a:t>
             </a:fld>
             <a:endParaRPr lang="en-US" sz="800" dirty="0">
               <a:solidFill>
@@ -4898,24 +5285,45 @@
             <p:ph type="title"/>
           </p:nvPr>
         </p:nvSpPr>
-        <p:spPr>
+        <p:spPr/>
+        <p:txBody>
+          <a:bodyPr/>
+          <a:lstStyle/>
+          <a:p>
+            <a:r>
+              <a:rPr lang="en-US" dirty="0" smtClean="0"/>
+              <a:t>Why Ruby?</a:t>
+            </a:r>
+            <a:endParaRPr lang="en-US" dirty="0"/>
+          </a:p>
+        </p:txBody>
+      </p:sp>
+      <p:pic>
+        <p:nvPicPr>
+          <p:cNvPr id="27650" name="Picture 2" descr="http://www.hearos.com/images/nascar-race.jpg"/>
+          <p:cNvPicPr>
+            <a:picLocks noChangeAspect="1" noChangeArrowheads="1"/>
+          </p:cNvPicPr>
+          <p:nvPr/>
+        </p:nvPicPr>
+        <p:blipFill>
+          <a:blip r:embed="rId3" cstate="print"/>
+          <a:srcRect/>
+          <a:stretch>
+            <a:fillRect/>
+          </a:stretch>
+        </p:blipFill>
+        <p:spPr bwMode="auto">
           <a:xfrm>
-            <a:off x="457200" y="2590800"/>
-            <a:ext cx="8229600" cy="1143000"/>
+            <a:off x="1676400" y="1752600"/>
+            <a:ext cx="5892800" cy="4419600"/>
           </a:xfrm>
+          <a:prstGeom prst="rect">
+            <a:avLst/>
+          </a:prstGeom>
+          <a:noFill/>
         </p:spPr>
-        <p:txBody>
-          <a:bodyPr/>
-          <a:lstStyle/>
-          <a:p>
-            <a:r>
-              <a:rPr lang="en-US" dirty="0" smtClean="0"/>
-              <a:t>How I Learned Ruby on Rails</a:t>
-            </a:r>
-            <a:endParaRPr lang="en-US" dirty="0"/>
-          </a:p>
-        </p:txBody>
-      </p:sp>
+      </p:pic>
     </p:spTree>
   </p:cSld>
   <p:clrMapOvr>
@@ -4925,6 +5333,59 @@
 </file>
 
 <file path=ppt/slides/slide11.xml><?xml version="1.0" encoding="utf-8"?>
+<p:sld xmlns:a="http://schemas.openxmlformats.org/drawingml/2006/main" xmlns:r="http://schemas.openxmlformats.org/officeDocument/2006/relationships" xmlns:p="http://schemas.openxmlformats.org/presentationml/2006/main">
+  <p:cSld>
+    <p:spTree>
+      <p:nvGrpSpPr>
+        <p:cNvPr id="1" name=""/>
+        <p:cNvGrpSpPr/>
+        <p:nvPr/>
+      </p:nvGrpSpPr>
+      <p:grpSpPr>
+        <a:xfrm>
+          <a:off x="0" y="0"/>
+          <a:ext cx="0" cy="0"/>
+          <a:chOff x="0" y="0"/>
+          <a:chExt cx="0" cy="0"/>
+        </a:xfrm>
+      </p:grpSpPr>
+      <p:sp>
+        <p:nvSpPr>
+          <p:cNvPr id="2" name="Title 1"/>
+          <p:cNvSpPr>
+            <a:spLocks noGrp="1"/>
+          </p:cNvSpPr>
+          <p:nvPr>
+            <p:ph type="title"/>
+          </p:nvPr>
+        </p:nvSpPr>
+        <p:spPr>
+          <a:xfrm>
+            <a:off x="457200" y="2590800"/>
+            <a:ext cx="8229600" cy="1143000"/>
+          </a:xfrm>
+        </p:spPr>
+        <p:txBody>
+          <a:bodyPr/>
+          <a:lstStyle/>
+          <a:p>
+            <a:r>
+              <a:rPr lang="en-US" dirty="0" smtClean="0"/>
+              <a:t>How I Learned Ruby on Rails</a:t>
+            </a:r>
+            <a:endParaRPr lang="en-US" dirty="0"/>
+          </a:p>
+        </p:txBody>
+      </p:sp>
+    </p:spTree>
+  </p:cSld>
+  <p:clrMapOvr>
+    <a:masterClrMapping/>
+  </p:clrMapOvr>
+</p:sld>
+</file>
+
+<file path=ppt/slides/slide12.xml><?xml version="1.0" encoding="utf-8"?>
 <p:sld xmlns:a="http://schemas.openxmlformats.org/drawingml/2006/main" xmlns:r="http://schemas.openxmlformats.org/officeDocument/2006/relationships" xmlns:p="http://schemas.openxmlformats.org/presentationml/2006/main">
   <p:cSld>
     <p:spTree>
@@ -5005,115 +5466,6 @@
 </p:sld>
 </file>
 
-<file path=ppt/slides/slide12.xml><?xml version="1.0" encoding="utf-8"?>
-<p:sld xmlns:a="http://schemas.openxmlformats.org/drawingml/2006/main" xmlns:r="http://schemas.openxmlformats.org/officeDocument/2006/relationships" xmlns:p="http://schemas.openxmlformats.org/presentationml/2006/main">
-  <p:cSld>
-    <p:spTree>
-      <p:nvGrpSpPr>
-        <p:cNvPr id="1" name=""/>
-        <p:cNvGrpSpPr/>
-        <p:nvPr/>
-      </p:nvGrpSpPr>
-      <p:grpSpPr>
-        <a:xfrm>
-          <a:off x="0" y="0"/>
-          <a:ext cx="0" cy="0"/>
-          <a:chOff x="0" y="0"/>
-          <a:chExt cx="0" cy="0"/>
-        </a:xfrm>
-      </p:grpSpPr>
-      <p:sp>
-        <p:nvSpPr>
-          <p:cNvPr id="2" name="Title 1"/>
-          <p:cNvSpPr>
-            <a:spLocks noGrp="1"/>
-          </p:cNvSpPr>
-          <p:nvPr>
-            <p:ph type="title"/>
-          </p:nvPr>
-        </p:nvSpPr>
-        <p:spPr/>
-        <p:txBody>
-          <a:bodyPr/>
-          <a:lstStyle/>
-          <a:p>
-            <a:r>
-              <a:rPr lang="en-US" dirty="0" smtClean="0"/>
-              <a:t>What I’ve Learned</a:t>
-            </a:r>
-            <a:endParaRPr lang="en-US" dirty="0"/>
-          </a:p>
-        </p:txBody>
-      </p:sp>
-      <p:sp>
-        <p:nvSpPr>
-          <p:cNvPr id="4" name="Content Placeholder 3"/>
-          <p:cNvSpPr>
-            <a:spLocks noGrp="1"/>
-          </p:cNvSpPr>
-          <p:nvPr>
-            <p:ph idx="1"/>
-          </p:nvPr>
-        </p:nvSpPr>
-        <p:spPr/>
-        <p:txBody>
-          <a:bodyPr>
-            <a:normAutofit/>
-          </a:bodyPr>
-          <a:lstStyle/>
-          <a:p>
-            <a:pPr algn="ctr">
-              <a:buNone/>
-            </a:pPr>
-            <a:endParaRPr lang="en-US" sz="3600" dirty="0" smtClean="0"/>
-          </a:p>
-          <a:p>
-            <a:pPr algn="ctr">
-              <a:buNone/>
-            </a:pPr>
-            <a:endParaRPr lang="en-US" sz="3600" dirty="0" smtClean="0"/>
-          </a:p>
-          <a:p>
-            <a:pPr algn="ctr">
-              <a:buNone/>
-            </a:pPr>
-            <a:endParaRPr lang="en-US" sz="3600" dirty="0" smtClean="0"/>
-          </a:p>
-          <a:p>
-            <a:pPr algn="ctr">
-              <a:buNone/>
-            </a:pPr>
-            <a:r>
-              <a:rPr lang="en-US" sz="3600" dirty="0" smtClean="0"/>
-              <a:t>ASP </a:t>
-            </a:r>
-            <a:r>
-              <a:rPr lang="en-US" sz="3600" dirty="0" smtClean="0"/>
-              <a:t>.NET MVC and Rails are very </a:t>
-            </a:r>
-            <a:r>
-              <a:rPr lang="en-US" sz="3600" dirty="0" smtClean="0"/>
-              <a:t>similar</a:t>
-            </a:r>
-            <a:endParaRPr lang="en-US" sz="3600" dirty="0" smtClean="0"/>
-          </a:p>
-        </p:txBody>
-      </p:sp>
-    </p:spTree>
-  </p:cSld>
-  <p:clrMapOvr>
-    <a:masterClrMapping/>
-  </p:clrMapOvr>
-  <p:timing>
-    <p:tnLst>
-      <p:par>
-        <p:cTn id="1" dur="indefinite" restart="never" nodeType="tmRoot"/>
-      </p:par>
-    </p:tnLst>
-  </p:timing>
-</p:sld>
-</file>
-
 <file path=ppt/slides/slide13.xml><?xml version="1.0" encoding="utf-8"?>
 <p:sld xmlns:a="http://schemas.openxmlformats.org/drawingml/2006/main" xmlns:r="http://schemas.openxmlformats.org/officeDocument/2006/relationships" xmlns:p="http://schemas.openxmlformats.org/presentationml/2006/main">
   <p:cSld>
@@ -5194,9 +5546,8 @@
             </a:pPr>
             <a:r>
               <a:rPr lang="en-US" sz="3600" dirty="0" smtClean="0"/>
-              <a:t>You can do more with less code</a:t>
-            </a:r>
-            <a:endParaRPr lang="en-US" sz="3600" dirty="0" smtClean="0"/>
+              <a:t>ASP .NET MVC and Rails are very similar</a:t>
+            </a:r>
           </a:p>
         </p:txBody>
       </p:sp>
@@ -5249,7 +5600,7 @@
           <a:p>
             <a:r>
               <a:rPr lang="en-US" dirty="0" smtClean="0"/>
-              <a:t>Doing more with less</a:t>
+              <a:t>What I’ve Learned</a:t>
             </a:r>
             <a:endParaRPr lang="en-US" dirty="0"/>
           </a:p>
@@ -5257,7 +5608,7 @@
       </p:sp>
       <p:sp>
         <p:nvSpPr>
-          <p:cNvPr id="3" name="Content Placeholder 2"/>
+          <p:cNvPr id="4" name="Content Placeholder 3"/>
           <p:cNvSpPr>
             <a:spLocks noGrp="1"/>
           </p:cNvSpPr>
@@ -5272,372 +5623,31 @@
           </a:bodyPr>
           <a:lstStyle/>
           <a:p>
-            <a:pPr>
-              <a:buNone/>
-            </a:pPr>
-            <a:r>
-              <a:rPr lang="en-US" sz="1500" dirty="0" smtClean="0">
-                <a:latin typeface="Lucida Console" pitchFamily="49" charset="0"/>
-              </a:rPr>
-              <a:t>create table Users</a:t>
-            </a:r>
-            <a:br>
-              <a:rPr lang="en-US" sz="1500" dirty="0" smtClean="0">
-                <a:latin typeface="Lucida Console" pitchFamily="49" charset="0"/>
-              </a:rPr>
-            </a:br>
-            <a:r>
-              <a:rPr lang="en-US" sz="1500" dirty="0" smtClean="0">
-                <a:latin typeface="Lucida Console" pitchFamily="49" charset="0"/>
-              </a:rPr>
-              <a:t>(</a:t>
-            </a:r>
-            <a:br>
-              <a:rPr lang="en-US" sz="1500" dirty="0" smtClean="0">
-                <a:latin typeface="Lucida Console" pitchFamily="49" charset="0"/>
-              </a:rPr>
-            </a:br>
-            <a:r>
-              <a:rPr lang="en-US" sz="1500" dirty="0" smtClean="0">
-                <a:latin typeface="Lucida Console" pitchFamily="49" charset="0"/>
-              </a:rPr>
-              <a:t>    id </a:t>
-            </a:r>
-            <a:r>
-              <a:rPr lang="en-US" sz="1500" dirty="0" err="1" smtClean="0">
-                <a:latin typeface="Lucida Console" pitchFamily="49" charset="0"/>
-              </a:rPr>
-              <a:t>int</a:t>
-            </a:r>
-            <a:r>
-              <a:rPr lang="en-US" sz="1500" dirty="0" smtClean="0">
-                <a:latin typeface="Lucida Console" pitchFamily="49" charset="0"/>
-              </a:rPr>
-              <a:t>,</a:t>
-            </a:r>
-            <a:br>
-              <a:rPr lang="en-US" sz="1500" dirty="0" smtClean="0">
-                <a:latin typeface="Lucida Console" pitchFamily="49" charset="0"/>
-              </a:rPr>
-            </a:br>
-            <a:r>
-              <a:rPr lang="en-US" sz="1500" dirty="0" smtClean="0">
-                <a:latin typeface="Lucida Console" pitchFamily="49" charset="0"/>
-              </a:rPr>
-              <a:t>    name </a:t>
-            </a:r>
-            <a:r>
-              <a:rPr lang="en-US" sz="1500" dirty="0" err="1" smtClean="0">
-                <a:latin typeface="Lucida Console" pitchFamily="49" charset="0"/>
-              </a:rPr>
-              <a:t>varchar</a:t>
-            </a:r>
-            <a:r>
-              <a:rPr lang="en-US" sz="1500" dirty="0" smtClean="0">
-                <a:latin typeface="Lucida Console" pitchFamily="49" charset="0"/>
-              </a:rPr>
-              <a:t>(100),</a:t>
-            </a:r>
-            <a:br>
-              <a:rPr lang="en-US" sz="1500" dirty="0" smtClean="0">
-                <a:latin typeface="Lucida Console" pitchFamily="49" charset="0"/>
-              </a:rPr>
-            </a:br>
-            <a:r>
-              <a:rPr lang="en-US" sz="1500" dirty="0" smtClean="0">
-                <a:latin typeface="Lucida Console" pitchFamily="49" charset="0"/>
-              </a:rPr>
-              <a:t>    </a:t>
-            </a:r>
-            <a:r>
-              <a:rPr lang="en-US" sz="1500" dirty="0" err="1" smtClean="0">
-                <a:latin typeface="Lucida Console" pitchFamily="49" charset="0"/>
-              </a:rPr>
-              <a:t>user_status_id</a:t>
-            </a:r>
-            <a:r>
-              <a:rPr lang="en-US" sz="1500" dirty="0" smtClean="0">
-                <a:latin typeface="Lucida Console" pitchFamily="49" charset="0"/>
-              </a:rPr>
-              <a:t> </a:t>
-            </a:r>
-            <a:r>
-              <a:rPr lang="en-US" sz="1500" dirty="0" err="1" smtClean="0">
-                <a:latin typeface="Lucida Console" pitchFamily="49" charset="0"/>
-              </a:rPr>
-              <a:t>int</a:t>
-            </a:r>
-            <a:r>
-              <a:rPr lang="en-US" sz="1500" dirty="0" smtClean="0">
-                <a:latin typeface="Lucida Console" pitchFamily="49" charset="0"/>
-              </a:rPr>
-              <a:t>,</a:t>
-            </a:r>
-            <a:br>
-              <a:rPr lang="en-US" sz="1500" dirty="0" smtClean="0">
-                <a:latin typeface="Lucida Console" pitchFamily="49" charset="0"/>
-              </a:rPr>
-            </a:br>
-            <a:r>
-              <a:rPr lang="en-US" sz="1500" dirty="0" smtClean="0">
-                <a:latin typeface="Lucida Console" pitchFamily="49" charset="0"/>
-              </a:rPr>
-              <a:t>    </a:t>
-            </a:r>
-            <a:r>
-              <a:rPr lang="en-US" sz="1500" dirty="0" err="1" smtClean="0">
-                <a:latin typeface="Lucida Console" pitchFamily="49" charset="0"/>
-              </a:rPr>
-              <a:t>created_at</a:t>
-            </a:r>
-            <a:r>
-              <a:rPr lang="en-US" sz="1500" dirty="0" smtClean="0">
-                <a:latin typeface="Lucida Console" pitchFamily="49" charset="0"/>
-              </a:rPr>
-              <a:t> </a:t>
-            </a:r>
-            <a:r>
-              <a:rPr lang="en-US" sz="1500" dirty="0" err="1" smtClean="0">
-                <a:latin typeface="Lucida Console" pitchFamily="49" charset="0"/>
-              </a:rPr>
-              <a:t>datetime</a:t>
-            </a:r>
-            <a:r>
-              <a:rPr lang="en-US" sz="1500" dirty="0" smtClean="0">
-                <a:latin typeface="Lucida Console" pitchFamily="49" charset="0"/>
-              </a:rPr>
-              <a:t>,</a:t>
-            </a:r>
-            <a:br>
-              <a:rPr lang="en-US" sz="1500" dirty="0" smtClean="0">
-                <a:latin typeface="Lucida Console" pitchFamily="49" charset="0"/>
-              </a:rPr>
-            </a:br>
-            <a:r>
-              <a:rPr lang="en-US" sz="1500" dirty="0" smtClean="0">
-                <a:latin typeface="Lucida Console" pitchFamily="49" charset="0"/>
-              </a:rPr>
-              <a:t>    </a:t>
-            </a:r>
-            <a:r>
-              <a:rPr lang="en-US" sz="1500" dirty="0" err="1" smtClean="0">
-                <a:latin typeface="Lucida Console" pitchFamily="49" charset="0"/>
-              </a:rPr>
-              <a:t>updated_at</a:t>
-            </a:r>
-            <a:r>
-              <a:rPr lang="en-US" sz="1500" dirty="0" smtClean="0">
-                <a:latin typeface="Lucida Console" pitchFamily="49" charset="0"/>
-              </a:rPr>
-              <a:t> </a:t>
-            </a:r>
-            <a:r>
-              <a:rPr lang="en-US" sz="1500" dirty="0" err="1" smtClean="0">
-                <a:latin typeface="Lucida Console" pitchFamily="49" charset="0"/>
-              </a:rPr>
-              <a:t>datetime</a:t>
-            </a:r>
-            <a:r>
-              <a:rPr lang="en-US" sz="1500" dirty="0" smtClean="0">
-                <a:latin typeface="Lucida Console" pitchFamily="49" charset="0"/>
-              </a:rPr>
-              <a:t/>
-            </a:r>
-            <a:br>
-              <a:rPr lang="en-US" sz="1500" dirty="0" smtClean="0">
-                <a:latin typeface="Lucida Console" pitchFamily="49" charset="0"/>
-              </a:rPr>
-            </a:br>
-            <a:r>
-              <a:rPr lang="en-US" sz="1500" dirty="0" smtClean="0">
-                <a:latin typeface="Lucida Console" pitchFamily="49" charset="0"/>
-              </a:rPr>
-              <a:t>)</a:t>
-            </a:r>
-          </a:p>
-          <a:p>
-            <a:pPr>
-              <a:buNone/>
-            </a:pPr>
-            <a:endParaRPr lang="en-US" sz="1500" dirty="0" smtClean="0">
-              <a:latin typeface="Lucida Console" pitchFamily="49" charset="0"/>
-            </a:endParaRPr>
-          </a:p>
-          <a:p>
-            <a:pPr>
-              <a:buNone/>
-            </a:pPr>
-            <a:r>
-              <a:rPr lang="en-US" sz="1500" dirty="0" smtClean="0">
-                <a:latin typeface="Lucida Console" pitchFamily="49" charset="0"/>
-              </a:rPr>
-              <a:t>class User &lt; </a:t>
-            </a:r>
-            <a:r>
-              <a:rPr lang="en-US" sz="1500" dirty="0" err="1" smtClean="0">
-                <a:latin typeface="Lucida Console" pitchFamily="49" charset="0"/>
-              </a:rPr>
-              <a:t>ActiveRecord</a:t>
-            </a:r>
-            <a:r>
-              <a:rPr lang="en-US" sz="1500" dirty="0" smtClean="0">
-                <a:latin typeface="Lucida Console" pitchFamily="49" charset="0"/>
-              </a:rPr>
-              <a:t>::Base</a:t>
-            </a:r>
-            <a:br>
-              <a:rPr lang="en-US" sz="1500" dirty="0" smtClean="0">
-                <a:latin typeface="Lucida Console" pitchFamily="49" charset="0"/>
-              </a:rPr>
-            </a:br>
-            <a:r>
-              <a:rPr lang="en-US" sz="1500" dirty="0" smtClean="0">
-                <a:latin typeface="Lucida Console" pitchFamily="49" charset="0"/>
-              </a:rPr>
-              <a:t>  </a:t>
-            </a:r>
-            <a:r>
-              <a:rPr lang="en-US" sz="1500" dirty="0" err="1" smtClean="0">
-                <a:latin typeface="Lucida Console" pitchFamily="49" charset="0"/>
-              </a:rPr>
-              <a:t>belongs_to</a:t>
-            </a:r>
-            <a:r>
-              <a:rPr lang="en-US" sz="1500" dirty="0" smtClean="0">
-                <a:latin typeface="Lucida Console" pitchFamily="49" charset="0"/>
-              </a:rPr>
-              <a:t> :</a:t>
-            </a:r>
-            <a:r>
-              <a:rPr lang="en-US" sz="1500" dirty="0" err="1" smtClean="0">
-                <a:latin typeface="Lucida Console" pitchFamily="49" charset="0"/>
-              </a:rPr>
-              <a:t>user_status</a:t>
-            </a:r>
-            <a:r>
-              <a:rPr lang="en-US" sz="1500" dirty="0" smtClean="0">
-                <a:latin typeface="Lucida Console" pitchFamily="49" charset="0"/>
-              </a:rPr>
-              <a:t/>
-            </a:r>
-            <a:br>
-              <a:rPr lang="en-US" sz="1500" dirty="0" smtClean="0">
-                <a:latin typeface="Lucida Console" pitchFamily="49" charset="0"/>
-              </a:rPr>
-            </a:br>
-            <a:r>
-              <a:rPr lang="en-US" sz="1500" dirty="0" smtClean="0">
-                <a:latin typeface="Lucida Console" pitchFamily="49" charset="0"/>
-              </a:rPr>
-              <a:t>  </a:t>
-            </a:r>
-            <a:r>
-              <a:rPr lang="en-US" sz="1500" dirty="0" err="1" smtClean="0">
-                <a:latin typeface="Lucida Console" pitchFamily="49" charset="0"/>
-              </a:rPr>
-              <a:t>has_many</a:t>
-            </a:r>
-            <a:r>
-              <a:rPr lang="en-US" sz="1500" dirty="0" smtClean="0">
-                <a:latin typeface="Lucida Console" pitchFamily="49" charset="0"/>
-              </a:rPr>
-              <a:t> :roles, :through =&gt; :</a:t>
-            </a:r>
-            <a:r>
-              <a:rPr lang="en-US" sz="1500" dirty="0" err="1" smtClean="0">
-                <a:latin typeface="Lucida Console" pitchFamily="49" charset="0"/>
-              </a:rPr>
-              <a:t>user_roles</a:t>
-            </a:r>
-            <a:r>
-              <a:rPr lang="en-US" sz="1500" dirty="0" smtClean="0">
-                <a:latin typeface="Lucida Console" pitchFamily="49" charset="0"/>
-              </a:rPr>
-              <a:t/>
-            </a:r>
-            <a:br>
-              <a:rPr lang="en-US" sz="1500" dirty="0" smtClean="0">
-                <a:latin typeface="Lucida Console" pitchFamily="49" charset="0"/>
-              </a:rPr>
-            </a:br>
-            <a:r>
-              <a:rPr lang="en-US" sz="1500" dirty="0" smtClean="0">
-                <a:latin typeface="Lucida Console" pitchFamily="49" charset="0"/>
-              </a:rPr>
-              <a:t>  </a:t>
-            </a:r>
-            <a:r>
-              <a:rPr lang="en-US" sz="1500" dirty="0" err="1" smtClean="0">
-                <a:latin typeface="Lucida Console" pitchFamily="49" charset="0"/>
-              </a:rPr>
-              <a:t>validates_length_of</a:t>
-            </a:r>
-            <a:r>
-              <a:rPr lang="en-US" sz="1500" dirty="0" smtClean="0">
-                <a:latin typeface="Lucida Console" pitchFamily="49" charset="0"/>
-              </a:rPr>
-              <a:t> :name, :maximum =&gt; 100</a:t>
-            </a:r>
-            <a:br>
-              <a:rPr lang="en-US" sz="1500" dirty="0" smtClean="0">
-                <a:latin typeface="Lucida Console" pitchFamily="49" charset="0"/>
-              </a:rPr>
-            </a:br>
-            <a:r>
-              <a:rPr lang="en-US" sz="1500" dirty="0" smtClean="0">
-                <a:latin typeface="Lucida Console" pitchFamily="49" charset="0"/>
-              </a:rPr>
-              <a:t>  </a:t>
-            </a:r>
-            <a:r>
-              <a:rPr lang="en-US" sz="1500" dirty="0" err="1" smtClean="0">
-                <a:latin typeface="Lucida Console" pitchFamily="49" charset="0"/>
-              </a:rPr>
-              <a:t>named_scope</a:t>
-            </a:r>
-            <a:r>
-              <a:rPr lang="en-US" sz="1500" dirty="0" smtClean="0">
-                <a:latin typeface="Lucida Console" pitchFamily="49" charset="0"/>
-              </a:rPr>
-              <a:t> :active, </a:t>
-            </a:r>
-          </a:p>
-          <a:p>
-            <a:pPr>
-              <a:buNone/>
-            </a:pPr>
-            <a:r>
-              <a:rPr lang="en-US" sz="1500" dirty="0" smtClean="0">
-                <a:latin typeface="Lucida Console" pitchFamily="49" charset="0"/>
-              </a:rPr>
-              <a:t>              :conditions =&gt; ["user_status.id = ?", </a:t>
-            </a:r>
-            <a:r>
-              <a:rPr lang="en-US" sz="1500" dirty="0" err="1" smtClean="0">
-                <a:latin typeface="Lucida Console" pitchFamily="49" charset="0"/>
-              </a:rPr>
-              <a:t>UserStatus</a:t>
-            </a:r>
-            <a:r>
-              <a:rPr lang="en-US" sz="1500" dirty="0" smtClean="0">
-                <a:latin typeface="Lucida Console" pitchFamily="49" charset="0"/>
-              </a:rPr>
-              <a:t>::ACTIVE]</a:t>
-            </a:r>
-            <a:br>
-              <a:rPr lang="en-US" sz="1500" dirty="0" smtClean="0">
-                <a:latin typeface="Lucida Console" pitchFamily="49" charset="0"/>
-              </a:rPr>
-            </a:br>
-            <a:r>
-              <a:rPr lang="en-US" sz="1500" dirty="0" smtClean="0">
-                <a:latin typeface="Lucida Console" pitchFamily="49" charset="0"/>
-              </a:rPr>
-              <a:t>end</a:t>
-            </a:r>
-            <a:endParaRPr lang="en-US" sz="1500" dirty="0">
-              <a:latin typeface="Lucida Console" pitchFamily="49" charset="0"/>
-            </a:endParaRPr>
+            <a:pPr algn="ctr">
+              <a:buNone/>
+            </a:pPr>
+            <a:endParaRPr lang="en-US" sz="3600" dirty="0" smtClean="0"/>
+          </a:p>
+          <a:p>
+            <a:pPr algn="ctr">
+              <a:buNone/>
+            </a:pPr>
+            <a:endParaRPr lang="en-US" sz="3600" dirty="0" smtClean="0"/>
+          </a:p>
+          <a:p>
+            <a:pPr algn="ctr">
+              <a:buNone/>
+            </a:pPr>
+            <a:endParaRPr lang="en-US" sz="3600" dirty="0" smtClean="0"/>
+          </a:p>
+          <a:p>
+            <a:pPr algn="ctr">
+              <a:buNone/>
+            </a:pPr>
+            <a:r>
+              <a:rPr lang="en-US" sz="3600" dirty="0" smtClean="0"/>
+              <a:t>You can do more with less code</a:t>
+            </a:r>
           </a:p>
         </p:txBody>
       </p:sp>
@@ -5910,36 +5920,21 @@
             </a:pPr>
             <a:r>
               <a:rPr lang="en-US" sz="1500" dirty="0" smtClean="0">
-                <a:solidFill>
-                  <a:srgbClr val="FF0000"/>
-                </a:solidFill>
                 <a:latin typeface="Lucida Console" pitchFamily="49" charset="0"/>
               </a:rPr>
               <a:t>class User &lt; </a:t>
             </a:r>
             <a:r>
               <a:rPr lang="en-US" sz="1500" dirty="0" err="1" smtClean="0">
-                <a:solidFill>
-                  <a:srgbClr val="FF0000"/>
-                </a:solidFill>
                 <a:latin typeface="Lucida Console" pitchFamily="49" charset="0"/>
               </a:rPr>
               <a:t>ActiveRecord</a:t>
             </a:r>
             <a:r>
               <a:rPr lang="en-US" sz="1500" dirty="0" smtClean="0">
-                <a:solidFill>
-                  <a:srgbClr val="FF0000"/>
-                </a:solidFill>
                 <a:latin typeface="Lucida Console" pitchFamily="49" charset="0"/>
               </a:rPr>
               <a:t>::Base</a:t>
-            </a:r>
-            <a:r>
-              <a:rPr lang="en-US" sz="1500" dirty="0" smtClean="0">
-                <a:latin typeface="Lucida Console" pitchFamily="49" charset="0"/>
-              </a:rPr>
-              <a:t/>
             </a:r>
             <a:br>
               <a:rPr lang="en-US" sz="1500" dirty="0" smtClean="0">
@@ -6094,92 +6089,6 @@
             <a:endParaRPr lang="en-US" sz="1500" dirty="0">
               <a:latin typeface="Lucida Console" pitchFamily="49" charset="0"/>
             </a:endParaRPr>
-          </a:p>
-        </p:txBody>
-      </p:sp>
-      <p:sp>
-        <p:nvSpPr>
-          <p:cNvPr id="4" name="TextBox 3"/>
-          <p:cNvSpPr txBox="1"/>
-          <p:nvPr/>
-        </p:nvSpPr>
-        <p:spPr>
-          <a:xfrm>
-            <a:off x="3886200" y="1600200"/>
-            <a:ext cx="4876800" cy="1477328"/>
-          </a:xfrm>
-          <a:prstGeom prst="rect">
-            <a:avLst/>
-          </a:prstGeom>
-          <a:solidFill>
-            <a:schemeClr val="bg1"/>
-          </a:solidFill>
-        </p:spPr>
-        <p:txBody>
-          <a:bodyPr wrap="square" rtlCol="0">
-            <a:spAutoFit/>
-          </a:bodyPr>
-          <a:lstStyle/>
-          <a:p>
-            <a:r>
-              <a:rPr lang="en-US" dirty="0" smtClean="0"/>
-              <a:t>Adds the following methods:</a:t>
-            </a:r>
-          </a:p>
-          <a:p>
-            <a:pPr>
-              <a:buFont typeface="Arial" pitchFamily="34" charset="0"/>
-              <a:buChar char="•"/>
-            </a:pPr>
-            <a:r>
-              <a:rPr lang="en-US" dirty="0" smtClean="0"/>
-              <a:t> getter and setter methods for each column</a:t>
-            </a:r>
-          </a:p>
-          <a:p>
-            <a:pPr>
-              <a:buFont typeface="Arial" pitchFamily="34" charset="0"/>
-              <a:buChar char="•"/>
-            </a:pPr>
-            <a:r>
-              <a:rPr lang="en-US" dirty="0" smtClean="0"/>
-              <a:t> find, save, destroy</a:t>
-            </a:r>
-          </a:p>
-          <a:p>
-            <a:pPr>
-              <a:buFont typeface="Arial" pitchFamily="34" charset="0"/>
-              <a:buChar char="•"/>
-            </a:pPr>
-            <a:r>
-              <a:rPr lang="en-US" dirty="0" smtClean="0"/>
-              <a:t> </a:t>
-            </a:r>
-            <a:r>
-              <a:rPr lang="en-US" dirty="0" err="1" smtClean="0"/>
-              <a:t>find_by_name</a:t>
-            </a:r>
-            <a:r>
-              <a:rPr lang="en-US" dirty="0" smtClean="0"/>
-              <a:t>, </a:t>
-            </a:r>
-            <a:r>
-              <a:rPr lang="en-US" dirty="0" err="1" smtClean="0"/>
-              <a:t>find_by_user_status_id</a:t>
-            </a:r>
-            <a:r>
-              <a:rPr lang="en-US" dirty="0" smtClean="0"/>
-              <a:t>, </a:t>
-            </a:r>
-            <a:r>
-              <a:rPr lang="en-US" dirty="0" err="1" smtClean="0"/>
-              <a:t>find_by_name_and_user_status_id</a:t>
-            </a:r>
-            <a:r>
-              <a:rPr lang="en-US" dirty="0" smtClean="0"/>
-              <a:t>, etc.</a:t>
-            </a:r>
-            <a:endParaRPr lang="en-US" dirty="0"/>
           </a:p>
         </p:txBody>
       </p:sp>
@@ -6452,35 +6361,12 @@
             </a:pPr>
             <a:r>
               <a:rPr lang="en-US" sz="1500" dirty="0" smtClean="0">
-                <a:latin typeface="Lucida Console" pitchFamily="49" charset="0"/>
-              </a:rPr>
-              <a:t>class User &lt; </a:t>
-            </a:r>
-            <a:r>
-              <a:rPr lang="en-US" sz="1500" dirty="0" err="1" smtClean="0">
-                <a:latin typeface="Lucida Console" pitchFamily="49" charset="0"/>
-              </a:rPr>
-              <a:t>ActiveRecord</a:t>
-            </a:r>
-            <a:r>
-              <a:rPr lang="en-US" sz="1500" dirty="0" smtClean="0">
-                <a:latin typeface="Lucida Console" pitchFamily="49" charset="0"/>
-              </a:rPr>
-              <a:t>::Base</a:t>
-            </a:r>
-            <a:br>
-              <a:rPr lang="en-US" sz="1500" dirty="0" smtClean="0">
-                <a:latin typeface="Lucida Console" pitchFamily="49" charset="0"/>
-              </a:rPr>
-            </a:br>
-            <a:r>
-              <a:rPr lang="en-US" sz="1500" dirty="0" smtClean="0">
                 <a:solidFill>
                   <a:srgbClr val="FF0000"/>
                 </a:solidFill>
                 <a:latin typeface="Lucida Console" pitchFamily="49" charset="0"/>
               </a:rPr>
-              <a:t>  </a:t>
+              <a:t>class User &lt; </a:t>
             </a:r>
             <a:r>
               <a:rPr lang="en-US" sz="1500" dirty="0" err="1" smtClean="0">
@@ -6489,7 +6375,7 @@
                 </a:solidFill>
                 <a:latin typeface="Lucida Console" pitchFamily="49" charset="0"/>
               </a:rPr>
-              <a:t>belongs_to</a:t>
+              <a:t>ActiveRecord</a:t>
             </a:r>
             <a:r>
               <a:rPr lang="en-US" sz="1500" dirty="0" smtClean="0">
@@ -6498,13 +6384,39 @@
                 </a:solidFill>
                 <a:latin typeface="Lucida Console" pitchFamily="49" charset="0"/>
               </a:rPr>
+              <a:t>::Base</a:t>
+            </a:r>
+            <a:r>
+              <a:rPr lang="en-US" sz="1500" dirty="0" smtClean="0">
+                <a:latin typeface="Lucida Console" pitchFamily="49" charset="0"/>
+              </a:rPr>
+              <a:t/>
+            </a:r>
+            <a:br>
+              <a:rPr lang="en-US" sz="1500" dirty="0" smtClean="0">
+                <a:latin typeface="Lucida Console" pitchFamily="49" charset="0"/>
+              </a:rPr>
+            </a:br>
+            <a:r>
+              <a:rPr lang="en-US" sz="1500" dirty="0" smtClean="0">
+                <a:latin typeface="Lucida Console" pitchFamily="49" charset="0"/>
+              </a:rPr>
+              <a:t>  </a:t>
+            </a:r>
+            <a:r>
+              <a:rPr lang="en-US" sz="1500" dirty="0" err="1" smtClean="0">
+                <a:latin typeface="Lucida Console" pitchFamily="49" charset="0"/>
+              </a:rPr>
+              <a:t>belongs_to</a:t>
+            </a:r>
+            <a:r>
+              <a:rPr lang="en-US" sz="1500" dirty="0" smtClean="0">
+                <a:latin typeface="Lucida Console" pitchFamily="49" charset="0"/>
+              </a:rPr>
               <a:t> :</a:t>
             </a:r>
             <a:r>
               <a:rPr lang="en-US" sz="1500" dirty="0" err="1" smtClean="0">
-                <a:solidFill>
-                  <a:srgbClr val="FF0000"/>
-                </a:solidFill>
                 <a:latin typeface="Lucida Console" pitchFamily="49" charset="0"/>
               </a:rPr>
               <a:t>user_status</a:t>
@@ -6633,75 +6545,6 @@
             <a:endParaRPr lang="en-US" sz="1500" dirty="0">
               <a:latin typeface="Lucida Console" pitchFamily="49" charset="0"/>
             </a:endParaRPr>
-          </a:p>
-        </p:txBody>
-      </p:sp>
-      <p:sp>
-        <p:nvSpPr>
-          <p:cNvPr id="4" name="TextBox 3"/>
-          <p:cNvSpPr txBox="1"/>
-          <p:nvPr/>
-        </p:nvSpPr>
-        <p:spPr>
-          <a:xfrm>
-            <a:off x="3886200" y="1600200"/>
-            <a:ext cx="4876800" cy="923330"/>
-          </a:xfrm>
-          <a:prstGeom prst="rect">
-            <a:avLst/>
-          </a:prstGeom>
-          <a:solidFill>
-            <a:schemeClr val="bg1"/>
-          </a:solidFill>
-        </p:spPr>
-        <p:txBody>
-          <a:bodyPr wrap="square" rtlCol="0">
-            <a:spAutoFit/>
-          </a:bodyPr>
-          <a:lstStyle/>
-          <a:p>
-            <a:pPr>
-              <a:buFont typeface="Arial" pitchFamily="34" charset="0"/>
-              <a:buChar char="•"/>
-            </a:pPr>
-            <a:r>
-              <a:rPr lang="en-US" dirty="0" smtClean="0"/>
-              <a:t> Adds </a:t>
-            </a:r>
-            <a:r>
-              <a:rPr lang="en-US" dirty="0" err="1" smtClean="0"/>
-              <a:t>user_status</a:t>
-            </a:r>
-            <a:r>
-              <a:rPr lang="en-US" dirty="0" smtClean="0"/>
-              <a:t>, </a:t>
-            </a:r>
-            <a:r>
-              <a:rPr lang="en-US" dirty="0" err="1" smtClean="0"/>
-              <a:t>user_status</a:t>
-            </a:r>
-            <a:r>
-              <a:rPr lang="en-US" dirty="0" smtClean="0"/>
-              <a:t>= methods</a:t>
-            </a:r>
-          </a:p>
-          <a:p>
-            <a:pPr>
-              <a:buFont typeface="Arial" pitchFamily="34" charset="0"/>
-              <a:buChar char="•"/>
-            </a:pPr>
-            <a:r>
-              <a:rPr lang="en-US" dirty="0" smtClean="0"/>
-              <a:t> </a:t>
-            </a:r>
-            <a:r>
-              <a:rPr lang="en-US" dirty="0" err="1" smtClean="0"/>
-              <a:t>user_status</a:t>
-            </a:r>
-            <a:r>
-              <a:rPr lang="en-US" dirty="0" smtClean="0"/>
-              <a:t> will be lazy loaded (unless I specify otherwise in a query)</a:t>
-            </a:r>
           </a:p>
         </p:txBody>
       </p:sp>
@@ -6997,41 +6840,9 @@
             </a:br>
             <a:r>
               <a:rPr lang="en-US" sz="1500" dirty="0" smtClean="0">
-                <a:latin typeface="Lucida Console" pitchFamily="49" charset="0"/>
-              </a:rPr>
-              <a:t>  </a:t>
-            </a:r>
-            <a:r>
-              <a:rPr lang="en-US" sz="1500" dirty="0" err="1" smtClean="0">
-                <a:latin typeface="Lucida Console" pitchFamily="49" charset="0"/>
-              </a:rPr>
-              <a:t>belongs_to</a:t>
-            </a:r>
-            <a:r>
-              <a:rPr lang="en-US" sz="1500" dirty="0" smtClean="0">
-                <a:latin typeface="Lucida Console" pitchFamily="49" charset="0"/>
-              </a:rPr>
-              <a:t> :</a:t>
-            </a:r>
-            <a:r>
-              <a:rPr lang="en-US" sz="1500" dirty="0" err="1" smtClean="0">
-                <a:latin typeface="Lucida Console" pitchFamily="49" charset="0"/>
-              </a:rPr>
-              <a:t>user_status</a:t>
-            </a:r>
-            <a:r>
-              <a:rPr lang="en-US" sz="1500" dirty="0" smtClean="0">
-                <a:latin typeface="Lucida Console" pitchFamily="49" charset="0"/>
-              </a:rPr>
-              <a:t/>
-            </a:r>
-            <a:br>
-              <a:rPr lang="en-US" sz="1500" dirty="0" smtClean="0">
-                <a:latin typeface="Lucida Console" pitchFamily="49" charset="0"/>
-              </a:rPr>
-            </a:br>
-            <a:r>
-              <a:rPr lang="en-US" sz="1500" dirty="0" smtClean="0">
+                <a:solidFill>
+                  <a:srgbClr val="FF0000"/>
+                </a:solidFill>
                 <a:latin typeface="Lucida Console" pitchFamily="49" charset="0"/>
               </a:rPr>
               <a:t>  </a:t>
@@ -7043,7 +6854,7 @@
                 </a:solidFill>
                 <a:latin typeface="Lucida Console" pitchFamily="49" charset="0"/>
               </a:rPr>
-              <a:t>has_many</a:t>
+              <a:t>belongs_to</a:t>
             </a:r>
             <a:r>
               <a:rPr lang="en-US" sz="1500" dirty="0" smtClean="0">
@@ -7052,7 +6863,7 @@
                 </a:solidFill>
                 <a:latin typeface="Lucida Console" pitchFamily="49" charset="0"/>
               </a:rPr>
-              <a:t> :roles, :through =&gt; :</a:t>
+              <a:t> :</a:t>
             </a:r>
             <a:r>
               <a:rPr lang="en-US" sz="1500" dirty="0" err="1" smtClean="0">
@@ -7061,6 +6872,41 @@
                 </a:solidFill>
                 <a:latin typeface="Lucida Console" pitchFamily="49" charset="0"/>
               </a:rPr>
+              <a:t>user_status</a:t>
+            </a:r>
+            <a:r>
+              <a:rPr lang="en-US" sz="1500" dirty="0" smtClean="0">
+                <a:latin typeface="Lucida Console" pitchFamily="49" charset="0"/>
+              </a:rPr>
+              <a:t/>
+            </a:r>
+            <a:br>
+              <a:rPr lang="en-US" sz="1500" dirty="0" smtClean="0">
+                <a:latin typeface="Lucida Console" pitchFamily="49" charset="0"/>
+              </a:rPr>
+            </a:br>
+            <a:r>
+              <a:rPr lang="en-US" sz="1500" dirty="0" smtClean="0">
+                <a:latin typeface="Lucida Console" pitchFamily="49" charset="0"/>
+              </a:rPr>
+              <a:t>  </a:t>
+            </a:r>
+            <a:r>
+              <a:rPr lang="en-US" sz="1500" dirty="0" err="1" smtClean="0">
+                <a:latin typeface="Lucida Console" pitchFamily="49" charset="0"/>
+              </a:rPr>
+              <a:t>has_many</a:t>
+            </a:r>
+            <a:r>
+              <a:rPr lang="en-US" sz="1500" dirty="0" smtClean="0">
+                <a:latin typeface="Lucida Console" pitchFamily="49" charset="0"/>
+              </a:rPr>
+              <a:t> :roles, :through =&gt; :</a:t>
+            </a:r>
+            <a:r>
+              <a:rPr lang="en-US" sz="1500" dirty="0" err="1" smtClean="0">
+                <a:latin typeface="Lucida Console" pitchFamily="49" charset="0"/>
+              </a:rPr>
               <a:t>user_roles</a:t>
             </a:r>
             <a:r>
@@ -7152,64 +6998,6 @@
             <a:endParaRPr lang="en-US" sz="1500" dirty="0">
               <a:latin typeface="Lucida Console" pitchFamily="49" charset="0"/>
             </a:endParaRPr>
-          </a:p>
-        </p:txBody>
-      </p:sp>
-      <p:sp>
-        <p:nvSpPr>
-          <p:cNvPr id="4" name="TextBox 3"/>
-          <p:cNvSpPr txBox="1"/>
-          <p:nvPr/>
-        </p:nvSpPr>
-        <p:spPr>
-          <a:xfrm>
-            <a:off x="3886200" y="1600200"/>
-            <a:ext cx="4876800" cy="1754326"/>
-          </a:xfrm>
-          <a:prstGeom prst="rect">
-            <a:avLst/>
-          </a:prstGeom>
-          <a:solidFill>
-            <a:schemeClr val="bg1"/>
-          </a:solidFill>
-        </p:spPr>
-        <p:txBody>
-          <a:bodyPr wrap="square" rtlCol="0">
-            <a:spAutoFit/>
-          </a:bodyPr>
-          <a:lstStyle/>
-          <a:p>
-            <a:pPr>
-              <a:buFont typeface="Arial" pitchFamily="34" charset="0"/>
-              <a:buChar char="•"/>
-            </a:pPr>
-            <a:r>
-              <a:rPr lang="en-US" dirty="0" smtClean="0"/>
-              <a:t> A user has many roles, and in the database this is a many-to-many relationship using the </a:t>
-            </a:r>
-            <a:r>
-              <a:rPr lang="en-US" dirty="0" err="1" smtClean="0"/>
-              <a:t>user_roles</a:t>
-            </a:r>
-            <a:r>
-              <a:rPr lang="en-US" dirty="0" smtClean="0"/>
-              <a:t> table</a:t>
-            </a:r>
-          </a:p>
-          <a:p>
-            <a:pPr>
-              <a:buFont typeface="Arial" pitchFamily="34" charset="0"/>
-              <a:buChar char="•"/>
-            </a:pPr>
-            <a:r>
-              <a:rPr lang="en-US" dirty="0" smtClean="0"/>
-              <a:t> I can add to the roles collection without having to worry about creating objects for </a:t>
-            </a:r>
-            <a:r>
-              <a:rPr lang="en-US" smtClean="0"/>
-              <a:t>the mapping table</a:t>
-            </a:r>
-            <a:endParaRPr lang="en-US" dirty="0" smtClean="0"/>
           </a:p>
         </p:txBody>
       </p:sp>
@@ -7546,38 +7334,21 @@
             </a:r>
             <a:r>
               <a:rPr lang="en-US" sz="1500" dirty="0" err="1" smtClean="0">
+                <a:solidFill>
+                  <a:srgbClr val="FF0000"/>
+                </a:solidFill>
                 <a:latin typeface="Lucida Console" pitchFamily="49" charset="0"/>
               </a:rPr>
               <a:t>has_many</a:t>
             </a:r>
             <a:r>
               <a:rPr lang="en-US" sz="1500" dirty="0" smtClean="0">
+                <a:solidFill>
+                  <a:srgbClr val="FF0000"/>
+                </a:solidFill>
                 <a:latin typeface="Lucida Console" pitchFamily="49" charset="0"/>
               </a:rPr>
               <a:t> :roles, :through =&gt; :</a:t>
-            </a:r>
-            <a:r>
-              <a:rPr lang="en-US" sz="1500" dirty="0" err="1" smtClean="0">
-                <a:latin typeface="Lucida Console" pitchFamily="49" charset="0"/>
-              </a:rPr>
-              <a:t>user_roles</a:t>
-            </a:r>
-            <a:r>
-              <a:rPr lang="en-US" sz="1500" dirty="0" smtClean="0">
-                <a:latin typeface="Lucida Console" pitchFamily="49" charset="0"/>
-              </a:rPr>
-              <a:t/>
-            </a:r>
-            <a:br>
-              <a:rPr lang="en-US" sz="1500" dirty="0" smtClean="0">
-                <a:latin typeface="Lucida Console" pitchFamily="49" charset="0"/>
-              </a:rPr>
-            </a:br>
-            <a:r>
-              <a:rPr lang="en-US" sz="1500" dirty="0" smtClean="0">
-                <a:latin typeface="Lucida Console" pitchFamily="49" charset="0"/>
-              </a:rPr>
-              <a:t>  </a:t>
             </a:r>
             <a:r>
               <a:rPr lang="en-US" sz="1500" dirty="0" err="1" smtClean="0">
@@ -7586,22 +7357,36 @@
                 </a:solidFill>
                 <a:latin typeface="Lucida Console" pitchFamily="49" charset="0"/>
               </a:rPr>
+              <a:t>user_roles</a:t>
+            </a:r>
+            <a:r>
+              <a:rPr lang="en-US" sz="1500" dirty="0" smtClean="0">
+                <a:latin typeface="Lucida Console" pitchFamily="49" charset="0"/>
+              </a:rPr>
+              <a:t/>
+            </a:r>
+            <a:br>
+              <a:rPr lang="en-US" sz="1500" dirty="0" smtClean="0">
+                <a:latin typeface="Lucida Console" pitchFamily="49" charset="0"/>
+              </a:rPr>
+            </a:br>
+            <a:r>
+              <a:rPr lang="en-US" sz="1500" dirty="0" smtClean="0">
+                <a:latin typeface="Lucida Console" pitchFamily="49" charset="0"/>
+              </a:rPr>
+              <a:t>  </a:t>
+            </a:r>
+            <a:r>
+              <a:rPr lang="en-US" sz="1500" dirty="0" err="1" smtClean="0">
+                <a:latin typeface="Lucida Console" pitchFamily="49" charset="0"/>
+              </a:rPr>
               <a:t>validates_length_of</a:t>
             </a:r>
             <a:r>
               <a:rPr lang="en-US" sz="1500" dirty="0" smtClean="0">
-                <a:solidFill>
-                  <a:srgbClr val="FF0000"/>
-                </a:solidFill>
                 <a:latin typeface="Lucida Console" pitchFamily="49" charset="0"/>
               </a:rPr>
               <a:t> :name, :maximum =&gt; 100</a:t>
-            </a:r>
-            <a:r>
-              <a:rPr lang="en-US" sz="1500" dirty="0" smtClean="0">
-                <a:latin typeface="Lucida Console" pitchFamily="49" charset="0"/>
-              </a:rPr>
-              <a:t/>
             </a:r>
             <a:br>
               <a:rPr lang="en-US" sz="1500" dirty="0" smtClean="0">
@@ -7663,41 +7448,6 @@
             <a:endParaRPr lang="en-US" sz="1500" dirty="0">
               <a:latin typeface="Lucida Console" pitchFamily="49" charset="0"/>
             </a:endParaRPr>
-          </a:p>
-        </p:txBody>
-      </p:sp>
-      <p:sp>
-        <p:nvSpPr>
-          <p:cNvPr id="4" name="TextBox 3"/>
-          <p:cNvSpPr txBox="1"/>
-          <p:nvPr/>
-        </p:nvSpPr>
-        <p:spPr>
-          <a:xfrm>
-            <a:off x="3886200" y="1600200"/>
-            <a:ext cx="4876800" cy="646331"/>
-          </a:xfrm>
-          <a:prstGeom prst="rect">
-            <a:avLst/>
-          </a:prstGeom>
-          <a:solidFill>
-            <a:schemeClr val="bg1"/>
-          </a:solidFill>
-        </p:spPr>
-        <p:txBody>
-          <a:bodyPr wrap="square" rtlCol="0">
-            <a:spAutoFit/>
-          </a:bodyPr>
-          <a:lstStyle/>
-          <a:p>
-            <a:pPr>
-              <a:buFont typeface="Arial" pitchFamily="34" charset="0"/>
-              <a:buChar char="•"/>
-            </a:pPr>
-            <a:r>
-              <a:rPr lang="en-US" dirty="0" smtClean="0"/>
-              <a:t> “name” is required and cannot be greater than 100 characters</a:t>
-            </a:r>
           </a:p>
         </p:txBody>
       </p:sp>
@@ -8069,35 +7819,12 @@
             </a:r>
             <a:r>
               <a:rPr lang="en-US" sz="1500" dirty="0" err="1" smtClean="0">
-                <a:latin typeface="Lucida Console" pitchFamily="49" charset="0"/>
-              </a:rPr>
-              <a:t>validates_length_of</a:t>
-            </a:r>
-            <a:r>
-              <a:rPr lang="en-US" sz="1500" dirty="0" smtClean="0">
-                <a:latin typeface="Lucida Console" pitchFamily="49" charset="0"/>
-              </a:rPr>
-              <a:t> :name, :maximum =&gt; 100</a:t>
-            </a:r>
-            <a:br>
-              <a:rPr lang="en-US" sz="1500" dirty="0" smtClean="0">
-                <a:latin typeface="Lucida Console" pitchFamily="49" charset="0"/>
-              </a:rPr>
-            </a:br>
-            <a:r>
-              <a:rPr lang="en-US" sz="1500" dirty="0" smtClean="0">
-                <a:latin typeface="Lucida Console" pitchFamily="49" charset="0"/>
-              </a:rPr>
-              <a:t>  </a:t>
-            </a:r>
-            <a:r>
-              <a:rPr lang="en-US" sz="1500" dirty="0" err="1" smtClean="0">
                 <a:solidFill>
                   <a:srgbClr val="FF0000"/>
                 </a:solidFill>
                 <a:latin typeface="Lucida Console" pitchFamily="49" charset="0"/>
               </a:rPr>
-              <a:t>named_scope</a:t>
+              <a:t>validates_length_of</a:t>
             </a:r>
             <a:r>
               <a:rPr lang="en-US" sz="1500" dirty="0" smtClean="0">
@@ -8106,6 +7833,35 @@
                 </a:solidFill>
                 <a:latin typeface="Lucida Console" pitchFamily="49" charset="0"/>
               </a:rPr>
+              <a:t> :name, :maximum =&gt; 100</a:t>
+            </a:r>
+            <a:r>
+              <a:rPr lang="en-US" sz="1500" dirty="0" smtClean="0">
+                <a:latin typeface="Lucida Console" pitchFamily="49" charset="0"/>
+              </a:rPr>
+              <a:t/>
+            </a:r>
+            <a:br>
+              <a:rPr lang="en-US" sz="1500" dirty="0" smtClean="0">
+                <a:latin typeface="Lucida Console" pitchFamily="49" charset="0"/>
+              </a:rPr>
+            </a:br>
+            <a:r>
+              <a:rPr lang="en-US" sz="1500" dirty="0" smtClean="0">
+                <a:latin typeface="Lucida Console" pitchFamily="49" charset="0"/>
+              </a:rPr>
+              <a:t>  </a:t>
+            </a:r>
+            <a:r>
+              <a:rPr lang="en-US" sz="1500" dirty="0" err="1" smtClean="0">
+                <a:latin typeface="Lucida Console" pitchFamily="49" charset="0"/>
+              </a:rPr>
+              <a:t>named_scope</a:t>
+            </a:r>
+            <a:r>
+              <a:rPr lang="en-US" sz="1500" dirty="0" smtClean="0">
+                <a:latin typeface="Lucida Console" pitchFamily="49" charset="0"/>
+              </a:rPr>
               <a:t> :active, </a:t>
             </a:r>
           </a:p>
@@ -8115,36 +7871,21 @@
             </a:pPr>
             <a:r>
               <a:rPr lang="en-US" sz="1500" dirty="0" smtClean="0">
-                <a:solidFill>
-                  <a:srgbClr val="FF0000"/>
-                </a:solidFill>
                 <a:latin typeface="Lucida Console" pitchFamily="49" charset="0"/>
               </a:rPr>
               <a:t>              :conditions =&gt; ["user_status.id = ?", </a:t>
             </a:r>
             <a:r>
               <a:rPr lang="en-US" sz="1500" dirty="0" err="1" smtClean="0">
-                <a:solidFill>
-                  <a:srgbClr val="FF0000"/>
-                </a:solidFill>
                 <a:latin typeface="Lucida Console" pitchFamily="49" charset="0"/>
               </a:rPr>
               <a:t>UserStatus</a:t>
             </a:r>
             <a:r>
               <a:rPr lang="en-US" sz="1500" dirty="0" smtClean="0">
-                <a:solidFill>
-                  <a:srgbClr val="FF0000"/>
-                </a:solidFill>
                 <a:latin typeface="Lucida Console" pitchFamily="49" charset="0"/>
               </a:rPr>
               <a:t>::ACTIVE]</a:t>
-            </a:r>
-            <a:r>
-              <a:rPr lang="en-US" sz="1500" dirty="0" smtClean="0">
-                <a:latin typeface="Lucida Console" pitchFamily="49" charset="0"/>
-              </a:rPr>
-              <a:t/>
             </a:r>
             <a:br>
               <a:rPr lang="en-US" sz="1500" dirty="0" smtClean="0">
@@ -8160,54 +7901,6 @@
             <a:endParaRPr lang="en-US" sz="1500" dirty="0">
               <a:latin typeface="Lucida Console" pitchFamily="49" charset="0"/>
             </a:endParaRPr>
-          </a:p>
-        </p:txBody>
-      </p:sp>
-      <p:sp>
-        <p:nvSpPr>
-          <p:cNvPr id="4" name="TextBox 3"/>
-          <p:cNvSpPr txBox="1"/>
-          <p:nvPr/>
-        </p:nvSpPr>
-        <p:spPr>
-          <a:xfrm>
-            <a:off x="3886200" y="1600200"/>
-            <a:ext cx="4876800" cy="369332"/>
-          </a:xfrm>
-          <a:prstGeom prst="rect">
-            <a:avLst/>
-          </a:prstGeom>
-          <a:solidFill>
-            <a:schemeClr val="bg1"/>
-          </a:solidFill>
-        </p:spPr>
-        <p:txBody>
-          <a:bodyPr wrap="square" rtlCol="0">
-            <a:spAutoFit/>
-          </a:bodyPr>
-          <a:lstStyle/>
-          <a:p>
-            <a:pPr>
-              <a:buFont typeface="Arial" pitchFamily="34" charset="0"/>
-              <a:buChar char="•"/>
-            </a:pPr>
-            <a:r>
-              <a:rPr lang="en-US" dirty="0" smtClean="0"/>
-              <a:t> </a:t>
-            </a:r>
-            <a:r>
-              <a:rPr lang="en-US" dirty="0" smtClean="0"/>
-              <a:t> adds </a:t>
-            </a:r>
-            <a:r>
-              <a:rPr lang="en-US" dirty="0" err="1" smtClean="0"/>
-              <a:t>User.active</a:t>
-            </a:r>
-            <a:r>
-              <a:rPr lang="en-US" dirty="0" smtClean="0"/>
-              <a:t> method</a:t>
-            </a:r>
-            <a:endParaRPr lang="en-US" dirty="0" smtClean="0"/>
           </a:p>
         </p:txBody>
       </p:sp>
@@ -8245,7 +7938,7 @@
       </p:grpSpPr>
       <p:sp>
         <p:nvSpPr>
-          <p:cNvPr id="4" name="Title 3"/>
+          <p:cNvPr id="2" name="Title 1"/>
           <p:cNvSpPr>
             <a:spLocks noGrp="1"/>
           </p:cNvSpPr>
@@ -8253,23 +7946,136 @@
             <p:ph type="title"/>
           </p:nvPr>
         </p:nvSpPr>
-        <p:spPr>
-          <a:xfrm>
-            <a:off x="457200" y="2667000"/>
-            <a:ext cx="8229600" cy="1143000"/>
-          </a:xfrm>
-        </p:spPr>
-        <p:txBody>
-          <a:bodyPr anchor="ctr">
+        <p:spPr/>
+        <p:txBody>
+          <a:bodyPr>
             <a:normAutofit/>
           </a:bodyPr>
           <a:lstStyle/>
           <a:p>
             <a:r>
-              <a:rPr lang="en-US" sz="6000" dirty="0" smtClean="0"/>
-              <a:t>My Journey</a:t>
-            </a:r>
-            <a:endParaRPr lang="en-US" sz="6000" dirty="0"/>
+              <a:rPr lang="en-US" dirty="0" smtClean="0"/>
+              <a:t>About Me</a:t>
+            </a:r>
+            <a:endParaRPr lang="en-US" dirty="0"/>
+          </a:p>
+        </p:txBody>
+      </p:sp>
+      <p:sp>
+        <p:nvSpPr>
+          <p:cNvPr id="3" name="Content Placeholder 2"/>
+          <p:cNvSpPr>
+            <a:spLocks noGrp="1"/>
+          </p:cNvSpPr>
+          <p:nvPr>
+            <p:ph idx="1"/>
+          </p:nvPr>
+        </p:nvSpPr>
+        <p:spPr/>
+        <p:txBody>
+          <a:bodyPr>
+            <a:normAutofit/>
+          </a:bodyPr>
+          <a:lstStyle/>
+          <a:p>
+            <a:pPr>
+              <a:buNone/>
+            </a:pPr>
+            <a:r>
+              <a:rPr lang="en-US" dirty="0" smtClean="0"/>
+              <a:t>Independent consultant in Columbus, OH</a:t>
+            </a:r>
+          </a:p>
+          <a:p>
+            <a:pPr>
+              <a:buNone/>
+            </a:pPr>
+            <a:r>
+              <a:rPr lang="en-US" dirty="0" smtClean="0"/>
+              <a:t>.NET, Ruby on Rails, Agile</a:t>
+            </a:r>
+            <a:endParaRPr lang="en-US" dirty="0" smtClean="0"/>
+          </a:p>
+          <a:p>
+            <a:pPr>
+              <a:buNone/>
+            </a:pPr>
+            <a:endParaRPr lang="en-US" dirty="0" smtClean="0"/>
+          </a:p>
+          <a:p>
+            <a:pPr>
+              <a:buNone/>
+            </a:pPr>
+            <a:r>
+              <a:rPr lang="en-US" dirty="0" smtClean="0"/>
+              <a:t>Email</a:t>
+            </a:r>
+            <a:r>
+              <a:rPr lang="en-US" dirty="0" smtClean="0"/>
+              <a:t>: </a:t>
+            </a:r>
+            <a:r>
+              <a:rPr lang="en-US" b="1" dirty="0" smtClean="0">
+                <a:hlinkClick r:id="rId2"/>
+              </a:rPr>
+              <a:t>jon@jonkruger.com</a:t>
+            </a:r>
+            <a:endParaRPr lang="en-US" b="1" dirty="0" smtClean="0"/>
+          </a:p>
+          <a:p>
+            <a:pPr>
+              <a:buNone/>
+            </a:pPr>
+            <a:r>
+              <a:rPr lang="en-US" dirty="0" smtClean="0"/>
+              <a:t>Twitter: </a:t>
+            </a:r>
+            <a:r>
+              <a:rPr lang="en-US" b="1" dirty="0" smtClean="0"/>
+              <a:t>@</a:t>
+            </a:r>
+            <a:r>
+              <a:rPr lang="en-US" b="1" dirty="0" err="1" smtClean="0"/>
+              <a:t>JonKruger</a:t>
+            </a:r>
+            <a:endParaRPr lang="en-US" b="1" dirty="0" smtClean="0"/>
+          </a:p>
+          <a:p>
+            <a:pPr>
+              <a:buNone/>
+            </a:pPr>
+            <a:r>
+              <a:rPr lang="en-US" dirty="0" smtClean="0"/>
+              <a:t>Blog: </a:t>
+            </a:r>
+            <a:r>
+              <a:rPr lang="en-US" b="1" dirty="0" smtClean="0">
+                <a:hlinkClick r:id="rId3"/>
+              </a:rPr>
+              <a:t>http://jonkruger.com/blog</a:t>
+            </a:r>
+            <a:endParaRPr lang="en-US" b="1" dirty="0" smtClean="0"/>
+          </a:p>
+          <a:p>
+            <a:pPr>
+              <a:buNone/>
+            </a:pPr>
+            <a:endParaRPr lang="en-US" b="1" dirty="0" smtClean="0"/>
+          </a:p>
+          <a:p>
+            <a:pPr>
+              <a:buNone/>
+            </a:pPr>
+            <a:endParaRPr lang="en-US" b="1" dirty="0" smtClean="0"/>
+          </a:p>
+          <a:p>
+            <a:endParaRPr lang="en-US" dirty="0" smtClean="0"/>
+          </a:p>
+          <a:p>
+            <a:pPr>
+              <a:buNone/>
+            </a:pPr>
+            <a:endParaRPr lang="en-US" dirty="0" smtClean="0"/>
           </a:p>
         </p:txBody>
       </p:sp>
@@ -8322,7 +8128,7 @@
           <a:p>
             <a:r>
               <a:rPr lang="en-US" dirty="0" smtClean="0"/>
-              <a:t>What I’ve Learned</a:t>
+              <a:t>Doing more with less</a:t>
             </a:r>
             <a:endParaRPr lang="en-US" dirty="0"/>
           </a:p>
@@ -8330,7 +8136,7 @@
       </p:sp>
       <p:sp>
         <p:nvSpPr>
-          <p:cNvPr id="4" name="Content Placeholder 3"/>
+          <p:cNvPr id="3" name="Content Placeholder 2"/>
           <p:cNvSpPr>
             <a:spLocks noGrp="1"/>
           </p:cNvSpPr>
@@ -8345,32 +8151,436 @@
           </a:bodyPr>
           <a:lstStyle/>
           <a:p>
-            <a:pPr algn="ctr">
-              <a:buNone/>
-            </a:pPr>
-            <a:endParaRPr lang="en-US" sz="3600" dirty="0" smtClean="0"/>
-          </a:p>
-          <a:p>
-            <a:pPr algn="ctr">
-              <a:buNone/>
-            </a:pPr>
-            <a:endParaRPr lang="en-US" sz="3600" dirty="0" smtClean="0"/>
-          </a:p>
-          <a:p>
-            <a:pPr algn="ctr">
-              <a:buNone/>
-            </a:pPr>
-            <a:endParaRPr lang="en-US" sz="3600" dirty="0" smtClean="0"/>
-          </a:p>
-          <a:p>
-            <a:pPr algn="ctr">
-              <a:buNone/>
-            </a:pPr>
-            <a:r>
-              <a:rPr lang="en-US" sz="3600" dirty="0" smtClean="0"/>
-              <a:t>If it’s hard, you’re probably doing it wrong</a:t>
-            </a:r>
-            <a:endParaRPr lang="en-US" sz="3600" dirty="0" smtClean="0"/>
+            <a:pPr>
+              <a:buNone/>
+            </a:pPr>
+            <a:r>
+              <a:rPr lang="en-US" sz="1500" dirty="0" smtClean="0">
+                <a:latin typeface="Lucida Console" pitchFamily="49" charset="0"/>
+              </a:rPr>
+              <a:t>create table Users</a:t>
+            </a:r>
+            <a:br>
+              <a:rPr lang="en-US" sz="1500" dirty="0" smtClean="0">
+                <a:latin typeface="Lucida Console" pitchFamily="49" charset="0"/>
+              </a:rPr>
+            </a:br>
+            <a:r>
+              <a:rPr lang="en-US" sz="1500" dirty="0" smtClean="0">
+                <a:latin typeface="Lucida Console" pitchFamily="49" charset="0"/>
+              </a:rPr>
+              <a:t>(</a:t>
+            </a:r>
+            <a:br>
+              <a:rPr lang="en-US" sz="1500" dirty="0" smtClean="0">
+                <a:latin typeface="Lucida Console" pitchFamily="49" charset="0"/>
+              </a:rPr>
+            </a:br>
+            <a:r>
+              <a:rPr lang="en-US" sz="1500" dirty="0" smtClean="0">
+                <a:latin typeface="Lucida Console" pitchFamily="49" charset="0"/>
+              </a:rPr>
+              <a:t>    id </a:t>
+            </a:r>
+            <a:r>
+              <a:rPr lang="en-US" sz="1500" dirty="0" err="1" smtClean="0">
+                <a:latin typeface="Lucida Console" pitchFamily="49" charset="0"/>
+              </a:rPr>
+              <a:t>int</a:t>
+            </a:r>
+            <a:r>
+              <a:rPr lang="en-US" sz="1500" dirty="0" smtClean="0">
+                <a:latin typeface="Lucida Console" pitchFamily="49" charset="0"/>
+              </a:rPr>
+              <a:t>,</a:t>
+            </a:r>
+            <a:br>
+              <a:rPr lang="en-US" sz="1500" dirty="0" smtClean="0">
+                <a:latin typeface="Lucida Console" pitchFamily="49" charset="0"/>
+              </a:rPr>
+            </a:br>
+            <a:r>
+              <a:rPr lang="en-US" sz="1500" dirty="0" smtClean="0">
+                <a:latin typeface="Lucida Console" pitchFamily="49" charset="0"/>
+              </a:rPr>
+              <a:t>    name </a:t>
+            </a:r>
+            <a:r>
+              <a:rPr lang="en-US" sz="1500" dirty="0" err="1" smtClean="0">
+                <a:latin typeface="Lucida Console" pitchFamily="49" charset="0"/>
+              </a:rPr>
+              <a:t>varchar</a:t>
+            </a:r>
+            <a:r>
+              <a:rPr lang="en-US" sz="1500" dirty="0" smtClean="0">
+                <a:latin typeface="Lucida Console" pitchFamily="49" charset="0"/>
+              </a:rPr>
+              <a:t>(100),</a:t>
+            </a:r>
+            <a:br>
+              <a:rPr lang="en-US" sz="1500" dirty="0" smtClean="0">
+                <a:latin typeface="Lucida Console" pitchFamily="49" charset="0"/>
+              </a:rPr>
+            </a:br>
+            <a:r>
+              <a:rPr lang="en-US" sz="1500" dirty="0" smtClean="0">
+                <a:latin typeface="Lucida Console" pitchFamily="49" charset="0"/>
+              </a:rPr>
+              <a:t>    </a:t>
+            </a:r>
+            <a:r>
+              <a:rPr lang="en-US" sz="1500" dirty="0" err="1" smtClean="0">
+                <a:latin typeface="Lucida Console" pitchFamily="49" charset="0"/>
+              </a:rPr>
+              <a:t>user_status_id</a:t>
+            </a:r>
+            <a:r>
+              <a:rPr lang="en-US" sz="1500" dirty="0" smtClean="0">
+                <a:latin typeface="Lucida Console" pitchFamily="49" charset="0"/>
+              </a:rPr>
+              <a:t> </a:t>
+            </a:r>
+            <a:r>
+              <a:rPr lang="en-US" sz="1500" dirty="0" err="1" smtClean="0">
+                <a:latin typeface="Lucida Console" pitchFamily="49" charset="0"/>
+              </a:rPr>
+              <a:t>int</a:t>
+            </a:r>
+            <a:r>
+              <a:rPr lang="en-US" sz="1500" dirty="0" smtClean="0">
+                <a:latin typeface="Lucida Console" pitchFamily="49" charset="0"/>
+              </a:rPr>
+              <a:t>,</a:t>
+            </a:r>
+            <a:br>
+              <a:rPr lang="en-US" sz="1500" dirty="0" smtClean="0">
+                <a:latin typeface="Lucida Console" pitchFamily="49" charset="0"/>
+              </a:rPr>
+            </a:br>
+            <a:r>
+              <a:rPr lang="en-US" sz="1500" dirty="0" smtClean="0">
+                <a:latin typeface="Lucida Console" pitchFamily="49" charset="0"/>
+              </a:rPr>
+              <a:t>    </a:t>
+            </a:r>
+            <a:r>
+              <a:rPr lang="en-US" sz="1500" dirty="0" err="1" smtClean="0">
+                <a:latin typeface="Lucida Console" pitchFamily="49" charset="0"/>
+              </a:rPr>
+              <a:t>created_at</a:t>
+            </a:r>
+            <a:r>
+              <a:rPr lang="en-US" sz="1500" dirty="0" smtClean="0">
+                <a:latin typeface="Lucida Console" pitchFamily="49" charset="0"/>
+              </a:rPr>
+              <a:t> </a:t>
+            </a:r>
+            <a:r>
+              <a:rPr lang="en-US" sz="1500" dirty="0" err="1" smtClean="0">
+                <a:latin typeface="Lucida Console" pitchFamily="49" charset="0"/>
+              </a:rPr>
+              <a:t>datetime</a:t>
+            </a:r>
+            <a:r>
+              <a:rPr lang="en-US" sz="1500" dirty="0" smtClean="0">
+                <a:latin typeface="Lucida Console" pitchFamily="49" charset="0"/>
+              </a:rPr>
+              <a:t>,</a:t>
+            </a:r>
+            <a:br>
+              <a:rPr lang="en-US" sz="1500" dirty="0" smtClean="0">
+                <a:latin typeface="Lucida Console" pitchFamily="49" charset="0"/>
+              </a:rPr>
+            </a:br>
+            <a:r>
+              <a:rPr lang="en-US" sz="1500" dirty="0" smtClean="0">
+                <a:latin typeface="Lucida Console" pitchFamily="49" charset="0"/>
+              </a:rPr>
+              <a:t>    </a:t>
+            </a:r>
+            <a:r>
+              <a:rPr lang="en-US" sz="1500" dirty="0" err="1" smtClean="0">
+                <a:latin typeface="Lucida Console" pitchFamily="49" charset="0"/>
+              </a:rPr>
+              <a:t>updated_at</a:t>
+            </a:r>
+            <a:r>
+              <a:rPr lang="en-US" sz="1500" dirty="0" smtClean="0">
+                <a:latin typeface="Lucida Console" pitchFamily="49" charset="0"/>
+              </a:rPr>
+              <a:t> </a:t>
+            </a:r>
+            <a:r>
+              <a:rPr lang="en-US" sz="1500" dirty="0" err="1" smtClean="0">
+                <a:latin typeface="Lucida Console" pitchFamily="49" charset="0"/>
+              </a:rPr>
+              <a:t>datetime</a:t>
+            </a:r>
+            <a:r>
+              <a:rPr lang="en-US" sz="1500" dirty="0" smtClean="0">
+                <a:latin typeface="Lucida Console" pitchFamily="49" charset="0"/>
+              </a:rPr>
+              <a:t/>
+            </a:r>
+            <a:br>
+              <a:rPr lang="en-US" sz="1500" dirty="0" smtClean="0">
+                <a:latin typeface="Lucida Console" pitchFamily="49" charset="0"/>
+              </a:rPr>
+            </a:br>
+            <a:r>
+              <a:rPr lang="en-US" sz="1500" dirty="0" smtClean="0">
+                <a:latin typeface="Lucida Console" pitchFamily="49" charset="0"/>
+              </a:rPr>
+              <a:t>)</a:t>
+            </a:r>
+          </a:p>
+          <a:p>
+            <a:pPr>
+              <a:buNone/>
+            </a:pPr>
+            <a:endParaRPr lang="en-US" sz="1500" dirty="0" smtClean="0">
+              <a:latin typeface="Lucida Console" pitchFamily="49" charset="0"/>
+            </a:endParaRPr>
+          </a:p>
+          <a:p>
+            <a:pPr>
+              <a:buNone/>
+            </a:pPr>
+            <a:r>
+              <a:rPr lang="en-US" sz="1500" dirty="0" smtClean="0">
+                <a:latin typeface="Lucida Console" pitchFamily="49" charset="0"/>
+              </a:rPr>
+              <a:t>class User &lt; </a:t>
+            </a:r>
+            <a:r>
+              <a:rPr lang="en-US" sz="1500" dirty="0" err="1" smtClean="0">
+                <a:latin typeface="Lucida Console" pitchFamily="49" charset="0"/>
+              </a:rPr>
+              <a:t>ActiveRecord</a:t>
+            </a:r>
+            <a:r>
+              <a:rPr lang="en-US" sz="1500" dirty="0" smtClean="0">
+                <a:latin typeface="Lucida Console" pitchFamily="49" charset="0"/>
+              </a:rPr>
+              <a:t>::Base</a:t>
+            </a:r>
+            <a:br>
+              <a:rPr lang="en-US" sz="1500" dirty="0" smtClean="0">
+                <a:latin typeface="Lucida Console" pitchFamily="49" charset="0"/>
+              </a:rPr>
+            </a:br>
+            <a:r>
+              <a:rPr lang="en-US" sz="1500" dirty="0" smtClean="0">
+                <a:latin typeface="Lucida Console" pitchFamily="49" charset="0"/>
+              </a:rPr>
+              <a:t>  </a:t>
+            </a:r>
+            <a:r>
+              <a:rPr lang="en-US" sz="1500" dirty="0" err="1" smtClean="0">
+                <a:latin typeface="Lucida Console" pitchFamily="49" charset="0"/>
+              </a:rPr>
+              <a:t>belongs_to</a:t>
+            </a:r>
+            <a:r>
+              <a:rPr lang="en-US" sz="1500" dirty="0" smtClean="0">
+                <a:latin typeface="Lucida Console" pitchFamily="49" charset="0"/>
+              </a:rPr>
+              <a:t> :</a:t>
+            </a:r>
+            <a:r>
+              <a:rPr lang="en-US" sz="1500" dirty="0" err="1" smtClean="0">
+                <a:latin typeface="Lucida Console" pitchFamily="49" charset="0"/>
+              </a:rPr>
+              <a:t>user_status</a:t>
+            </a:r>
+            <a:r>
+              <a:rPr lang="en-US" sz="1500" dirty="0" smtClean="0">
+                <a:latin typeface="Lucida Console" pitchFamily="49" charset="0"/>
+              </a:rPr>
+              <a:t/>
+            </a:r>
+            <a:br>
+              <a:rPr lang="en-US" sz="1500" dirty="0" smtClean="0">
+                <a:latin typeface="Lucida Console" pitchFamily="49" charset="0"/>
+              </a:rPr>
+            </a:br>
+            <a:r>
+              <a:rPr lang="en-US" sz="1500" dirty="0" smtClean="0">
+                <a:latin typeface="Lucida Console" pitchFamily="49" charset="0"/>
+              </a:rPr>
+              <a:t>  </a:t>
+            </a:r>
+            <a:r>
+              <a:rPr lang="en-US" sz="1500" dirty="0" err="1" smtClean="0">
+                <a:latin typeface="Lucida Console" pitchFamily="49" charset="0"/>
+              </a:rPr>
+              <a:t>has_many</a:t>
+            </a:r>
+            <a:r>
+              <a:rPr lang="en-US" sz="1500" dirty="0" smtClean="0">
+                <a:latin typeface="Lucida Console" pitchFamily="49" charset="0"/>
+              </a:rPr>
+              <a:t> :roles, :through =&gt; :</a:t>
+            </a:r>
+            <a:r>
+              <a:rPr lang="en-US" sz="1500" dirty="0" err="1" smtClean="0">
+                <a:latin typeface="Lucida Console" pitchFamily="49" charset="0"/>
+              </a:rPr>
+              <a:t>user_roles</a:t>
+            </a:r>
+            <a:r>
+              <a:rPr lang="en-US" sz="1500" dirty="0" smtClean="0">
+                <a:latin typeface="Lucida Console" pitchFamily="49" charset="0"/>
+              </a:rPr>
+              <a:t/>
+            </a:r>
+            <a:br>
+              <a:rPr lang="en-US" sz="1500" dirty="0" smtClean="0">
+                <a:latin typeface="Lucida Console" pitchFamily="49" charset="0"/>
+              </a:rPr>
+            </a:br>
+            <a:r>
+              <a:rPr lang="en-US" sz="1500" dirty="0" smtClean="0">
+                <a:latin typeface="Lucida Console" pitchFamily="49" charset="0"/>
+              </a:rPr>
+              <a:t>  </a:t>
+            </a:r>
+            <a:r>
+              <a:rPr lang="en-US" sz="1500" dirty="0" err="1" smtClean="0">
+                <a:latin typeface="Lucida Console" pitchFamily="49" charset="0"/>
+              </a:rPr>
+              <a:t>validates_length_of</a:t>
+            </a:r>
+            <a:r>
+              <a:rPr lang="en-US" sz="1500" dirty="0" smtClean="0">
+                <a:latin typeface="Lucida Console" pitchFamily="49" charset="0"/>
+              </a:rPr>
+              <a:t> :name, :maximum =&gt; 100</a:t>
+            </a:r>
+            <a:br>
+              <a:rPr lang="en-US" sz="1500" dirty="0" smtClean="0">
+                <a:latin typeface="Lucida Console" pitchFamily="49" charset="0"/>
+              </a:rPr>
+            </a:br>
+            <a:r>
+              <a:rPr lang="en-US" sz="1500" dirty="0" smtClean="0">
+                <a:latin typeface="Lucida Console" pitchFamily="49" charset="0"/>
+              </a:rPr>
+              <a:t>  </a:t>
+            </a:r>
+            <a:r>
+              <a:rPr lang="en-US" sz="1500" dirty="0" err="1" smtClean="0">
+                <a:solidFill>
+                  <a:srgbClr val="FF0000"/>
+                </a:solidFill>
+                <a:latin typeface="Lucida Console" pitchFamily="49" charset="0"/>
+              </a:rPr>
+              <a:t>named_scope</a:t>
+            </a:r>
+            <a:r>
+              <a:rPr lang="en-US" sz="1500" dirty="0" smtClean="0">
+                <a:solidFill>
+                  <a:srgbClr val="FF0000"/>
+                </a:solidFill>
+                <a:latin typeface="Lucida Console" pitchFamily="49" charset="0"/>
+              </a:rPr>
+              <a:t> :active, </a:t>
+            </a:r>
+          </a:p>
+          <a:p>
+            <a:pPr>
+              <a:buNone/>
+            </a:pPr>
+            <a:r>
+              <a:rPr lang="en-US" sz="1500" dirty="0" smtClean="0">
+                <a:solidFill>
+                  <a:srgbClr val="FF0000"/>
+                </a:solidFill>
+                <a:latin typeface="Lucida Console" pitchFamily="49" charset="0"/>
+              </a:rPr>
+              <a:t>              :conditions =&gt; ["user_status.id = ?", </a:t>
+            </a:r>
+            <a:r>
+              <a:rPr lang="en-US" sz="1500" dirty="0" err="1" smtClean="0">
+                <a:solidFill>
+                  <a:srgbClr val="FF0000"/>
+                </a:solidFill>
+                <a:latin typeface="Lucida Console" pitchFamily="49" charset="0"/>
+              </a:rPr>
+              <a:t>UserStatus</a:t>
+            </a:r>
+            <a:r>
+              <a:rPr lang="en-US" sz="1500" dirty="0" smtClean="0">
+                <a:solidFill>
+                  <a:srgbClr val="FF0000"/>
+                </a:solidFill>
+                <a:latin typeface="Lucida Console" pitchFamily="49" charset="0"/>
+              </a:rPr>
+              <a:t>::ACTIVE]</a:t>
+            </a:r>
+            <a:r>
+              <a:rPr lang="en-US" sz="1500" dirty="0" smtClean="0">
+                <a:latin typeface="Lucida Console" pitchFamily="49" charset="0"/>
+              </a:rPr>
+              <a:t/>
+            </a:r>
+            <a:br>
+              <a:rPr lang="en-US" sz="1500" dirty="0" smtClean="0">
+                <a:latin typeface="Lucida Console" pitchFamily="49" charset="0"/>
+              </a:rPr>
+            </a:br>
+            <a:r>
+              <a:rPr lang="en-US" sz="1500" dirty="0" smtClean="0">
+                <a:latin typeface="Lucida Console" pitchFamily="49" charset="0"/>
+              </a:rPr>
+              <a:t>end</a:t>
+            </a:r>
+            <a:endParaRPr lang="en-US" sz="1500" dirty="0">
+              <a:latin typeface="Lucida Console" pitchFamily="49" charset="0"/>
+            </a:endParaRPr>
+          </a:p>
+        </p:txBody>
+      </p:sp>
+      <p:sp>
+        <p:nvSpPr>
+          <p:cNvPr id="4" name="TextBox 3"/>
+          <p:cNvSpPr txBox="1"/>
+          <p:nvPr/>
+        </p:nvSpPr>
+        <p:spPr>
+          <a:xfrm>
+            <a:off x="3886200" y="1600200"/>
+            <a:ext cx="4876800" cy="369332"/>
+          </a:xfrm>
+          <a:prstGeom prst="rect">
+            <a:avLst/>
+          </a:prstGeom>
+          <a:solidFill>
+            <a:schemeClr val="bg1"/>
+          </a:solidFill>
+        </p:spPr>
+        <p:txBody>
+          <a:bodyPr wrap="square" rtlCol="0">
+            <a:spAutoFit/>
+          </a:bodyPr>
+          <a:lstStyle/>
+          <a:p>
+            <a:pPr>
+              <a:buFont typeface="Arial" pitchFamily="34" charset="0"/>
+              <a:buChar char="•"/>
+            </a:pPr>
+            <a:r>
+              <a:rPr lang="en-US" dirty="0" smtClean="0"/>
+              <a:t>  adds </a:t>
+            </a:r>
+            <a:r>
+              <a:rPr lang="en-US" dirty="0" err="1" smtClean="0"/>
+              <a:t>User.active</a:t>
+            </a:r>
+            <a:r>
+              <a:rPr lang="en-US" dirty="0" smtClean="0"/>
+              <a:t> method</a:t>
+            </a:r>
           </a:p>
         </p:txBody>
       </p:sp>
@@ -8469,9 +8679,8 @@
             </a:pPr>
             <a:r>
               <a:rPr lang="en-US" sz="3600" dirty="0" smtClean="0"/>
-              <a:t>Innovation is everywhere</a:t>
-            </a:r>
-            <a:endParaRPr lang="en-US" sz="3600" dirty="0" smtClean="0"/>
+              <a:t>If it’s hard, you’re probably doing it wrong</a:t>
+            </a:r>
           </a:p>
         </p:txBody>
       </p:sp>
@@ -8562,11 +8771,16 @@
             <a:pPr algn="ctr">
               <a:buNone/>
             </a:pPr>
+            <a:endParaRPr lang="en-US" sz="3600" dirty="0" smtClean="0"/>
+          </a:p>
+          <a:p>
+            <a:pPr algn="ctr">
+              <a:buNone/>
+            </a:pPr>
             <a:r>
               <a:rPr lang="en-US" sz="3600" dirty="0" smtClean="0"/>
-              <a:t>Patterns and “best practices” are different between static and dynamic languages</a:t>
-            </a:r>
-            <a:endParaRPr lang="en-US" sz="3600" dirty="0" smtClean="0"/>
+              <a:t>Innovation is everywhere</a:t>
+            </a:r>
           </a:p>
         </p:txBody>
       </p:sp>
@@ -8614,14 +8828,12 @@
         </p:nvSpPr>
         <p:spPr/>
         <p:txBody>
-          <a:bodyPr>
-            <a:normAutofit fontScale="90000"/>
-          </a:bodyPr>
+          <a:bodyPr/>
           <a:lstStyle/>
           <a:p>
             <a:r>
               <a:rPr lang="en-US" dirty="0" smtClean="0"/>
-              <a:t>The Active Record Pattern - .NET</a:t>
+              <a:t>What I’ve Learned</a:t>
             </a:r>
             <a:endParaRPr lang="en-US" dirty="0"/>
           </a:p>
@@ -8629,7 +8841,7 @@
       </p:sp>
       <p:sp>
         <p:nvSpPr>
-          <p:cNvPr id="3" name="Content Placeholder 2"/>
+          <p:cNvPr id="4" name="Content Placeholder 3"/>
           <p:cNvSpPr>
             <a:spLocks noGrp="1"/>
           </p:cNvSpPr>
@@ -8644,128 +8856,25 @@
           </a:bodyPr>
           <a:lstStyle/>
           <a:p>
-            <a:pPr>
-              <a:buNone/>
-            </a:pPr>
-            <a:r>
-              <a:rPr lang="en-US" sz="1800" dirty="0" smtClean="0">
-                <a:latin typeface="Lucida Console" pitchFamily="49" charset="0"/>
-              </a:rPr>
-              <a:t>public class Employee</a:t>
-            </a:r>
-          </a:p>
-          <a:p>
-            <a:pPr>
-              <a:buNone/>
-            </a:pPr>
-            <a:r>
-              <a:rPr lang="en-US" sz="1800" dirty="0" smtClean="0">
-                <a:latin typeface="Lucida Console" pitchFamily="49" charset="0"/>
-              </a:rPr>
-              <a:t>{</a:t>
-            </a:r>
-          </a:p>
-          <a:p>
-            <a:pPr>
-              <a:buNone/>
-            </a:pPr>
-            <a:r>
-              <a:rPr lang="en-US" sz="1800" dirty="0" smtClean="0">
-                <a:latin typeface="Lucida Console" pitchFamily="49" charset="0"/>
-              </a:rPr>
-              <a:t>	public static Employee Load(</a:t>
-            </a:r>
-            <a:r>
-              <a:rPr lang="en-US" sz="1800" dirty="0" err="1" smtClean="0">
-                <a:latin typeface="Lucida Console" pitchFamily="49" charset="0"/>
-              </a:rPr>
-              <a:t>int</a:t>
-            </a:r>
-            <a:r>
-              <a:rPr lang="en-US" sz="1800" dirty="0" smtClean="0">
-                <a:latin typeface="Lucida Console" pitchFamily="49" charset="0"/>
-              </a:rPr>
-              <a:t> id) { ... }</a:t>
-            </a:r>
-          </a:p>
-          <a:p>
-            <a:pPr>
-              <a:buNone/>
-            </a:pPr>
-            <a:r>
-              <a:rPr lang="en-US" sz="1800" dirty="0" smtClean="0">
-                <a:latin typeface="Lucida Console" pitchFamily="49" charset="0"/>
-              </a:rPr>
-              <a:t>	public </a:t>
-            </a:r>
-            <a:r>
-              <a:rPr lang="en-US" sz="1800" dirty="0" err="1" smtClean="0">
-                <a:latin typeface="Lucida Console" pitchFamily="49" charset="0"/>
-              </a:rPr>
-              <a:t>bool</a:t>
-            </a:r>
-            <a:r>
-              <a:rPr lang="en-US" sz="1800" dirty="0" smtClean="0">
-                <a:latin typeface="Lucida Console" pitchFamily="49" charset="0"/>
-              </a:rPr>
-              <a:t> Save() { ... }</a:t>
-            </a:r>
-          </a:p>
-          <a:p>
-            <a:pPr>
-              <a:buNone/>
-            </a:pPr>
-            <a:r>
-              <a:rPr lang="en-US" sz="1800" dirty="0" smtClean="0">
-                <a:latin typeface="Lucida Console" pitchFamily="49" charset="0"/>
-              </a:rPr>
-              <a:t>	public </a:t>
-            </a:r>
-            <a:r>
-              <a:rPr lang="en-US" sz="1800" dirty="0" err="1" smtClean="0">
-                <a:latin typeface="Lucida Console" pitchFamily="49" charset="0"/>
-              </a:rPr>
-              <a:t>bool</a:t>
-            </a:r>
-            <a:r>
-              <a:rPr lang="en-US" sz="1800" dirty="0" smtClean="0">
-                <a:latin typeface="Lucida Console" pitchFamily="49" charset="0"/>
-              </a:rPr>
-              <a:t> Delete() { ... }</a:t>
-            </a:r>
-          </a:p>
-          <a:p>
-            <a:pPr>
-              <a:buNone/>
-            </a:pPr>
-            <a:r>
-              <a:rPr lang="en-US" sz="1800" dirty="0" smtClean="0">
-                <a:latin typeface="Lucida Console" pitchFamily="49" charset="0"/>
-              </a:rPr>
-              <a:t>}</a:t>
-            </a:r>
-          </a:p>
-          <a:p>
-            <a:pPr>
-              <a:buNone/>
-            </a:pPr>
-            <a:r>
-              <a:rPr lang="en-US" dirty="0" smtClean="0"/>
-              <a:t>	</a:t>
-            </a:r>
-          </a:p>
-          <a:p>
-            <a:r>
-              <a:rPr lang="en-US" dirty="0" smtClean="0"/>
-              <a:t>How do I stub out the Load method in a test?</a:t>
-            </a:r>
-          </a:p>
-          <a:p>
-            <a:r>
-              <a:rPr lang="en-US" dirty="0" smtClean="0"/>
-              <a:t>How can I implement cross-cutting concerns (e.g. caching when saving) without duplicating code?</a:t>
-            </a:r>
-            <a:endParaRPr lang="en-US" dirty="0"/>
+            <a:pPr algn="ctr">
+              <a:buNone/>
+            </a:pPr>
+            <a:endParaRPr lang="en-US" sz="3600" dirty="0" smtClean="0"/>
+          </a:p>
+          <a:p>
+            <a:pPr algn="ctr">
+              <a:buNone/>
+            </a:pPr>
+            <a:endParaRPr lang="en-US" sz="3600" dirty="0" smtClean="0"/>
+          </a:p>
+          <a:p>
+            <a:pPr algn="ctr">
+              <a:buNone/>
+            </a:pPr>
+            <a:r>
+              <a:rPr lang="en-US" sz="3600" dirty="0" smtClean="0"/>
+              <a:t>Patterns and “best practices” are different between static and dynamic languages</a:t>
+            </a:r>
           </a:p>
         </p:txBody>
       </p:sp>
@@ -8820,7 +8929,7 @@
           <a:p>
             <a:r>
               <a:rPr lang="en-US" dirty="0" smtClean="0"/>
-              <a:t>The Active Record Pattern - Ruby</a:t>
+              <a:t>The Active Record Pattern - .NET</a:t>
             </a:r>
             <a:endParaRPr lang="en-US" dirty="0"/>
           </a:p>
@@ -8839,7 +8948,7 @@
         <p:spPr/>
         <p:txBody>
           <a:bodyPr>
-            <a:normAutofit lnSpcReduction="10000"/>
+            <a:normAutofit/>
           </a:bodyPr>
           <a:lstStyle/>
           <a:p>
@@ -8850,7 +8959,7 @@
               <a:rPr lang="en-US" sz="1800" dirty="0" smtClean="0">
                 <a:latin typeface="Lucida Console" pitchFamily="49" charset="0"/>
               </a:rPr>
-              <a:t>describe "When terminating an employee" do</a:t>
+              <a:t>public class Employee</a:t>
             </a:r>
           </a:p>
           <a:p>
@@ -8861,7 +8970,7 @@
               <a:rPr lang="en-US" sz="1800" dirty="0" smtClean="0">
                 <a:latin typeface="Lucida Console" pitchFamily="49" charset="0"/>
               </a:rPr>
-              <a:t>  before(:each) do</a:t>
+              <a:t>{</a:t>
             </a:r>
           </a:p>
           <a:p>
@@ -8872,19 +8981,19 @@
               <a:rPr lang="en-US" sz="1800" dirty="0" smtClean="0">
                 <a:latin typeface="Lucida Console" pitchFamily="49" charset="0"/>
               </a:rPr>
-              <a:t>    @employee = </a:t>
+              <a:t>	public static Employee Load(</a:t>
             </a:r>
             <a:r>
               <a:rPr lang="en-US" sz="1800" dirty="0" err="1" smtClean="0">
                 <a:latin typeface="Lucida Console" pitchFamily="49" charset="0"/>
               </a:rPr>
-              <a:t>Employee.new</a:t>
+              <a:t>int</a:t>
             </a:r>
             <a:r>
               <a:rPr lang="en-US" sz="1800" dirty="0" smtClean="0">
                 <a:latin typeface="Lucida Console" pitchFamily="49" charset="0"/>
               </a:rPr>
-              <a:t>(:status =&gt; ACTIVE_STATUS)</a:t>
+              <a:t> id) { ... }</a:t>
             </a:r>
           </a:p>
           <a:p>
@@ -8895,43 +9004,19 @@
               <a:rPr lang="en-US" sz="1800" dirty="0" smtClean="0">
                 <a:latin typeface="Lucida Console" pitchFamily="49" charset="0"/>
               </a:rPr>
-              <a:t>    </a:t>
-            </a:r>
-            <a:r>
-              <a:rPr lang="en-US" sz="1800" b="1" dirty="0" err="1" smtClean="0">
-                <a:solidFill>
-                  <a:srgbClr val="FF0000"/>
-                </a:solidFill>
-                <a:latin typeface="Lucida Console" pitchFamily="49" charset="0"/>
-              </a:rPr>
-              <a:t>Employee.stub</a:t>
-            </a:r>
-            <a:r>
-              <a:rPr lang="en-US" sz="1800" b="1" dirty="0" smtClean="0">
-                <a:solidFill>
-                  <a:srgbClr val="FF0000"/>
-                </a:solidFill>
-                <a:latin typeface="Lucida Console" pitchFamily="49" charset="0"/>
-              </a:rPr>
-              <a:t>!(:find).with(1).</a:t>
-            </a:r>
-            <a:r>
-              <a:rPr lang="en-US" sz="1800" b="1" dirty="0" err="1" smtClean="0">
-                <a:solidFill>
-                  <a:srgbClr val="FF0000"/>
-                </a:solidFill>
-                <a:latin typeface="Lucida Console" pitchFamily="49" charset="0"/>
-              </a:rPr>
-              <a:t>and_return</a:t>
-            </a:r>
-            <a:r>
-              <a:rPr lang="en-US" sz="1800" b="1" dirty="0" smtClean="0">
-                <a:solidFill>
-                  <a:srgbClr val="FF0000"/>
-                </a:solidFill>
-                <a:latin typeface="Lucida Console" pitchFamily="49" charset="0"/>
-              </a:rPr>
-              <a:t>(@employee)</a:t>
+              <a:t>	public </a:t>
+            </a:r>
+            <a:r>
+              <a:rPr lang="en-US" sz="1800" dirty="0" err="1" smtClean="0">
+                <a:latin typeface="Lucida Console" pitchFamily="49" charset="0"/>
+              </a:rPr>
+              <a:t>bool</a:t>
+            </a:r>
+            <a:r>
+              <a:rPr lang="en-US" sz="1800" dirty="0" smtClean="0">
+                <a:latin typeface="Lucida Console" pitchFamily="49" charset="0"/>
+              </a:rPr>
+              <a:t> Save() { ... }</a:t>
             </a:r>
           </a:p>
           <a:p>
@@ -8942,149 +9027,53 @@
               <a:rPr lang="en-US" sz="1800" dirty="0" smtClean="0">
                 <a:latin typeface="Lucida Console" pitchFamily="49" charset="0"/>
               </a:rPr>
-              <a:t>    @</a:t>
+              <a:t>	public </a:t>
             </a:r>
             <a:r>
               <a:rPr lang="en-US" sz="1800" dirty="0" err="1" smtClean="0">
                 <a:latin typeface="Lucida Console" pitchFamily="49" charset="0"/>
               </a:rPr>
-              <a:t>hr_person</a:t>
+              <a:t>bool</a:t>
             </a:r>
             <a:r>
               <a:rPr lang="en-US" sz="1800" dirty="0" smtClean="0">
                 <a:latin typeface="Lucida Console" pitchFamily="49" charset="0"/>
               </a:rPr>
-              <a:t> = </a:t>
-            </a:r>
-            <a:r>
-              <a:rPr lang="en-US" sz="1800" dirty="0" err="1" smtClean="0">
-                <a:latin typeface="Lucida Console" pitchFamily="49" charset="0"/>
-              </a:rPr>
-              <a:t>HrPerson.new</a:t>
-            </a:r>
+              <a:t> Delete() { ... }</a:t>
+            </a:r>
+          </a:p>
+          <a:p>
+            <a:pPr>
+              <a:buNone/>
+            </a:pPr>
             <a:r>
               <a:rPr lang="en-US" sz="1800" dirty="0" smtClean="0">
                 <a:latin typeface="Lucida Console" pitchFamily="49" charset="0"/>
               </a:rPr>
-              <a:t>(:name =&gt; "Joe")</a:t>
+              <a:t>}</a:t>
             </a:r>
           </a:p>
           <a:p>
             <a:pPr>
               <a:buNone/>
             </a:pPr>
-            <a:r>
-              <a:rPr lang="en-US" sz="1800" dirty="0" smtClean="0">
-                <a:latin typeface="Lucida Console" pitchFamily="49" charset="0"/>
-              </a:rPr>
-              <a:t>  end</a:t>
-            </a:r>
-          </a:p>
-          <a:p>
-            <a:pPr>
-              <a:buNone/>
-            </a:pPr>
-            <a:r>
-              <a:rPr lang="en-US" sz="1800" dirty="0" smtClean="0">
-                <a:latin typeface="Lucida Console" pitchFamily="49" charset="0"/>
-              </a:rPr>
-              <a:t>  </a:t>
-            </a:r>
-          </a:p>
-          <a:p>
-            <a:pPr>
-              <a:buNone/>
-            </a:pPr>
-            <a:r>
-              <a:rPr lang="en-US" sz="1800" dirty="0" smtClean="0">
-                <a:latin typeface="Lucida Console" pitchFamily="49" charset="0"/>
-              </a:rPr>
-              <a:t>  it "Should set the status to terminated" do</a:t>
-            </a:r>
-          </a:p>
-          <a:p>
-            <a:pPr>
-              <a:buNone/>
-            </a:pPr>
-            <a:r>
-              <a:rPr lang="en-US" sz="1800" dirty="0" smtClean="0">
-                <a:latin typeface="Lucida Console" pitchFamily="49" charset="0"/>
-              </a:rPr>
-              <a:t>    @</a:t>
-            </a:r>
-            <a:r>
-              <a:rPr lang="en-US" sz="1800" dirty="0" err="1" smtClean="0">
-                <a:latin typeface="Lucida Console" pitchFamily="49" charset="0"/>
-              </a:rPr>
-              <a:t>hr_person.terminate_employee</a:t>
-            </a:r>
-            <a:r>
-              <a:rPr lang="en-US" sz="1800" dirty="0" smtClean="0">
-                <a:latin typeface="Lucida Console" pitchFamily="49" charset="0"/>
-              </a:rPr>
-              <a:t>(1)</a:t>
-            </a:r>
-          </a:p>
-          <a:p>
-            <a:pPr>
-              <a:buNone/>
-            </a:pPr>
-            <a:r>
-              <a:rPr lang="en-US" sz="1800" dirty="0" smtClean="0">
-                <a:latin typeface="Lucida Console" pitchFamily="49" charset="0"/>
-              </a:rPr>
-              <a:t>    @</a:t>
-            </a:r>
-            <a:r>
-              <a:rPr lang="en-US" sz="1800" dirty="0" err="1" smtClean="0">
-                <a:latin typeface="Lucida Console" pitchFamily="49" charset="0"/>
-              </a:rPr>
-              <a:t>employee.status.should</a:t>
-            </a:r>
-            <a:r>
-              <a:rPr lang="en-US" sz="1800" dirty="0" smtClean="0">
-                <a:latin typeface="Lucida Console" pitchFamily="49" charset="0"/>
-              </a:rPr>
-              <a:t> == TERMINATED_STATUS</a:t>
-            </a:r>
-          </a:p>
-          <a:p>
-            <a:pPr>
-              <a:buNone/>
-            </a:pPr>
-            <a:r>
-              <a:rPr lang="en-US" sz="1800" dirty="0" smtClean="0">
-                <a:latin typeface="Lucida Console" pitchFamily="49" charset="0"/>
-              </a:rPr>
-              <a:t>  end</a:t>
-            </a:r>
-          </a:p>
-          <a:p>
-            <a:pPr>
-              <a:buNone/>
-            </a:pPr>
-            <a:r>
-              <a:rPr lang="en-US" sz="1800" dirty="0" smtClean="0">
-                <a:latin typeface="Lucida Console" pitchFamily="49" charset="0"/>
-              </a:rPr>
-              <a:t>end </a:t>
-            </a:r>
             <a:r>
               <a:rPr lang="en-US" dirty="0" smtClean="0"/>
               <a:t>	</a:t>
             </a:r>
           </a:p>
           <a:p>
-            <a:pPr>
-              <a:buNone/>
-            </a:pPr>
-            <a:endParaRPr lang="en-US" dirty="0" smtClean="0"/>
-          </a:p>
-          <a:p>
             <a:r>
               <a:rPr lang="en-US" dirty="0" smtClean="0"/>
-              <a:t>In Ruby, I can stub out class methods (i.e. static methods)</a:t>
-            </a:r>
+              <a:t>How do I stub out the Load method in a test?</a:t>
+            </a:r>
+          </a:p>
+          <a:p>
+            <a:r>
+              <a:rPr lang="en-US" dirty="0" smtClean="0"/>
+              <a:t>How can I implement cross-cutting concerns (e.g. caching when saving) without duplicating code?</a:t>
+            </a:r>
+            <a:endParaRPr lang="en-US" dirty="0"/>
           </a:p>
         </p:txBody>
       </p:sp>
@@ -9162,159 +9151,13 @@
           </a:bodyPr>
           <a:lstStyle/>
           <a:p>
-            <a:pPr>
-              <a:buNone/>
-            </a:pPr>
-            <a:r>
-              <a:rPr lang="en-US" sz="1900" dirty="0" smtClean="0">
-                <a:latin typeface="Lucida Console" pitchFamily="49" charset="0"/>
-              </a:rPr>
-              <a:t>class Employee &lt; </a:t>
-            </a:r>
-            <a:r>
-              <a:rPr lang="en-US" sz="1900" dirty="0" err="1" smtClean="0">
-                <a:latin typeface="Lucida Console" pitchFamily="49" charset="0"/>
-              </a:rPr>
-              <a:t>ActiveRecord</a:t>
-            </a:r>
-            <a:r>
-              <a:rPr lang="en-US" sz="1900" dirty="0" smtClean="0">
-                <a:latin typeface="Lucida Console" pitchFamily="49" charset="0"/>
-              </a:rPr>
-              <a:t>::Base</a:t>
-            </a:r>
-          </a:p>
-          <a:p>
-            <a:pPr>
-              <a:buNone/>
-            </a:pPr>
-            <a:r>
-              <a:rPr lang="en-US" sz="1900" dirty="0" smtClean="0">
-                <a:latin typeface="Lucida Console" pitchFamily="49" charset="0"/>
-              </a:rPr>
-              <a:t>  </a:t>
-            </a:r>
-            <a:r>
-              <a:rPr lang="en-US" sz="1900" b="1" dirty="0" smtClean="0">
-                <a:solidFill>
-                  <a:srgbClr val="FF0000"/>
-                </a:solidFill>
-                <a:latin typeface="Lucida Console" pitchFamily="49" charset="0"/>
-              </a:rPr>
-              <a:t>include Cacheable</a:t>
-            </a:r>
-          </a:p>
-          <a:p>
-            <a:pPr>
-              <a:buNone/>
-            </a:pPr>
-            <a:r>
-              <a:rPr lang="en-US" sz="1900" dirty="0" smtClean="0">
-                <a:latin typeface="Lucida Console" pitchFamily="49" charset="0"/>
-              </a:rPr>
-              <a:t>end</a:t>
-            </a:r>
-          </a:p>
-          <a:p>
-            <a:pPr>
-              <a:buNone/>
-            </a:pPr>
-            <a:endParaRPr lang="en-US" sz="1900" dirty="0" smtClean="0">
-              <a:latin typeface="Lucida Console" pitchFamily="49" charset="0"/>
-            </a:endParaRPr>
-          </a:p>
-          <a:p>
-            <a:pPr>
-              <a:buNone/>
-            </a:pPr>
-            <a:r>
-              <a:rPr lang="en-US" sz="1900" dirty="0" smtClean="0">
-                <a:latin typeface="Lucida Console" pitchFamily="49" charset="0"/>
-              </a:rPr>
-              <a:t>module Cacheable</a:t>
-            </a:r>
-          </a:p>
-          <a:p>
-            <a:pPr>
-              <a:buNone/>
-            </a:pPr>
-            <a:r>
-              <a:rPr lang="en-US" sz="1900" dirty="0" smtClean="0">
-                <a:latin typeface="Lucida Console" pitchFamily="49" charset="0"/>
-              </a:rPr>
-              <a:t>  def save</a:t>
-            </a:r>
-          </a:p>
-          <a:p>
-            <a:pPr>
-              <a:buNone/>
-            </a:pPr>
-            <a:r>
-              <a:rPr lang="en-US" sz="1900" dirty="0" smtClean="0">
-                <a:latin typeface="Lucida Console" pitchFamily="49" charset="0"/>
-              </a:rPr>
-              <a:t>    </a:t>
-            </a:r>
-            <a:r>
-              <a:rPr lang="en-US" sz="1900" dirty="0" err="1" smtClean="0">
-                <a:latin typeface="Lucida Console" pitchFamily="49" charset="0"/>
-              </a:rPr>
-              <a:t>Cache.save</a:t>
-            </a:r>
-            <a:r>
-              <a:rPr lang="en-US" sz="1900" dirty="0" smtClean="0">
-                <a:latin typeface="Lucida Console" pitchFamily="49" charset="0"/>
-              </a:rPr>
-              <a:t>(self)</a:t>
-            </a:r>
-          </a:p>
-          <a:p>
-            <a:pPr>
-              <a:buNone/>
-            </a:pPr>
-            <a:r>
-              <a:rPr lang="en-US" sz="1900" dirty="0" smtClean="0">
-                <a:latin typeface="Lucida Console" pitchFamily="49" charset="0"/>
-              </a:rPr>
-              <a:t>    super</a:t>
-            </a:r>
-          </a:p>
-          <a:p>
-            <a:pPr>
-              <a:buNone/>
-            </a:pPr>
-            <a:r>
-              <a:rPr lang="en-US" sz="1900" dirty="0" smtClean="0">
-                <a:latin typeface="Lucida Console" pitchFamily="49" charset="0"/>
-              </a:rPr>
-              <a:t>  end</a:t>
-            </a:r>
-          </a:p>
-          <a:p>
-            <a:pPr>
-              <a:buNone/>
-            </a:pPr>
-            <a:r>
-              <a:rPr lang="en-US" sz="1900" dirty="0" smtClean="0">
-                <a:latin typeface="Lucida Console" pitchFamily="49" charset="0"/>
-              </a:rPr>
-              <a:t>end </a:t>
-            </a:r>
             <a:r>
               <a:rPr lang="en-US" dirty="0" smtClean="0"/>
-              <a:t>	</a:t>
-            </a:r>
-          </a:p>
-          <a:p>
-            <a:pPr>
-              <a:buNone/>
-            </a:pPr>
-            <a:endParaRPr lang="en-US" dirty="0" smtClean="0"/>
-          </a:p>
-          <a:p>
+              <a:t>In </a:t>
+            </a:r>
             <a:r>
               <a:rPr lang="en-US" dirty="0" smtClean="0"/>
-              <a:t>In Ruby, I can mix in modules that will modify the class </a:t>
+              <a:t>Ruby, I can stub out class methods (i.e. static methods)</a:t>
             </a:r>
           </a:p>
         </p:txBody>
@@ -9361,25 +9204,192 @@
             <p:ph type="title"/>
           </p:nvPr>
         </p:nvSpPr>
-        <p:spPr>
-          <a:xfrm>
-            <a:off x="457200" y="2590800"/>
-            <a:ext cx="8229600" cy="1143000"/>
-          </a:xfrm>
-        </p:spPr>
-        <p:txBody>
-          <a:bodyPr/>
-          <a:lstStyle/>
-          <a:p>
-            <a:r>
-              <a:rPr lang="en-US" sz="6000" dirty="0" smtClean="0"/>
-              <a:t>Code</a:t>
-            </a:r>
+        <p:spPr/>
+        <p:txBody>
+          <a:bodyPr>
+            <a:normAutofit fontScale="90000"/>
+          </a:bodyPr>
+          <a:lstStyle/>
+          <a:p>
             <a:r>
               <a:rPr lang="en-US" dirty="0" smtClean="0"/>
-              <a:t>!</a:t>
+              <a:t>The Active Record Pattern - Ruby</a:t>
             </a:r>
             <a:endParaRPr lang="en-US" dirty="0"/>
+          </a:p>
+        </p:txBody>
+      </p:sp>
+      <p:sp>
+        <p:nvSpPr>
+          <p:cNvPr id="3" name="Content Placeholder 2"/>
+          <p:cNvSpPr>
+            <a:spLocks noGrp="1"/>
+          </p:cNvSpPr>
+          <p:nvPr>
+            <p:ph idx="1"/>
+          </p:nvPr>
+        </p:nvSpPr>
+        <p:spPr/>
+        <p:txBody>
+          <a:bodyPr>
+            <a:normAutofit/>
+          </a:bodyPr>
+          <a:lstStyle/>
+          <a:p>
+            <a:pPr>
+              <a:buNone/>
+            </a:pPr>
+            <a:r>
+              <a:rPr lang="en-US" sz="1900" dirty="0" smtClean="0">
+                <a:latin typeface="Lucida Console" pitchFamily="49" charset="0"/>
+              </a:rPr>
+              <a:t>class Employee &lt; </a:t>
+            </a:r>
+            <a:r>
+              <a:rPr lang="en-US" sz="1900" dirty="0" err="1" smtClean="0">
+                <a:latin typeface="Lucida Console" pitchFamily="49" charset="0"/>
+              </a:rPr>
+              <a:t>ActiveRecord</a:t>
+            </a:r>
+            <a:r>
+              <a:rPr lang="en-US" sz="1900" dirty="0" smtClean="0">
+                <a:latin typeface="Lucida Console" pitchFamily="49" charset="0"/>
+              </a:rPr>
+              <a:t>::Base</a:t>
+            </a:r>
+          </a:p>
+          <a:p>
+            <a:pPr>
+              <a:buNone/>
+            </a:pPr>
+            <a:r>
+              <a:rPr lang="en-US" sz="1900" dirty="0" smtClean="0">
+                <a:latin typeface="Lucida Console" pitchFamily="49" charset="0"/>
+              </a:rPr>
+              <a:t>  </a:t>
+            </a:r>
+            <a:r>
+              <a:rPr lang="en-US" sz="1900" b="1" dirty="0" smtClean="0">
+                <a:solidFill>
+                  <a:srgbClr val="FF0000"/>
+                </a:solidFill>
+                <a:latin typeface="Lucida Console" pitchFamily="49" charset="0"/>
+              </a:rPr>
+              <a:t>include Cacheable</a:t>
+            </a:r>
+          </a:p>
+          <a:p>
+            <a:pPr>
+              <a:buNone/>
+            </a:pPr>
+            <a:r>
+              <a:rPr lang="en-US" sz="1900" dirty="0" smtClean="0">
+                <a:latin typeface="Lucida Console" pitchFamily="49" charset="0"/>
+              </a:rPr>
+              <a:t>end</a:t>
+            </a:r>
+          </a:p>
+          <a:p>
+            <a:pPr>
+              <a:buNone/>
+            </a:pPr>
+            <a:endParaRPr lang="en-US" sz="1900" dirty="0" smtClean="0">
+              <a:latin typeface="Lucida Console" pitchFamily="49" charset="0"/>
+            </a:endParaRPr>
+          </a:p>
+          <a:p>
+            <a:pPr>
+              <a:buNone/>
+            </a:pPr>
+            <a:r>
+              <a:rPr lang="en-US" sz="1900" dirty="0" smtClean="0">
+                <a:latin typeface="Lucida Console" pitchFamily="49" charset="0"/>
+              </a:rPr>
+              <a:t>module Cacheable</a:t>
+            </a:r>
+          </a:p>
+          <a:p>
+            <a:pPr>
+              <a:buNone/>
+            </a:pPr>
+            <a:r>
+              <a:rPr lang="en-US" sz="1900" dirty="0" smtClean="0">
+                <a:latin typeface="Lucida Console" pitchFamily="49" charset="0"/>
+              </a:rPr>
+              <a:t>  def save</a:t>
+            </a:r>
+          </a:p>
+          <a:p>
+            <a:pPr>
+              <a:buNone/>
+            </a:pPr>
+            <a:r>
+              <a:rPr lang="en-US" sz="1900" dirty="0" smtClean="0">
+                <a:latin typeface="Lucida Console" pitchFamily="49" charset="0"/>
+              </a:rPr>
+              <a:t>    </a:t>
+            </a:r>
+            <a:r>
+              <a:rPr lang="en-US" sz="1900" dirty="0" err="1" smtClean="0">
+                <a:latin typeface="Lucida Console" pitchFamily="49" charset="0"/>
+              </a:rPr>
+              <a:t>Cache.save</a:t>
+            </a:r>
+            <a:r>
+              <a:rPr lang="en-US" sz="1900" dirty="0" smtClean="0">
+                <a:latin typeface="Lucida Console" pitchFamily="49" charset="0"/>
+              </a:rPr>
+              <a:t>(self)</a:t>
+            </a:r>
+          </a:p>
+          <a:p>
+            <a:pPr>
+              <a:buNone/>
+            </a:pPr>
+            <a:r>
+              <a:rPr lang="en-US" sz="1900" dirty="0" smtClean="0">
+                <a:latin typeface="Lucida Console" pitchFamily="49" charset="0"/>
+              </a:rPr>
+              <a:t>    super</a:t>
+            </a:r>
+          </a:p>
+          <a:p>
+            <a:pPr>
+              <a:buNone/>
+            </a:pPr>
+            <a:r>
+              <a:rPr lang="en-US" sz="1900" dirty="0" smtClean="0">
+                <a:latin typeface="Lucida Console" pitchFamily="49" charset="0"/>
+              </a:rPr>
+              <a:t>  end</a:t>
+            </a:r>
+          </a:p>
+          <a:p>
+            <a:pPr>
+              <a:buNone/>
+            </a:pPr>
+            <a:r>
+              <a:rPr lang="en-US" sz="1900" dirty="0" smtClean="0">
+                <a:latin typeface="Lucida Console" pitchFamily="49" charset="0"/>
+              </a:rPr>
+              <a:t>end </a:t>
+            </a:r>
+            <a:r>
+              <a:rPr lang="en-US" dirty="0" smtClean="0"/>
+              <a:t>	</a:t>
+            </a:r>
+          </a:p>
+          <a:p>
+            <a:pPr>
+              <a:buNone/>
+            </a:pPr>
+            <a:endParaRPr lang="en-US" dirty="0" smtClean="0"/>
+          </a:p>
+          <a:p>
+            <a:r>
+              <a:rPr lang="en-US" dirty="0" smtClean="0"/>
+              <a:t>In Ruby, I can mix in modules that will modify the class </a:t>
+            </a:r>
           </a:p>
         </p:txBody>
       </p:sp>
@@ -9432,16 +9442,18 @@
           </a:xfrm>
         </p:spPr>
         <p:txBody>
-          <a:bodyPr>
-            <a:normAutofit/>
-          </a:bodyPr>
+          <a:bodyPr/>
           <a:lstStyle/>
           <a:p>
             <a:r>
               <a:rPr lang="en-US" sz="6000" dirty="0" smtClean="0"/>
-              <a:t>Conclusions</a:t>
-            </a:r>
-            <a:endParaRPr lang="en-US" sz="6000" dirty="0"/>
+              <a:t>Code</a:t>
+            </a:r>
+            <a:r>
+              <a:rPr lang="en-US" dirty="0" smtClean="0"/>
+              <a:t>!</a:t>
+            </a:r>
+            <a:endParaRPr lang="en-US" dirty="0"/>
           </a:p>
         </p:txBody>
       </p:sp>
@@ -9450,6 +9462,13 @@
   <p:clrMapOvr>
     <a:masterClrMapping/>
   </p:clrMapOvr>
+  <p:timing>
+    <p:tnLst>
+      <p:par>
+        <p:cTn id="1" dur="indefinite" restart="never" nodeType="tmRoot"/>
+      </p:par>
+    </p:tnLst>
+  </p:timing>
 </p:sld>
 </file>
 
@@ -9480,89 +9499,23 @@
             <p:ph type="title"/>
           </p:nvPr>
         </p:nvSpPr>
-        <p:spPr/>
-        <p:txBody>
-          <a:bodyPr/>
-          <a:lstStyle/>
-          <a:p>
-            <a:r>
-              <a:rPr lang="en-US" dirty="0" smtClean="0"/>
-              <a:t>Resources - Books</a:t>
-            </a:r>
-            <a:endParaRPr lang="en-US" dirty="0"/>
-          </a:p>
-        </p:txBody>
-      </p:sp>
-      <p:sp>
-        <p:nvSpPr>
-          <p:cNvPr id="5" name="Content Placeholder 4"/>
-          <p:cNvSpPr>
-            <a:spLocks noGrp="1"/>
-          </p:cNvSpPr>
-          <p:nvPr>
-            <p:ph idx="1"/>
-          </p:nvPr>
-        </p:nvSpPr>
-        <p:spPr/>
-        <p:txBody>
-          <a:bodyPr/>
-          <a:lstStyle/>
-          <a:p>
-            <a:r>
-              <a:rPr lang="en-US" dirty="0" smtClean="0"/>
-              <a:t>Rails for .NET Developers</a:t>
-            </a:r>
-          </a:p>
-          <a:p>
-            <a:pPr lvl="1"/>
-            <a:r>
-              <a:rPr lang="en-US" sz="2400" dirty="0" smtClean="0"/>
-              <a:t>by Jeff Cohen and Brian Eng</a:t>
-            </a:r>
-          </a:p>
-          <a:p>
-            <a:r>
-              <a:rPr lang="en-US" dirty="0" smtClean="0"/>
-              <a:t>Agile Web Development With Rails</a:t>
-            </a:r>
-          </a:p>
-          <a:p>
-            <a:pPr lvl="1"/>
-            <a:r>
-              <a:rPr lang="en-US" sz="2400" dirty="0" smtClean="0"/>
-              <a:t>by Sam Ruby, Dave Thomas, David </a:t>
-            </a:r>
-            <a:r>
-              <a:rPr lang="en-US" sz="2400" dirty="0" err="1" smtClean="0"/>
-              <a:t>Heinemeier</a:t>
-            </a:r>
-            <a:r>
-              <a:rPr lang="en-US" sz="2400" dirty="0" smtClean="0"/>
-              <a:t> Hansson</a:t>
-            </a:r>
-          </a:p>
-          <a:p>
-            <a:r>
-              <a:rPr lang="en-US" dirty="0" smtClean="0"/>
-              <a:t>Programming Ruby 1.9 (aka the “Pickaxe” book)</a:t>
-            </a:r>
-          </a:p>
-          <a:p>
-            <a:pPr lvl="1"/>
-            <a:r>
-              <a:rPr lang="en-US" sz="2400" dirty="0" smtClean="0"/>
-              <a:t>by Dave Thomas, with Chad Fowler and Andy Hunt</a:t>
-            </a:r>
-          </a:p>
-          <a:p>
-            <a:pPr lvl="1"/>
-            <a:endParaRPr lang="en-US" sz="2400" dirty="0" smtClean="0"/>
-          </a:p>
-          <a:p>
-            <a:r>
-              <a:rPr lang="en-US" sz="3000" dirty="0" smtClean="0"/>
-              <a:t>All found at http://pragprog.com</a:t>
-            </a:r>
+        <p:spPr>
+          <a:xfrm>
+            <a:off x="457200" y="2590800"/>
+            <a:ext cx="8229600" cy="1143000"/>
+          </a:xfrm>
+        </p:spPr>
+        <p:txBody>
+          <a:bodyPr>
+            <a:normAutofit/>
+          </a:bodyPr>
+          <a:lstStyle/>
+          <a:p>
+            <a:r>
+              <a:rPr lang="en-US" sz="6000" dirty="0" smtClean="0"/>
+              <a:t>Conclusions</a:t>
+            </a:r>
+            <a:endParaRPr lang="en-US" sz="6000" dirty="0"/>
           </a:p>
         </p:txBody>
       </p:sp>
@@ -9571,13 +9524,6 @@
   <p:clrMapOvr>
     <a:masterClrMapping/>
   </p:clrMapOvr>
-  <p:timing>
-    <p:tnLst>
-      <p:par>
-        <p:cTn id="1" dur="indefinite" restart="never" nodeType="tmRoot"/>
-      </p:par>
-    </p:tnLst>
-  </p:timing>
 </p:sld>
 </file>
 
@@ -9615,88 +9561,233 @@
           <a:p>
             <a:r>
               <a:rPr lang="en-US" dirty="0" smtClean="0"/>
-              <a:t>Resources</a:t>
+              <a:t>Rails in the Enterprise</a:t>
             </a:r>
             <a:endParaRPr lang="en-US" dirty="0"/>
           </a:p>
         </p:txBody>
       </p:sp>
-      <p:sp>
-        <p:nvSpPr>
-          <p:cNvPr id="5" name="Content Placeholder 4"/>
-          <p:cNvSpPr>
-            <a:spLocks noGrp="1"/>
-          </p:cNvSpPr>
-          <p:nvPr>
-            <p:ph idx="1"/>
-          </p:nvPr>
-        </p:nvSpPr>
-        <p:spPr/>
-        <p:txBody>
-          <a:bodyPr/>
-          <a:lstStyle/>
-          <a:p>
-            <a:r>
-              <a:rPr lang="en-US" dirty="0" smtClean="0"/>
-              <a:t>Ruby </a:t>
-            </a:r>
-            <a:r>
-              <a:rPr lang="en-US" dirty="0" err="1" smtClean="0"/>
-              <a:t>Koans</a:t>
-            </a:r>
-            <a:r>
-              <a:rPr lang="en-US" dirty="0" smtClean="0"/>
-              <a:t> </a:t>
-            </a:r>
-          </a:p>
-          <a:p>
-            <a:pPr lvl="1"/>
-            <a:r>
-              <a:rPr lang="en-US" dirty="0" smtClean="0">
-                <a:hlinkClick r:id="rId3"/>
-              </a:rPr>
-              <a:t>http://rubykoans.com</a:t>
-            </a:r>
-            <a:endParaRPr lang="en-US" dirty="0" smtClean="0"/>
-          </a:p>
-          <a:p>
-            <a:r>
-              <a:rPr lang="en-US" dirty="0" err="1" smtClean="0"/>
-              <a:t>Railscasts</a:t>
-            </a:r>
-            <a:r>
-              <a:rPr lang="en-US" dirty="0" smtClean="0"/>
-              <a:t> </a:t>
-            </a:r>
-          </a:p>
-          <a:p>
-            <a:pPr lvl="1"/>
-            <a:r>
-              <a:rPr lang="en-US" dirty="0" smtClean="0">
-                <a:hlinkClick r:id="rId4"/>
-              </a:rPr>
-              <a:t>http://railscasts.com</a:t>
-            </a:r>
-            <a:endParaRPr lang="en-US" dirty="0" smtClean="0"/>
-          </a:p>
-          <a:p>
-            <a:r>
-              <a:rPr lang="en-US" dirty="0" smtClean="0"/>
-              <a:t>Why’s Poignant Guide To Ruby</a:t>
-            </a:r>
-          </a:p>
-          <a:p>
-            <a:pPr lvl="1"/>
-            <a:r>
-              <a:rPr lang="en-US" dirty="0" smtClean="0">
-                <a:hlinkClick r:id="rId5"/>
-              </a:rPr>
-              <a:t>http://mislav.uniqpath.com/poignant-guide/</a:t>
-            </a:r>
-            <a:endParaRPr lang="en-US" dirty="0" smtClean="0"/>
-          </a:p>
-          <a:p>
-            <a:endParaRPr lang="en-US" dirty="0"/>
+      <p:pic>
+        <p:nvPicPr>
+          <p:cNvPr id="8194" name="Picture 2" descr="Twitter"/>
+          <p:cNvPicPr>
+            <a:picLocks noChangeAspect="1" noChangeArrowheads="1"/>
+          </p:cNvPicPr>
+          <p:nvPr/>
+        </p:nvPicPr>
+        <p:blipFill>
+          <a:blip r:embed="rId3" cstate="print"/>
+          <a:srcRect/>
+          <a:stretch>
+            <a:fillRect/>
+          </a:stretch>
+        </p:blipFill>
+        <p:spPr bwMode="auto">
+          <a:xfrm>
+            <a:off x="1371600" y="1828800"/>
+            <a:ext cx="2545770" cy="1600200"/>
+          </a:xfrm>
+          <a:prstGeom prst="rect">
+            <a:avLst/>
+          </a:prstGeom>
+          <a:noFill/>
+        </p:spPr>
+      </p:pic>
+      <p:pic>
+        <p:nvPicPr>
+          <p:cNvPr id="8196" name="Picture 4" descr="Github"/>
+          <p:cNvPicPr>
+            <a:picLocks noChangeAspect="1" noChangeArrowheads="1"/>
+          </p:cNvPicPr>
+          <p:nvPr/>
+        </p:nvPicPr>
+        <p:blipFill>
+          <a:blip r:embed="rId4" cstate="print"/>
+          <a:srcRect/>
+          <a:stretch>
+            <a:fillRect/>
+          </a:stretch>
+        </p:blipFill>
+        <p:spPr bwMode="auto">
+          <a:xfrm>
+            <a:off x="5257800" y="1828800"/>
+            <a:ext cx="2590800" cy="1628505"/>
+          </a:xfrm>
+          <a:prstGeom prst="rect">
+            <a:avLst/>
+          </a:prstGeom>
+          <a:noFill/>
+        </p:spPr>
+      </p:pic>
+      <p:pic>
+        <p:nvPicPr>
+          <p:cNvPr id="8198" name="Picture 6" descr="http://rubyonrails.org/images/applications/hulu.jpg"/>
+          <p:cNvPicPr>
+            <a:picLocks noChangeAspect="1" noChangeArrowheads="1"/>
+          </p:cNvPicPr>
+          <p:nvPr/>
+        </p:nvPicPr>
+        <p:blipFill>
+          <a:blip r:embed="rId5" cstate="print"/>
+          <a:srcRect/>
+          <a:stretch>
+            <a:fillRect/>
+          </a:stretch>
+        </p:blipFill>
+        <p:spPr bwMode="auto">
+          <a:xfrm>
+            <a:off x="1371600" y="4114800"/>
+            <a:ext cx="2545770" cy="1600200"/>
+          </a:xfrm>
+          <a:prstGeom prst="rect">
+            <a:avLst/>
+          </a:prstGeom>
+          <a:noFill/>
+        </p:spPr>
+      </p:pic>
+      <p:pic>
+        <p:nvPicPr>
+          <p:cNvPr id="8200" name="Picture 8" descr="Groupon"/>
+          <p:cNvPicPr>
+            <a:picLocks noChangeAspect="1" noChangeArrowheads="1"/>
+          </p:cNvPicPr>
+          <p:nvPr/>
+        </p:nvPicPr>
+        <p:blipFill>
+          <a:blip r:embed="rId6" cstate="print"/>
+          <a:srcRect/>
+          <a:stretch>
+            <a:fillRect/>
+          </a:stretch>
+        </p:blipFill>
+        <p:spPr bwMode="auto">
+          <a:xfrm>
+            <a:off x="5302830" y="4191000"/>
+            <a:ext cx="2545770" cy="1600200"/>
+          </a:xfrm>
+          <a:prstGeom prst="rect">
+            <a:avLst/>
+          </a:prstGeom>
+          <a:noFill/>
+        </p:spPr>
+      </p:pic>
+      <p:sp>
+        <p:nvSpPr>
+          <p:cNvPr id="9" name="TextBox 8"/>
+          <p:cNvSpPr txBox="1"/>
+          <p:nvPr/>
+        </p:nvSpPr>
+        <p:spPr>
+          <a:xfrm>
+            <a:off x="2046751" y="3505200"/>
+            <a:ext cx="1153649" cy="461665"/>
+          </a:xfrm>
+          <a:prstGeom prst="rect">
+            <a:avLst/>
+          </a:prstGeom>
+          <a:noFill/>
+        </p:spPr>
+        <p:txBody>
+          <a:bodyPr wrap="none" rtlCol="0">
+            <a:spAutoFit/>
+          </a:bodyPr>
+          <a:lstStyle/>
+          <a:p>
+            <a:r>
+              <a:rPr lang="en-US" sz="2400" b="1" dirty="0" smtClean="0"/>
+              <a:t>Twitter</a:t>
+            </a:r>
+            <a:endParaRPr lang="en-US" sz="2400" b="1" dirty="0"/>
+          </a:p>
+        </p:txBody>
+      </p:sp>
+      <p:sp>
+        <p:nvSpPr>
+          <p:cNvPr id="10" name="TextBox 9"/>
+          <p:cNvSpPr txBox="1"/>
+          <p:nvPr/>
+        </p:nvSpPr>
+        <p:spPr>
+          <a:xfrm>
+            <a:off x="6019800" y="3581400"/>
+            <a:ext cx="1072730" cy="461665"/>
+          </a:xfrm>
+          <a:prstGeom prst="rect">
+            <a:avLst/>
+          </a:prstGeom>
+          <a:noFill/>
+        </p:spPr>
+        <p:txBody>
+          <a:bodyPr wrap="none" rtlCol="0">
+            <a:spAutoFit/>
+          </a:bodyPr>
+          <a:lstStyle/>
+          <a:p>
+            <a:r>
+              <a:rPr lang="en-US" sz="2400" b="1" dirty="0" err="1" smtClean="0"/>
+              <a:t>Github</a:t>
+            </a:r>
+            <a:endParaRPr lang="en-US" sz="2400" b="1" dirty="0"/>
+          </a:p>
+        </p:txBody>
+      </p:sp>
+      <p:sp>
+        <p:nvSpPr>
+          <p:cNvPr id="11" name="TextBox 10"/>
+          <p:cNvSpPr txBox="1"/>
+          <p:nvPr/>
+        </p:nvSpPr>
+        <p:spPr>
+          <a:xfrm>
+            <a:off x="2057400" y="5943600"/>
+            <a:ext cx="798617" cy="461665"/>
+          </a:xfrm>
+          <a:prstGeom prst="rect">
+            <a:avLst/>
+          </a:prstGeom>
+          <a:noFill/>
+        </p:spPr>
+        <p:txBody>
+          <a:bodyPr wrap="none" rtlCol="0">
+            <a:spAutoFit/>
+          </a:bodyPr>
+          <a:lstStyle/>
+          <a:p>
+            <a:r>
+              <a:rPr lang="en-US" sz="2400" b="1" dirty="0" err="1" smtClean="0"/>
+              <a:t>Hulu</a:t>
+            </a:r>
+            <a:endParaRPr lang="en-US" sz="2400" b="1" dirty="0"/>
+          </a:p>
+        </p:txBody>
+      </p:sp>
+      <p:sp>
+        <p:nvSpPr>
+          <p:cNvPr id="12" name="TextBox 11"/>
+          <p:cNvSpPr txBox="1"/>
+          <p:nvPr/>
+        </p:nvSpPr>
+        <p:spPr>
+          <a:xfrm>
+            <a:off x="6019800" y="5943600"/>
+            <a:ext cx="1345240" cy="461665"/>
+          </a:xfrm>
+          <a:prstGeom prst="rect">
+            <a:avLst/>
+          </a:prstGeom>
+          <a:noFill/>
+        </p:spPr>
+        <p:txBody>
+          <a:bodyPr wrap="none" rtlCol="0">
+            <a:spAutoFit/>
+          </a:bodyPr>
+          <a:lstStyle/>
+          <a:p>
+            <a:r>
+              <a:rPr lang="en-US" sz="2400" b="1" dirty="0" err="1" smtClean="0"/>
+              <a:t>Groupon</a:t>
+            </a:r>
+            <a:endParaRPr lang="en-US" sz="2400" b="1" dirty="0"/>
           </a:p>
         </p:txBody>
       </p:sp>
@@ -9716,6 +9807,467 @@
 </file>
 
 <file path=ppt/slides/slide3.xml><?xml version="1.0" encoding="utf-8"?>
+<p:sld xmlns:a="http://schemas.openxmlformats.org/drawingml/2006/main" xmlns:r="http://schemas.openxmlformats.org/officeDocument/2006/relationships" xmlns:p="http://schemas.openxmlformats.org/presentationml/2006/main">
+  <p:cSld>
+    <p:spTree>
+      <p:nvGrpSpPr>
+        <p:cNvPr id="1" name=""/>
+        <p:cNvGrpSpPr/>
+        <p:nvPr/>
+      </p:nvGrpSpPr>
+      <p:grpSpPr>
+        <a:xfrm>
+          <a:off x="0" y="0"/>
+          <a:ext cx="0" cy="0"/>
+          <a:chOff x="0" y="0"/>
+          <a:chExt cx="0" cy="0"/>
+        </a:xfrm>
+      </p:grpSpPr>
+      <p:sp>
+        <p:nvSpPr>
+          <p:cNvPr id="4" name="Title 3"/>
+          <p:cNvSpPr>
+            <a:spLocks noGrp="1"/>
+          </p:cNvSpPr>
+          <p:nvPr>
+            <p:ph type="title"/>
+          </p:nvPr>
+        </p:nvSpPr>
+        <p:spPr>
+          <a:xfrm>
+            <a:off x="457200" y="2667000"/>
+            <a:ext cx="8229600" cy="1143000"/>
+          </a:xfrm>
+        </p:spPr>
+        <p:txBody>
+          <a:bodyPr anchor="ctr">
+            <a:normAutofit/>
+          </a:bodyPr>
+          <a:lstStyle/>
+          <a:p>
+            <a:r>
+              <a:rPr lang="en-US" sz="6000" dirty="0" smtClean="0"/>
+              <a:t>My Journey</a:t>
+            </a:r>
+            <a:endParaRPr lang="en-US" sz="6000" dirty="0"/>
+          </a:p>
+        </p:txBody>
+      </p:sp>
+    </p:spTree>
+  </p:cSld>
+  <p:clrMapOvr>
+    <a:masterClrMapping/>
+  </p:clrMapOvr>
+  <p:timing>
+    <p:tnLst>
+      <p:par>
+        <p:cTn id="1" dur="indefinite" restart="never" nodeType="tmRoot"/>
+      </p:par>
+    </p:tnLst>
+  </p:timing>
+</p:sld>
+</file>
+
+<file path=ppt/slides/slide30.xml><?xml version="1.0" encoding="utf-8"?>
+<p:sld xmlns:a="http://schemas.openxmlformats.org/drawingml/2006/main" xmlns:r="http://schemas.openxmlformats.org/officeDocument/2006/relationships" xmlns:p="http://schemas.openxmlformats.org/presentationml/2006/main">
+  <p:cSld>
+    <p:spTree>
+      <p:nvGrpSpPr>
+        <p:cNvPr id="1" name=""/>
+        <p:cNvGrpSpPr/>
+        <p:nvPr/>
+      </p:nvGrpSpPr>
+      <p:grpSpPr>
+        <a:xfrm>
+          <a:off x="0" y="0"/>
+          <a:ext cx="0" cy="0"/>
+          <a:chOff x="0" y="0"/>
+          <a:chExt cx="0" cy="0"/>
+        </a:xfrm>
+      </p:grpSpPr>
+      <p:sp>
+        <p:nvSpPr>
+          <p:cNvPr id="2" name="Title 1"/>
+          <p:cNvSpPr>
+            <a:spLocks noGrp="1"/>
+          </p:cNvSpPr>
+          <p:nvPr>
+            <p:ph type="title"/>
+          </p:nvPr>
+        </p:nvSpPr>
+        <p:spPr/>
+        <p:txBody>
+          <a:bodyPr/>
+          <a:lstStyle/>
+          <a:p>
+            <a:r>
+              <a:rPr lang="en-US" dirty="0" smtClean="0"/>
+              <a:t>Resources - Books</a:t>
+            </a:r>
+            <a:endParaRPr lang="en-US" dirty="0"/>
+          </a:p>
+        </p:txBody>
+      </p:sp>
+      <p:sp>
+        <p:nvSpPr>
+          <p:cNvPr id="5" name="Content Placeholder 4"/>
+          <p:cNvSpPr>
+            <a:spLocks noGrp="1"/>
+          </p:cNvSpPr>
+          <p:nvPr>
+            <p:ph idx="1"/>
+          </p:nvPr>
+        </p:nvSpPr>
+        <p:spPr/>
+        <p:txBody>
+          <a:bodyPr/>
+          <a:lstStyle/>
+          <a:p>
+            <a:r>
+              <a:rPr lang="en-US" dirty="0" smtClean="0"/>
+              <a:t>Rails for .NET Developers</a:t>
+            </a:r>
+          </a:p>
+          <a:p>
+            <a:pPr lvl="1"/>
+            <a:r>
+              <a:rPr lang="en-US" sz="2400" dirty="0" smtClean="0"/>
+              <a:t>by Jeff Cohen and Brian Eng</a:t>
+            </a:r>
+          </a:p>
+          <a:p>
+            <a:r>
+              <a:rPr lang="en-US" dirty="0" smtClean="0"/>
+              <a:t>Agile Web Development With Rails</a:t>
+            </a:r>
+          </a:p>
+          <a:p>
+            <a:pPr lvl="1"/>
+            <a:r>
+              <a:rPr lang="en-US" sz="2400" dirty="0" smtClean="0"/>
+              <a:t>by Sam Ruby, Dave Thomas, David </a:t>
+            </a:r>
+            <a:r>
+              <a:rPr lang="en-US" sz="2400" dirty="0" err="1" smtClean="0"/>
+              <a:t>Heinemeier</a:t>
+            </a:r>
+            <a:r>
+              <a:rPr lang="en-US" sz="2400" dirty="0" smtClean="0"/>
+              <a:t> Hansson</a:t>
+            </a:r>
+          </a:p>
+          <a:p>
+            <a:r>
+              <a:rPr lang="en-US" dirty="0" smtClean="0"/>
+              <a:t>Programming Ruby 1.9 (aka the “Pickaxe” book)</a:t>
+            </a:r>
+          </a:p>
+          <a:p>
+            <a:pPr lvl="1"/>
+            <a:r>
+              <a:rPr lang="en-US" sz="2400" dirty="0" smtClean="0"/>
+              <a:t>by Dave Thomas, with Chad Fowler and Andy Hunt</a:t>
+            </a:r>
+          </a:p>
+          <a:p>
+            <a:pPr lvl="1"/>
+            <a:endParaRPr lang="en-US" sz="2400" dirty="0" smtClean="0"/>
+          </a:p>
+          <a:p>
+            <a:r>
+              <a:rPr lang="en-US" sz="3000" dirty="0" smtClean="0"/>
+              <a:t>All found at http://pragprog.com</a:t>
+            </a:r>
+          </a:p>
+        </p:txBody>
+      </p:sp>
+    </p:spTree>
+  </p:cSld>
+  <p:clrMapOvr>
+    <a:masterClrMapping/>
+  </p:clrMapOvr>
+  <p:timing>
+    <p:tnLst>
+      <p:par>
+        <p:cTn id="1" dur="indefinite" restart="never" nodeType="tmRoot"/>
+      </p:par>
+    </p:tnLst>
+  </p:timing>
+</p:sld>
+</file>
+
+<file path=ppt/slides/slide31.xml><?xml version="1.0" encoding="utf-8"?>
+<p:sld xmlns:a="http://schemas.openxmlformats.org/drawingml/2006/main" xmlns:r="http://schemas.openxmlformats.org/officeDocument/2006/relationships" xmlns:p="http://schemas.openxmlformats.org/presentationml/2006/main">
+  <p:cSld>
+    <p:spTree>
+      <p:nvGrpSpPr>
+        <p:cNvPr id="1" name=""/>
+        <p:cNvGrpSpPr/>
+        <p:nvPr/>
+      </p:nvGrpSpPr>
+      <p:grpSpPr>
+        <a:xfrm>
+          <a:off x="0" y="0"/>
+          <a:ext cx="0" cy="0"/>
+          <a:chOff x="0" y="0"/>
+          <a:chExt cx="0" cy="0"/>
+        </a:xfrm>
+      </p:grpSpPr>
+      <p:sp>
+        <p:nvSpPr>
+          <p:cNvPr id="2" name="Title 1"/>
+          <p:cNvSpPr>
+            <a:spLocks noGrp="1"/>
+          </p:cNvSpPr>
+          <p:nvPr>
+            <p:ph type="title"/>
+          </p:nvPr>
+        </p:nvSpPr>
+        <p:spPr/>
+        <p:txBody>
+          <a:bodyPr/>
+          <a:lstStyle/>
+          <a:p>
+            <a:r>
+              <a:rPr lang="en-US" dirty="0" smtClean="0"/>
+              <a:t>Resources</a:t>
+            </a:r>
+            <a:endParaRPr lang="en-US" dirty="0"/>
+          </a:p>
+        </p:txBody>
+      </p:sp>
+      <p:sp>
+        <p:nvSpPr>
+          <p:cNvPr id="5" name="Content Placeholder 4"/>
+          <p:cNvSpPr>
+            <a:spLocks noGrp="1"/>
+          </p:cNvSpPr>
+          <p:nvPr>
+            <p:ph idx="1"/>
+          </p:nvPr>
+        </p:nvSpPr>
+        <p:spPr/>
+        <p:txBody>
+          <a:bodyPr/>
+          <a:lstStyle/>
+          <a:p>
+            <a:r>
+              <a:rPr lang="en-US" dirty="0" smtClean="0"/>
+              <a:t>Ruby </a:t>
+            </a:r>
+            <a:r>
+              <a:rPr lang="en-US" dirty="0" err="1" smtClean="0"/>
+              <a:t>Koans</a:t>
+            </a:r>
+            <a:r>
+              <a:rPr lang="en-US" dirty="0" smtClean="0"/>
+              <a:t> </a:t>
+            </a:r>
+          </a:p>
+          <a:p>
+            <a:pPr lvl="1"/>
+            <a:r>
+              <a:rPr lang="en-US" dirty="0" smtClean="0">
+                <a:hlinkClick r:id="rId3"/>
+              </a:rPr>
+              <a:t>http://rubykoans.com</a:t>
+            </a:r>
+            <a:endParaRPr lang="en-US" dirty="0" smtClean="0"/>
+          </a:p>
+          <a:p>
+            <a:r>
+              <a:rPr lang="en-US" dirty="0" err="1" smtClean="0"/>
+              <a:t>Railscasts</a:t>
+            </a:r>
+            <a:r>
+              <a:rPr lang="en-US" dirty="0" smtClean="0"/>
+              <a:t> </a:t>
+            </a:r>
+          </a:p>
+          <a:p>
+            <a:pPr lvl="1"/>
+            <a:r>
+              <a:rPr lang="en-US" dirty="0" smtClean="0">
+                <a:hlinkClick r:id="rId4"/>
+              </a:rPr>
+              <a:t>http://railscasts.com</a:t>
+            </a:r>
+            <a:endParaRPr lang="en-US" dirty="0" smtClean="0"/>
+          </a:p>
+          <a:p>
+            <a:r>
+              <a:rPr lang="en-US" dirty="0" smtClean="0"/>
+              <a:t>Why’s Poignant Guide To Ruby</a:t>
+            </a:r>
+          </a:p>
+          <a:p>
+            <a:pPr lvl="1"/>
+            <a:r>
+              <a:rPr lang="en-US" dirty="0" smtClean="0">
+                <a:hlinkClick r:id="rId5"/>
+              </a:rPr>
+              <a:t>http://mislav.uniqpath.com/poignant-guide/</a:t>
+            </a:r>
+            <a:endParaRPr lang="en-US" dirty="0" smtClean="0"/>
+          </a:p>
+          <a:p>
+            <a:endParaRPr lang="en-US" dirty="0"/>
+          </a:p>
+        </p:txBody>
+      </p:sp>
+    </p:spTree>
+  </p:cSld>
+  <p:clrMapOvr>
+    <a:masterClrMapping/>
+  </p:clrMapOvr>
+  <p:timing>
+    <p:tnLst>
+      <p:par>
+        <p:cTn id="1" dur="indefinite" restart="never" nodeType="tmRoot"/>
+      </p:par>
+    </p:tnLst>
+  </p:timing>
+</p:sld>
+</file>
+
+<file path=ppt/slides/slide32.xml><?xml version="1.0" encoding="utf-8"?>
+<p:sld xmlns:a="http://schemas.openxmlformats.org/drawingml/2006/main" xmlns:r="http://schemas.openxmlformats.org/officeDocument/2006/relationships" xmlns:p="http://schemas.openxmlformats.org/presentationml/2006/main">
+  <p:cSld>
+    <p:spTree>
+      <p:nvGrpSpPr>
+        <p:cNvPr id="1" name=""/>
+        <p:cNvGrpSpPr/>
+        <p:nvPr/>
+      </p:nvGrpSpPr>
+      <p:grpSpPr>
+        <a:xfrm>
+          <a:off x="0" y="0"/>
+          <a:ext cx="0" cy="0"/>
+          <a:chOff x="0" y="0"/>
+          <a:chExt cx="0" cy="0"/>
+        </a:xfrm>
+      </p:grpSpPr>
+      <p:sp>
+        <p:nvSpPr>
+          <p:cNvPr id="2" name="Title 1"/>
+          <p:cNvSpPr>
+            <a:spLocks noGrp="1"/>
+          </p:cNvSpPr>
+          <p:nvPr>
+            <p:ph type="title"/>
+          </p:nvPr>
+        </p:nvSpPr>
+        <p:spPr/>
+        <p:txBody>
+          <a:bodyPr>
+            <a:normAutofit/>
+          </a:bodyPr>
+          <a:lstStyle/>
+          <a:p>
+            <a:r>
+              <a:rPr lang="en-US" dirty="0" smtClean="0"/>
+              <a:t>My Info</a:t>
+            </a:r>
+            <a:endParaRPr lang="en-US" dirty="0"/>
+          </a:p>
+        </p:txBody>
+      </p:sp>
+      <p:sp>
+        <p:nvSpPr>
+          <p:cNvPr id="3" name="Content Placeholder 2"/>
+          <p:cNvSpPr>
+            <a:spLocks noGrp="1"/>
+          </p:cNvSpPr>
+          <p:nvPr>
+            <p:ph idx="1"/>
+          </p:nvPr>
+        </p:nvSpPr>
+        <p:spPr/>
+        <p:txBody>
+          <a:bodyPr>
+            <a:normAutofit/>
+          </a:bodyPr>
+          <a:lstStyle/>
+          <a:p>
+            <a:r>
+              <a:rPr lang="en-US" dirty="0" smtClean="0"/>
+              <a:t>Email: </a:t>
+            </a:r>
+            <a:r>
+              <a:rPr lang="en-US" b="1" dirty="0" smtClean="0">
+                <a:hlinkClick r:id="rId2"/>
+              </a:rPr>
+              <a:t>jon@jonkruger.com</a:t>
+            </a:r>
+            <a:endParaRPr lang="en-US" b="1" dirty="0" smtClean="0"/>
+          </a:p>
+          <a:p>
+            <a:r>
+              <a:rPr lang="en-US" dirty="0" smtClean="0"/>
+              <a:t>Twitter: </a:t>
+            </a:r>
+            <a:r>
+              <a:rPr lang="en-US" b="1" dirty="0" smtClean="0"/>
+              <a:t>@</a:t>
+            </a:r>
+            <a:r>
+              <a:rPr lang="en-US" b="1" dirty="0" err="1" smtClean="0"/>
+              <a:t>JonKruger</a:t>
+            </a:r>
+            <a:endParaRPr lang="en-US" b="1" dirty="0" smtClean="0"/>
+          </a:p>
+          <a:p>
+            <a:r>
+              <a:rPr lang="en-US" dirty="0" smtClean="0"/>
+              <a:t>Blog: </a:t>
+            </a:r>
+            <a:r>
+              <a:rPr lang="en-US" b="1" dirty="0" smtClean="0">
+                <a:hlinkClick r:id="rId3"/>
+              </a:rPr>
+              <a:t>http://jonkruger.com/blog</a:t>
+            </a:r>
+            <a:endParaRPr lang="en-US" b="1" dirty="0" smtClean="0"/>
+          </a:p>
+          <a:p>
+            <a:pPr>
+              <a:buNone/>
+            </a:pPr>
+            <a:endParaRPr lang="en-US" b="1" dirty="0" smtClean="0"/>
+          </a:p>
+          <a:p>
+            <a:pPr>
+              <a:buNone/>
+            </a:pPr>
+            <a:endParaRPr lang="en-US" b="1" dirty="0" smtClean="0"/>
+          </a:p>
+          <a:p>
+            <a:endParaRPr lang="en-US" dirty="0" smtClean="0"/>
+          </a:p>
+          <a:p>
+            <a:pPr>
+              <a:buNone/>
+            </a:pPr>
+            <a:endParaRPr lang="en-US" dirty="0" smtClean="0"/>
+          </a:p>
+        </p:txBody>
+      </p:sp>
+    </p:spTree>
+  </p:cSld>
+  <p:clrMapOvr>
+    <a:masterClrMapping/>
+  </p:clrMapOvr>
+  <p:timing>
+    <p:tnLst>
+      <p:par>
+        <p:cTn id="1" dur="indefinite" restart="never" nodeType="tmRoot"/>
+      </p:par>
+    </p:tnLst>
+  </p:timing>
+</p:sld>
+</file>
+
+<file path=ppt/slides/slide4.xml><?xml version="1.0" encoding="utf-8"?>
 <p:sld xmlns:a="http://schemas.openxmlformats.org/drawingml/2006/main" xmlns:r="http://schemas.openxmlformats.org/officeDocument/2006/relationships" xmlns:p="http://schemas.openxmlformats.org/presentationml/2006/main">
   <p:cSld>
     <p:spTree>
@@ -10025,144 +10577,7 @@
 </p:sld>
 </file>
 
-<file path=ppt/slides/slide30.xml><?xml version="1.0" encoding="utf-8"?>
-<p:sld xmlns:a="http://schemas.openxmlformats.org/drawingml/2006/main" xmlns:r="http://schemas.openxmlformats.org/officeDocument/2006/relationships" xmlns:p="http://schemas.openxmlformats.org/presentationml/2006/main">
-  <p:cSld>
-    <p:spTree>
-      <p:nvGrpSpPr>
-        <p:cNvPr id="1" name=""/>
-        <p:cNvGrpSpPr/>
-        <p:nvPr/>
-      </p:nvGrpSpPr>
-      <p:grpSpPr>
-        <a:xfrm>
-          <a:off x="0" y="0"/>
-          <a:ext cx="0" cy="0"/>
-          <a:chOff x="0" y="0"/>
-          <a:chExt cx="0" cy="0"/>
-        </a:xfrm>
-      </p:grpSpPr>
-      <p:sp>
-        <p:nvSpPr>
-          <p:cNvPr id="2" name="Title 1"/>
-          <p:cNvSpPr>
-            <a:spLocks noGrp="1"/>
-          </p:cNvSpPr>
-          <p:nvPr>
-            <p:ph type="title"/>
-          </p:nvPr>
-        </p:nvSpPr>
-        <p:spPr/>
-        <p:txBody>
-          <a:bodyPr>
-            <a:normAutofit/>
-          </a:bodyPr>
-          <a:lstStyle/>
-          <a:p>
-            <a:r>
-              <a:rPr lang="en-US" dirty="0" smtClean="0"/>
-              <a:t>My Info</a:t>
-            </a:r>
-            <a:endParaRPr lang="en-US" dirty="0"/>
-          </a:p>
-        </p:txBody>
-      </p:sp>
-      <p:sp>
-        <p:nvSpPr>
-          <p:cNvPr id="3" name="Content Placeholder 2"/>
-          <p:cNvSpPr>
-            <a:spLocks noGrp="1"/>
-          </p:cNvSpPr>
-          <p:nvPr>
-            <p:ph idx="1"/>
-          </p:nvPr>
-        </p:nvSpPr>
-        <p:spPr/>
-        <p:txBody>
-          <a:bodyPr>
-            <a:normAutofit/>
-          </a:bodyPr>
-          <a:lstStyle/>
-          <a:p>
-            <a:r>
-              <a:rPr lang="en-US" dirty="0" smtClean="0"/>
-              <a:t>Email: </a:t>
-            </a:r>
-            <a:r>
-              <a:rPr lang="en-US" b="1" dirty="0" smtClean="0">
-                <a:hlinkClick r:id="rId2"/>
-              </a:rPr>
-              <a:t>jon@jonkruger.com</a:t>
-            </a:r>
-            <a:endParaRPr lang="en-US" b="1" dirty="0" smtClean="0"/>
-          </a:p>
-          <a:p>
-            <a:r>
-              <a:rPr lang="en-US" dirty="0" smtClean="0"/>
-              <a:t>Twitter: </a:t>
-            </a:r>
-            <a:r>
-              <a:rPr lang="en-US" b="1" dirty="0" smtClean="0"/>
-              <a:t>@</a:t>
-            </a:r>
-            <a:r>
-              <a:rPr lang="en-US" b="1" dirty="0" err="1" smtClean="0"/>
-              <a:t>JonKruger</a:t>
-            </a:r>
-            <a:endParaRPr lang="en-US" b="1" dirty="0" smtClean="0"/>
-          </a:p>
-          <a:p>
-            <a:r>
-              <a:rPr lang="en-US" dirty="0" smtClean="0"/>
-              <a:t>Blog: </a:t>
-            </a:r>
-            <a:r>
-              <a:rPr lang="en-US" b="1" dirty="0" smtClean="0">
-                <a:hlinkClick r:id="rId3"/>
-              </a:rPr>
-              <a:t>http://jonkruger.com/blog</a:t>
-            </a:r>
-            <a:endParaRPr lang="en-US" b="1" dirty="0" smtClean="0"/>
-          </a:p>
-          <a:p>
-            <a:pPr>
-              <a:buNone/>
-            </a:pPr>
-            <a:endParaRPr lang="en-US" b="1" dirty="0" smtClean="0"/>
-          </a:p>
-          <a:p>
-            <a:pPr>
-              <a:buNone/>
-            </a:pPr>
-            <a:endParaRPr lang="en-US" b="1" dirty="0" smtClean="0"/>
-          </a:p>
-          <a:p>
-            <a:endParaRPr lang="en-US" dirty="0" smtClean="0"/>
-          </a:p>
-          <a:p>
-            <a:pPr>
-              <a:buNone/>
-            </a:pPr>
-            <a:endParaRPr lang="en-US" dirty="0" smtClean="0"/>
-          </a:p>
-        </p:txBody>
-      </p:sp>
-    </p:spTree>
-  </p:cSld>
-  <p:clrMapOvr>
-    <a:masterClrMapping/>
-  </p:clrMapOvr>
-  <p:timing>
-    <p:tnLst>
-      <p:par>
-        <p:cTn id="1" dur="indefinite" restart="never" nodeType="tmRoot"/>
-      </p:par>
-    </p:tnLst>
-  </p:timing>
-</p:sld>
-</file>
-
-<file path=ppt/slides/slide4.xml><?xml version="1.0" encoding="utf-8"?>
+<file path=ppt/slides/slide5.xml><?xml version="1.0" encoding="utf-8"?>
 <p:sld xmlns:a="http://schemas.openxmlformats.org/drawingml/2006/main" xmlns:r="http://schemas.openxmlformats.org/officeDocument/2006/relationships" xmlns:p="http://schemas.openxmlformats.org/presentationml/2006/main">
   <p:cSld>
     <p:spTree>
@@ -10242,61 +10657,6 @@
 </p:sld>
 </file>
 
-<file path=ppt/slides/slide5.xml><?xml version="1.0" encoding="utf-8"?>
-<p:sld xmlns:a="http://schemas.openxmlformats.org/drawingml/2006/main" xmlns:r="http://schemas.openxmlformats.org/officeDocument/2006/relationships" xmlns:p="http://schemas.openxmlformats.org/presentationml/2006/main">
-  <p:cSld>
-    <p:spTree>
-      <p:nvGrpSpPr>
-        <p:cNvPr id="1" name=""/>
-        <p:cNvGrpSpPr/>
-        <p:nvPr/>
-      </p:nvGrpSpPr>
-      <p:grpSpPr>
-        <a:xfrm>
-          <a:off x="0" y="0"/>
-          <a:ext cx="0" cy="0"/>
-          <a:chOff x="0" y="0"/>
-          <a:chExt cx="0" cy="0"/>
-        </a:xfrm>
-      </p:grpSpPr>
-      <p:sp>
-        <p:nvSpPr>
-          <p:cNvPr id="4" name="Title 3"/>
-          <p:cNvSpPr>
-            <a:spLocks noGrp="1"/>
-          </p:cNvSpPr>
-          <p:nvPr>
-            <p:ph type="title"/>
-          </p:nvPr>
-        </p:nvSpPr>
-        <p:spPr>
-          <a:xfrm>
-            <a:off x="457200" y="2667000"/>
-            <a:ext cx="8229600" cy="1143000"/>
-          </a:xfrm>
-        </p:spPr>
-        <p:txBody>
-          <a:bodyPr anchor="ctr">
-            <a:normAutofit/>
-          </a:bodyPr>
-          <a:lstStyle/>
-          <a:p>
-            <a:r>
-              <a:rPr lang="en-US" sz="6000" dirty="0" smtClean="0"/>
-              <a:t>Why Ruby?</a:t>
-            </a:r>
-            <a:endParaRPr lang="en-US" sz="6000" dirty="0"/>
-          </a:p>
-        </p:txBody>
-      </p:sp>
-    </p:spTree>
-  </p:cSld>
-  <p:clrMapOvr>
-    <a:masterClrMapping/>
-  </p:clrMapOvr>
-</p:sld>
-</file>
-
 <file path=ppt/slides/slide6.xml><?xml version="1.0" encoding="utf-8"?>
 <p:sld xmlns:a="http://schemas.openxmlformats.org/drawingml/2006/main" xmlns:r="http://schemas.openxmlformats.org/officeDocument/2006/relationships" xmlns:p="http://schemas.openxmlformats.org/presentationml/2006/main">
   <p:cSld>
@@ -10316,7 +10676,7 @@
       </p:grpSpPr>
       <p:sp>
         <p:nvSpPr>
-          <p:cNvPr id="2" name="Title 1"/>
+          <p:cNvPr id="4" name="Title 3"/>
           <p:cNvSpPr>
             <a:spLocks noGrp="1"/>
           </p:cNvSpPr>
@@ -10324,65 +10684,23 @@
             <p:ph type="title"/>
           </p:nvPr>
         </p:nvSpPr>
-        <p:spPr/>
-        <p:txBody>
-          <a:bodyPr/>
-          <a:lstStyle/>
-          <a:p>
-            <a:r>
-              <a:rPr lang="en-US" dirty="0" smtClean="0"/>
-              <a:t>Why Ruby?</a:t>
-            </a:r>
-            <a:endParaRPr lang="en-US" dirty="0"/>
-          </a:p>
-        </p:txBody>
-      </p:sp>
-      <p:sp>
-        <p:nvSpPr>
-          <p:cNvPr id="3" name="Content Placeholder 2"/>
-          <p:cNvSpPr>
-            <a:spLocks noGrp="1"/>
-          </p:cNvSpPr>
-          <p:nvPr>
-            <p:ph idx="1"/>
-          </p:nvPr>
-        </p:nvSpPr>
-        <p:spPr/>
-        <p:txBody>
-          <a:bodyPr>
+        <p:spPr>
+          <a:xfrm>
+            <a:off x="457200" y="2667000"/>
+            <a:ext cx="8229600" cy="1143000"/>
+          </a:xfrm>
+        </p:spPr>
+        <p:txBody>
+          <a:bodyPr anchor="ctr">
             <a:normAutofit/>
           </a:bodyPr>
           <a:lstStyle/>
           <a:p>
-            <a:pPr>
-              <a:buNone/>
-            </a:pPr>
-            <a:endParaRPr lang="en-US" sz="4000" dirty="0" smtClean="0"/>
-          </a:p>
-          <a:p>
-            <a:pPr>
-              <a:buNone/>
-            </a:pPr>
-            <a:r>
-              <a:rPr lang="en-US" sz="4000" dirty="0" smtClean="0"/>
-              <a:t>“Sometimes I want to do Ruby because it means that I’m more likely to be able to do TDD.”</a:t>
-            </a:r>
-          </a:p>
-          <a:p>
-            <a:pPr>
-              <a:buNone/>
-            </a:pPr>
-            <a:endParaRPr lang="en-US" sz="4000" dirty="0" smtClean="0"/>
-          </a:p>
-          <a:p>
-            <a:pPr>
-              <a:buNone/>
-            </a:pPr>
-            <a:r>
-              <a:rPr lang="en-US" sz="4000" dirty="0" smtClean="0"/>
-              <a:t>                                          -- Greg Malcolm</a:t>
-            </a:r>
-            <a:endParaRPr lang="en-US" sz="4000" dirty="0"/>
+            <a:r>
+              <a:rPr lang="en-US" sz="6000" dirty="0" smtClean="0"/>
+              <a:t>Why Ruby?</a:t>
+            </a:r>
+            <a:endParaRPr lang="en-US" sz="6000" dirty="0"/>
           </a:p>
         </p:txBody>
       </p:sp>
@@ -10391,13 +10709,6 @@
   <p:clrMapOvr>
     <a:masterClrMapping/>
   </p:clrMapOvr>
-  <p:timing>
-    <p:tnLst>
-      <p:par>
-        <p:cTn id="1" dur="indefinite" restart="never" nodeType="tmRoot"/>
-      </p:par>
-    </p:tnLst>
-  </p:timing>
 </p:sld>
 </file>
 
@@ -10469,7 +10780,7 @@
             </a:pPr>
             <a:r>
               <a:rPr lang="en-US" sz="4000" dirty="0" smtClean="0"/>
-              <a:t>“I feel like the shackles have been taken off.”</a:t>
+              <a:t>“Sometimes I want to do Ruby because it means that I’m more likely to be able to do TDD.”</a:t>
             </a:r>
           </a:p>
           <a:p>
@@ -10484,11 +10795,7 @@
             </a:pPr>
             <a:r>
               <a:rPr lang="en-US" sz="4000" dirty="0" smtClean="0"/>
-              <a:t>                                          -- Leon </a:t>
-            </a:r>
-            <a:r>
-              <a:rPr lang="en-US" sz="4000" dirty="0" err="1" smtClean="0"/>
-              <a:t>Gersing</a:t>
+              <a:t>                                          -- Greg Malcolm</a:t>
             </a:r>
             <a:endParaRPr lang="en-US" sz="4000" dirty="0"/>
           </a:p>
@@ -10569,285 +10876,36 @@
             <a:pPr>
               <a:buNone/>
             </a:pPr>
-            <a:r>
-              <a:rPr lang="en-US" sz="1800" dirty="0" smtClean="0">
-                <a:latin typeface="Lucida Console" pitchFamily="49" charset="0"/>
-              </a:rPr>
-              <a:t>public interface </a:t>
-            </a:r>
-            <a:r>
-              <a:rPr lang="en-US" sz="1800" dirty="0" err="1" smtClean="0">
-                <a:latin typeface="Lucida Console" pitchFamily="49" charset="0"/>
-              </a:rPr>
-              <a:t>IGetObjectService</a:t>
-            </a:r>
-            <a:r>
-              <a:rPr lang="en-US" sz="1800" dirty="0" smtClean="0">
-                <a:latin typeface="Lucida Console" pitchFamily="49" charset="0"/>
-              </a:rPr>
-              <a:t>&lt;T&gt; where T : </a:t>
-            </a:r>
-            <a:r>
-              <a:rPr lang="en-US" sz="1800" dirty="0" err="1" smtClean="0">
-                <a:latin typeface="Lucida Console" pitchFamily="49" charset="0"/>
-              </a:rPr>
-              <a:t>EntityBase</a:t>
-            </a:r>
-            <a:endParaRPr lang="en-US" sz="1800" dirty="0" smtClean="0">
-              <a:latin typeface="Lucida Console" pitchFamily="49" charset="0"/>
-            </a:endParaRPr>
+            <a:endParaRPr lang="en-US" sz="4000" dirty="0" smtClean="0"/>
           </a:p>
           <a:p>
             <a:pPr>
               <a:buNone/>
             </a:pPr>
             <a:r>
-              <a:rPr lang="en-US" sz="1800" dirty="0" smtClean="0">
-                <a:latin typeface="Lucida Console" pitchFamily="49" charset="0"/>
-              </a:rPr>
-              <a:t>{</a:t>
+              <a:rPr lang="en-US" sz="4000" dirty="0" smtClean="0"/>
+              <a:t>“I feel like the shackles have been taken off.”</a:t>
             </a:r>
           </a:p>
           <a:p>
             <a:pPr>
               <a:buNone/>
             </a:pPr>
-            <a:r>
-              <a:rPr lang="en-US" sz="1800" dirty="0" smtClean="0">
-                <a:latin typeface="Lucida Console" pitchFamily="49" charset="0"/>
-              </a:rPr>
-              <a:t>   public T Get(</a:t>
-            </a:r>
-            <a:r>
-              <a:rPr lang="en-US" sz="1800" dirty="0" err="1" smtClean="0">
-                <a:latin typeface="Lucida Console" pitchFamily="49" charset="0"/>
-              </a:rPr>
-              <a:t>int</a:t>
-            </a:r>
-            <a:r>
-              <a:rPr lang="en-US" sz="1800" dirty="0" smtClean="0">
-                <a:latin typeface="Lucida Console" pitchFamily="49" charset="0"/>
-              </a:rPr>
-              <a:t> id);</a:t>
-            </a:r>
+            <a:endParaRPr lang="en-US" sz="4000" dirty="0" smtClean="0"/>
           </a:p>
           <a:p>
             <a:pPr>
               <a:buNone/>
             </a:pPr>
             <a:r>
-              <a:rPr lang="en-US" sz="1800" dirty="0" smtClean="0">
-                <a:latin typeface="Lucida Console" pitchFamily="49" charset="0"/>
-              </a:rPr>
-              <a:t>   public </a:t>
-            </a:r>
-            <a:r>
-              <a:rPr lang="en-US" sz="1800" dirty="0" err="1" smtClean="0">
-                <a:latin typeface="Lucida Console" pitchFamily="49" charset="0"/>
-              </a:rPr>
-              <a:t>IList</a:t>
-            </a:r>
-            <a:r>
-              <a:rPr lang="en-US" sz="1800" dirty="0" smtClean="0">
-                <a:latin typeface="Lucida Console" pitchFamily="49" charset="0"/>
-              </a:rPr>
-              <a:t>&lt;T&gt; </a:t>
-            </a:r>
-            <a:r>
-              <a:rPr lang="en-US" sz="1800" dirty="0" err="1" smtClean="0">
-                <a:latin typeface="Lucida Console" pitchFamily="49" charset="0"/>
-              </a:rPr>
-              <a:t>GetAll</a:t>
-            </a:r>
-            <a:r>
-              <a:rPr lang="en-US" sz="1800" dirty="0" smtClean="0">
-                <a:latin typeface="Lucida Console" pitchFamily="49" charset="0"/>
-              </a:rPr>
-              <a:t>();</a:t>
-            </a:r>
-          </a:p>
-          <a:p>
-            <a:pPr>
-              <a:buNone/>
-            </a:pPr>
-            <a:r>
-              <a:rPr lang="en-US" sz="1800" dirty="0" smtClean="0">
-                <a:latin typeface="Lucida Console" pitchFamily="49" charset="0"/>
-              </a:rPr>
-              <a:t>}</a:t>
-            </a:r>
-          </a:p>
-          <a:p>
-            <a:pPr>
-              <a:buNone/>
-            </a:pPr>
-            <a:endParaRPr lang="en-US" sz="1800" dirty="0" smtClean="0">
-              <a:latin typeface="Lucida Console" pitchFamily="49" charset="0"/>
-            </a:endParaRPr>
-          </a:p>
-          <a:p>
-            <a:pPr>
-              <a:buNone/>
-            </a:pPr>
-            <a:r>
-              <a:rPr lang="en-US" sz="1800" dirty="0" smtClean="0">
-                <a:latin typeface="Lucida Console" pitchFamily="49" charset="0"/>
-              </a:rPr>
-              <a:t>public class </a:t>
-            </a:r>
-            <a:r>
-              <a:rPr lang="en-US" sz="1800" dirty="0" err="1" smtClean="0">
-                <a:latin typeface="Lucida Console" pitchFamily="49" charset="0"/>
-              </a:rPr>
-              <a:t>GetObjectService</a:t>
-            </a:r>
-            <a:r>
-              <a:rPr lang="en-US" sz="1800" dirty="0" smtClean="0">
-                <a:latin typeface="Lucida Console" pitchFamily="49" charset="0"/>
-              </a:rPr>
-              <a:t>&lt;T&gt; : </a:t>
-            </a:r>
-            <a:r>
-              <a:rPr lang="en-US" sz="1800" dirty="0" err="1" smtClean="0">
-                <a:latin typeface="Lucida Console" pitchFamily="49" charset="0"/>
-              </a:rPr>
-              <a:t>IGetObjectService</a:t>
-            </a:r>
-            <a:r>
-              <a:rPr lang="en-US" sz="1800" dirty="0" smtClean="0">
-                <a:latin typeface="Lucida Console" pitchFamily="49" charset="0"/>
-              </a:rPr>
-              <a:t>&lt;T&gt;</a:t>
-            </a:r>
-          </a:p>
-          <a:p>
-            <a:pPr>
-              <a:buNone/>
-            </a:pPr>
-            <a:r>
-              <a:rPr lang="en-US" sz="1800" dirty="0" smtClean="0">
-                <a:latin typeface="Lucida Console" pitchFamily="49" charset="0"/>
-              </a:rPr>
-              <a:t>{</a:t>
-            </a:r>
-          </a:p>
-          <a:p>
-            <a:pPr>
-              <a:buNone/>
-            </a:pPr>
-            <a:r>
-              <a:rPr lang="en-US" sz="1800" dirty="0" smtClean="0">
-                <a:latin typeface="Lucida Console" pitchFamily="49" charset="0"/>
-              </a:rPr>
-              <a:t>   public </a:t>
-            </a:r>
-            <a:r>
-              <a:rPr lang="en-US" sz="1800" dirty="0" err="1" smtClean="0">
-                <a:latin typeface="Lucida Console" pitchFamily="49" charset="0"/>
-              </a:rPr>
-              <a:t>GetObjectService</a:t>
-            </a:r>
-            <a:r>
-              <a:rPr lang="en-US" sz="1800" dirty="0" smtClean="0">
-                <a:latin typeface="Lucida Console" pitchFamily="49" charset="0"/>
-              </a:rPr>
-              <a:t>(</a:t>
-            </a:r>
-            <a:r>
-              <a:rPr lang="en-US" sz="1800" dirty="0" err="1" smtClean="0">
-                <a:latin typeface="Lucida Console" pitchFamily="49" charset="0"/>
-              </a:rPr>
-              <a:t>IRepository</a:t>
-            </a:r>
-            <a:r>
-              <a:rPr lang="en-US" sz="1800" dirty="0" smtClean="0">
-                <a:latin typeface="Lucida Console" pitchFamily="49" charset="0"/>
-              </a:rPr>
-              <a:t>&lt;T&gt; repository) { }</a:t>
-            </a:r>
-          </a:p>
-          <a:p>
-            <a:pPr>
-              <a:buNone/>
-            </a:pPr>
-            <a:r>
-              <a:rPr lang="en-US" sz="1800" dirty="0" smtClean="0">
-                <a:latin typeface="Lucida Console" pitchFamily="49" charset="0"/>
-              </a:rPr>
-              <a:t/>
-            </a:r>
-            <a:br>
-              <a:rPr lang="en-US" sz="1800" dirty="0" smtClean="0">
-                <a:latin typeface="Lucida Console" pitchFamily="49" charset="0"/>
-              </a:rPr>
-            </a:br>
-            <a:r>
-              <a:rPr lang="en-US" sz="1800" dirty="0" smtClean="0">
-                <a:latin typeface="Lucida Console" pitchFamily="49" charset="0"/>
-              </a:rPr>
-              <a:t>   public T Get(</a:t>
-            </a:r>
-            <a:r>
-              <a:rPr lang="en-US" sz="1800" dirty="0" err="1" smtClean="0">
-                <a:latin typeface="Lucida Console" pitchFamily="49" charset="0"/>
-              </a:rPr>
-              <a:t>int</a:t>
-            </a:r>
-            <a:r>
-              <a:rPr lang="en-US" sz="1800" dirty="0" smtClean="0">
-                <a:latin typeface="Lucida Console" pitchFamily="49" charset="0"/>
-              </a:rPr>
-              <a:t> id) { ... }</a:t>
-            </a:r>
-          </a:p>
-          <a:p>
-            <a:pPr>
-              <a:buNone/>
-            </a:pPr>
-            <a:r>
-              <a:rPr lang="en-US" sz="1800" dirty="0" smtClean="0">
-                <a:latin typeface="Lucida Console" pitchFamily="49" charset="0"/>
-              </a:rPr>
-              <a:t>   public </a:t>
-            </a:r>
-            <a:r>
-              <a:rPr lang="en-US" sz="1800" dirty="0" err="1" smtClean="0">
-                <a:latin typeface="Lucida Console" pitchFamily="49" charset="0"/>
-              </a:rPr>
-              <a:t>IList</a:t>
-            </a:r>
-            <a:r>
-              <a:rPr lang="en-US" sz="1800" dirty="0" smtClean="0">
-                <a:latin typeface="Lucida Console" pitchFamily="49" charset="0"/>
-              </a:rPr>
-              <a:t>&lt;T&gt; </a:t>
-            </a:r>
-            <a:r>
-              <a:rPr lang="en-US" sz="1800" dirty="0" err="1" smtClean="0">
-                <a:latin typeface="Lucida Console" pitchFamily="49" charset="0"/>
-              </a:rPr>
-              <a:t>GetAll</a:t>
-            </a:r>
-            <a:r>
-              <a:rPr lang="en-US" sz="1800" dirty="0" smtClean="0">
-                <a:latin typeface="Lucida Console" pitchFamily="49" charset="0"/>
-              </a:rPr>
-              <a:t>() { ... }</a:t>
-            </a:r>
-          </a:p>
-          <a:p>
-            <a:pPr>
-              <a:buNone/>
-            </a:pPr>
-            <a:r>
-              <a:rPr lang="en-US" sz="1800" dirty="0" smtClean="0">
-                <a:latin typeface="Lucida Console" pitchFamily="49" charset="0"/>
-              </a:rPr>
-              <a:t>}</a:t>
-            </a:r>
-            <a:endParaRPr lang="en-US" sz="1800" dirty="0">
-              <a:latin typeface="Lucida Console" pitchFamily="49" charset="0"/>
-            </a:endParaRPr>
+              <a:rPr lang="en-US" sz="4000" dirty="0" smtClean="0"/>
+              <a:t>                                          -- Leon </a:t>
+            </a:r>
+            <a:r>
+              <a:rPr lang="en-US" sz="4000" dirty="0" err="1" smtClean="0"/>
+              <a:t>Gersing</a:t>
+            </a:r>
+            <a:endParaRPr lang="en-US" sz="4000" dirty="0"/>
           </a:p>
         </p:txBody>
       </p:sp>
@@ -10856,6 +10914,13 @@
   <p:clrMapOvr>
     <a:masterClrMapping/>
   </p:clrMapOvr>
+  <p:timing>
+    <p:tnLst>
+      <p:par>
+        <p:cTn id="1" dur="indefinite" restart="never" nodeType="tmRoot"/>
+      </p:par>
+    </p:tnLst>
+  </p:timing>
 </p:sld>
 </file>
 
@@ -10899,32 +10964,308 @@
           </a:p>
         </p:txBody>
       </p:sp>
-      <p:pic>
-        <p:nvPicPr>
-          <p:cNvPr id="27650" name="Picture 2" descr="http://www.hearos.com/images/nascar-race.jpg"/>
-          <p:cNvPicPr>
-            <a:picLocks noChangeAspect="1" noChangeArrowheads="1"/>
-          </p:cNvPicPr>
-          <p:nvPr/>
-        </p:nvPicPr>
-        <p:blipFill>
-          <a:blip r:embed="rId3" cstate="print"/>
-          <a:srcRect/>
-          <a:stretch>
-            <a:fillRect/>
-          </a:stretch>
-        </p:blipFill>
-        <p:spPr bwMode="auto">
-          <a:xfrm>
-            <a:off x="1676400" y="1752600"/>
-            <a:ext cx="5892800" cy="4419600"/>
-          </a:xfrm>
-          <a:prstGeom prst="rect">
-            <a:avLst/>
-          </a:prstGeom>
-          <a:noFill/>
-        </p:spPr>
-      </p:pic>
+      <p:sp>
+        <p:nvSpPr>
+          <p:cNvPr id="3" name="Content Placeholder 2"/>
+          <p:cNvSpPr>
+            <a:spLocks noGrp="1"/>
+          </p:cNvSpPr>
+          <p:nvPr>
+            <p:ph idx="1"/>
+          </p:nvPr>
+        </p:nvSpPr>
+        <p:spPr/>
+        <p:txBody>
+          <a:bodyPr>
+            <a:normAutofit/>
+          </a:bodyPr>
+          <a:lstStyle/>
+          <a:p>
+            <a:pPr>
+              <a:buNone/>
+            </a:pPr>
+            <a:r>
+              <a:rPr lang="en-US" sz="1800" dirty="0" smtClean="0">
+                <a:latin typeface="Lucida Console" pitchFamily="49" charset="0"/>
+              </a:rPr>
+              <a:t>public interface </a:t>
+            </a:r>
+            <a:r>
+              <a:rPr lang="en-US" sz="1800" dirty="0" err="1" smtClean="0">
+                <a:latin typeface="Lucida Console" pitchFamily="49" charset="0"/>
+              </a:rPr>
+              <a:t>IGetObjectService</a:t>
+            </a:r>
+            <a:r>
+              <a:rPr lang="en-US" sz="1800" dirty="0" smtClean="0">
+                <a:latin typeface="Lucida Console" pitchFamily="49" charset="0"/>
+              </a:rPr>
+              <a:t>&lt;T&gt; where T : </a:t>
+            </a:r>
+            <a:r>
+              <a:rPr lang="en-US" sz="1800" dirty="0" err="1" smtClean="0">
+                <a:latin typeface="Lucida Console" pitchFamily="49" charset="0"/>
+              </a:rPr>
+              <a:t>EntityBase</a:t>
+            </a:r>
+            <a:endParaRPr lang="en-US" sz="1800" dirty="0" smtClean="0">
+              <a:latin typeface="Lucida Console" pitchFamily="49" charset="0"/>
+            </a:endParaRPr>
+          </a:p>
+          <a:p>
+            <a:pPr>
+              <a:buNone/>
+            </a:pPr>
+            <a:r>
+              <a:rPr lang="en-US" sz="1800" dirty="0" smtClean="0">
+                <a:latin typeface="Lucida Console" pitchFamily="49" charset="0"/>
+              </a:rPr>
+              <a:t>{</a:t>
+            </a:r>
+          </a:p>
+          <a:p>
+            <a:pPr>
+              <a:buNone/>
+            </a:pPr>
+            <a:r>
+              <a:rPr lang="en-US" sz="1800" dirty="0" smtClean="0">
+                <a:latin typeface="Lucida Console" pitchFamily="49" charset="0"/>
+              </a:rPr>
+              <a:t>   public T Get(</a:t>
+            </a:r>
+            <a:r>
+              <a:rPr lang="en-US" sz="1800" dirty="0" err="1" smtClean="0">
+                <a:latin typeface="Lucida Console" pitchFamily="49" charset="0"/>
+              </a:rPr>
+              <a:t>int</a:t>
+            </a:r>
+            <a:r>
+              <a:rPr lang="en-US" sz="1800" dirty="0" smtClean="0">
+                <a:latin typeface="Lucida Console" pitchFamily="49" charset="0"/>
+              </a:rPr>
+              <a:t> id);</a:t>
+            </a:r>
+          </a:p>
+          <a:p>
+            <a:pPr>
+              <a:buNone/>
+            </a:pPr>
+            <a:r>
+              <a:rPr lang="en-US" sz="1800" dirty="0" smtClean="0">
+                <a:latin typeface="Lucida Console" pitchFamily="49" charset="0"/>
+              </a:rPr>
+              <a:t>   public </a:t>
+            </a:r>
+            <a:r>
+              <a:rPr lang="en-US" sz="1800" dirty="0" err="1" smtClean="0">
+                <a:latin typeface="Lucida Console" pitchFamily="49" charset="0"/>
+              </a:rPr>
+              <a:t>IList</a:t>
+            </a:r>
+            <a:r>
+              <a:rPr lang="en-US" sz="1800" dirty="0" smtClean="0">
+                <a:latin typeface="Lucida Console" pitchFamily="49" charset="0"/>
+              </a:rPr>
+              <a:t>&lt;T&gt; </a:t>
+            </a:r>
+            <a:r>
+              <a:rPr lang="en-US" sz="1800" dirty="0" err="1" smtClean="0">
+                <a:latin typeface="Lucida Console" pitchFamily="49" charset="0"/>
+              </a:rPr>
+              <a:t>GetAll</a:t>
+            </a:r>
+            <a:r>
+              <a:rPr lang="en-US" sz="1800" dirty="0" smtClean="0">
+                <a:latin typeface="Lucida Console" pitchFamily="49" charset="0"/>
+              </a:rPr>
+              <a:t>();</a:t>
+            </a:r>
+          </a:p>
+          <a:p>
+            <a:pPr>
+              <a:buNone/>
+            </a:pPr>
+            <a:r>
+              <a:rPr lang="en-US" sz="1800" dirty="0" smtClean="0">
+                <a:latin typeface="Lucida Console" pitchFamily="49" charset="0"/>
+              </a:rPr>
+              <a:t>}</a:t>
+            </a:r>
+          </a:p>
+          <a:p>
+            <a:pPr>
+              <a:buNone/>
+            </a:pPr>
+            <a:endParaRPr lang="en-US" sz="1800" dirty="0" smtClean="0">
+              <a:latin typeface="Lucida Console" pitchFamily="49" charset="0"/>
+            </a:endParaRPr>
+          </a:p>
+          <a:p>
+            <a:pPr>
+              <a:buNone/>
+            </a:pPr>
+            <a:r>
+              <a:rPr lang="en-US" sz="1800" dirty="0" smtClean="0">
+                <a:latin typeface="Lucida Console" pitchFamily="49" charset="0"/>
+              </a:rPr>
+              <a:t>public class </a:t>
+            </a:r>
+            <a:r>
+              <a:rPr lang="en-US" sz="1800" dirty="0" err="1" smtClean="0">
+                <a:latin typeface="Lucida Console" pitchFamily="49" charset="0"/>
+              </a:rPr>
+              <a:t>GetObjectService</a:t>
+            </a:r>
+            <a:r>
+              <a:rPr lang="en-US" sz="1800" dirty="0" smtClean="0">
+                <a:latin typeface="Lucida Console" pitchFamily="49" charset="0"/>
+              </a:rPr>
+              <a:t>&lt;T&gt; : </a:t>
+            </a:r>
+            <a:r>
+              <a:rPr lang="en-US" sz="1800" dirty="0" err="1" smtClean="0">
+                <a:latin typeface="Lucida Console" pitchFamily="49" charset="0"/>
+              </a:rPr>
+              <a:t>IGetObjectService</a:t>
+            </a:r>
+            <a:r>
+              <a:rPr lang="en-US" sz="1800" dirty="0" smtClean="0">
+                <a:latin typeface="Lucida Console" pitchFamily="49" charset="0"/>
+              </a:rPr>
+              <a:t>&lt;T&gt;</a:t>
+            </a:r>
+          </a:p>
+          <a:p>
+            <a:pPr>
+              <a:buNone/>
+            </a:pPr>
+            <a:r>
+              <a:rPr lang="en-US" sz="1800" dirty="0" smtClean="0">
+                <a:latin typeface="Lucida Console" pitchFamily="49" charset="0"/>
+              </a:rPr>
+              <a:t>{</a:t>
+            </a:r>
+          </a:p>
+          <a:p>
+            <a:pPr>
+              <a:buNone/>
+            </a:pPr>
+            <a:r>
+              <a:rPr lang="en-US" sz="1800" dirty="0" smtClean="0">
+                <a:latin typeface="Lucida Console" pitchFamily="49" charset="0"/>
+              </a:rPr>
+              <a:t>   public </a:t>
+            </a:r>
+            <a:r>
+              <a:rPr lang="en-US" sz="1800" dirty="0" err="1" smtClean="0">
+                <a:latin typeface="Lucida Console" pitchFamily="49" charset="0"/>
+              </a:rPr>
+              <a:t>GetObjectService</a:t>
+            </a:r>
+            <a:r>
+              <a:rPr lang="en-US" sz="1800" dirty="0" smtClean="0">
+                <a:latin typeface="Lucida Console" pitchFamily="49" charset="0"/>
+              </a:rPr>
+              <a:t>(</a:t>
+            </a:r>
+            <a:r>
+              <a:rPr lang="en-US" sz="1800" dirty="0" err="1" smtClean="0">
+                <a:latin typeface="Lucida Console" pitchFamily="49" charset="0"/>
+              </a:rPr>
+              <a:t>IRepository</a:t>
+            </a:r>
+            <a:r>
+              <a:rPr lang="en-US" sz="1800" dirty="0" smtClean="0">
+                <a:latin typeface="Lucida Console" pitchFamily="49" charset="0"/>
+              </a:rPr>
+              <a:t>&lt;T&gt; repository) { }</a:t>
+            </a:r>
+          </a:p>
+          <a:p>
+            <a:pPr>
+              <a:buNone/>
+            </a:pPr>
+            <a:r>
+              <a:rPr lang="en-US" sz="1800" dirty="0" smtClean="0">
+                <a:latin typeface="Lucida Console" pitchFamily="49" charset="0"/>
+              </a:rPr>
+              <a:t/>
+            </a:r>
+            <a:br>
+              <a:rPr lang="en-US" sz="1800" dirty="0" smtClean="0">
+                <a:latin typeface="Lucida Console" pitchFamily="49" charset="0"/>
+              </a:rPr>
+            </a:br>
+            <a:r>
+              <a:rPr lang="en-US" sz="1800" dirty="0" smtClean="0">
+                <a:latin typeface="Lucida Console" pitchFamily="49" charset="0"/>
+              </a:rPr>
+              <a:t>   public T Get(</a:t>
+            </a:r>
+            <a:r>
+              <a:rPr lang="en-US" sz="1800" dirty="0" err="1" smtClean="0">
+                <a:latin typeface="Lucida Console" pitchFamily="49" charset="0"/>
+              </a:rPr>
+              <a:t>int</a:t>
+            </a:r>
+            <a:r>
+              <a:rPr lang="en-US" sz="1800" dirty="0" smtClean="0">
+                <a:latin typeface="Lucida Console" pitchFamily="49" charset="0"/>
+              </a:rPr>
+              <a:t> id) { ... }</a:t>
+            </a:r>
+          </a:p>
+          <a:p>
+            <a:pPr>
+              <a:buNone/>
+            </a:pPr>
+            <a:r>
+              <a:rPr lang="en-US" sz="1800" dirty="0" smtClean="0">
+                <a:latin typeface="Lucida Console" pitchFamily="49" charset="0"/>
+              </a:rPr>
+              <a:t>   public </a:t>
+            </a:r>
+            <a:r>
+              <a:rPr lang="en-US" sz="1800" dirty="0" err="1" smtClean="0">
+                <a:latin typeface="Lucida Console" pitchFamily="49" charset="0"/>
+              </a:rPr>
+              <a:t>IList</a:t>
+            </a:r>
+            <a:r>
+              <a:rPr lang="en-US" sz="1800" dirty="0" smtClean="0">
+                <a:latin typeface="Lucida Console" pitchFamily="49" charset="0"/>
+              </a:rPr>
+              <a:t>&lt;T&gt; </a:t>
+            </a:r>
+            <a:r>
+              <a:rPr lang="en-US" sz="1800" dirty="0" err="1" smtClean="0">
+                <a:latin typeface="Lucida Console" pitchFamily="49" charset="0"/>
+              </a:rPr>
+              <a:t>GetAll</a:t>
+            </a:r>
+            <a:r>
+              <a:rPr lang="en-US" sz="1800" dirty="0" smtClean="0">
+                <a:latin typeface="Lucida Console" pitchFamily="49" charset="0"/>
+              </a:rPr>
+              <a:t>() { ... }</a:t>
+            </a:r>
+          </a:p>
+          <a:p>
+            <a:pPr>
+              <a:buNone/>
+            </a:pPr>
+            <a:r>
+              <a:rPr lang="en-US" sz="1800" dirty="0" smtClean="0">
+                <a:latin typeface="Lucida Console" pitchFamily="49" charset="0"/>
+              </a:rPr>
+              <a:t>}</a:t>
+            </a:r>
+            <a:endParaRPr lang="en-US" sz="1800" dirty="0">
+              <a:latin typeface="Lucida Console" pitchFamily="49" charset="0"/>
+            </a:endParaRPr>
+          </a:p>
+        </p:txBody>
+      </p:sp>
     </p:spTree>
   </p:cSld>
   <p:clrMapOvr>

--- a/ruby-codemash.pptx
+++ b/ruby-codemash.pptx
@@ -5,7 +5,7 @@
     <p:sldMasterId id="2147483840" r:id="rId1"/>
   </p:sldMasterIdLst>
   <p:notesMasterIdLst>
-    <p:notesMasterId r:id="rId34"/>
+    <p:notesMasterId r:id="rId35"/>
   </p:notesMasterIdLst>
   <p:sldIdLst>
     <p:sldId id="320" r:id="rId2"/>
@@ -21,25 +21,26 @@
     <p:sldId id="330" r:id="rId12"/>
     <p:sldId id="331" r:id="rId13"/>
     <p:sldId id="348" r:id="rId14"/>
-    <p:sldId id="349" r:id="rId15"/>
-    <p:sldId id="342" r:id="rId16"/>
-    <p:sldId id="343" r:id="rId17"/>
-    <p:sldId id="344" r:id="rId18"/>
-    <p:sldId id="345" r:id="rId19"/>
-    <p:sldId id="346" r:id="rId20"/>
-    <p:sldId id="347" r:id="rId21"/>
-    <p:sldId id="350" r:id="rId22"/>
-    <p:sldId id="352" r:id="rId23"/>
-    <p:sldId id="351" r:id="rId24"/>
-    <p:sldId id="339" r:id="rId25"/>
-    <p:sldId id="340" r:id="rId26"/>
-    <p:sldId id="341" r:id="rId27"/>
-    <p:sldId id="333" r:id="rId28"/>
-    <p:sldId id="334" r:id="rId29"/>
-    <p:sldId id="335" r:id="rId30"/>
-    <p:sldId id="354" r:id="rId31"/>
-    <p:sldId id="337" r:id="rId32"/>
-    <p:sldId id="338" r:id="rId33"/>
+    <p:sldId id="355" r:id="rId15"/>
+    <p:sldId id="349" r:id="rId16"/>
+    <p:sldId id="342" r:id="rId17"/>
+    <p:sldId id="343" r:id="rId18"/>
+    <p:sldId id="344" r:id="rId19"/>
+    <p:sldId id="345" r:id="rId20"/>
+    <p:sldId id="346" r:id="rId21"/>
+    <p:sldId id="347" r:id="rId22"/>
+    <p:sldId id="350" r:id="rId23"/>
+    <p:sldId id="352" r:id="rId24"/>
+    <p:sldId id="351" r:id="rId25"/>
+    <p:sldId id="339" r:id="rId26"/>
+    <p:sldId id="340" r:id="rId27"/>
+    <p:sldId id="341" r:id="rId28"/>
+    <p:sldId id="333" r:id="rId29"/>
+    <p:sldId id="334" r:id="rId30"/>
+    <p:sldId id="335" r:id="rId31"/>
+    <p:sldId id="354" r:id="rId32"/>
+    <p:sldId id="337" r:id="rId33"/>
+    <p:sldId id="338" r:id="rId34"/>
   </p:sldIdLst>
   <p:sldSz cx="9144000" cy="6858000" type="screen4x3"/>
   <p:notesSz cx="6858000" cy="9144000"/>
@@ -224,7 +225,7 @@
             <a:fld id="{CE22DD2D-CE48-432A-B750-FE638311F72D}" type="datetimeFigureOut">
               <a:rPr lang="en-US" smtClean="0"/>
               <a:pPr/>
-              <a:t>1/12/2011</a:t>
+              <a:t>1/13/2011</a:t>
             </a:fld>
             <a:endParaRPr lang="en-US"/>
           </a:p>
@@ -808,7 +809,7 @@
             <a:fld id="{46B52E04-8F68-435C-880A-7C7B12D9BA2F}" type="slidenum">
               <a:rPr lang="en-US" smtClean="0"/>
               <a:pPr/>
-              <a:t>27</a:t>
+              <a:t>24</a:t>
             </a:fld>
             <a:endParaRPr lang="en-US"/>
           </a:p>
@@ -868,246 +869,6 @@
           </a:bodyPr>
           <a:lstStyle/>
           <a:p>
-            <a:r>
-              <a:rPr lang="en-US" sz="1200" b="0" i="0" kern="1200" dirty="0" smtClean="0">
-                <a:solidFill>
-                  <a:schemeClr val="tx1"/>
-                </a:solidFill>
-                <a:latin typeface="+mn-lt"/>
-                <a:ea typeface="+mn-ea"/>
-                <a:cs typeface="+mn-cs"/>
-              </a:rPr>
-              <a:t>-Rails is the "company framework" that everyone is trying to build  </a:t>
-            </a:r>
-            <a:endParaRPr lang="en-US" dirty="0" smtClean="0"/>
-          </a:p>
-          <a:p>
-            <a:r>
-              <a:rPr lang="en-US" sz="1200" b="0" i="0" kern="1200" dirty="0" smtClean="0">
-                <a:solidFill>
-                  <a:schemeClr val="tx1"/>
-                </a:solidFill>
-                <a:latin typeface="+mn-lt"/>
-                <a:ea typeface="+mn-ea"/>
-                <a:cs typeface="+mn-cs"/>
-              </a:rPr>
-              <a:t>-things are done the same way in most Rails projects, so you can join a Rails team and you don't have to learn someone else's homegrown framework  </a:t>
-            </a:r>
-            <a:endParaRPr lang="en-US" dirty="0" smtClean="0"/>
-          </a:p>
-          <a:p>
-            <a:r>
-              <a:rPr lang="en-US" sz="1200" b="0" i="0" kern="1200" dirty="0" smtClean="0">
-                <a:solidFill>
-                  <a:schemeClr val="tx1"/>
-                </a:solidFill>
-                <a:latin typeface="+mn-lt"/>
-                <a:ea typeface="+mn-ea"/>
-                <a:cs typeface="+mn-cs"/>
-              </a:rPr>
-              <a:t>-homegrown frameworks often are a big detriment to getting things done (maintenance is hard, keeps you from upgrading your codebase, etc</a:t>
-            </a:r>
-            <a:r>
-              <a:rPr lang="en-US" sz="1200" b="0" i="0" kern="1200" dirty="0" smtClean="0">
-                <a:solidFill>
-                  <a:schemeClr val="tx1"/>
-                </a:solidFill>
-                <a:latin typeface="+mn-lt"/>
-                <a:ea typeface="+mn-ea"/>
-                <a:cs typeface="+mn-cs"/>
-              </a:rPr>
-              <a:t>.)</a:t>
-            </a:r>
-          </a:p>
-          <a:p>
-            <a:endParaRPr lang="en-US" sz="1200" b="0" i="0" kern="1200" dirty="0" smtClean="0">
-              <a:solidFill>
-                <a:schemeClr val="tx1"/>
-              </a:solidFill>
-              <a:latin typeface="+mn-lt"/>
-              <a:ea typeface="+mn-ea"/>
-              <a:cs typeface="+mn-cs"/>
-            </a:endParaRPr>
-          </a:p>
-          <a:p>
-            <a:pPr>
-              <a:buFontTx/>
-              <a:buChar char="-"/>
-            </a:pPr>
-            <a:r>
-              <a:rPr lang="en-US" sz="1200" b="0" i="0" kern="1200" dirty="0" smtClean="0">
-                <a:solidFill>
-                  <a:schemeClr val="tx1"/>
-                </a:solidFill>
-                <a:latin typeface="+mn-lt"/>
-                <a:ea typeface="+mn-ea"/>
-                <a:cs typeface="+mn-cs"/>
-              </a:rPr>
-              <a:t>Rails </a:t>
-            </a:r>
-            <a:r>
-              <a:rPr lang="en-US" sz="1200" b="0" i="0" kern="1200" dirty="0" smtClean="0">
-                <a:solidFill>
-                  <a:schemeClr val="tx1"/>
-                </a:solidFill>
-                <a:latin typeface="+mn-lt"/>
-                <a:ea typeface="+mn-ea"/>
-                <a:cs typeface="+mn-cs"/>
-              </a:rPr>
-              <a:t>works in the enterprise - cleanest 4 yr old codebase I've ever worked on, wouldn't gain much if I could rewrite </a:t>
-            </a:r>
-            <a:r>
-              <a:rPr lang="en-US" sz="1200" b="0" i="0" kern="1200" dirty="0" smtClean="0">
-                <a:solidFill>
-                  <a:schemeClr val="tx1"/>
-                </a:solidFill>
-                <a:latin typeface="+mn-lt"/>
-                <a:ea typeface="+mn-ea"/>
-                <a:cs typeface="+mn-cs"/>
-              </a:rPr>
-              <a:t>it</a:t>
-            </a:r>
-          </a:p>
-          <a:p>
-            <a:pPr>
-              <a:buFontTx/>
-              <a:buChar char="-"/>
-            </a:pPr>
-            <a:r>
-              <a:rPr lang="en-US" sz="1200" b="0" i="0" kern="1200" dirty="0" smtClean="0">
-                <a:solidFill>
-                  <a:schemeClr val="tx1"/>
-                </a:solidFill>
-                <a:latin typeface="+mn-lt"/>
-                <a:ea typeface="+mn-ea"/>
-                <a:cs typeface="+mn-cs"/>
-              </a:rPr>
-              <a:t>Lots</a:t>
-            </a:r>
-            <a:r>
-              <a:rPr lang="en-US" sz="1200" b="0" i="0" kern="1200" baseline="0" dirty="0" smtClean="0">
-                <a:solidFill>
-                  <a:schemeClr val="tx1"/>
-                </a:solidFill>
-                <a:latin typeface="+mn-lt"/>
-                <a:ea typeface="+mn-ea"/>
-                <a:cs typeface="+mn-cs"/>
-              </a:rPr>
-              <a:t> of big companies using Rails (Twitter, </a:t>
-            </a:r>
-            <a:r>
-              <a:rPr lang="en-US" sz="1200" b="0" i="0" kern="1200" baseline="0" dirty="0" err="1" smtClean="0">
-                <a:solidFill>
-                  <a:schemeClr val="tx1"/>
-                </a:solidFill>
-                <a:latin typeface="+mn-lt"/>
-                <a:ea typeface="+mn-ea"/>
-                <a:cs typeface="+mn-cs"/>
-              </a:rPr>
-              <a:t>Github</a:t>
-            </a:r>
-            <a:r>
-              <a:rPr lang="en-US" sz="1200" b="0" i="0" kern="1200" baseline="0" dirty="0" smtClean="0">
-                <a:solidFill>
-                  <a:schemeClr val="tx1"/>
-                </a:solidFill>
-                <a:latin typeface="+mn-lt"/>
-                <a:ea typeface="+mn-ea"/>
-                <a:cs typeface="+mn-cs"/>
-              </a:rPr>
-              <a:t>, </a:t>
-            </a:r>
-            <a:r>
-              <a:rPr lang="en-US" sz="1200" b="0" i="0" kern="1200" baseline="0" dirty="0" err="1" smtClean="0">
-                <a:solidFill>
-                  <a:schemeClr val="tx1"/>
-                </a:solidFill>
-                <a:latin typeface="+mn-lt"/>
-                <a:ea typeface="+mn-ea"/>
-                <a:cs typeface="+mn-cs"/>
-              </a:rPr>
-              <a:t>Hulu</a:t>
-            </a:r>
-            <a:r>
-              <a:rPr lang="en-US" sz="1200" b="0" i="0" kern="1200" baseline="0" dirty="0" smtClean="0">
-                <a:solidFill>
-                  <a:schemeClr val="tx1"/>
-                </a:solidFill>
-                <a:latin typeface="+mn-lt"/>
-                <a:ea typeface="+mn-ea"/>
-                <a:cs typeface="+mn-cs"/>
-              </a:rPr>
-              <a:t>, </a:t>
-            </a:r>
-            <a:r>
-              <a:rPr lang="en-US" sz="1200" b="0" i="0" kern="1200" baseline="0" dirty="0" err="1" smtClean="0">
-                <a:solidFill>
-                  <a:schemeClr val="tx1"/>
-                </a:solidFill>
-                <a:latin typeface="+mn-lt"/>
-                <a:ea typeface="+mn-ea"/>
-                <a:cs typeface="+mn-cs"/>
-              </a:rPr>
-              <a:t>Groupon</a:t>
-            </a:r>
-            <a:r>
-              <a:rPr lang="en-US" sz="1200" b="0" i="0" kern="1200" baseline="0" dirty="0" smtClean="0">
-                <a:solidFill>
-                  <a:schemeClr val="tx1"/>
-                </a:solidFill>
-                <a:latin typeface="+mn-lt"/>
-                <a:ea typeface="+mn-ea"/>
-                <a:cs typeface="+mn-cs"/>
-              </a:rPr>
-              <a:t>)</a:t>
-            </a:r>
-          </a:p>
-          <a:p>
-            <a:pPr>
-              <a:buFontTx/>
-              <a:buChar char="-"/>
-            </a:pPr>
-            <a:endParaRPr lang="en-US" dirty="0" smtClean="0"/>
-          </a:p>
-          <a:p>
-            <a:r>
-              <a:rPr lang="en-US" sz="1200" b="0" i="0" kern="1200" dirty="0" smtClean="0">
-                <a:solidFill>
-                  <a:schemeClr val="tx1"/>
-                </a:solidFill>
-                <a:latin typeface="+mn-lt"/>
-                <a:ea typeface="+mn-ea"/>
-                <a:cs typeface="+mn-cs"/>
-              </a:rPr>
-              <a:t>-not "switching to Ruby", not "leaving .NET"- don't be afraid of leaving your comfort zone (framework, language, syntax, etc.)- you will learn things that will help you on other platforms/languages</a:t>
-            </a:r>
-          </a:p>
-          <a:p>
-            <a:r>
-              <a:rPr lang="en-US" sz="1200" b="0" i="0" kern="1200" dirty="0" smtClean="0">
-                <a:solidFill>
-                  <a:schemeClr val="tx1"/>
-                </a:solidFill>
-                <a:latin typeface="+mn-lt"/>
-                <a:ea typeface="+mn-ea"/>
-                <a:cs typeface="+mn-cs"/>
-              </a:rPr>
-              <a:t>-Ruby</a:t>
-            </a:r>
-            <a:r>
-              <a:rPr lang="en-US" sz="1200" b="0" i="0" kern="1200" baseline="0" dirty="0" smtClean="0">
-                <a:solidFill>
-                  <a:schemeClr val="tx1"/>
-                </a:solidFill>
-                <a:latin typeface="+mn-lt"/>
-                <a:ea typeface="+mn-ea"/>
-                <a:cs typeface="+mn-cs"/>
-              </a:rPr>
-              <a:t> on Rails is just another tool in my toolbox (that happens to be really good at building web applications)</a:t>
-            </a:r>
-            <a:endParaRPr lang="en-US" dirty="0" smtClean="0"/>
-          </a:p>
-          <a:p>
             <a:endParaRPr lang="en-US" dirty="0"/>
           </a:p>
         </p:txBody>
@@ -1190,6 +951,234 @@
           </a:bodyPr>
           <a:lstStyle/>
           <a:p>
+            <a:r>
+              <a:rPr lang="en-US" sz="1200" b="0" i="0" kern="1200" dirty="0" smtClean="0">
+                <a:solidFill>
+                  <a:schemeClr val="tx1"/>
+                </a:solidFill>
+                <a:latin typeface="+mn-lt"/>
+                <a:ea typeface="+mn-ea"/>
+                <a:cs typeface="+mn-cs"/>
+              </a:rPr>
+              <a:t>-Rails is the "company framework" that everyone is trying to build  </a:t>
+            </a:r>
+            <a:endParaRPr lang="en-US" dirty="0" smtClean="0"/>
+          </a:p>
+          <a:p>
+            <a:r>
+              <a:rPr lang="en-US" sz="1200" b="0" i="0" kern="1200" dirty="0" smtClean="0">
+                <a:solidFill>
+                  <a:schemeClr val="tx1"/>
+                </a:solidFill>
+                <a:latin typeface="+mn-lt"/>
+                <a:ea typeface="+mn-ea"/>
+                <a:cs typeface="+mn-cs"/>
+              </a:rPr>
+              <a:t>-things are done the same way in most Rails projects, so you can join a Rails team and you don't have to learn someone else's homegrown framework  </a:t>
+            </a:r>
+            <a:endParaRPr lang="en-US" dirty="0" smtClean="0"/>
+          </a:p>
+          <a:p>
+            <a:r>
+              <a:rPr lang="en-US" sz="1200" b="0" i="0" kern="1200" dirty="0" smtClean="0">
+                <a:solidFill>
+                  <a:schemeClr val="tx1"/>
+                </a:solidFill>
+                <a:latin typeface="+mn-lt"/>
+                <a:ea typeface="+mn-ea"/>
+                <a:cs typeface="+mn-cs"/>
+              </a:rPr>
+              <a:t>-homegrown frameworks often are a big detriment to getting things done (maintenance is hard, keeps you from upgrading your codebase, etc.)</a:t>
+            </a:r>
+          </a:p>
+          <a:p>
+            <a:endParaRPr lang="en-US" sz="1200" b="0" i="0" kern="1200" dirty="0" smtClean="0">
+              <a:solidFill>
+                <a:schemeClr val="tx1"/>
+              </a:solidFill>
+              <a:latin typeface="+mn-lt"/>
+              <a:ea typeface="+mn-ea"/>
+              <a:cs typeface="+mn-cs"/>
+            </a:endParaRPr>
+          </a:p>
+          <a:p>
+            <a:pPr>
+              <a:buFontTx/>
+              <a:buChar char="-"/>
+            </a:pPr>
+            <a:r>
+              <a:rPr lang="en-US" sz="1200" b="0" i="0" kern="1200" dirty="0" smtClean="0">
+                <a:solidFill>
+                  <a:schemeClr val="tx1"/>
+                </a:solidFill>
+                <a:latin typeface="+mn-lt"/>
+                <a:ea typeface="+mn-ea"/>
+                <a:cs typeface="+mn-cs"/>
+              </a:rPr>
+              <a:t>Rails works in the enterprise - cleanest 4 yr old codebase I've ever worked on, wouldn't gain much if I could rewrite it</a:t>
+            </a:r>
+          </a:p>
+          <a:p>
+            <a:pPr>
+              <a:buFontTx/>
+              <a:buChar char="-"/>
+            </a:pPr>
+            <a:r>
+              <a:rPr lang="en-US" sz="1200" b="0" i="0" kern="1200" dirty="0" smtClean="0">
+                <a:solidFill>
+                  <a:schemeClr val="tx1"/>
+                </a:solidFill>
+                <a:latin typeface="+mn-lt"/>
+                <a:ea typeface="+mn-ea"/>
+                <a:cs typeface="+mn-cs"/>
+              </a:rPr>
+              <a:t>Lots</a:t>
+            </a:r>
+            <a:r>
+              <a:rPr lang="en-US" sz="1200" b="0" i="0" kern="1200" baseline="0" dirty="0" smtClean="0">
+                <a:solidFill>
+                  <a:schemeClr val="tx1"/>
+                </a:solidFill>
+                <a:latin typeface="+mn-lt"/>
+                <a:ea typeface="+mn-ea"/>
+                <a:cs typeface="+mn-cs"/>
+              </a:rPr>
+              <a:t> of big companies using Rails (Twitter, </a:t>
+            </a:r>
+            <a:r>
+              <a:rPr lang="en-US" sz="1200" b="0" i="0" kern="1200" baseline="0" dirty="0" err="1" smtClean="0">
+                <a:solidFill>
+                  <a:schemeClr val="tx1"/>
+                </a:solidFill>
+                <a:latin typeface="+mn-lt"/>
+                <a:ea typeface="+mn-ea"/>
+                <a:cs typeface="+mn-cs"/>
+              </a:rPr>
+              <a:t>Github</a:t>
+            </a:r>
+            <a:r>
+              <a:rPr lang="en-US" sz="1200" b="0" i="0" kern="1200" baseline="0" dirty="0" smtClean="0">
+                <a:solidFill>
+                  <a:schemeClr val="tx1"/>
+                </a:solidFill>
+                <a:latin typeface="+mn-lt"/>
+                <a:ea typeface="+mn-ea"/>
+                <a:cs typeface="+mn-cs"/>
+              </a:rPr>
+              <a:t>, </a:t>
+            </a:r>
+            <a:r>
+              <a:rPr lang="en-US" sz="1200" b="0" i="0" kern="1200" baseline="0" dirty="0" err="1" smtClean="0">
+                <a:solidFill>
+                  <a:schemeClr val="tx1"/>
+                </a:solidFill>
+                <a:latin typeface="+mn-lt"/>
+                <a:ea typeface="+mn-ea"/>
+                <a:cs typeface="+mn-cs"/>
+              </a:rPr>
+              <a:t>Hulu</a:t>
+            </a:r>
+            <a:r>
+              <a:rPr lang="en-US" sz="1200" b="0" i="0" kern="1200" baseline="0" dirty="0" smtClean="0">
+                <a:solidFill>
+                  <a:schemeClr val="tx1"/>
+                </a:solidFill>
+                <a:latin typeface="+mn-lt"/>
+                <a:ea typeface="+mn-ea"/>
+                <a:cs typeface="+mn-cs"/>
+              </a:rPr>
+              <a:t>, </a:t>
+            </a:r>
+            <a:r>
+              <a:rPr lang="en-US" sz="1200" b="0" i="0" kern="1200" baseline="0" dirty="0" err="1" smtClean="0">
+                <a:solidFill>
+                  <a:schemeClr val="tx1"/>
+                </a:solidFill>
+                <a:latin typeface="+mn-lt"/>
+                <a:ea typeface="+mn-ea"/>
+                <a:cs typeface="+mn-cs"/>
+              </a:rPr>
+              <a:t>Groupon</a:t>
+            </a:r>
+            <a:r>
+              <a:rPr lang="en-US" sz="1200" b="0" i="0" kern="1200" baseline="0" dirty="0" smtClean="0">
+                <a:solidFill>
+                  <a:schemeClr val="tx1"/>
+                </a:solidFill>
+                <a:latin typeface="+mn-lt"/>
+                <a:ea typeface="+mn-ea"/>
+                <a:cs typeface="+mn-cs"/>
+              </a:rPr>
+              <a:t>)</a:t>
+            </a:r>
+          </a:p>
+          <a:p>
+            <a:pPr>
+              <a:buFontTx/>
+              <a:buChar char="-"/>
+            </a:pPr>
+            <a:endParaRPr lang="en-US" dirty="0" smtClean="0"/>
+          </a:p>
+          <a:p>
+            <a:r>
+              <a:rPr lang="en-US" sz="1200" b="0" i="0" kern="1200" dirty="0" smtClean="0">
+                <a:solidFill>
+                  <a:schemeClr val="tx1"/>
+                </a:solidFill>
+                <a:latin typeface="+mn-lt"/>
+                <a:ea typeface="+mn-ea"/>
+                <a:cs typeface="+mn-cs"/>
+              </a:rPr>
+              <a:t>-not "switching to Ruby", not "leaving .NET"- don't be afraid of leaving your comfort zone (framework, language, syntax, etc.)- you will learn things that will help you on other platforms/languages</a:t>
+            </a:r>
+          </a:p>
+          <a:p>
+            <a:r>
+              <a:rPr lang="en-US" sz="1200" b="0" i="0" kern="1200" dirty="0" smtClean="0">
+                <a:solidFill>
+                  <a:schemeClr val="tx1"/>
+                </a:solidFill>
+                <a:latin typeface="+mn-lt"/>
+                <a:ea typeface="+mn-ea"/>
+                <a:cs typeface="+mn-cs"/>
+              </a:rPr>
+              <a:t>-Ruby</a:t>
+            </a:r>
+            <a:r>
+              <a:rPr lang="en-US" sz="1200" b="0" i="0" kern="1200" baseline="0" dirty="0" smtClean="0">
+                <a:solidFill>
+                  <a:schemeClr val="tx1"/>
+                </a:solidFill>
+                <a:latin typeface="+mn-lt"/>
+                <a:ea typeface="+mn-ea"/>
+                <a:cs typeface="+mn-cs"/>
+              </a:rPr>
+              <a:t> on Rails is just another tool in my toolbox (that happens to be really good at building web applications)</a:t>
+            </a:r>
+            <a:endParaRPr lang="en-US" dirty="0" smtClean="0"/>
+          </a:p>
+          <a:p>
+            <a:endParaRPr lang="en-US" dirty="0" smtClean="0"/>
+          </a:p>
+          <a:p>
+            <a:r>
+              <a:rPr lang="en-US" dirty="0" smtClean="0"/>
+              <a:t>-If Ruby on</a:t>
+            </a:r>
+            <a:r>
+              <a:rPr lang="en-US" baseline="0" dirty="0" smtClean="0"/>
+              <a:t> Rails can help your team develop things better and faster, isn’t it even worth considering?</a:t>
+            </a:r>
+          </a:p>
+          <a:p>
+            <a:r>
+              <a:rPr lang="en-US" baseline="0" dirty="0" smtClean="0"/>
+              <a:t>-Do a cost-benefit analysis – will the long term benefit of using Ruby outweigh the time needed to adopt a </a:t>
+            </a:r>
+            <a:r>
+              <a:rPr lang="en-US" baseline="0" smtClean="0"/>
+              <a:t>new technology?</a:t>
+            </a:r>
             <a:endParaRPr lang="en-US" dirty="0"/>
           </a:p>
         </p:txBody>
@@ -1390,6 +1379,88 @@
 </p:notes>
 </file>
 
+<file path=ppt/notesSlides/notesSlide17.xml><?xml version="1.0" encoding="utf-8"?>
+<p:notes xmlns:a="http://schemas.openxmlformats.org/drawingml/2006/main" xmlns:r="http://schemas.openxmlformats.org/officeDocument/2006/relationships" xmlns:p="http://schemas.openxmlformats.org/presentationml/2006/main">
+  <p:cSld>
+    <p:spTree>
+      <p:nvGrpSpPr>
+        <p:cNvPr id="1" name=""/>
+        <p:cNvGrpSpPr/>
+        <p:nvPr/>
+      </p:nvGrpSpPr>
+      <p:grpSpPr>
+        <a:xfrm>
+          <a:off x="0" y="0"/>
+          <a:ext cx="0" cy="0"/>
+          <a:chOff x="0" y="0"/>
+          <a:chExt cx="0" cy="0"/>
+        </a:xfrm>
+      </p:grpSpPr>
+      <p:sp>
+        <p:nvSpPr>
+          <p:cNvPr id="2" name="Slide Image Placeholder 1"/>
+          <p:cNvSpPr>
+            <a:spLocks noGrp="1" noRot="1" noChangeAspect="1"/>
+          </p:cNvSpPr>
+          <p:nvPr>
+            <p:ph type="sldImg"/>
+          </p:nvPr>
+        </p:nvSpPr>
+        <p:spPr/>
+      </p:sp>
+      <p:sp>
+        <p:nvSpPr>
+          <p:cNvPr id="3" name="Notes Placeholder 2"/>
+          <p:cNvSpPr>
+            <a:spLocks noGrp="1"/>
+          </p:cNvSpPr>
+          <p:nvPr>
+            <p:ph type="body" idx="1"/>
+          </p:nvPr>
+        </p:nvSpPr>
+        <p:spPr/>
+        <p:txBody>
+          <a:bodyPr>
+            <a:normAutofit/>
+          </a:bodyPr>
+          <a:lstStyle/>
+          <a:p>
+            <a:endParaRPr lang="en-US" dirty="0"/>
+          </a:p>
+        </p:txBody>
+      </p:sp>
+      <p:sp>
+        <p:nvSpPr>
+          <p:cNvPr id="4" name="Slide Number Placeholder 3"/>
+          <p:cNvSpPr>
+            <a:spLocks noGrp="1"/>
+          </p:cNvSpPr>
+          <p:nvPr>
+            <p:ph type="sldNum" sz="quarter" idx="10"/>
+          </p:nvPr>
+        </p:nvSpPr>
+        <p:spPr/>
+        <p:txBody>
+          <a:bodyPr/>
+          <a:lstStyle/>
+          <a:p>
+            <a:fld id="{46B52E04-8F68-435C-880A-7C7B12D9BA2F}" type="slidenum">
+              <a:rPr lang="en-US" smtClean="0"/>
+              <a:pPr/>
+              <a:t>32</a:t>
+            </a:fld>
+            <a:endParaRPr lang="en-US"/>
+          </a:p>
+        </p:txBody>
+      </p:sp>
+    </p:spTree>
+  </p:cSld>
+  <p:clrMapOvr>
+    <a:masterClrMapping/>
+  </p:clrMapOvr>
+</p:notes>
+</file>
+
 <file path=ppt/notesSlides/notesSlide2.xml><?xml version="1.0" encoding="utf-8"?>
 <p:notes xmlns:a="http://schemas.openxmlformats.org/drawingml/2006/main" xmlns:r="http://schemas.openxmlformats.org/officeDocument/2006/relationships" xmlns:p="http://schemas.openxmlformats.org/presentationml/2006/main">
   <p:cSld>
@@ -2078,6 +2149,28 @@
           </a:bodyPr>
           <a:lstStyle/>
           <a:p>
+            <a:r>
+              <a:rPr lang="en-US" dirty="0" smtClean="0"/>
+              <a:t>UNIX is very command line driven</a:t>
+            </a:r>
+            <a:r>
+              <a:rPr lang="en-US" baseline="0" dirty="0" smtClean="0"/>
+              <a:t> (install apps through the command line, shell scripting)</a:t>
+            </a:r>
+          </a:p>
+          <a:p>
+            <a:r>
+              <a:rPr lang="en-US" baseline="0" dirty="0" smtClean="0"/>
+              <a:t>Closer to the metal</a:t>
+            </a:r>
+          </a:p>
+          <a:p>
+            <a:r>
+              <a:rPr lang="en-US" baseline="0" dirty="0" smtClean="0"/>
+              <a:t>Using Vim as my IDE</a:t>
+            </a:r>
+          </a:p>
+          <a:p>
             <a:endParaRPr lang="en-US" dirty="0"/>
           </a:p>
         </p:txBody>
@@ -2182,7 +2275,7 @@
             <a:fld id="{46B52E04-8F68-435C-880A-7C7B12D9BA2F}" type="slidenum">
               <a:rPr lang="en-US" smtClean="0"/>
               <a:pPr/>
-              <a:t>21</a:t>
+              <a:t>15</a:t>
             </a:fld>
             <a:endParaRPr lang="en-US"/>
           </a:p>
@@ -2356,7 +2449,7 @@
             <a:fld id="{C3F416CD-67A3-4CF0-A210-F6AF31AC147F}" type="datetimeFigureOut">
               <a:rPr lang="en-US" smtClean="0"/>
               <a:pPr/>
-              <a:t>1/12/2011</a:t>
+              <a:t>1/13/2011</a:t>
             </a:fld>
             <a:endParaRPr lang="en-US"/>
           </a:p>
@@ -2536,7 +2629,7 @@
             <a:fld id="{C3F416CD-67A3-4CF0-A210-F6AF31AC147F}" type="datetimeFigureOut">
               <a:rPr lang="en-US" smtClean="0"/>
               <a:pPr/>
-              <a:t>1/12/2011</a:t>
+              <a:t>1/13/2011</a:t>
             </a:fld>
             <a:endParaRPr lang="en-US"/>
           </a:p>
@@ -2713,7 +2806,7 @@
             <a:fld id="{C3F416CD-67A3-4CF0-A210-F6AF31AC147F}" type="datetimeFigureOut">
               <a:rPr lang="en-US" smtClean="0"/>
               <a:pPr/>
-              <a:t>1/12/2011</a:t>
+              <a:t>1/13/2011</a:t>
             </a:fld>
             <a:endParaRPr lang="en-US"/>
           </a:p>
@@ -2880,7 +2973,7 @@
             <a:fld id="{C3F416CD-67A3-4CF0-A210-F6AF31AC147F}" type="datetimeFigureOut">
               <a:rPr lang="en-US" smtClean="0"/>
               <a:pPr/>
-              <a:t>1/12/2011</a:t>
+              <a:t>1/13/2011</a:t>
             </a:fld>
             <a:endParaRPr lang="en-US"/>
           </a:p>
@@ -3093,7 +3186,7 @@
             <a:fld id="{C3F416CD-67A3-4CF0-A210-F6AF31AC147F}" type="datetimeFigureOut">
               <a:rPr lang="en-US" smtClean="0"/>
               <a:pPr/>
-              <a:t>1/12/2011</a:t>
+              <a:t>1/13/2011</a:t>
             </a:fld>
             <a:endParaRPr lang="en-US"/>
           </a:p>
@@ -3378,7 +3471,7 @@
             <a:fld id="{C3F416CD-67A3-4CF0-A210-F6AF31AC147F}" type="datetimeFigureOut">
               <a:rPr lang="en-US" smtClean="0"/>
               <a:pPr/>
-              <a:t>1/12/2011</a:t>
+              <a:t>1/13/2011</a:t>
             </a:fld>
             <a:endParaRPr lang="en-US"/>
           </a:p>
@@ -3810,7 +3903,7 @@
             <a:fld id="{C3F416CD-67A3-4CF0-A210-F6AF31AC147F}" type="datetimeFigureOut">
               <a:rPr lang="en-US" smtClean="0"/>
               <a:pPr algn="l" eaLnBrk="1" latinLnBrk="0" hangingPunct="1"/>
-              <a:t>1/12/2011</a:t>
+              <a:t>1/13/2011</a:t>
             </a:fld>
             <a:endParaRPr lang="en-US"/>
           </a:p>
@@ -3930,7 +4023,7 @@
             <a:fld id="{C3F416CD-67A3-4CF0-A210-F6AF31AC147F}" type="datetimeFigureOut">
               <a:rPr lang="en-US" smtClean="0"/>
               <a:pPr/>
-              <a:t>1/12/2011</a:t>
+              <a:t>1/13/2011</a:t>
             </a:fld>
             <a:endParaRPr lang="en-US"/>
           </a:p>
@@ -4022,7 +4115,7 @@
             <a:fld id="{C3F416CD-67A3-4CF0-A210-F6AF31AC147F}" type="datetimeFigureOut">
               <a:rPr lang="en-US" smtClean="0"/>
               <a:pPr/>
-              <a:t>1/12/2011</a:t>
+              <a:t>1/13/2011</a:t>
             </a:fld>
             <a:endParaRPr lang="en-US"/>
           </a:p>
@@ -4313,7 +4406,7 @@
             <a:fld id="{C3F416CD-67A3-4CF0-A210-F6AF31AC147F}" type="datetimeFigureOut">
               <a:rPr lang="en-US" smtClean="0"/>
               <a:pPr/>
-              <a:t>1/12/2011</a:t>
+              <a:t>1/13/2011</a:t>
             </a:fld>
             <a:endParaRPr lang="en-US"/>
           </a:p>
@@ -4640,7 +4733,7 @@
             <a:fld id="{C3F416CD-67A3-4CF0-A210-F6AF31AC147F}" type="datetimeFigureOut">
               <a:rPr lang="en-US" smtClean="0"/>
               <a:pPr/>
-              <a:t>1/12/2011</a:t>
+              <a:t>1/13/2011</a:t>
             </a:fld>
             <a:endParaRPr lang="en-US"/>
           </a:p>
@@ -4861,7 +4954,7 @@
             <a:fld id="{C3F416CD-67A3-4CF0-A210-F6AF31AC147F}" type="datetimeFigureOut">
               <a:rPr lang="en-US" smtClean="0"/>
               <a:pPr algn="l" eaLnBrk="1" latinLnBrk="0" hangingPunct="1"/>
-              <a:t>1/12/2011</a:t>
+              <a:t>1/13/2011</a:t>
             </a:fld>
             <a:endParaRPr lang="en-US" sz="800" dirty="0">
               <a:solidFill>
@@ -5646,8 +5739,9 @@
             </a:pPr>
             <a:r>
               <a:rPr lang="en-US" sz="3600" dirty="0" smtClean="0"/>
-              <a:t>You can do more with less code</a:t>
-            </a:r>
+              <a:t>Learning the Ruby/UNIX way</a:t>
+            </a:r>
+            <a:endParaRPr lang="en-US" sz="3600" dirty="0" smtClean="0"/>
           </a:p>
         </p:txBody>
       </p:sp>
@@ -5700,7 +5794,7 @@
           <a:p>
             <a:r>
               <a:rPr lang="en-US" dirty="0" smtClean="0"/>
-              <a:t>Doing more with less</a:t>
+              <a:t>What I’ve Learned</a:t>
             </a:r>
             <a:endParaRPr lang="en-US" dirty="0"/>
           </a:p>
@@ -5708,7 +5802,7 @@
       </p:sp>
       <p:sp>
         <p:nvSpPr>
-          <p:cNvPr id="3" name="Content Placeholder 2"/>
+          <p:cNvPr id="4" name="Content Placeholder 3"/>
           <p:cNvSpPr>
             <a:spLocks noGrp="1"/>
           </p:cNvSpPr>
@@ -5723,372 +5817,31 @@
           </a:bodyPr>
           <a:lstStyle/>
           <a:p>
-            <a:pPr>
-              <a:buNone/>
-            </a:pPr>
-            <a:r>
-              <a:rPr lang="en-US" sz="1500" dirty="0" smtClean="0">
-                <a:latin typeface="Lucida Console" pitchFamily="49" charset="0"/>
-              </a:rPr>
-              <a:t>create table Users</a:t>
-            </a:r>
-            <a:br>
-              <a:rPr lang="en-US" sz="1500" dirty="0" smtClean="0">
-                <a:latin typeface="Lucida Console" pitchFamily="49" charset="0"/>
-              </a:rPr>
-            </a:br>
-            <a:r>
-              <a:rPr lang="en-US" sz="1500" dirty="0" smtClean="0">
-                <a:latin typeface="Lucida Console" pitchFamily="49" charset="0"/>
-              </a:rPr>
-              <a:t>(</a:t>
-            </a:r>
-            <a:br>
-              <a:rPr lang="en-US" sz="1500" dirty="0" smtClean="0">
-                <a:latin typeface="Lucida Console" pitchFamily="49" charset="0"/>
-              </a:rPr>
-            </a:br>
-            <a:r>
-              <a:rPr lang="en-US" sz="1500" dirty="0" smtClean="0">
-                <a:latin typeface="Lucida Console" pitchFamily="49" charset="0"/>
-              </a:rPr>
-              <a:t>    id </a:t>
-            </a:r>
-            <a:r>
-              <a:rPr lang="en-US" sz="1500" dirty="0" err="1" smtClean="0">
-                <a:latin typeface="Lucida Console" pitchFamily="49" charset="0"/>
-              </a:rPr>
-              <a:t>int</a:t>
-            </a:r>
-            <a:r>
-              <a:rPr lang="en-US" sz="1500" dirty="0" smtClean="0">
-                <a:latin typeface="Lucida Console" pitchFamily="49" charset="0"/>
-              </a:rPr>
-              <a:t>,</a:t>
-            </a:r>
-            <a:br>
-              <a:rPr lang="en-US" sz="1500" dirty="0" smtClean="0">
-                <a:latin typeface="Lucida Console" pitchFamily="49" charset="0"/>
-              </a:rPr>
-            </a:br>
-            <a:r>
-              <a:rPr lang="en-US" sz="1500" dirty="0" smtClean="0">
-                <a:latin typeface="Lucida Console" pitchFamily="49" charset="0"/>
-              </a:rPr>
-              <a:t>    name </a:t>
-            </a:r>
-            <a:r>
-              <a:rPr lang="en-US" sz="1500" dirty="0" err="1" smtClean="0">
-                <a:latin typeface="Lucida Console" pitchFamily="49" charset="0"/>
-              </a:rPr>
-              <a:t>varchar</a:t>
-            </a:r>
-            <a:r>
-              <a:rPr lang="en-US" sz="1500" dirty="0" smtClean="0">
-                <a:latin typeface="Lucida Console" pitchFamily="49" charset="0"/>
-              </a:rPr>
-              <a:t>(100),</a:t>
-            </a:r>
-            <a:br>
-              <a:rPr lang="en-US" sz="1500" dirty="0" smtClean="0">
-                <a:latin typeface="Lucida Console" pitchFamily="49" charset="0"/>
-              </a:rPr>
-            </a:br>
-            <a:r>
-              <a:rPr lang="en-US" sz="1500" dirty="0" smtClean="0">
-                <a:latin typeface="Lucida Console" pitchFamily="49" charset="0"/>
-              </a:rPr>
-              <a:t>    </a:t>
-            </a:r>
-            <a:r>
-              <a:rPr lang="en-US" sz="1500" dirty="0" err="1" smtClean="0">
-                <a:latin typeface="Lucida Console" pitchFamily="49" charset="0"/>
-              </a:rPr>
-              <a:t>user_status_id</a:t>
-            </a:r>
-            <a:r>
-              <a:rPr lang="en-US" sz="1500" dirty="0" smtClean="0">
-                <a:latin typeface="Lucida Console" pitchFamily="49" charset="0"/>
-              </a:rPr>
-              <a:t> </a:t>
-            </a:r>
-            <a:r>
-              <a:rPr lang="en-US" sz="1500" dirty="0" err="1" smtClean="0">
-                <a:latin typeface="Lucida Console" pitchFamily="49" charset="0"/>
-              </a:rPr>
-              <a:t>int</a:t>
-            </a:r>
-            <a:r>
-              <a:rPr lang="en-US" sz="1500" dirty="0" smtClean="0">
-                <a:latin typeface="Lucida Console" pitchFamily="49" charset="0"/>
-              </a:rPr>
-              <a:t>,</a:t>
-            </a:r>
-            <a:br>
-              <a:rPr lang="en-US" sz="1500" dirty="0" smtClean="0">
-                <a:latin typeface="Lucida Console" pitchFamily="49" charset="0"/>
-              </a:rPr>
-            </a:br>
-            <a:r>
-              <a:rPr lang="en-US" sz="1500" dirty="0" smtClean="0">
-                <a:latin typeface="Lucida Console" pitchFamily="49" charset="0"/>
-              </a:rPr>
-              <a:t>    </a:t>
-            </a:r>
-            <a:r>
-              <a:rPr lang="en-US" sz="1500" dirty="0" err="1" smtClean="0">
-                <a:latin typeface="Lucida Console" pitchFamily="49" charset="0"/>
-              </a:rPr>
-              <a:t>created_at</a:t>
-            </a:r>
-            <a:r>
-              <a:rPr lang="en-US" sz="1500" dirty="0" smtClean="0">
-                <a:latin typeface="Lucida Console" pitchFamily="49" charset="0"/>
-              </a:rPr>
-              <a:t> </a:t>
-            </a:r>
-            <a:r>
-              <a:rPr lang="en-US" sz="1500" dirty="0" err="1" smtClean="0">
-                <a:latin typeface="Lucida Console" pitchFamily="49" charset="0"/>
-              </a:rPr>
-              <a:t>datetime</a:t>
-            </a:r>
-            <a:r>
-              <a:rPr lang="en-US" sz="1500" dirty="0" smtClean="0">
-                <a:latin typeface="Lucida Console" pitchFamily="49" charset="0"/>
-              </a:rPr>
-              <a:t>,</a:t>
-            </a:r>
-            <a:br>
-              <a:rPr lang="en-US" sz="1500" dirty="0" smtClean="0">
-                <a:latin typeface="Lucida Console" pitchFamily="49" charset="0"/>
-              </a:rPr>
-            </a:br>
-            <a:r>
-              <a:rPr lang="en-US" sz="1500" dirty="0" smtClean="0">
-                <a:latin typeface="Lucida Console" pitchFamily="49" charset="0"/>
-              </a:rPr>
-              <a:t>    </a:t>
-            </a:r>
-            <a:r>
-              <a:rPr lang="en-US" sz="1500" dirty="0" err="1" smtClean="0">
-                <a:latin typeface="Lucida Console" pitchFamily="49" charset="0"/>
-              </a:rPr>
-              <a:t>updated_at</a:t>
-            </a:r>
-            <a:r>
-              <a:rPr lang="en-US" sz="1500" dirty="0" smtClean="0">
-                <a:latin typeface="Lucida Console" pitchFamily="49" charset="0"/>
-              </a:rPr>
-              <a:t> </a:t>
-            </a:r>
-            <a:r>
-              <a:rPr lang="en-US" sz="1500" dirty="0" err="1" smtClean="0">
-                <a:latin typeface="Lucida Console" pitchFamily="49" charset="0"/>
-              </a:rPr>
-              <a:t>datetime</a:t>
-            </a:r>
-            <a:r>
-              <a:rPr lang="en-US" sz="1500" dirty="0" smtClean="0">
-                <a:latin typeface="Lucida Console" pitchFamily="49" charset="0"/>
-              </a:rPr>
-              <a:t/>
-            </a:r>
-            <a:br>
-              <a:rPr lang="en-US" sz="1500" dirty="0" smtClean="0">
-                <a:latin typeface="Lucida Console" pitchFamily="49" charset="0"/>
-              </a:rPr>
-            </a:br>
-            <a:r>
-              <a:rPr lang="en-US" sz="1500" dirty="0" smtClean="0">
-                <a:latin typeface="Lucida Console" pitchFamily="49" charset="0"/>
-              </a:rPr>
-              <a:t>)</a:t>
-            </a:r>
-          </a:p>
-          <a:p>
-            <a:pPr>
-              <a:buNone/>
-            </a:pPr>
-            <a:endParaRPr lang="en-US" sz="1500" dirty="0" smtClean="0">
-              <a:latin typeface="Lucida Console" pitchFamily="49" charset="0"/>
-            </a:endParaRPr>
-          </a:p>
-          <a:p>
-            <a:pPr>
-              <a:buNone/>
-            </a:pPr>
-            <a:r>
-              <a:rPr lang="en-US" sz="1500" dirty="0" smtClean="0">
-                <a:latin typeface="Lucida Console" pitchFamily="49" charset="0"/>
-              </a:rPr>
-              <a:t>class User &lt; </a:t>
-            </a:r>
-            <a:r>
-              <a:rPr lang="en-US" sz="1500" dirty="0" err="1" smtClean="0">
-                <a:latin typeface="Lucida Console" pitchFamily="49" charset="0"/>
-              </a:rPr>
-              <a:t>ActiveRecord</a:t>
-            </a:r>
-            <a:r>
-              <a:rPr lang="en-US" sz="1500" dirty="0" smtClean="0">
-                <a:latin typeface="Lucida Console" pitchFamily="49" charset="0"/>
-              </a:rPr>
-              <a:t>::Base</a:t>
-            </a:r>
-            <a:br>
-              <a:rPr lang="en-US" sz="1500" dirty="0" smtClean="0">
-                <a:latin typeface="Lucida Console" pitchFamily="49" charset="0"/>
-              </a:rPr>
-            </a:br>
-            <a:r>
-              <a:rPr lang="en-US" sz="1500" dirty="0" smtClean="0">
-                <a:latin typeface="Lucida Console" pitchFamily="49" charset="0"/>
-              </a:rPr>
-              <a:t>  </a:t>
-            </a:r>
-            <a:r>
-              <a:rPr lang="en-US" sz="1500" dirty="0" err="1" smtClean="0">
-                <a:latin typeface="Lucida Console" pitchFamily="49" charset="0"/>
-              </a:rPr>
-              <a:t>belongs_to</a:t>
-            </a:r>
-            <a:r>
-              <a:rPr lang="en-US" sz="1500" dirty="0" smtClean="0">
-                <a:latin typeface="Lucida Console" pitchFamily="49" charset="0"/>
-              </a:rPr>
-              <a:t> :</a:t>
-            </a:r>
-            <a:r>
-              <a:rPr lang="en-US" sz="1500" dirty="0" err="1" smtClean="0">
-                <a:latin typeface="Lucida Console" pitchFamily="49" charset="0"/>
-              </a:rPr>
-              <a:t>user_status</a:t>
-            </a:r>
-            <a:r>
-              <a:rPr lang="en-US" sz="1500" dirty="0" smtClean="0">
-                <a:latin typeface="Lucida Console" pitchFamily="49" charset="0"/>
-              </a:rPr>
-              <a:t/>
-            </a:r>
-            <a:br>
-              <a:rPr lang="en-US" sz="1500" dirty="0" smtClean="0">
-                <a:latin typeface="Lucida Console" pitchFamily="49" charset="0"/>
-              </a:rPr>
-            </a:br>
-            <a:r>
-              <a:rPr lang="en-US" sz="1500" dirty="0" smtClean="0">
-                <a:latin typeface="Lucida Console" pitchFamily="49" charset="0"/>
-              </a:rPr>
-              <a:t>  </a:t>
-            </a:r>
-            <a:r>
-              <a:rPr lang="en-US" sz="1500" dirty="0" err="1" smtClean="0">
-                <a:latin typeface="Lucida Console" pitchFamily="49" charset="0"/>
-              </a:rPr>
-              <a:t>has_many</a:t>
-            </a:r>
-            <a:r>
-              <a:rPr lang="en-US" sz="1500" dirty="0" smtClean="0">
-                <a:latin typeface="Lucida Console" pitchFamily="49" charset="0"/>
-              </a:rPr>
-              <a:t> :roles, :through =&gt; :</a:t>
-            </a:r>
-            <a:r>
-              <a:rPr lang="en-US" sz="1500" dirty="0" err="1" smtClean="0">
-                <a:latin typeface="Lucida Console" pitchFamily="49" charset="0"/>
-              </a:rPr>
-              <a:t>user_roles</a:t>
-            </a:r>
-            <a:r>
-              <a:rPr lang="en-US" sz="1500" dirty="0" smtClean="0">
-                <a:latin typeface="Lucida Console" pitchFamily="49" charset="0"/>
-              </a:rPr>
-              <a:t/>
-            </a:r>
-            <a:br>
-              <a:rPr lang="en-US" sz="1500" dirty="0" smtClean="0">
-                <a:latin typeface="Lucida Console" pitchFamily="49" charset="0"/>
-              </a:rPr>
-            </a:br>
-            <a:r>
-              <a:rPr lang="en-US" sz="1500" dirty="0" smtClean="0">
-                <a:latin typeface="Lucida Console" pitchFamily="49" charset="0"/>
-              </a:rPr>
-              <a:t>  </a:t>
-            </a:r>
-            <a:r>
-              <a:rPr lang="en-US" sz="1500" dirty="0" err="1" smtClean="0">
-                <a:latin typeface="Lucida Console" pitchFamily="49" charset="0"/>
-              </a:rPr>
-              <a:t>validates_length_of</a:t>
-            </a:r>
-            <a:r>
-              <a:rPr lang="en-US" sz="1500" dirty="0" smtClean="0">
-                <a:latin typeface="Lucida Console" pitchFamily="49" charset="0"/>
-              </a:rPr>
-              <a:t> :name, :maximum =&gt; 100</a:t>
-            </a:r>
-            <a:br>
-              <a:rPr lang="en-US" sz="1500" dirty="0" smtClean="0">
-                <a:latin typeface="Lucida Console" pitchFamily="49" charset="0"/>
-              </a:rPr>
-            </a:br>
-            <a:r>
-              <a:rPr lang="en-US" sz="1500" dirty="0" smtClean="0">
-                <a:latin typeface="Lucida Console" pitchFamily="49" charset="0"/>
-              </a:rPr>
-              <a:t>  </a:t>
-            </a:r>
-            <a:r>
-              <a:rPr lang="en-US" sz="1500" dirty="0" err="1" smtClean="0">
-                <a:latin typeface="Lucida Console" pitchFamily="49" charset="0"/>
-              </a:rPr>
-              <a:t>named_scope</a:t>
-            </a:r>
-            <a:r>
-              <a:rPr lang="en-US" sz="1500" dirty="0" smtClean="0">
-                <a:latin typeface="Lucida Console" pitchFamily="49" charset="0"/>
-              </a:rPr>
-              <a:t> :active, </a:t>
-            </a:r>
-          </a:p>
-          <a:p>
-            <a:pPr>
-              <a:buNone/>
-            </a:pPr>
-            <a:r>
-              <a:rPr lang="en-US" sz="1500" dirty="0" smtClean="0">
-                <a:latin typeface="Lucida Console" pitchFamily="49" charset="0"/>
-              </a:rPr>
-              <a:t>              :conditions =&gt; ["user_status.id = ?", </a:t>
-            </a:r>
-            <a:r>
-              <a:rPr lang="en-US" sz="1500" dirty="0" err="1" smtClean="0">
-                <a:latin typeface="Lucida Console" pitchFamily="49" charset="0"/>
-              </a:rPr>
-              <a:t>UserStatus</a:t>
-            </a:r>
-            <a:r>
-              <a:rPr lang="en-US" sz="1500" dirty="0" smtClean="0">
-                <a:latin typeface="Lucida Console" pitchFamily="49" charset="0"/>
-              </a:rPr>
-              <a:t>::ACTIVE]</a:t>
-            </a:r>
-            <a:br>
-              <a:rPr lang="en-US" sz="1500" dirty="0" smtClean="0">
-                <a:latin typeface="Lucida Console" pitchFamily="49" charset="0"/>
-              </a:rPr>
-            </a:br>
-            <a:r>
-              <a:rPr lang="en-US" sz="1500" dirty="0" smtClean="0">
-                <a:latin typeface="Lucida Console" pitchFamily="49" charset="0"/>
-              </a:rPr>
-              <a:t>end</a:t>
-            </a:r>
-            <a:endParaRPr lang="en-US" sz="1500" dirty="0">
-              <a:latin typeface="Lucida Console" pitchFamily="49" charset="0"/>
-            </a:endParaRPr>
+            <a:pPr algn="ctr">
+              <a:buNone/>
+            </a:pPr>
+            <a:endParaRPr lang="en-US" sz="3600" dirty="0" smtClean="0"/>
+          </a:p>
+          <a:p>
+            <a:pPr algn="ctr">
+              <a:buNone/>
+            </a:pPr>
+            <a:endParaRPr lang="en-US" sz="3600" dirty="0" smtClean="0"/>
+          </a:p>
+          <a:p>
+            <a:pPr algn="ctr">
+              <a:buNone/>
+            </a:pPr>
+            <a:endParaRPr lang="en-US" sz="3600" dirty="0" smtClean="0"/>
+          </a:p>
+          <a:p>
+            <a:pPr algn="ctr">
+              <a:buNone/>
+            </a:pPr>
+            <a:r>
+              <a:rPr lang="en-US" sz="3600" dirty="0" smtClean="0"/>
+              <a:t>You can do more with less code</a:t>
+            </a:r>
           </a:p>
         </p:txBody>
       </p:sp>
@@ -6361,36 +6114,21 @@
             </a:pPr>
             <a:r>
               <a:rPr lang="en-US" sz="1500" dirty="0" smtClean="0">
-                <a:solidFill>
-                  <a:srgbClr val="FF0000"/>
-                </a:solidFill>
                 <a:latin typeface="Lucida Console" pitchFamily="49" charset="0"/>
               </a:rPr>
               <a:t>class User &lt; </a:t>
             </a:r>
             <a:r>
               <a:rPr lang="en-US" sz="1500" dirty="0" err="1" smtClean="0">
-                <a:solidFill>
-                  <a:srgbClr val="FF0000"/>
-                </a:solidFill>
                 <a:latin typeface="Lucida Console" pitchFamily="49" charset="0"/>
               </a:rPr>
               <a:t>ActiveRecord</a:t>
             </a:r>
             <a:r>
               <a:rPr lang="en-US" sz="1500" dirty="0" smtClean="0">
-                <a:solidFill>
-                  <a:srgbClr val="FF0000"/>
-                </a:solidFill>
                 <a:latin typeface="Lucida Console" pitchFamily="49" charset="0"/>
               </a:rPr>
               <a:t>::Base</a:t>
-            </a:r>
-            <a:r>
-              <a:rPr lang="en-US" sz="1500" dirty="0" smtClean="0">
-                <a:latin typeface="Lucida Console" pitchFamily="49" charset="0"/>
-              </a:rPr>
-              <a:t/>
             </a:r>
             <a:br>
               <a:rPr lang="en-US" sz="1500" dirty="0" smtClean="0">
@@ -6817,35 +6555,12 @@
             </a:pPr>
             <a:r>
               <a:rPr lang="en-US" sz="1500" dirty="0" smtClean="0">
-                <a:latin typeface="Lucida Console" pitchFamily="49" charset="0"/>
-              </a:rPr>
-              <a:t>class User &lt; </a:t>
-            </a:r>
-            <a:r>
-              <a:rPr lang="en-US" sz="1500" dirty="0" err="1" smtClean="0">
-                <a:latin typeface="Lucida Console" pitchFamily="49" charset="0"/>
-              </a:rPr>
-              <a:t>ActiveRecord</a:t>
-            </a:r>
-            <a:r>
-              <a:rPr lang="en-US" sz="1500" dirty="0" smtClean="0">
-                <a:latin typeface="Lucida Console" pitchFamily="49" charset="0"/>
-              </a:rPr>
-              <a:t>::Base</a:t>
-            </a:r>
-            <a:br>
-              <a:rPr lang="en-US" sz="1500" dirty="0" smtClean="0">
-                <a:latin typeface="Lucida Console" pitchFamily="49" charset="0"/>
-              </a:rPr>
-            </a:br>
-            <a:r>
-              <a:rPr lang="en-US" sz="1500" dirty="0" smtClean="0">
                 <a:solidFill>
                   <a:srgbClr val="FF0000"/>
                 </a:solidFill>
                 <a:latin typeface="Lucida Console" pitchFamily="49" charset="0"/>
               </a:rPr>
-              <a:t>  </a:t>
+              <a:t>class User &lt; </a:t>
             </a:r>
             <a:r>
               <a:rPr lang="en-US" sz="1500" dirty="0" err="1" smtClean="0">
@@ -6854,7 +6569,7 @@
                 </a:solidFill>
                 <a:latin typeface="Lucida Console" pitchFamily="49" charset="0"/>
               </a:rPr>
-              <a:t>belongs_to</a:t>
+              <a:t>ActiveRecord</a:t>
             </a:r>
             <a:r>
               <a:rPr lang="en-US" sz="1500" dirty="0" smtClean="0">
@@ -6863,13 +6578,39 @@
                 </a:solidFill>
                 <a:latin typeface="Lucida Console" pitchFamily="49" charset="0"/>
               </a:rPr>
+              <a:t>::Base</a:t>
+            </a:r>
+            <a:r>
+              <a:rPr lang="en-US" sz="1500" dirty="0" smtClean="0">
+                <a:latin typeface="Lucida Console" pitchFamily="49" charset="0"/>
+              </a:rPr>
+              <a:t/>
+            </a:r>
+            <a:br>
+              <a:rPr lang="en-US" sz="1500" dirty="0" smtClean="0">
+                <a:latin typeface="Lucida Console" pitchFamily="49" charset="0"/>
+              </a:rPr>
+            </a:br>
+            <a:r>
+              <a:rPr lang="en-US" sz="1500" dirty="0" smtClean="0">
+                <a:latin typeface="Lucida Console" pitchFamily="49" charset="0"/>
+              </a:rPr>
+              <a:t>  </a:t>
+            </a:r>
+            <a:r>
+              <a:rPr lang="en-US" sz="1500" dirty="0" err="1" smtClean="0">
+                <a:latin typeface="Lucida Console" pitchFamily="49" charset="0"/>
+              </a:rPr>
+              <a:t>belongs_to</a:t>
+            </a:r>
+            <a:r>
+              <a:rPr lang="en-US" sz="1500" dirty="0" smtClean="0">
+                <a:latin typeface="Lucida Console" pitchFamily="49" charset="0"/>
+              </a:rPr>
               <a:t> :</a:t>
             </a:r>
             <a:r>
               <a:rPr lang="en-US" sz="1500" dirty="0" err="1" smtClean="0">
-                <a:solidFill>
-                  <a:srgbClr val="FF0000"/>
-                </a:solidFill>
                 <a:latin typeface="Lucida Console" pitchFamily="49" charset="0"/>
               </a:rPr>
               <a:t>user_status</a:t>
@@ -7293,41 +7034,9 @@
             </a:br>
             <a:r>
               <a:rPr lang="en-US" sz="1500" dirty="0" smtClean="0">
-                <a:latin typeface="Lucida Console" pitchFamily="49" charset="0"/>
-              </a:rPr>
-              <a:t>  </a:t>
-            </a:r>
-            <a:r>
-              <a:rPr lang="en-US" sz="1500" dirty="0" err="1" smtClean="0">
-                <a:latin typeface="Lucida Console" pitchFamily="49" charset="0"/>
-              </a:rPr>
-              <a:t>belongs_to</a:t>
-            </a:r>
-            <a:r>
-              <a:rPr lang="en-US" sz="1500" dirty="0" smtClean="0">
-                <a:latin typeface="Lucida Console" pitchFamily="49" charset="0"/>
-              </a:rPr>
-              <a:t> :</a:t>
-            </a:r>
-            <a:r>
-              <a:rPr lang="en-US" sz="1500" dirty="0" err="1" smtClean="0">
-                <a:latin typeface="Lucida Console" pitchFamily="49" charset="0"/>
-              </a:rPr>
-              <a:t>user_status</a:t>
-            </a:r>
-            <a:r>
-              <a:rPr lang="en-US" sz="1500" dirty="0" smtClean="0">
-                <a:latin typeface="Lucida Console" pitchFamily="49" charset="0"/>
-              </a:rPr>
-              <a:t/>
-            </a:r>
-            <a:br>
-              <a:rPr lang="en-US" sz="1500" dirty="0" smtClean="0">
-                <a:latin typeface="Lucida Console" pitchFamily="49" charset="0"/>
-              </a:rPr>
-            </a:br>
-            <a:r>
-              <a:rPr lang="en-US" sz="1500" dirty="0" smtClean="0">
+                <a:solidFill>
+                  <a:srgbClr val="FF0000"/>
+                </a:solidFill>
                 <a:latin typeface="Lucida Console" pitchFamily="49" charset="0"/>
               </a:rPr>
               <a:t>  </a:t>
@@ -7339,7 +7048,7 @@
                 </a:solidFill>
                 <a:latin typeface="Lucida Console" pitchFamily="49" charset="0"/>
               </a:rPr>
-              <a:t>has_many</a:t>
+              <a:t>belongs_to</a:t>
             </a:r>
             <a:r>
               <a:rPr lang="en-US" sz="1500" dirty="0" smtClean="0">
@@ -7348,13 +7057,48 @@
                 </a:solidFill>
                 <a:latin typeface="Lucida Console" pitchFamily="49" charset="0"/>
               </a:rPr>
-              <a:t> :roles, :through =&gt; :</a:t>
+              <a:t> :</a:t>
             </a:r>
             <a:r>
               <a:rPr lang="en-US" sz="1500" dirty="0" err="1" smtClean="0">
                 <a:solidFill>
                   <a:srgbClr val="FF0000"/>
                 </a:solidFill>
+                <a:latin typeface="Lucida Console" pitchFamily="49" charset="0"/>
+              </a:rPr>
+              <a:t>user_status</a:t>
+            </a:r>
+            <a:r>
+              <a:rPr lang="en-US" sz="1500" dirty="0" smtClean="0">
+                <a:latin typeface="Lucida Console" pitchFamily="49" charset="0"/>
+              </a:rPr>
+              <a:t/>
+            </a:r>
+            <a:br>
+              <a:rPr lang="en-US" sz="1500" dirty="0" smtClean="0">
+                <a:latin typeface="Lucida Console" pitchFamily="49" charset="0"/>
+              </a:rPr>
+            </a:br>
+            <a:r>
+              <a:rPr lang="en-US" sz="1500" dirty="0" smtClean="0">
+                <a:latin typeface="Lucida Console" pitchFamily="49" charset="0"/>
+              </a:rPr>
+              <a:t>  </a:t>
+            </a:r>
+            <a:r>
+              <a:rPr lang="en-US" sz="1500" dirty="0" err="1" smtClean="0">
+                <a:latin typeface="Lucida Console" pitchFamily="49" charset="0"/>
+              </a:rPr>
+              <a:t>has_many</a:t>
+            </a:r>
+            <a:r>
+              <a:rPr lang="en-US" sz="1500" dirty="0" smtClean="0">
+                <a:latin typeface="Lucida Console" pitchFamily="49" charset="0"/>
+              </a:rPr>
+              <a:t> :roles, :through =&gt; :</a:t>
+            </a:r>
+            <a:r>
+              <a:rPr lang="en-US" sz="1500" dirty="0" err="1" smtClean="0">
                 <a:latin typeface="Lucida Console" pitchFamily="49" charset="0"/>
               </a:rPr>
               <a:t>user_roles</a:t>
@@ -7784,38 +7528,21 @@
             </a:r>
             <a:r>
               <a:rPr lang="en-US" sz="1500" dirty="0" err="1" smtClean="0">
+                <a:solidFill>
+                  <a:srgbClr val="FF0000"/>
+                </a:solidFill>
                 <a:latin typeface="Lucida Console" pitchFamily="49" charset="0"/>
               </a:rPr>
               <a:t>has_many</a:t>
             </a:r>
             <a:r>
               <a:rPr lang="en-US" sz="1500" dirty="0" smtClean="0">
+                <a:solidFill>
+                  <a:srgbClr val="FF0000"/>
+                </a:solidFill>
                 <a:latin typeface="Lucida Console" pitchFamily="49" charset="0"/>
               </a:rPr>
               <a:t> :roles, :through =&gt; :</a:t>
-            </a:r>
-            <a:r>
-              <a:rPr lang="en-US" sz="1500" dirty="0" err="1" smtClean="0">
-                <a:latin typeface="Lucida Console" pitchFamily="49" charset="0"/>
-              </a:rPr>
-              <a:t>user_roles</a:t>
-            </a:r>
-            <a:r>
-              <a:rPr lang="en-US" sz="1500" dirty="0" smtClean="0">
-                <a:latin typeface="Lucida Console" pitchFamily="49" charset="0"/>
-              </a:rPr>
-              <a:t/>
-            </a:r>
-            <a:br>
-              <a:rPr lang="en-US" sz="1500" dirty="0" smtClean="0">
-                <a:latin typeface="Lucida Console" pitchFamily="49" charset="0"/>
-              </a:rPr>
-            </a:br>
-            <a:r>
-              <a:rPr lang="en-US" sz="1500" dirty="0" smtClean="0">
-                <a:latin typeface="Lucida Console" pitchFamily="49" charset="0"/>
-              </a:rPr>
-              <a:t>  </a:t>
             </a:r>
             <a:r>
               <a:rPr lang="en-US" sz="1500" dirty="0" err="1" smtClean="0">
@@ -7824,22 +7551,36 @@
                 </a:solidFill>
                 <a:latin typeface="Lucida Console" pitchFamily="49" charset="0"/>
               </a:rPr>
+              <a:t>user_roles</a:t>
+            </a:r>
+            <a:r>
+              <a:rPr lang="en-US" sz="1500" dirty="0" smtClean="0">
+                <a:latin typeface="Lucida Console" pitchFamily="49" charset="0"/>
+              </a:rPr>
+              <a:t/>
+            </a:r>
+            <a:br>
+              <a:rPr lang="en-US" sz="1500" dirty="0" smtClean="0">
+                <a:latin typeface="Lucida Console" pitchFamily="49" charset="0"/>
+              </a:rPr>
+            </a:br>
+            <a:r>
+              <a:rPr lang="en-US" sz="1500" dirty="0" smtClean="0">
+                <a:latin typeface="Lucida Console" pitchFamily="49" charset="0"/>
+              </a:rPr>
+              <a:t>  </a:t>
+            </a:r>
+            <a:r>
+              <a:rPr lang="en-US" sz="1500" dirty="0" err="1" smtClean="0">
+                <a:latin typeface="Lucida Console" pitchFamily="49" charset="0"/>
+              </a:rPr>
               <a:t>validates_length_of</a:t>
             </a:r>
             <a:r>
               <a:rPr lang="en-US" sz="1500" dirty="0" smtClean="0">
-                <a:solidFill>
-                  <a:srgbClr val="FF0000"/>
-                </a:solidFill>
                 <a:latin typeface="Lucida Console" pitchFamily="49" charset="0"/>
               </a:rPr>
               <a:t> :name, :maximum =&gt; 100</a:t>
-            </a:r>
-            <a:r>
-              <a:rPr lang="en-US" sz="1500" dirty="0" smtClean="0">
-                <a:latin typeface="Lucida Console" pitchFamily="49" charset="0"/>
-              </a:rPr>
-              <a:t/>
             </a:r>
             <a:br>
               <a:rPr lang="en-US" sz="1500" dirty="0" smtClean="0">
@@ -7994,25 +7735,20 @@
               <a:rPr lang="en-US" dirty="0" smtClean="0"/>
               <a:t>.NET, Ruby on Rails, Agile</a:t>
             </a:r>
+          </a:p>
+          <a:p>
+            <a:pPr>
+              <a:buNone/>
+            </a:pPr>
             <a:endParaRPr lang="en-US" dirty="0" smtClean="0"/>
           </a:p>
           <a:p>
             <a:pPr>
               <a:buNone/>
             </a:pPr>
-            <a:endParaRPr lang="en-US" dirty="0" smtClean="0"/>
-          </a:p>
-          <a:p>
-            <a:pPr>
-              <a:buNone/>
-            </a:pPr>
             <a:r>
               <a:rPr lang="en-US" dirty="0" smtClean="0"/>
-              <a:t>Email</a:t>
-            </a:r>
-            <a:r>
-              <a:rPr lang="en-US" dirty="0" smtClean="0"/>
-              <a:t>: </a:t>
+              <a:t>Email: </a:t>
             </a:r>
             <a:r>
               <a:rPr lang="en-US" b="1" dirty="0" smtClean="0">
@@ -8447,35 +8183,12 @@
             </a:r>
             <a:r>
               <a:rPr lang="en-US" sz="1500" dirty="0" err="1" smtClean="0">
-                <a:latin typeface="Lucida Console" pitchFamily="49" charset="0"/>
-              </a:rPr>
-              <a:t>validates_length_of</a:t>
-            </a:r>
-            <a:r>
-              <a:rPr lang="en-US" sz="1500" dirty="0" smtClean="0">
-                <a:latin typeface="Lucida Console" pitchFamily="49" charset="0"/>
-              </a:rPr>
-              <a:t> :name, :maximum =&gt; 100</a:t>
-            </a:r>
-            <a:br>
-              <a:rPr lang="en-US" sz="1500" dirty="0" smtClean="0">
-                <a:latin typeface="Lucida Console" pitchFamily="49" charset="0"/>
-              </a:rPr>
-            </a:br>
-            <a:r>
-              <a:rPr lang="en-US" sz="1500" dirty="0" smtClean="0">
-                <a:latin typeface="Lucida Console" pitchFamily="49" charset="0"/>
-              </a:rPr>
-              <a:t>  </a:t>
-            </a:r>
-            <a:r>
-              <a:rPr lang="en-US" sz="1500" dirty="0" err="1" smtClean="0">
                 <a:solidFill>
                   <a:srgbClr val="FF0000"/>
                 </a:solidFill>
                 <a:latin typeface="Lucida Console" pitchFamily="49" charset="0"/>
               </a:rPr>
-              <a:t>named_scope</a:t>
+              <a:t>validates_length_of</a:t>
             </a:r>
             <a:r>
               <a:rPr lang="en-US" sz="1500" dirty="0" smtClean="0">
@@ -8484,6 +8197,35 @@
                 </a:solidFill>
                 <a:latin typeface="Lucida Console" pitchFamily="49" charset="0"/>
               </a:rPr>
+              <a:t> :name, :maximum =&gt; 100</a:t>
+            </a:r>
+            <a:r>
+              <a:rPr lang="en-US" sz="1500" dirty="0" smtClean="0">
+                <a:latin typeface="Lucida Console" pitchFamily="49" charset="0"/>
+              </a:rPr>
+              <a:t/>
+            </a:r>
+            <a:br>
+              <a:rPr lang="en-US" sz="1500" dirty="0" smtClean="0">
+                <a:latin typeface="Lucida Console" pitchFamily="49" charset="0"/>
+              </a:rPr>
+            </a:br>
+            <a:r>
+              <a:rPr lang="en-US" sz="1500" dirty="0" smtClean="0">
+                <a:latin typeface="Lucida Console" pitchFamily="49" charset="0"/>
+              </a:rPr>
+              <a:t>  </a:t>
+            </a:r>
+            <a:r>
+              <a:rPr lang="en-US" sz="1500" dirty="0" err="1" smtClean="0">
+                <a:latin typeface="Lucida Console" pitchFamily="49" charset="0"/>
+              </a:rPr>
+              <a:t>named_scope</a:t>
+            </a:r>
+            <a:r>
+              <a:rPr lang="en-US" sz="1500" dirty="0" smtClean="0">
+                <a:latin typeface="Lucida Console" pitchFamily="49" charset="0"/>
+              </a:rPr>
               <a:t> :active, </a:t>
             </a:r>
           </a:p>
@@ -8493,36 +8235,21 @@
             </a:pPr>
             <a:r>
               <a:rPr lang="en-US" sz="1500" dirty="0" smtClean="0">
-                <a:solidFill>
-                  <a:srgbClr val="FF0000"/>
-                </a:solidFill>
                 <a:latin typeface="Lucida Console" pitchFamily="49" charset="0"/>
               </a:rPr>
               <a:t>              :conditions =&gt; ["user_status.id = ?", </a:t>
             </a:r>
             <a:r>
               <a:rPr lang="en-US" sz="1500" dirty="0" err="1" smtClean="0">
-                <a:solidFill>
-                  <a:srgbClr val="FF0000"/>
-                </a:solidFill>
                 <a:latin typeface="Lucida Console" pitchFamily="49" charset="0"/>
               </a:rPr>
               <a:t>UserStatus</a:t>
             </a:r>
             <a:r>
               <a:rPr lang="en-US" sz="1500" dirty="0" smtClean="0">
-                <a:solidFill>
-                  <a:srgbClr val="FF0000"/>
-                </a:solidFill>
                 <a:latin typeface="Lucida Console" pitchFamily="49" charset="0"/>
               </a:rPr>
               <a:t>::ACTIVE]</a:t>
-            </a:r>
-            <a:r>
-              <a:rPr lang="en-US" sz="1500" dirty="0" smtClean="0">
-                <a:latin typeface="Lucida Console" pitchFamily="49" charset="0"/>
-              </a:rPr>
-              <a:t/>
             </a:r>
             <a:br>
               <a:rPr lang="en-US" sz="1500" dirty="0" smtClean="0">
@@ -8538,49 +8265,6 @@
             <a:endParaRPr lang="en-US" sz="1500" dirty="0">
               <a:latin typeface="Lucida Console" pitchFamily="49" charset="0"/>
             </a:endParaRPr>
-          </a:p>
-        </p:txBody>
-      </p:sp>
-      <p:sp>
-        <p:nvSpPr>
-          <p:cNvPr id="4" name="TextBox 3"/>
-          <p:cNvSpPr txBox="1"/>
-          <p:nvPr/>
-        </p:nvSpPr>
-        <p:spPr>
-          <a:xfrm>
-            <a:off x="3886200" y="1600200"/>
-            <a:ext cx="4876800" cy="369332"/>
-          </a:xfrm>
-          <a:prstGeom prst="rect">
-            <a:avLst/>
-          </a:prstGeom>
-          <a:solidFill>
-            <a:schemeClr val="bg1"/>
-          </a:solidFill>
-        </p:spPr>
-        <p:txBody>
-          <a:bodyPr wrap="square" rtlCol="0">
-            <a:spAutoFit/>
-          </a:bodyPr>
-          <a:lstStyle/>
-          <a:p>
-            <a:pPr>
-              <a:buFont typeface="Arial" pitchFamily="34" charset="0"/>
-              <a:buChar char="•"/>
-            </a:pPr>
-            <a:r>
-              <a:rPr lang="en-US" dirty="0" smtClean="0"/>
-              <a:t>  adds </a:t>
-            </a:r>
-            <a:r>
-              <a:rPr lang="en-US" dirty="0" err="1" smtClean="0"/>
-              <a:t>User.active</a:t>
-            </a:r>
-            <a:r>
-              <a:rPr lang="en-US" dirty="0" smtClean="0"/>
-              <a:t> method</a:t>
-            </a:r>
           </a:p>
         </p:txBody>
       </p:sp>
@@ -8633,7 +8317,7 @@
           <a:p>
             <a:r>
               <a:rPr lang="en-US" dirty="0" smtClean="0"/>
-              <a:t>What I’ve Learned</a:t>
+              <a:t>Doing more with less</a:t>
             </a:r>
             <a:endParaRPr lang="en-US" dirty="0"/>
           </a:p>
@@ -8641,7 +8325,7 @@
       </p:sp>
       <p:sp>
         <p:nvSpPr>
-          <p:cNvPr id="4" name="Content Placeholder 3"/>
+          <p:cNvPr id="3" name="Content Placeholder 2"/>
           <p:cNvSpPr>
             <a:spLocks noGrp="1"/>
           </p:cNvSpPr>
@@ -8656,31 +8340,393 @@
           </a:bodyPr>
           <a:lstStyle/>
           <a:p>
-            <a:pPr algn="ctr">
-              <a:buNone/>
-            </a:pPr>
-            <a:endParaRPr lang="en-US" sz="3600" dirty="0" smtClean="0"/>
-          </a:p>
-          <a:p>
-            <a:pPr algn="ctr">
-              <a:buNone/>
-            </a:pPr>
-            <a:endParaRPr lang="en-US" sz="3600" dirty="0" smtClean="0"/>
-          </a:p>
-          <a:p>
-            <a:pPr algn="ctr">
-              <a:buNone/>
-            </a:pPr>
-            <a:endParaRPr lang="en-US" sz="3600" dirty="0" smtClean="0"/>
-          </a:p>
-          <a:p>
-            <a:pPr algn="ctr">
-              <a:buNone/>
-            </a:pPr>
-            <a:r>
-              <a:rPr lang="en-US" sz="3600" dirty="0" smtClean="0"/>
-              <a:t>If it’s hard, you’re probably doing it wrong</a:t>
-            </a:r>
+            <a:pPr>
+              <a:buNone/>
+            </a:pPr>
+            <a:r>
+              <a:rPr lang="en-US" sz="1500" dirty="0" smtClean="0">
+                <a:latin typeface="Lucida Console" pitchFamily="49" charset="0"/>
+              </a:rPr>
+              <a:t>create table Users</a:t>
+            </a:r>
+            <a:br>
+              <a:rPr lang="en-US" sz="1500" dirty="0" smtClean="0">
+                <a:latin typeface="Lucida Console" pitchFamily="49" charset="0"/>
+              </a:rPr>
+            </a:br>
+            <a:r>
+              <a:rPr lang="en-US" sz="1500" dirty="0" smtClean="0">
+                <a:latin typeface="Lucida Console" pitchFamily="49" charset="0"/>
+              </a:rPr>
+              <a:t>(</a:t>
+            </a:r>
+            <a:br>
+              <a:rPr lang="en-US" sz="1500" dirty="0" smtClean="0">
+                <a:latin typeface="Lucida Console" pitchFamily="49" charset="0"/>
+              </a:rPr>
+            </a:br>
+            <a:r>
+              <a:rPr lang="en-US" sz="1500" dirty="0" smtClean="0">
+                <a:latin typeface="Lucida Console" pitchFamily="49" charset="0"/>
+              </a:rPr>
+              <a:t>    id </a:t>
+            </a:r>
+            <a:r>
+              <a:rPr lang="en-US" sz="1500" dirty="0" err="1" smtClean="0">
+                <a:latin typeface="Lucida Console" pitchFamily="49" charset="0"/>
+              </a:rPr>
+              <a:t>int</a:t>
+            </a:r>
+            <a:r>
+              <a:rPr lang="en-US" sz="1500" dirty="0" smtClean="0">
+                <a:latin typeface="Lucida Console" pitchFamily="49" charset="0"/>
+              </a:rPr>
+              <a:t>,</a:t>
+            </a:r>
+            <a:br>
+              <a:rPr lang="en-US" sz="1500" dirty="0" smtClean="0">
+                <a:latin typeface="Lucida Console" pitchFamily="49" charset="0"/>
+              </a:rPr>
+            </a:br>
+            <a:r>
+              <a:rPr lang="en-US" sz="1500" dirty="0" smtClean="0">
+                <a:latin typeface="Lucida Console" pitchFamily="49" charset="0"/>
+              </a:rPr>
+              <a:t>    name </a:t>
+            </a:r>
+            <a:r>
+              <a:rPr lang="en-US" sz="1500" dirty="0" err="1" smtClean="0">
+                <a:latin typeface="Lucida Console" pitchFamily="49" charset="0"/>
+              </a:rPr>
+              <a:t>varchar</a:t>
+            </a:r>
+            <a:r>
+              <a:rPr lang="en-US" sz="1500" dirty="0" smtClean="0">
+                <a:latin typeface="Lucida Console" pitchFamily="49" charset="0"/>
+              </a:rPr>
+              <a:t>(100),</a:t>
+            </a:r>
+            <a:br>
+              <a:rPr lang="en-US" sz="1500" dirty="0" smtClean="0">
+                <a:latin typeface="Lucida Console" pitchFamily="49" charset="0"/>
+              </a:rPr>
+            </a:br>
+            <a:r>
+              <a:rPr lang="en-US" sz="1500" dirty="0" smtClean="0">
+                <a:latin typeface="Lucida Console" pitchFamily="49" charset="0"/>
+              </a:rPr>
+              <a:t>    </a:t>
+            </a:r>
+            <a:r>
+              <a:rPr lang="en-US" sz="1500" dirty="0" err="1" smtClean="0">
+                <a:latin typeface="Lucida Console" pitchFamily="49" charset="0"/>
+              </a:rPr>
+              <a:t>user_status_id</a:t>
+            </a:r>
+            <a:r>
+              <a:rPr lang="en-US" sz="1500" dirty="0" smtClean="0">
+                <a:latin typeface="Lucida Console" pitchFamily="49" charset="0"/>
+              </a:rPr>
+              <a:t> </a:t>
+            </a:r>
+            <a:r>
+              <a:rPr lang="en-US" sz="1500" dirty="0" err="1" smtClean="0">
+                <a:latin typeface="Lucida Console" pitchFamily="49" charset="0"/>
+              </a:rPr>
+              <a:t>int</a:t>
+            </a:r>
+            <a:r>
+              <a:rPr lang="en-US" sz="1500" dirty="0" smtClean="0">
+                <a:latin typeface="Lucida Console" pitchFamily="49" charset="0"/>
+              </a:rPr>
+              <a:t>,</a:t>
+            </a:r>
+            <a:br>
+              <a:rPr lang="en-US" sz="1500" dirty="0" smtClean="0">
+                <a:latin typeface="Lucida Console" pitchFamily="49" charset="0"/>
+              </a:rPr>
+            </a:br>
+            <a:r>
+              <a:rPr lang="en-US" sz="1500" dirty="0" smtClean="0">
+                <a:latin typeface="Lucida Console" pitchFamily="49" charset="0"/>
+              </a:rPr>
+              <a:t>    </a:t>
+            </a:r>
+            <a:r>
+              <a:rPr lang="en-US" sz="1500" dirty="0" err="1" smtClean="0">
+                <a:latin typeface="Lucida Console" pitchFamily="49" charset="0"/>
+              </a:rPr>
+              <a:t>created_at</a:t>
+            </a:r>
+            <a:r>
+              <a:rPr lang="en-US" sz="1500" dirty="0" smtClean="0">
+                <a:latin typeface="Lucida Console" pitchFamily="49" charset="0"/>
+              </a:rPr>
+              <a:t> </a:t>
+            </a:r>
+            <a:r>
+              <a:rPr lang="en-US" sz="1500" dirty="0" err="1" smtClean="0">
+                <a:latin typeface="Lucida Console" pitchFamily="49" charset="0"/>
+              </a:rPr>
+              <a:t>datetime</a:t>
+            </a:r>
+            <a:r>
+              <a:rPr lang="en-US" sz="1500" dirty="0" smtClean="0">
+                <a:latin typeface="Lucida Console" pitchFamily="49" charset="0"/>
+              </a:rPr>
+              <a:t>,</a:t>
+            </a:r>
+            <a:br>
+              <a:rPr lang="en-US" sz="1500" dirty="0" smtClean="0">
+                <a:latin typeface="Lucida Console" pitchFamily="49" charset="0"/>
+              </a:rPr>
+            </a:br>
+            <a:r>
+              <a:rPr lang="en-US" sz="1500" dirty="0" smtClean="0">
+                <a:latin typeface="Lucida Console" pitchFamily="49" charset="0"/>
+              </a:rPr>
+              <a:t>    </a:t>
+            </a:r>
+            <a:r>
+              <a:rPr lang="en-US" sz="1500" dirty="0" err="1" smtClean="0">
+                <a:latin typeface="Lucida Console" pitchFamily="49" charset="0"/>
+              </a:rPr>
+              <a:t>updated_at</a:t>
+            </a:r>
+            <a:r>
+              <a:rPr lang="en-US" sz="1500" dirty="0" smtClean="0">
+                <a:latin typeface="Lucida Console" pitchFamily="49" charset="0"/>
+              </a:rPr>
+              <a:t> </a:t>
+            </a:r>
+            <a:r>
+              <a:rPr lang="en-US" sz="1500" dirty="0" err="1" smtClean="0">
+                <a:latin typeface="Lucida Console" pitchFamily="49" charset="0"/>
+              </a:rPr>
+              <a:t>datetime</a:t>
+            </a:r>
+            <a:r>
+              <a:rPr lang="en-US" sz="1500" dirty="0" smtClean="0">
+                <a:latin typeface="Lucida Console" pitchFamily="49" charset="0"/>
+              </a:rPr>
+              <a:t/>
+            </a:r>
+            <a:br>
+              <a:rPr lang="en-US" sz="1500" dirty="0" smtClean="0">
+                <a:latin typeface="Lucida Console" pitchFamily="49" charset="0"/>
+              </a:rPr>
+            </a:br>
+            <a:r>
+              <a:rPr lang="en-US" sz="1500" dirty="0" smtClean="0">
+                <a:latin typeface="Lucida Console" pitchFamily="49" charset="0"/>
+              </a:rPr>
+              <a:t>)</a:t>
+            </a:r>
+          </a:p>
+          <a:p>
+            <a:pPr>
+              <a:buNone/>
+            </a:pPr>
+            <a:endParaRPr lang="en-US" sz="1500" dirty="0" smtClean="0">
+              <a:latin typeface="Lucida Console" pitchFamily="49" charset="0"/>
+            </a:endParaRPr>
+          </a:p>
+          <a:p>
+            <a:pPr>
+              <a:buNone/>
+            </a:pPr>
+            <a:r>
+              <a:rPr lang="en-US" sz="1500" dirty="0" smtClean="0">
+                <a:latin typeface="Lucida Console" pitchFamily="49" charset="0"/>
+              </a:rPr>
+              <a:t>class User &lt; </a:t>
+            </a:r>
+            <a:r>
+              <a:rPr lang="en-US" sz="1500" dirty="0" err="1" smtClean="0">
+                <a:latin typeface="Lucida Console" pitchFamily="49" charset="0"/>
+              </a:rPr>
+              <a:t>ActiveRecord</a:t>
+            </a:r>
+            <a:r>
+              <a:rPr lang="en-US" sz="1500" dirty="0" smtClean="0">
+                <a:latin typeface="Lucida Console" pitchFamily="49" charset="0"/>
+              </a:rPr>
+              <a:t>::Base</a:t>
+            </a:r>
+            <a:br>
+              <a:rPr lang="en-US" sz="1500" dirty="0" smtClean="0">
+                <a:latin typeface="Lucida Console" pitchFamily="49" charset="0"/>
+              </a:rPr>
+            </a:br>
+            <a:r>
+              <a:rPr lang="en-US" sz="1500" dirty="0" smtClean="0">
+                <a:latin typeface="Lucida Console" pitchFamily="49" charset="0"/>
+              </a:rPr>
+              <a:t>  </a:t>
+            </a:r>
+            <a:r>
+              <a:rPr lang="en-US" sz="1500" dirty="0" err="1" smtClean="0">
+                <a:latin typeface="Lucida Console" pitchFamily="49" charset="0"/>
+              </a:rPr>
+              <a:t>belongs_to</a:t>
+            </a:r>
+            <a:r>
+              <a:rPr lang="en-US" sz="1500" dirty="0" smtClean="0">
+                <a:latin typeface="Lucida Console" pitchFamily="49" charset="0"/>
+              </a:rPr>
+              <a:t> :</a:t>
+            </a:r>
+            <a:r>
+              <a:rPr lang="en-US" sz="1500" dirty="0" err="1" smtClean="0">
+                <a:latin typeface="Lucida Console" pitchFamily="49" charset="0"/>
+              </a:rPr>
+              <a:t>user_status</a:t>
+            </a:r>
+            <a:r>
+              <a:rPr lang="en-US" sz="1500" dirty="0" smtClean="0">
+                <a:latin typeface="Lucida Console" pitchFamily="49" charset="0"/>
+              </a:rPr>
+              <a:t/>
+            </a:r>
+            <a:br>
+              <a:rPr lang="en-US" sz="1500" dirty="0" smtClean="0">
+                <a:latin typeface="Lucida Console" pitchFamily="49" charset="0"/>
+              </a:rPr>
+            </a:br>
+            <a:r>
+              <a:rPr lang="en-US" sz="1500" dirty="0" smtClean="0">
+                <a:latin typeface="Lucida Console" pitchFamily="49" charset="0"/>
+              </a:rPr>
+              <a:t>  </a:t>
+            </a:r>
+            <a:r>
+              <a:rPr lang="en-US" sz="1500" dirty="0" err="1" smtClean="0">
+                <a:latin typeface="Lucida Console" pitchFamily="49" charset="0"/>
+              </a:rPr>
+              <a:t>has_many</a:t>
+            </a:r>
+            <a:r>
+              <a:rPr lang="en-US" sz="1500" dirty="0" smtClean="0">
+                <a:latin typeface="Lucida Console" pitchFamily="49" charset="0"/>
+              </a:rPr>
+              <a:t> :roles, :through =&gt; :</a:t>
+            </a:r>
+            <a:r>
+              <a:rPr lang="en-US" sz="1500" dirty="0" err="1" smtClean="0">
+                <a:latin typeface="Lucida Console" pitchFamily="49" charset="0"/>
+              </a:rPr>
+              <a:t>user_roles</a:t>
+            </a:r>
+            <a:r>
+              <a:rPr lang="en-US" sz="1500" dirty="0" smtClean="0">
+                <a:latin typeface="Lucida Console" pitchFamily="49" charset="0"/>
+              </a:rPr>
+              <a:t/>
+            </a:r>
+            <a:br>
+              <a:rPr lang="en-US" sz="1500" dirty="0" smtClean="0">
+                <a:latin typeface="Lucida Console" pitchFamily="49" charset="0"/>
+              </a:rPr>
+            </a:br>
+            <a:r>
+              <a:rPr lang="en-US" sz="1500" dirty="0" smtClean="0">
+                <a:latin typeface="Lucida Console" pitchFamily="49" charset="0"/>
+              </a:rPr>
+              <a:t>  </a:t>
+            </a:r>
+            <a:r>
+              <a:rPr lang="en-US" sz="1500" dirty="0" err="1" smtClean="0">
+                <a:latin typeface="Lucida Console" pitchFamily="49" charset="0"/>
+              </a:rPr>
+              <a:t>validates_length_of</a:t>
+            </a:r>
+            <a:r>
+              <a:rPr lang="en-US" sz="1500" dirty="0" smtClean="0">
+                <a:latin typeface="Lucida Console" pitchFamily="49" charset="0"/>
+              </a:rPr>
+              <a:t> :name, :maximum =&gt; 100</a:t>
+            </a:r>
+            <a:br>
+              <a:rPr lang="en-US" sz="1500" dirty="0" smtClean="0">
+                <a:latin typeface="Lucida Console" pitchFamily="49" charset="0"/>
+              </a:rPr>
+            </a:br>
+            <a:r>
+              <a:rPr lang="en-US" sz="1500" dirty="0" smtClean="0">
+                <a:latin typeface="Lucida Console" pitchFamily="49" charset="0"/>
+              </a:rPr>
+              <a:t>  </a:t>
+            </a:r>
+            <a:r>
+              <a:rPr lang="en-US" sz="1500" dirty="0" err="1" smtClean="0">
+                <a:solidFill>
+                  <a:srgbClr val="FF0000"/>
+                </a:solidFill>
+                <a:latin typeface="Lucida Console" pitchFamily="49" charset="0"/>
+              </a:rPr>
+              <a:t>named_scope</a:t>
+            </a:r>
+            <a:r>
+              <a:rPr lang="en-US" sz="1500" dirty="0" smtClean="0">
+                <a:solidFill>
+                  <a:srgbClr val="FF0000"/>
+                </a:solidFill>
+                <a:latin typeface="Lucida Console" pitchFamily="49" charset="0"/>
+              </a:rPr>
+              <a:t> :active, </a:t>
+            </a:r>
+          </a:p>
+          <a:p>
+            <a:pPr>
+              <a:buNone/>
+            </a:pPr>
+            <a:r>
+              <a:rPr lang="en-US" sz="1500" dirty="0" smtClean="0">
+                <a:solidFill>
+                  <a:srgbClr val="FF0000"/>
+                </a:solidFill>
+                <a:latin typeface="Lucida Console" pitchFamily="49" charset="0"/>
+              </a:rPr>
+              <a:t>              :conditions =&gt; ["user_status.id = ?", </a:t>
+            </a:r>
+            <a:r>
+              <a:rPr lang="en-US" sz="1500" dirty="0" err="1" smtClean="0">
+                <a:solidFill>
+                  <a:srgbClr val="FF0000"/>
+                </a:solidFill>
+                <a:latin typeface="Lucida Console" pitchFamily="49" charset="0"/>
+              </a:rPr>
+              <a:t>UserStatus</a:t>
+            </a:r>
+            <a:r>
+              <a:rPr lang="en-US" sz="1500" dirty="0" smtClean="0">
+                <a:solidFill>
+                  <a:srgbClr val="FF0000"/>
+                </a:solidFill>
+                <a:latin typeface="Lucida Console" pitchFamily="49" charset="0"/>
+              </a:rPr>
+              <a:t>::ACTIVE]</a:t>
+            </a:r>
+            <a:r>
+              <a:rPr lang="en-US" sz="1500" dirty="0" smtClean="0">
+                <a:latin typeface="Lucida Console" pitchFamily="49" charset="0"/>
+              </a:rPr>
+              <a:t/>
+            </a:r>
+            <a:br>
+              <a:rPr lang="en-US" sz="1500" dirty="0" smtClean="0">
+                <a:latin typeface="Lucida Console" pitchFamily="49" charset="0"/>
+              </a:rPr>
+            </a:br>
+            <a:r>
+              <a:rPr lang="en-US" sz="1500" dirty="0" smtClean="0">
+                <a:latin typeface="Lucida Console" pitchFamily="49" charset="0"/>
+              </a:rPr>
+              <a:t>end</a:t>
+            </a:r>
+            <a:endParaRPr lang="en-US" sz="1500" dirty="0">
+              <a:latin typeface="Lucida Console" pitchFamily="49" charset="0"/>
+            </a:endParaRPr>
           </a:p>
         </p:txBody>
       </p:sp>
@@ -8779,7 +8825,7 @@
             </a:pPr>
             <a:r>
               <a:rPr lang="en-US" sz="3600" dirty="0" smtClean="0"/>
-              <a:t>Innovation is everywhere</a:t>
+              <a:t>If it’s hard, you’re probably doing it wrong</a:t>
             </a:r>
           </a:p>
         </p:txBody>
@@ -8871,9 +8917,15 @@
             <a:pPr algn="ctr">
               <a:buNone/>
             </a:pPr>
+            <a:endParaRPr lang="en-US" sz="3600" dirty="0" smtClean="0"/>
+          </a:p>
+          <a:p>
+            <a:pPr algn="ctr">
+              <a:buNone/>
+            </a:pPr>
             <a:r>
               <a:rPr lang="en-US" sz="3600" dirty="0" smtClean="0"/>
-              <a:t>Patterns and “best practices” are different between static and dynamic languages</a:t>
+              <a:t>Innovation is everywhere</a:t>
             </a:r>
           </a:p>
         </p:txBody>
@@ -8922,14 +8974,12 @@
         </p:nvSpPr>
         <p:spPr/>
         <p:txBody>
-          <a:bodyPr>
-            <a:normAutofit fontScale="90000"/>
-          </a:bodyPr>
+          <a:bodyPr/>
           <a:lstStyle/>
           <a:p>
             <a:r>
               <a:rPr lang="en-US" dirty="0" smtClean="0"/>
-              <a:t>The Active Record Pattern - .NET</a:t>
+              <a:t>What I’ve Learned</a:t>
             </a:r>
             <a:endParaRPr lang="en-US" dirty="0"/>
           </a:p>
@@ -8937,7 +8987,7 @@
       </p:sp>
       <p:sp>
         <p:nvSpPr>
-          <p:cNvPr id="3" name="Content Placeholder 2"/>
+          <p:cNvPr id="4" name="Content Placeholder 3"/>
           <p:cNvSpPr>
             <a:spLocks noGrp="1"/>
           </p:cNvSpPr>
@@ -8952,128 +9002,25 @@
           </a:bodyPr>
           <a:lstStyle/>
           <a:p>
-            <a:pPr>
-              <a:buNone/>
-            </a:pPr>
-            <a:r>
-              <a:rPr lang="en-US" sz="1800" dirty="0" smtClean="0">
-                <a:latin typeface="Lucida Console" pitchFamily="49" charset="0"/>
-              </a:rPr>
-              <a:t>public class Employee</a:t>
-            </a:r>
-          </a:p>
-          <a:p>
-            <a:pPr>
-              <a:buNone/>
-            </a:pPr>
-            <a:r>
-              <a:rPr lang="en-US" sz="1800" dirty="0" smtClean="0">
-                <a:latin typeface="Lucida Console" pitchFamily="49" charset="0"/>
-              </a:rPr>
-              <a:t>{</a:t>
-            </a:r>
-          </a:p>
-          <a:p>
-            <a:pPr>
-              <a:buNone/>
-            </a:pPr>
-            <a:r>
-              <a:rPr lang="en-US" sz="1800" dirty="0" smtClean="0">
-                <a:latin typeface="Lucida Console" pitchFamily="49" charset="0"/>
-              </a:rPr>
-              <a:t>	public static Employee Load(</a:t>
-            </a:r>
-            <a:r>
-              <a:rPr lang="en-US" sz="1800" dirty="0" err="1" smtClean="0">
-                <a:latin typeface="Lucida Console" pitchFamily="49" charset="0"/>
-              </a:rPr>
-              <a:t>int</a:t>
-            </a:r>
-            <a:r>
-              <a:rPr lang="en-US" sz="1800" dirty="0" smtClean="0">
-                <a:latin typeface="Lucida Console" pitchFamily="49" charset="0"/>
-              </a:rPr>
-              <a:t> id) { ... }</a:t>
-            </a:r>
-          </a:p>
-          <a:p>
-            <a:pPr>
-              <a:buNone/>
-            </a:pPr>
-            <a:r>
-              <a:rPr lang="en-US" sz="1800" dirty="0" smtClean="0">
-                <a:latin typeface="Lucida Console" pitchFamily="49" charset="0"/>
-              </a:rPr>
-              <a:t>	public </a:t>
-            </a:r>
-            <a:r>
-              <a:rPr lang="en-US" sz="1800" dirty="0" err="1" smtClean="0">
-                <a:latin typeface="Lucida Console" pitchFamily="49" charset="0"/>
-              </a:rPr>
-              <a:t>bool</a:t>
-            </a:r>
-            <a:r>
-              <a:rPr lang="en-US" sz="1800" dirty="0" smtClean="0">
-                <a:latin typeface="Lucida Console" pitchFamily="49" charset="0"/>
-              </a:rPr>
-              <a:t> Save() { ... }</a:t>
-            </a:r>
-          </a:p>
-          <a:p>
-            <a:pPr>
-              <a:buNone/>
-            </a:pPr>
-            <a:r>
-              <a:rPr lang="en-US" sz="1800" dirty="0" smtClean="0">
-                <a:latin typeface="Lucida Console" pitchFamily="49" charset="0"/>
-              </a:rPr>
-              <a:t>	public </a:t>
-            </a:r>
-            <a:r>
-              <a:rPr lang="en-US" sz="1800" dirty="0" err="1" smtClean="0">
-                <a:latin typeface="Lucida Console" pitchFamily="49" charset="0"/>
-              </a:rPr>
-              <a:t>bool</a:t>
-            </a:r>
-            <a:r>
-              <a:rPr lang="en-US" sz="1800" dirty="0" smtClean="0">
-                <a:latin typeface="Lucida Console" pitchFamily="49" charset="0"/>
-              </a:rPr>
-              <a:t> Delete() { ... }</a:t>
-            </a:r>
-          </a:p>
-          <a:p>
-            <a:pPr>
-              <a:buNone/>
-            </a:pPr>
-            <a:r>
-              <a:rPr lang="en-US" sz="1800" dirty="0" smtClean="0">
-                <a:latin typeface="Lucida Console" pitchFamily="49" charset="0"/>
-              </a:rPr>
-              <a:t>}</a:t>
-            </a:r>
-          </a:p>
-          <a:p>
-            <a:pPr>
-              <a:buNone/>
-            </a:pPr>
-            <a:r>
-              <a:rPr lang="en-US" dirty="0" smtClean="0"/>
-              <a:t>	</a:t>
-            </a:r>
-          </a:p>
-          <a:p>
-            <a:r>
-              <a:rPr lang="en-US" dirty="0" smtClean="0"/>
-              <a:t>How do I stub out the Load method in a test?</a:t>
-            </a:r>
-          </a:p>
-          <a:p>
-            <a:r>
-              <a:rPr lang="en-US" dirty="0" smtClean="0"/>
-              <a:t>How can I implement cross-cutting concerns (e.g. caching when saving) without duplicating code?</a:t>
-            </a:r>
-            <a:endParaRPr lang="en-US" dirty="0"/>
+            <a:pPr algn="ctr">
+              <a:buNone/>
+            </a:pPr>
+            <a:endParaRPr lang="en-US" sz="3600" dirty="0" smtClean="0"/>
+          </a:p>
+          <a:p>
+            <a:pPr algn="ctr">
+              <a:buNone/>
+            </a:pPr>
+            <a:endParaRPr lang="en-US" sz="3600" dirty="0" smtClean="0"/>
+          </a:p>
+          <a:p>
+            <a:pPr algn="ctr">
+              <a:buNone/>
+            </a:pPr>
+            <a:r>
+              <a:rPr lang="en-US" sz="3600" dirty="0" smtClean="0"/>
+              <a:t>Patterns and “best practices” are different between static and dynamic languages</a:t>
+            </a:r>
           </a:p>
         </p:txBody>
       </p:sp>
@@ -9128,7 +9075,7 @@
           <a:p>
             <a:r>
               <a:rPr lang="en-US" dirty="0" smtClean="0"/>
-              <a:t>The Active Record Pattern - Ruby</a:t>
+              <a:t>The Active Record Pattern - .NET</a:t>
             </a:r>
             <a:endParaRPr lang="en-US" dirty="0"/>
           </a:p>
@@ -9151,14 +9098,128 @@
           </a:bodyPr>
           <a:lstStyle/>
           <a:p>
+            <a:pPr>
+              <a:buNone/>
+            </a:pPr>
+            <a:r>
+              <a:rPr lang="en-US" sz="1800" dirty="0" smtClean="0">
+                <a:latin typeface="Lucida Console" pitchFamily="49" charset="0"/>
+              </a:rPr>
+              <a:t>public class Employee</a:t>
+            </a:r>
+          </a:p>
+          <a:p>
+            <a:pPr>
+              <a:buNone/>
+            </a:pPr>
+            <a:r>
+              <a:rPr lang="en-US" sz="1800" dirty="0" smtClean="0">
+                <a:latin typeface="Lucida Console" pitchFamily="49" charset="0"/>
+              </a:rPr>
+              <a:t>{</a:t>
+            </a:r>
+          </a:p>
+          <a:p>
+            <a:pPr>
+              <a:buNone/>
+            </a:pPr>
+            <a:r>
+              <a:rPr lang="en-US" sz="1800" dirty="0" smtClean="0">
+                <a:latin typeface="Lucida Console" pitchFamily="49" charset="0"/>
+              </a:rPr>
+              <a:t>	public static Employee Load(</a:t>
+            </a:r>
+            <a:r>
+              <a:rPr lang="en-US" sz="1800" dirty="0" err="1" smtClean="0">
+                <a:latin typeface="Lucida Console" pitchFamily="49" charset="0"/>
+              </a:rPr>
+              <a:t>int</a:t>
+            </a:r>
+            <a:r>
+              <a:rPr lang="en-US" sz="1800" dirty="0" smtClean="0">
+                <a:latin typeface="Lucida Console" pitchFamily="49" charset="0"/>
+              </a:rPr>
+              <a:t> id) { ... }</a:t>
+            </a:r>
+          </a:p>
+          <a:p>
+            <a:pPr>
+              <a:buNone/>
+            </a:pPr>
+            <a:r>
+              <a:rPr lang="en-US" sz="1800" dirty="0" smtClean="0">
+                <a:latin typeface="Lucida Console" pitchFamily="49" charset="0"/>
+              </a:rPr>
+              <a:t>	public </a:t>
+            </a:r>
+            <a:r>
+              <a:rPr lang="en-US" sz="1800" dirty="0" err="1" smtClean="0">
+                <a:latin typeface="Lucida Console" pitchFamily="49" charset="0"/>
+              </a:rPr>
+              <a:t>bool</a:t>
+            </a:r>
+            <a:r>
+              <a:rPr lang="en-US" sz="1800" dirty="0" smtClean="0">
+                <a:latin typeface="Lucida Console" pitchFamily="49" charset="0"/>
+              </a:rPr>
+              <a:t> Save() { ... }</a:t>
+            </a:r>
+          </a:p>
+          <a:p>
+            <a:pPr>
+              <a:buNone/>
+            </a:pPr>
+            <a:r>
+              <a:rPr lang="en-US" sz="1800" dirty="0" smtClean="0">
+                <a:latin typeface="Lucida Console" pitchFamily="49" charset="0"/>
+              </a:rPr>
+              <a:t>	public </a:t>
+            </a:r>
+            <a:r>
+              <a:rPr lang="en-US" sz="1800" dirty="0" err="1" smtClean="0">
+                <a:latin typeface="Lucida Console" pitchFamily="49" charset="0"/>
+              </a:rPr>
+              <a:t>bool</a:t>
+            </a:r>
+            <a:r>
+              <a:rPr lang="en-US" sz="1800" dirty="0" smtClean="0">
+                <a:latin typeface="Lucida Console" pitchFamily="49" charset="0"/>
+              </a:rPr>
+              <a:t> Delete() { ... }</a:t>
+            </a:r>
+          </a:p>
+          <a:p>
+            <a:pPr>
+              <a:buNone/>
+            </a:pPr>
+            <a:r>
+              <a:rPr lang="en-US" sz="1800" dirty="0" smtClean="0">
+                <a:latin typeface="Lucida Console" pitchFamily="49" charset="0"/>
+              </a:rPr>
+              <a:t>}</a:t>
+            </a:r>
+          </a:p>
+          <a:p>
+            <a:pPr>
+              <a:buNone/>
+            </a:pPr>
             <a:r>
               <a:rPr lang="en-US" dirty="0" smtClean="0"/>
-              <a:t>In </a:t>
-            </a:r>
+              <a:t>	</a:t>
+            </a:r>
+          </a:p>
+          <a:p>
             <a:r>
               <a:rPr lang="en-US" dirty="0" smtClean="0"/>
-              <a:t>Ruby, I can stub out class methods (i.e. static methods)</a:t>
-            </a:r>
+              <a:t>How do I stub out the Load method in a test?</a:t>
+            </a:r>
+          </a:p>
+          <a:p>
+            <a:r>
+              <a:rPr lang="en-US" dirty="0" smtClean="0"/>
+              <a:t>How can I implement cross-cutting concerns (e.g. caching when saving) without duplicating code?</a:t>
+            </a:r>
+            <a:endParaRPr lang="en-US" dirty="0"/>
           </a:p>
         </p:txBody>
       </p:sp>
@@ -9236,159 +9297,9 @@
           </a:bodyPr>
           <a:lstStyle/>
           <a:p>
-            <a:pPr>
-              <a:buNone/>
-            </a:pPr>
-            <a:r>
-              <a:rPr lang="en-US" sz="1900" dirty="0" smtClean="0">
-                <a:latin typeface="Lucida Console" pitchFamily="49" charset="0"/>
-              </a:rPr>
-              <a:t>class Employee &lt; </a:t>
-            </a:r>
-            <a:r>
-              <a:rPr lang="en-US" sz="1900" dirty="0" err="1" smtClean="0">
-                <a:latin typeface="Lucida Console" pitchFamily="49" charset="0"/>
-              </a:rPr>
-              <a:t>ActiveRecord</a:t>
-            </a:r>
-            <a:r>
-              <a:rPr lang="en-US" sz="1900" dirty="0" smtClean="0">
-                <a:latin typeface="Lucida Console" pitchFamily="49" charset="0"/>
-              </a:rPr>
-              <a:t>::Base</a:t>
-            </a:r>
-          </a:p>
-          <a:p>
-            <a:pPr>
-              <a:buNone/>
-            </a:pPr>
-            <a:r>
-              <a:rPr lang="en-US" sz="1900" dirty="0" smtClean="0">
-                <a:latin typeface="Lucida Console" pitchFamily="49" charset="0"/>
-              </a:rPr>
-              <a:t>  </a:t>
-            </a:r>
-            <a:r>
-              <a:rPr lang="en-US" sz="1900" b="1" dirty="0" smtClean="0">
-                <a:solidFill>
-                  <a:srgbClr val="FF0000"/>
-                </a:solidFill>
-                <a:latin typeface="Lucida Console" pitchFamily="49" charset="0"/>
-              </a:rPr>
-              <a:t>include Cacheable</a:t>
-            </a:r>
-          </a:p>
-          <a:p>
-            <a:pPr>
-              <a:buNone/>
-            </a:pPr>
-            <a:r>
-              <a:rPr lang="en-US" sz="1900" dirty="0" smtClean="0">
-                <a:latin typeface="Lucida Console" pitchFamily="49" charset="0"/>
-              </a:rPr>
-              <a:t>end</a:t>
-            </a:r>
-          </a:p>
-          <a:p>
-            <a:pPr>
-              <a:buNone/>
-            </a:pPr>
-            <a:endParaRPr lang="en-US" sz="1900" dirty="0" smtClean="0">
-              <a:latin typeface="Lucida Console" pitchFamily="49" charset="0"/>
-            </a:endParaRPr>
-          </a:p>
-          <a:p>
-            <a:pPr>
-              <a:buNone/>
-            </a:pPr>
-            <a:r>
-              <a:rPr lang="en-US" sz="1900" dirty="0" smtClean="0">
-                <a:latin typeface="Lucida Console" pitchFamily="49" charset="0"/>
-              </a:rPr>
-              <a:t>module Cacheable</a:t>
-            </a:r>
-          </a:p>
-          <a:p>
-            <a:pPr>
-              <a:buNone/>
-            </a:pPr>
-            <a:r>
-              <a:rPr lang="en-US" sz="1900" dirty="0" smtClean="0">
-                <a:latin typeface="Lucida Console" pitchFamily="49" charset="0"/>
-              </a:rPr>
-              <a:t>  def save</a:t>
-            </a:r>
-          </a:p>
-          <a:p>
-            <a:pPr>
-              <a:buNone/>
-            </a:pPr>
-            <a:r>
-              <a:rPr lang="en-US" sz="1900" dirty="0" smtClean="0">
-                <a:latin typeface="Lucida Console" pitchFamily="49" charset="0"/>
-              </a:rPr>
-              <a:t>    </a:t>
-            </a:r>
-            <a:r>
-              <a:rPr lang="en-US" sz="1900" dirty="0" err="1" smtClean="0">
-                <a:latin typeface="Lucida Console" pitchFamily="49" charset="0"/>
-              </a:rPr>
-              <a:t>Cache.save</a:t>
-            </a:r>
-            <a:r>
-              <a:rPr lang="en-US" sz="1900" dirty="0" smtClean="0">
-                <a:latin typeface="Lucida Console" pitchFamily="49" charset="0"/>
-              </a:rPr>
-              <a:t>(self)</a:t>
-            </a:r>
-          </a:p>
-          <a:p>
-            <a:pPr>
-              <a:buNone/>
-            </a:pPr>
-            <a:r>
-              <a:rPr lang="en-US" sz="1900" dirty="0" smtClean="0">
-                <a:latin typeface="Lucida Console" pitchFamily="49" charset="0"/>
-              </a:rPr>
-              <a:t>    super</a:t>
-            </a:r>
-          </a:p>
-          <a:p>
-            <a:pPr>
-              <a:buNone/>
-            </a:pPr>
-            <a:r>
-              <a:rPr lang="en-US" sz="1900" dirty="0" smtClean="0">
-                <a:latin typeface="Lucida Console" pitchFamily="49" charset="0"/>
-              </a:rPr>
-              <a:t>  end</a:t>
-            </a:r>
-          </a:p>
-          <a:p>
-            <a:pPr>
-              <a:buNone/>
-            </a:pPr>
-            <a:r>
-              <a:rPr lang="en-US" sz="1900" dirty="0" smtClean="0">
-                <a:latin typeface="Lucida Console" pitchFamily="49" charset="0"/>
-              </a:rPr>
-              <a:t>end </a:t>
-            </a:r>
             <a:r>
               <a:rPr lang="en-US" dirty="0" smtClean="0"/>
-              <a:t>	</a:t>
-            </a:r>
-          </a:p>
-          <a:p>
-            <a:pPr>
-              <a:buNone/>
-            </a:pPr>
-            <a:endParaRPr lang="en-US" dirty="0" smtClean="0"/>
-          </a:p>
-          <a:p>
-            <a:r>
-              <a:rPr lang="en-US" dirty="0" smtClean="0"/>
-              <a:t>In Ruby, I can mix in modules that will modify the class </a:t>
+              <a:t>In Ruby, I can stub out class methods (i.e. static methods)</a:t>
             </a:r>
           </a:p>
         </p:txBody>
@@ -9435,25 +9346,192 @@
             <p:ph type="title"/>
           </p:nvPr>
         </p:nvSpPr>
-        <p:spPr>
-          <a:xfrm>
-            <a:off x="457200" y="2590800"/>
-            <a:ext cx="8229600" cy="1143000"/>
-          </a:xfrm>
-        </p:spPr>
-        <p:txBody>
-          <a:bodyPr/>
-          <a:lstStyle/>
-          <a:p>
-            <a:r>
-              <a:rPr lang="en-US" sz="6000" dirty="0" smtClean="0"/>
-              <a:t>Code</a:t>
-            </a:r>
+        <p:spPr/>
+        <p:txBody>
+          <a:bodyPr>
+            <a:normAutofit fontScale="90000"/>
+          </a:bodyPr>
+          <a:lstStyle/>
+          <a:p>
             <a:r>
               <a:rPr lang="en-US" dirty="0" smtClean="0"/>
-              <a:t>!</a:t>
+              <a:t>The Active Record Pattern - Ruby</a:t>
             </a:r>
             <a:endParaRPr lang="en-US" dirty="0"/>
+          </a:p>
+        </p:txBody>
+      </p:sp>
+      <p:sp>
+        <p:nvSpPr>
+          <p:cNvPr id="3" name="Content Placeholder 2"/>
+          <p:cNvSpPr>
+            <a:spLocks noGrp="1"/>
+          </p:cNvSpPr>
+          <p:nvPr>
+            <p:ph idx="1"/>
+          </p:nvPr>
+        </p:nvSpPr>
+        <p:spPr/>
+        <p:txBody>
+          <a:bodyPr>
+            <a:normAutofit/>
+          </a:bodyPr>
+          <a:lstStyle/>
+          <a:p>
+            <a:pPr>
+              <a:buNone/>
+            </a:pPr>
+            <a:r>
+              <a:rPr lang="en-US" sz="1900" dirty="0" smtClean="0">
+                <a:latin typeface="Lucida Console" pitchFamily="49" charset="0"/>
+              </a:rPr>
+              <a:t>class Employee &lt; </a:t>
+            </a:r>
+            <a:r>
+              <a:rPr lang="en-US" sz="1900" dirty="0" err="1" smtClean="0">
+                <a:latin typeface="Lucida Console" pitchFamily="49" charset="0"/>
+              </a:rPr>
+              <a:t>ActiveRecord</a:t>
+            </a:r>
+            <a:r>
+              <a:rPr lang="en-US" sz="1900" dirty="0" smtClean="0">
+                <a:latin typeface="Lucida Console" pitchFamily="49" charset="0"/>
+              </a:rPr>
+              <a:t>::Base</a:t>
+            </a:r>
+          </a:p>
+          <a:p>
+            <a:pPr>
+              <a:buNone/>
+            </a:pPr>
+            <a:r>
+              <a:rPr lang="en-US" sz="1900" dirty="0" smtClean="0">
+                <a:latin typeface="Lucida Console" pitchFamily="49" charset="0"/>
+              </a:rPr>
+              <a:t>  </a:t>
+            </a:r>
+            <a:r>
+              <a:rPr lang="en-US" sz="1900" b="1" dirty="0" smtClean="0">
+                <a:solidFill>
+                  <a:srgbClr val="FF0000"/>
+                </a:solidFill>
+                <a:latin typeface="Lucida Console" pitchFamily="49" charset="0"/>
+              </a:rPr>
+              <a:t>include Cacheable</a:t>
+            </a:r>
+          </a:p>
+          <a:p>
+            <a:pPr>
+              <a:buNone/>
+            </a:pPr>
+            <a:r>
+              <a:rPr lang="en-US" sz="1900" dirty="0" smtClean="0">
+                <a:latin typeface="Lucida Console" pitchFamily="49" charset="0"/>
+              </a:rPr>
+              <a:t>end</a:t>
+            </a:r>
+          </a:p>
+          <a:p>
+            <a:pPr>
+              <a:buNone/>
+            </a:pPr>
+            <a:endParaRPr lang="en-US" sz="1900" dirty="0" smtClean="0">
+              <a:latin typeface="Lucida Console" pitchFamily="49" charset="0"/>
+            </a:endParaRPr>
+          </a:p>
+          <a:p>
+            <a:pPr>
+              <a:buNone/>
+            </a:pPr>
+            <a:r>
+              <a:rPr lang="en-US" sz="1900" dirty="0" smtClean="0">
+                <a:latin typeface="Lucida Console" pitchFamily="49" charset="0"/>
+              </a:rPr>
+              <a:t>module Cacheable</a:t>
+            </a:r>
+          </a:p>
+          <a:p>
+            <a:pPr>
+              <a:buNone/>
+            </a:pPr>
+            <a:r>
+              <a:rPr lang="en-US" sz="1900" dirty="0" smtClean="0">
+                <a:latin typeface="Lucida Console" pitchFamily="49" charset="0"/>
+              </a:rPr>
+              <a:t>  def save</a:t>
+            </a:r>
+          </a:p>
+          <a:p>
+            <a:pPr>
+              <a:buNone/>
+            </a:pPr>
+            <a:r>
+              <a:rPr lang="en-US" sz="1900" dirty="0" smtClean="0">
+                <a:latin typeface="Lucida Console" pitchFamily="49" charset="0"/>
+              </a:rPr>
+              <a:t>    </a:t>
+            </a:r>
+            <a:r>
+              <a:rPr lang="en-US" sz="1900" dirty="0" err="1" smtClean="0">
+                <a:latin typeface="Lucida Console" pitchFamily="49" charset="0"/>
+              </a:rPr>
+              <a:t>Cache.save</a:t>
+            </a:r>
+            <a:r>
+              <a:rPr lang="en-US" sz="1900" dirty="0" smtClean="0">
+                <a:latin typeface="Lucida Console" pitchFamily="49" charset="0"/>
+              </a:rPr>
+              <a:t>(self)</a:t>
+            </a:r>
+          </a:p>
+          <a:p>
+            <a:pPr>
+              <a:buNone/>
+            </a:pPr>
+            <a:r>
+              <a:rPr lang="en-US" sz="1900" dirty="0" smtClean="0">
+                <a:latin typeface="Lucida Console" pitchFamily="49" charset="0"/>
+              </a:rPr>
+              <a:t>    super</a:t>
+            </a:r>
+          </a:p>
+          <a:p>
+            <a:pPr>
+              <a:buNone/>
+            </a:pPr>
+            <a:r>
+              <a:rPr lang="en-US" sz="1900" dirty="0" smtClean="0">
+                <a:latin typeface="Lucida Console" pitchFamily="49" charset="0"/>
+              </a:rPr>
+              <a:t>  end</a:t>
+            </a:r>
+          </a:p>
+          <a:p>
+            <a:pPr>
+              <a:buNone/>
+            </a:pPr>
+            <a:r>
+              <a:rPr lang="en-US" sz="1900" dirty="0" smtClean="0">
+                <a:latin typeface="Lucida Console" pitchFamily="49" charset="0"/>
+              </a:rPr>
+              <a:t>end </a:t>
+            </a:r>
+            <a:r>
+              <a:rPr lang="en-US" dirty="0" smtClean="0"/>
+              <a:t>	</a:t>
+            </a:r>
+          </a:p>
+          <a:p>
+            <a:pPr>
+              <a:buNone/>
+            </a:pPr>
+            <a:endParaRPr lang="en-US" dirty="0" smtClean="0"/>
+          </a:p>
+          <a:p>
+            <a:r>
+              <a:rPr lang="en-US" dirty="0" smtClean="0"/>
+              <a:t>In Ruby, I can mix in modules that will modify the class </a:t>
+            </a:r>
           </a:p>
         </p:txBody>
       </p:sp>
@@ -9506,6 +9584,70 @@
           </a:xfrm>
         </p:spPr>
         <p:txBody>
+          <a:bodyPr/>
+          <a:lstStyle/>
+          <a:p>
+            <a:r>
+              <a:rPr lang="en-US" sz="6000" dirty="0" smtClean="0"/>
+              <a:t>Code</a:t>
+            </a:r>
+            <a:r>
+              <a:rPr lang="en-US" dirty="0" smtClean="0"/>
+              <a:t>!</a:t>
+            </a:r>
+            <a:endParaRPr lang="en-US" dirty="0"/>
+          </a:p>
+        </p:txBody>
+      </p:sp>
+    </p:spTree>
+  </p:cSld>
+  <p:clrMapOvr>
+    <a:masterClrMapping/>
+  </p:clrMapOvr>
+  <p:timing>
+    <p:tnLst>
+      <p:par>
+        <p:cTn id="1" dur="indefinite" restart="never" nodeType="tmRoot"/>
+      </p:par>
+    </p:tnLst>
+  </p:timing>
+</p:sld>
+</file>
+
+<file path=ppt/slides/slide29.xml><?xml version="1.0" encoding="utf-8"?>
+<p:sld xmlns:a="http://schemas.openxmlformats.org/drawingml/2006/main" xmlns:r="http://schemas.openxmlformats.org/officeDocument/2006/relationships" xmlns:p="http://schemas.openxmlformats.org/presentationml/2006/main">
+  <p:cSld>
+    <p:spTree>
+      <p:nvGrpSpPr>
+        <p:cNvPr id="1" name=""/>
+        <p:cNvGrpSpPr/>
+        <p:nvPr/>
+      </p:nvGrpSpPr>
+      <p:grpSpPr>
+        <a:xfrm>
+          <a:off x="0" y="0"/>
+          <a:ext cx="0" cy="0"/>
+          <a:chOff x="0" y="0"/>
+          <a:chExt cx="0" cy="0"/>
+        </a:xfrm>
+      </p:grpSpPr>
+      <p:sp>
+        <p:nvSpPr>
+          <p:cNvPr id="2" name="Title 1"/>
+          <p:cNvSpPr>
+            <a:spLocks noGrp="1"/>
+          </p:cNvSpPr>
+          <p:nvPr>
+            <p:ph type="title"/>
+          </p:nvPr>
+        </p:nvSpPr>
+        <p:spPr>
+          <a:xfrm>
+            <a:off x="457200" y="2590800"/>
+            <a:ext cx="8229600" cy="1143000"/>
+          </a:xfrm>
+        </p:spPr>
+        <p:txBody>
           <a:bodyPr>
             <a:normAutofit/>
           </a:bodyPr>
@@ -9527,7 +9669,69 @@
 </p:sld>
 </file>
 
-<file path=ppt/slides/slide29.xml><?xml version="1.0" encoding="utf-8"?>
+<file path=ppt/slides/slide3.xml><?xml version="1.0" encoding="utf-8"?>
+<p:sld xmlns:a="http://schemas.openxmlformats.org/drawingml/2006/main" xmlns:r="http://schemas.openxmlformats.org/officeDocument/2006/relationships" xmlns:p="http://schemas.openxmlformats.org/presentationml/2006/main">
+  <p:cSld>
+    <p:spTree>
+      <p:nvGrpSpPr>
+        <p:cNvPr id="1" name=""/>
+        <p:cNvGrpSpPr/>
+        <p:nvPr/>
+      </p:nvGrpSpPr>
+      <p:grpSpPr>
+        <a:xfrm>
+          <a:off x="0" y="0"/>
+          <a:ext cx="0" cy="0"/>
+          <a:chOff x="0" y="0"/>
+          <a:chExt cx="0" cy="0"/>
+        </a:xfrm>
+      </p:grpSpPr>
+      <p:sp>
+        <p:nvSpPr>
+          <p:cNvPr id="4" name="Title 3"/>
+          <p:cNvSpPr>
+            <a:spLocks noGrp="1"/>
+          </p:cNvSpPr>
+          <p:nvPr>
+            <p:ph type="title"/>
+          </p:nvPr>
+        </p:nvSpPr>
+        <p:spPr>
+          <a:xfrm>
+            <a:off x="457200" y="2667000"/>
+            <a:ext cx="8229600" cy="1143000"/>
+          </a:xfrm>
+        </p:spPr>
+        <p:txBody>
+          <a:bodyPr anchor="ctr">
+            <a:normAutofit/>
+          </a:bodyPr>
+          <a:lstStyle/>
+          <a:p>
+            <a:r>
+              <a:rPr lang="en-US" sz="6000" dirty="0" smtClean="0"/>
+              <a:t>My Journey</a:t>
+            </a:r>
+            <a:endParaRPr lang="en-US" sz="6000" dirty="0"/>
+          </a:p>
+        </p:txBody>
+      </p:sp>
+    </p:spTree>
+  </p:cSld>
+  <p:clrMapOvr>
+    <a:masterClrMapping/>
+  </p:clrMapOvr>
+  <p:timing>
+    <p:tnLst>
+      <p:par>
+        <p:cTn id="1" dur="indefinite" restart="never" nodeType="tmRoot"/>
+      </p:par>
+    </p:tnLst>
+  </p:timing>
+</p:sld>
+</file>
+
+<file path=ppt/slides/slide30.xml><?xml version="1.0" encoding="utf-8"?>
 <p:sld xmlns:a="http://schemas.openxmlformats.org/drawingml/2006/main" xmlns:r="http://schemas.openxmlformats.org/officeDocument/2006/relationships" xmlns:p="http://schemas.openxmlformats.org/presentationml/2006/main">
   <p:cSld>
     <p:spTree>
@@ -9806,196 +10010,6 @@
 </p:sld>
 </file>
 
-<file path=ppt/slides/slide3.xml><?xml version="1.0" encoding="utf-8"?>
-<p:sld xmlns:a="http://schemas.openxmlformats.org/drawingml/2006/main" xmlns:r="http://schemas.openxmlformats.org/officeDocument/2006/relationships" xmlns:p="http://schemas.openxmlformats.org/presentationml/2006/main">
-  <p:cSld>
-    <p:spTree>
-      <p:nvGrpSpPr>
-        <p:cNvPr id="1" name=""/>
-        <p:cNvGrpSpPr/>
-        <p:nvPr/>
-      </p:nvGrpSpPr>
-      <p:grpSpPr>
-        <a:xfrm>
-          <a:off x="0" y="0"/>
-          <a:ext cx="0" cy="0"/>
-          <a:chOff x="0" y="0"/>
-          <a:chExt cx="0" cy="0"/>
-        </a:xfrm>
-      </p:grpSpPr>
-      <p:sp>
-        <p:nvSpPr>
-          <p:cNvPr id="4" name="Title 3"/>
-          <p:cNvSpPr>
-            <a:spLocks noGrp="1"/>
-          </p:cNvSpPr>
-          <p:nvPr>
-            <p:ph type="title"/>
-          </p:nvPr>
-        </p:nvSpPr>
-        <p:spPr>
-          <a:xfrm>
-            <a:off x="457200" y="2667000"/>
-            <a:ext cx="8229600" cy="1143000"/>
-          </a:xfrm>
-        </p:spPr>
-        <p:txBody>
-          <a:bodyPr anchor="ctr">
-            <a:normAutofit/>
-          </a:bodyPr>
-          <a:lstStyle/>
-          <a:p>
-            <a:r>
-              <a:rPr lang="en-US" sz="6000" dirty="0" smtClean="0"/>
-              <a:t>My Journey</a:t>
-            </a:r>
-            <a:endParaRPr lang="en-US" sz="6000" dirty="0"/>
-          </a:p>
-        </p:txBody>
-      </p:sp>
-    </p:spTree>
-  </p:cSld>
-  <p:clrMapOvr>
-    <a:masterClrMapping/>
-  </p:clrMapOvr>
-  <p:timing>
-    <p:tnLst>
-      <p:par>
-        <p:cTn id="1" dur="indefinite" restart="never" nodeType="tmRoot"/>
-      </p:par>
-    </p:tnLst>
-  </p:timing>
-</p:sld>
-</file>
-
-<file path=ppt/slides/slide30.xml><?xml version="1.0" encoding="utf-8"?>
-<p:sld xmlns:a="http://schemas.openxmlformats.org/drawingml/2006/main" xmlns:r="http://schemas.openxmlformats.org/officeDocument/2006/relationships" xmlns:p="http://schemas.openxmlformats.org/presentationml/2006/main">
-  <p:cSld>
-    <p:spTree>
-      <p:nvGrpSpPr>
-        <p:cNvPr id="1" name=""/>
-        <p:cNvGrpSpPr/>
-        <p:nvPr/>
-      </p:nvGrpSpPr>
-      <p:grpSpPr>
-        <a:xfrm>
-          <a:off x="0" y="0"/>
-          <a:ext cx="0" cy="0"/>
-          <a:chOff x="0" y="0"/>
-          <a:chExt cx="0" cy="0"/>
-        </a:xfrm>
-      </p:grpSpPr>
-      <p:sp>
-        <p:nvSpPr>
-          <p:cNvPr id="2" name="Title 1"/>
-          <p:cNvSpPr>
-            <a:spLocks noGrp="1"/>
-          </p:cNvSpPr>
-          <p:nvPr>
-            <p:ph type="title"/>
-          </p:nvPr>
-        </p:nvSpPr>
-        <p:spPr/>
-        <p:txBody>
-          <a:bodyPr/>
-          <a:lstStyle/>
-          <a:p>
-            <a:r>
-              <a:rPr lang="en-US" dirty="0" smtClean="0"/>
-              <a:t>Resources - Books</a:t>
-            </a:r>
-            <a:endParaRPr lang="en-US" dirty="0"/>
-          </a:p>
-        </p:txBody>
-      </p:sp>
-      <p:sp>
-        <p:nvSpPr>
-          <p:cNvPr id="5" name="Content Placeholder 4"/>
-          <p:cNvSpPr>
-            <a:spLocks noGrp="1"/>
-          </p:cNvSpPr>
-          <p:nvPr>
-            <p:ph idx="1"/>
-          </p:nvPr>
-        </p:nvSpPr>
-        <p:spPr/>
-        <p:txBody>
-          <a:bodyPr/>
-          <a:lstStyle/>
-          <a:p>
-            <a:r>
-              <a:rPr lang="en-US" dirty="0" smtClean="0"/>
-              <a:t>Rails for .NET Developers</a:t>
-            </a:r>
-          </a:p>
-          <a:p>
-            <a:pPr lvl="1"/>
-            <a:r>
-              <a:rPr lang="en-US" sz="2400" dirty="0" smtClean="0"/>
-              <a:t>by Jeff Cohen and Brian Eng</a:t>
-            </a:r>
-          </a:p>
-          <a:p>
-            <a:r>
-              <a:rPr lang="en-US" dirty="0" smtClean="0"/>
-              <a:t>Agile Web Development With Rails</a:t>
-            </a:r>
-          </a:p>
-          <a:p>
-            <a:pPr lvl="1"/>
-            <a:r>
-              <a:rPr lang="en-US" sz="2400" dirty="0" smtClean="0"/>
-              <a:t>by Sam Ruby, Dave Thomas, David </a:t>
-            </a:r>
-            <a:r>
-              <a:rPr lang="en-US" sz="2400" dirty="0" err="1" smtClean="0"/>
-              <a:t>Heinemeier</a:t>
-            </a:r>
-            <a:r>
-              <a:rPr lang="en-US" sz="2400" dirty="0" smtClean="0"/>
-              <a:t> Hansson</a:t>
-            </a:r>
-          </a:p>
-          <a:p>
-            <a:r>
-              <a:rPr lang="en-US" dirty="0" smtClean="0"/>
-              <a:t>Programming Ruby 1.9 (aka the “Pickaxe” book)</a:t>
-            </a:r>
-          </a:p>
-          <a:p>
-            <a:pPr lvl="1"/>
-            <a:r>
-              <a:rPr lang="en-US" sz="2400" dirty="0" smtClean="0"/>
-              <a:t>by Dave Thomas, with Chad Fowler and Andy Hunt</a:t>
-            </a:r>
-          </a:p>
-          <a:p>
-            <a:pPr lvl="1"/>
-            <a:endParaRPr lang="en-US" sz="2400" dirty="0" smtClean="0"/>
-          </a:p>
-          <a:p>
-            <a:r>
-              <a:rPr lang="en-US" sz="3000" dirty="0" smtClean="0"/>
-              <a:t>All found at http://pragprog.com</a:t>
-            </a:r>
-          </a:p>
-        </p:txBody>
-      </p:sp>
-    </p:spTree>
-  </p:cSld>
-  <p:clrMapOvr>
-    <a:masterClrMapping/>
-  </p:clrMapOvr>
-  <p:timing>
-    <p:tnLst>
-      <p:par>
-        <p:cTn id="1" dur="indefinite" restart="never" nodeType="tmRoot"/>
-      </p:par>
-    </p:tnLst>
-  </p:timing>
-</p:sld>
-</file>
-
 <file path=ppt/slides/slide31.xml><?xml version="1.0" encoding="utf-8"?>
 <p:sld xmlns:a="http://schemas.openxmlformats.org/drawingml/2006/main" xmlns:r="http://schemas.openxmlformats.org/officeDocument/2006/relationships" xmlns:p="http://schemas.openxmlformats.org/presentationml/2006/main">
   <p:cSld>
@@ -10030,7 +10044,7 @@
           <a:p>
             <a:r>
               <a:rPr lang="en-US" dirty="0" smtClean="0"/>
-              <a:t>Resources</a:t>
+              <a:t>Resources - Books</a:t>
             </a:r>
             <a:endParaRPr lang="en-US" dirty="0"/>
           </a:p>
@@ -10053,65 +10067,59 @@
           <a:p>
             <a:r>
               <a:rPr lang="en-US" dirty="0" smtClean="0"/>
-              <a:t>Ruby </a:t>
-            </a:r>
-            <a:r>
-              <a:rPr lang="en-US" dirty="0" err="1" smtClean="0"/>
-              <a:t>Koans</a:t>
-            </a:r>
+              <a:t>Rails for .NET Developers</a:t>
+            </a:r>
+          </a:p>
+          <a:p>
+            <a:pPr lvl="1"/>
+            <a:r>
+              <a:rPr lang="en-US" sz="2400" dirty="0" smtClean="0"/>
+              <a:t>by Jeff Cohen and Brian Eng</a:t>
+            </a:r>
+          </a:p>
+          <a:p>
             <a:r>
               <a:rPr lang="en-US" dirty="0" smtClean="0"/>
-              <a:t> </a:t>
+              <a:t>Agile Web Development With Rails</a:t>
             </a:r>
           </a:p>
           <a:p>
             <a:pPr lvl="1"/>
             <a:r>
-              <a:rPr lang="en-US" dirty="0" smtClean="0">
-                <a:hlinkClick r:id="rId3"/>
-              </a:rPr>
-              <a:t>http://rubykoans.com</a:t>
-            </a:r>
-            <a:endParaRPr lang="en-US" dirty="0" smtClean="0"/>
-          </a:p>
-          <a:p>
-            <a:r>
-              <a:rPr lang="en-US" dirty="0" err="1" smtClean="0"/>
-              <a:t>Railscasts</a:t>
-            </a:r>
+              <a:rPr lang="en-US" sz="2400" dirty="0" smtClean="0"/>
+              <a:t>by Sam Ruby, Dave Thomas, David </a:t>
+            </a:r>
+            <a:r>
+              <a:rPr lang="en-US" sz="2400" dirty="0" err="1" smtClean="0"/>
+              <a:t>Heinemeier</a:t>
+            </a:r>
+            <a:r>
+              <a:rPr lang="en-US" sz="2400" dirty="0" smtClean="0"/>
+              <a:t> Hansson</a:t>
+            </a:r>
+          </a:p>
+          <a:p>
             <a:r>
               <a:rPr lang="en-US" dirty="0" smtClean="0"/>
-              <a:t> </a:t>
+              <a:t>Programming Ruby 1.9 (aka the “Pickaxe” book)</a:t>
             </a:r>
           </a:p>
           <a:p>
             <a:pPr lvl="1"/>
             <a:r>
-              <a:rPr lang="en-US" dirty="0" smtClean="0">
-                <a:hlinkClick r:id="rId4"/>
-              </a:rPr>
-              <a:t>http://railscasts.com</a:t>
-            </a:r>
-            <a:endParaRPr lang="en-US" dirty="0" smtClean="0"/>
-          </a:p>
-          <a:p>
-            <a:r>
-              <a:rPr lang="en-US" dirty="0" smtClean="0"/>
-              <a:t>Why’s Poignant Guide To Ruby</a:t>
+              <a:rPr lang="en-US" sz="2400" dirty="0" smtClean="0"/>
+              <a:t>by Dave Thomas, with Chad Fowler and Andy Hunt</a:t>
             </a:r>
           </a:p>
           <a:p>
             <a:pPr lvl="1"/>
-            <a:r>
-              <a:rPr lang="en-US" dirty="0" smtClean="0">
-                <a:hlinkClick r:id="rId5"/>
-              </a:rPr>
-              <a:t>http://mislav.uniqpath.com/poignant-guide/</a:t>
-            </a:r>
-            <a:endParaRPr lang="en-US" dirty="0" smtClean="0"/>
-          </a:p>
-          <a:p>
-            <a:endParaRPr lang="en-US" dirty="0"/>
+            <a:endParaRPr lang="en-US" sz="2400" dirty="0" smtClean="0"/>
+          </a:p>
+          <a:p>
+            <a:r>
+              <a:rPr lang="en-US" sz="3000" dirty="0" smtClean="0"/>
+              <a:t>All found at http://pragprog.com</a:t>
+            </a:r>
           </a:p>
         </p:txBody>
       </p:sp>
@@ -10131,6 +10139,140 @@
 </file>
 
 <file path=ppt/slides/slide32.xml><?xml version="1.0" encoding="utf-8"?>
+<p:sld xmlns:a="http://schemas.openxmlformats.org/drawingml/2006/main" xmlns:r="http://schemas.openxmlformats.org/officeDocument/2006/relationships" xmlns:p="http://schemas.openxmlformats.org/presentationml/2006/main">
+  <p:cSld>
+    <p:spTree>
+      <p:nvGrpSpPr>
+        <p:cNvPr id="1" name=""/>
+        <p:cNvGrpSpPr/>
+        <p:nvPr/>
+      </p:nvGrpSpPr>
+      <p:grpSpPr>
+        <a:xfrm>
+          <a:off x="0" y="0"/>
+          <a:ext cx="0" cy="0"/>
+          <a:chOff x="0" y="0"/>
+          <a:chExt cx="0" cy="0"/>
+        </a:xfrm>
+      </p:grpSpPr>
+      <p:sp>
+        <p:nvSpPr>
+          <p:cNvPr id="2" name="Title 1"/>
+          <p:cNvSpPr>
+            <a:spLocks noGrp="1"/>
+          </p:cNvSpPr>
+          <p:nvPr>
+            <p:ph type="title"/>
+          </p:nvPr>
+        </p:nvSpPr>
+        <p:spPr/>
+        <p:txBody>
+          <a:bodyPr/>
+          <a:lstStyle/>
+          <a:p>
+            <a:r>
+              <a:rPr lang="en-US" dirty="0" smtClean="0"/>
+              <a:t>Resources</a:t>
+            </a:r>
+            <a:endParaRPr lang="en-US" dirty="0"/>
+          </a:p>
+        </p:txBody>
+      </p:sp>
+      <p:sp>
+        <p:nvSpPr>
+          <p:cNvPr id="5" name="Content Placeholder 4"/>
+          <p:cNvSpPr>
+            <a:spLocks noGrp="1"/>
+          </p:cNvSpPr>
+          <p:nvPr>
+            <p:ph idx="1"/>
+          </p:nvPr>
+        </p:nvSpPr>
+        <p:spPr/>
+        <p:txBody>
+          <a:bodyPr/>
+          <a:lstStyle/>
+          <a:p>
+            <a:r>
+              <a:rPr lang="en-US" dirty="0" smtClean="0"/>
+              <a:t>Ruby </a:t>
+            </a:r>
+            <a:r>
+              <a:rPr lang="en-US" dirty="0" err="1" smtClean="0"/>
+              <a:t>Koans</a:t>
+            </a:r>
+            <a:r>
+              <a:rPr lang="en-US" dirty="0" smtClean="0"/>
+              <a:t> </a:t>
+            </a:r>
+          </a:p>
+          <a:p>
+            <a:pPr lvl="1"/>
+            <a:r>
+              <a:rPr lang="en-US" dirty="0" smtClean="0">
+                <a:hlinkClick r:id="rId3"/>
+              </a:rPr>
+              <a:t>http://rubykoans.com</a:t>
+            </a:r>
+            <a:endParaRPr lang="en-US" dirty="0" smtClean="0"/>
+          </a:p>
+          <a:p>
+            <a:r>
+              <a:rPr lang="en-US" dirty="0" err="1" smtClean="0"/>
+              <a:t>Railscasts</a:t>
+            </a:r>
+            <a:r>
+              <a:rPr lang="en-US" dirty="0" smtClean="0"/>
+              <a:t> </a:t>
+            </a:r>
+          </a:p>
+          <a:p>
+            <a:pPr lvl="1"/>
+            <a:r>
+              <a:rPr lang="en-US" dirty="0" smtClean="0">
+                <a:hlinkClick r:id="rId4"/>
+              </a:rPr>
+              <a:t>http://railscasts.com</a:t>
+            </a:r>
+            <a:endParaRPr lang="en-US" dirty="0" smtClean="0"/>
+          </a:p>
+          <a:p>
+            <a:r>
+              <a:rPr lang="en-US" dirty="0" smtClean="0"/>
+              <a:t>Why’s Poignant Guide To Ruby</a:t>
+            </a:r>
+          </a:p>
+          <a:p>
+            <a:pPr lvl="1"/>
+            <a:r>
+              <a:rPr lang="en-US" dirty="0" smtClean="0">
+                <a:hlinkClick r:id="rId5"/>
+              </a:rPr>
+              <a:t>http://mislav.uniqpath.com/poignant-guide/</a:t>
+            </a:r>
+            <a:endParaRPr lang="en-US" dirty="0" smtClean="0"/>
+          </a:p>
+          <a:p>
+            <a:endParaRPr lang="en-US" dirty="0"/>
+          </a:p>
+        </p:txBody>
+      </p:sp>
+    </p:spTree>
+  </p:cSld>
+  <p:clrMapOvr>
+    <a:masterClrMapping/>
+  </p:clrMapOvr>
+  <p:timing>
+    <p:tnLst>
+      <p:par>
+        <p:cTn id="1" dur="indefinite" restart="never" nodeType="tmRoot"/>
+      </p:par>
+    </p:tnLst>
+  </p:timing>
+</p:sld>
+</file>
+
+<file path=ppt/slides/slide33.xml><?xml version="1.0" encoding="utf-8"?>
 <p:sld xmlns:a="http://schemas.openxmlformats.org/drawingml/2006/main" xmlns:r="http://schemas.openxmlformats.org/officeDocument/2006/relationships" xmlns:p="http://schemas.openxmlformats.org/presentationml/2006/main">
   <p:cSld>
     <p:spTree>

--- a/ruby-codemash.pptx
+++ b/ruby-codemash.pptx
@@ -225,7 +225,7 @@
             <a:fld id="{CE22DD2D-CE48-432A-B750-FE638311F72D}" type="datetimeFigureOut">
               <a:rPr lang="en-US" smtClean="0"/>
               <a:pPr/>
-              <a:t>1/13/2011</a:t>
+              <a:t>1/14/2011</a:t>
             </a:fld>
             <a:endParaRPr lang="en-US"/>
           </a:p>
@@ -645,7 +645,7 @@
             <a:fld id="{46B52E04-8F68-435C-880A-7C7B12D9BA2F}" type="slidenum">
               <a:rPr lang="en-US" smtClean="0"/>
               <a:pPr/>
-              <a:t>22</a:t>
+              <a:t>12</a:t>
             </a:fld>
             <a:endParaRPr lang="en-US"/>
           </a:p>
@@ -727,7 +727,7 @@
             <a:fld id="{46B52E04-8F68-435C-880A-7C7B12D9BA2F}" type="slidenum">
               <a:rPr lang="en-US" smtClean="0"/>
               <a:pPr/>
-              <a:t>23</a:t>
+              <a:t>13</a:t>
             </a:fld>
             <a:endParaRPr lang="en-US"/>
           </a:p>
@@ -787,6 +787,28 @@
           </a:bodyPr>
           <a:lstStyle/>
           <a:p>
+            <a:r>
+              <a:rPr lang="en-US" dirty="0" smtClean="0"/>
+              <a:t>UNIX is very command line driven</a:t>
+            </a:r>
+            <a:r>
+              <a:rPr lang="en-US" baseline="0" dirty="0" smtClean="0"/>
+              <a:t> (install apps through the command line, shell scripting)</a:t>
+            </a:r>
+          </a:p>
+          <a:p>
+            <a:r>
+              <a:rPr lang="en-US" baseline="0" dirty="0" smtClean="0"/>
+              <a:t>Closer to the metal</a:t>
+            </a:r>
+          </a:p>
+          <a:p>
+            <a:r>
+              <a:rPr lang="en-US" baseline="0" dirty="0" smtClean="0"/>
+              <a:t>Using Vim as my IDE</a:t>
+            </a:r>
+          </a:p>
+          <a:p>
             <a:endParaRPr lang="en-US" dirty="0"/>
           </a:p>
         </p:txBody>
@@ -809,7 +831,7 @@
             <a:fld id="{46B52E04-8F68-435C-880A-7C7B12D9BA2F}" type="slidenum">
               <a:rPr lang="en-US" smtClean="0"/>
               <a:pPr/>
-              <a:t>24</a:t>
+              <a:t>14</a:t>
             </a:fld>
             <a:endParaRPr lang="en-US"/>
           </a:p>
@@ -869,6 +891,14 @@
           </a:bodyPr>
           <a:lstStyle/>
           <a:p>
+            <a:r>
+              <a:rPr lang="en-US" dirty="0" smtClean="0"/>
+              <a:t>Less code means less work, fewer</a:t>
+            </a:r>
+            <a:r>
+              <a:rPr lang="en-US" baseline="0" dirty="0" smtClean="0"/>
+              <a:t> chances to write bugs, easier to maintain</a:t>
+            </a:r>
             <a:endParaRPr lang="en-US" dirty="0"/>
           </a:p>
         </p:txBody>
@@ -891,7 +921,7 @@
             <a:fld id="{46B52E04-8F68-435C-880A-7C7B12D9BA2F}" type="slidenum">
               <a:rPr lang="en-US" smtClean="0"/>
               <a:pPr/>
-              <a:t>28</a:t>
+              <a:t>15</a:t>
             </a:fld>
             <a:endParaRPr lang="en-US"/>
           </a:p>
@@ -952,232 +982,8 @@
           <a:lstStyle/>
           <a:p>
             <a:r>
-              <a:rPr lang="en-US" sz="1200" b="0" i="0" kern="1200" dirty="0" smtClean="0">
-                <a:solidFill>
-                  <a:schemeClr val="tx1"/>
-                </a:solidFill>
-                <a:latin typeface="+mn-lt"/>
-                <a:ea typeface="+mn-ea"/>
-                <a:cs typeface="+mn-cs"/>
-              </a:rPr>
-              <a:t>-Rails is the "company framework" that everyone is trying to build  </a:t>
-            </a:r>
-            <a:endParaRPr lang="en-US" dirty="0" smtClean="0"/>
-          </a:p>
-          <a:p>
-            <a:r>
-              <a:rPr lang="en-US" sz="1200" b="0" i="0" kern="1200" dirty="0" smtClean="0">
-                <a:solidFill>
-                  <a:schemeClr val="tx1"/>
-                </a:solidFill>
-                <a:latin typeface="+mn-lt"/>
-                <a:ea typeface="+mn-ea"/>
-                <a:cs typeface="+mn-cs"/>
-              </a:rPr>
-              <a:t>-things are done the same way in most Rails projects, so you can join a Rails team and you don't have to learn someone else's homegrown framework  </a:t>
-            </a:r>
-            <a:endParaRPr lang="en-US" dirty="0" smtClean="0"/>
-          </a:p>
-          <a:p>
-            <a:r>
-              <a:rPr lang="en-US" sz="1200" b="0" i="0" kern="1200" dirty="0" smtClean="0">
-                <a:solidFill>
-                  <a:schemeClr val="tx1"/>
-                </a:solidFill>
-                <a:latin typeface="+mn-lt"/>
-                <a:ea typeface="+mn-ea"/>
-                <a:cs typeface="+mn-cs"/>
-              </a:rPr>
-              <a:t>-homegrown frameworks often are a big detriment to getting things done (maintenance is hard, keeps you from upgrading your codebase, etc.)</a:t>
-            </a:r>
-          </a:p>
-          <a:p>
-            <a:endParaRPr lang="en-US" sz="1200" b="0" i="0" kern="1200" dirty="0" smtClean="0">
-              <a:solidFill>
-                <a:schemeClr val="tx1"/>
-              </a:solidFill>
-              <a:latin typeface="+mn-lt"/>
-              <a:ea typeface="+mn-ea"/>
-              <a:cs typeface="+mn-cs"/>
-            </a:endParaRPr>
-          </a:p>
-          <a:p>
-            <a:pPr>
-              <a:buFontTx/>
-              <a:buChar char="-"/>
-            </a:pPr>
-            <a:r>
-              <a:rPr lang="en-US" sz="1200" b="0" i="0" kern="1200" dirty="0" smtClean="0">
-                <a:solidFill>
-                  <a:schemeClr val="tx1"/>
-                </a:solidFill>
-                <a:latin typeface="+mn-lt"/>
-                <a:ea typeface="+mn-ea"/>
-                <a:cs typeface="+mn-cs"/>
-              </a:rPr>
-              <a:t>Rails works in the enterprise - cleanest 4 yr old codebase I've ever worked on, wouldn't gain much if I could rewrite it</a:t>
-            </a:r>
-          </a:p>
-          <a:p>
-            <a:pPr>
-              <a:buFontTx/>
-              <a:buChar char="-"/>
-            </a:pPr>
-            <a:r>
-              <a:rPr lang="en-US" sz="1200" b="0" i="0" kern="1200" dirty="0" smtClean="0">
-                <a:solidFill>
-                  <a:schemeClr val="tx1"/>
-                </a:solidFill>
-                <a:latin typeface="+mn-lt"/>
-                <a:ea typeface="+mn-ea"/>
-                <a:cs typeface="+mn-cs"/>
-              </a:rPr>
-              <a:t>Lots</a:t>
-            </a:r>
-            <a:r>
-              <a:rPr lang="en-US" sz="1200" b="0" i="0" kern="1200" baseline="0" dirty="0" smtClean="0">
-                <a:solidFill>
-                  <a:schemeClr val="tx1"/>
-                </a:solidFill>
-                <a:latin typeface="+mn-lt"/>
-                <a:ea typeface="+mn-ea"/>
-                <a:cs typeface="+mn-cs"/>
-              </a:rPr>
-              <a:t> of big companies using Rails (Twitter, </a:t>
-            </a:r>
-            <a:r>
-              <a:rPr lang="en-US" sz="1200" b="0" i="0" kern="1200" baseline="0" dirty="0" err="1" smtClean="0">
-                <a:solidFill>
-                  <a:schemeClr val="tx1"/>
-                </a:solidFill>
-                <a:latin typeface="+mn-lt"/>
-                <a:ea typeface="+mn-ea"/>
-                <a:cs typeface="+mn-cs"/>
-              </a:rPr>
-              <a:t>Github</a:t>
-            </a:r>
-            <a:r>
-              <a:rPr lang="en-US" sz="1200" b="0" i="0" kern="1200" baseline="0" dirty="0" smtClean="0">
-                <a:solidFill>
-                  <a:schemeClr val="tx1"/>
-                </a:solidFill>
-                <a:latin typeface="+mn-lt"/>
-                <a:ea typeface="+mn-ea"/>
-                <a:cs typeface="+mn-cs"/>
-              </a:rPr>
-              <a:t>, </a:t>
-            </a:r>
-            <a:r>
-              <a:rPr lang="en-US" sz="1200" b="0" i="0" kern="1200" baseline="0" dirty="0" err="1" smtClean="0">
-                <a:solidFill>
-                  <a:schemeClr val="tx1"/>
-                </a:solidFill>
-                <a:latin typeface="+mn-lt"/>
-                <a:ea typeface="+mn-ea"/>
-                <a:cs typeface="+mn-cs"/>
-              </a:rPr>
-              <a:t>Hulu</a:t>
-            </a:r>
-            <a:r>
-              <a:rPr lang="en-US" sz="1200" b="0" i="0" kern="1200" baseline="0" dirty="0" smtClean="0">
-                <a:solidFill>
-                  <a:schemeClr val="tx1"/>
-                </a:solidFill>
-                <a:latin typeface="+mn-lt"/>
-                <a:ea typeface="+mn-ea"/>
-                <a:cs typeface="+mn-cs"/>
-              </a:rPr>
-              <a:t>, </a:t>
-            </a:r>
-            <a:r>
-              <a:rPr lang="en-US" sz="1200" b="0" i="0" kern="1200" baseline="0" dirty="0" err="1" smtClean="0">
-                <a:solidFill>
-                  <a:schemeClr val="tx1"/>
-                </a:solidFill>
-                <a:latin typeface="+mn-lt"/>
-                <a:ea typeface="+mn-ea"/>
-                <a:cs typeface="+mn-cs"/>
-              </a:rPr>
-              <a:t>Groupon</a:t>
-            </a:r>
-            <a:r>
-              <a:rPr lang="en-US" sz="1200" b="0" i="0" kern="1200" baseline="0" dirty="0" smtClean="0">
-                <a:solidFill>
-                  <a:schemeClr val="tx1"/>
-                </a:solidFill>
-                <a:latin typeface="+mn-lt"/>
-                <a:ea typeface="+mn-ea"/>
-                <a:cs typeface="+mn-cs"/>
-              </a:rPr>
-              <a:t>)</a:t>
-            </a:r>
-          </a:p>
-          <a:p>
-            <a:pPr>
-              <a:buFontTx/>
-              <a:buChar char="-"/>
-            </a:pPr>
-            <a:endParaRPr lang="en-US" dirty="0" smtClean="0"/>
-          </a:p>
-          <a:p>
-            <a:r>
-              <a:rPr lang="en-US" sz="1200" b="0" i="0" kern="1200" dirty="0" smtClean="0">
-                <a:solidFill>
-                  <a:schemeClr val="tx1"/>
-                </a:solidFill>
-                <a:latin typeface="+mn-lt"/>
-                <a:ea typeface="+mn-ea"/>
-                <a:cs typeface="+mn-cs"/>
-              </a:rPr>
-              <a:t>-not "switching to Ruby", not "leaving .NET"- don't be afraid of leaving your comfort zone (framework, language, syntax, etc.)- you will learn things that will help you on other platforms/languages</a:t>
-            </a:r>
-          </a:p>
-          <a:p>
-            <a:r>
-              <a:rPr lang="en-US" sz="1200" b="0" i="0" kern="1200" dirty="0" smtClean="0">
-                <a:solidFill>
-                  <a:schemeClr val="tx1"/>
-                </a:solidFill>
-                <a:latin typeface="+mn-lt"/>
-                <a:ea typeface="+mn-ea"/>
-                <a:cs typeface="+mn-cs"/>
-              </a:rPr>
-              <a:t>-Ruby</a:t>
-            </a:r>
-            <a:r>
-              <a:rPr lang="en-US" sz="1200" b="0" i="0" kern="1200" baseline="0" dirty="0" smtClean="0">
-                <a:solidFill>
-                  <a:schemeClr val="tx1"/>
-                </a:solidFill>
-                <a:latin typeface="+mn-lt"/>
-                <a:ea typeface="+mn-ea"/>
-                <a:cs typeface="+mn-cs"/>
-              </a:rPr>
-              <a:t> on Rails is just another tool in my toolbox (that happens to be really good at building web applications)</a:t>
-            </a:r>
-            <a:endParaRPr lang="en-US" dirty="0" smtClean="0"/>
-          </a:p>
-          <a:p>
-            <a:endParaRPr lang="en-US" dirty="0" smtClean="0"/>
-          </a:p>
-          <a:p>
-            <a:r>
               <a:rPr lang="en-US" dirty="0" smtClean="0"/>
-              <a:t>-If Ruby on</a:t>
-            </a:r>
-            <a:r>
-              <a:rPr lang="en-US" baseline="0" dirty="0" smtClean="0"/>
-              <a:t> Rails can help your team develop things better and faster, isn’t it even worth considering?</a:t>
-            </a:r>
-          </a:p>
-          <a:p>
-            <a:r>
-              <a:rPr lang="en-US" baseline="0" dirty="0" smtClean="0"/>
-              <a:t>-Do a cost-benefit analysis – will the long term benefit of using Ruby outweigh the time needed to adopt a </a:t>
-            </a:r>
-            <a:r>
-              <a:rPr lang="en-US" baseline="0" smtClean="0"/>
-              <a:t>new technology?</a:t>
+              <a:t>I haven’t written any methods!  I’m writing code that writes code for me!</a:t>
             </a:r>
             <a:endParaRPr lang="en-US" dirty="0"/>
           </a:p>
@@ -1201,7 +1007,7 @@
             <a:fld id="{46B52E04-8F68-435C-880A-7C7B12D9BA2F}" type="slidenum">
               <a:rPr lang="en-US" smtClean="0"/>
               <a:pPr/>
-              <a:t>29</a:t>
+              <a:t>21</a:t>
             </a:fld>
             <a:endParaRPr lang="en-US"/>
           </a:p>
@@ -1261,6 +1067,20 @@
           </a:bodyPr>
           <a:lstStyle/>
           <a:p>
+            <a:r>
+              <a:rPr lang="en-US" dirty="0" smtClean="0"/>
+              <a:t>There are gems for everything</a:t>
+            </a:r>
+          </a:p>
+          <a:p>
+            <a:r>
+              <a:rPr lang="en-US" dirty="0" smtClean="0"/>
+              <a:t>It’s really easily to write little DSLs, so you do</a:t>
+            </a:r>
+            <a:r>
+              <a:rPr lang="en-US" baseline="0" dirty="0" smtClean="0"/>
+              <a:t> the hard things once</a:t>
+            </a:r>
             <a:endParaRPr lang="en-US" dirty="0"/>
           </a:p>
         </p:txBody>
@@ -1283,7 +1103,7 @@
             <a:fld id="{46B52E04-8F68-435C-880A-7C7B12D9BA2F}" type="slidenum">
               <a:rPr lang="en-US" smtClean="0"/>
               <a:pPr/>
-              <a:t>30</a:t>
+              <a:t>22</a:t>
             </a:fld>
             <a:endParaRPr lang="en-US"/>
           </a:p>
@@ -1343,6 +1163,14 @@
           </a:bodyPr>
           <a:lstStyle/>
           <a:p>
+            <a:r>
+              <a:rPr lang="en-US" dirty="0" smtClean="0"/>
+              <a:t>Gems for everything, people always</a:t>
+            </a:r>
+            <a:r>
+              <a:rPr lang="en-US" baseline="0" dirty="0" smtClean="0"/>
+              <a:t> trying to improve</a:t>
+            </a:r>
             <a:endParaRPr lang="en-US" dirty="0"/>
           </a:p>
         </p:txBody>
@@ -1365,7 +1193,7 @@
             <a:fld id="{46B52E04-8F68-435C-880A-7C7B12D9BA2F}" type="slidenum">
               <a:rPr lang="en-US" smtClean="0"/>
               <a:pPr/>
-              <a:t>31</a:t>
+              <a:t>23</a:t>
             </a:fld>
             <a:endParaRPr lang="en-US"/>
           </a:p>
@@ -1447,7 +1275,305 @@
             <a:fld id="{46B52E04-8F68-435C-880A-7C7B12D9BA2F}" type="slidenum">
               <a:rPr lang="en-US" smtClean="0"/>
               <a:pPr/>
-              <a:t>32</a:t>
+              <a:t>24</a:t>
+            </a:fld>
+            <a:endParaRPr lang="en-US"/>
+          </a:p>
+        </p:txBody>
+      </p:sp>
+    </p:spTree>
+  </p:cSld>
+  <p:clrMapOvr>
+    <a:masterClrMapping/>
+  </p:clrMapOvr>
+</p:notes>
+</file>
+
+<file path=ppt/notesSlides/notesSlide18.xml><?xml version="1.0" encoding="utf-8"?>
+<p:notes xmlns:a="http://schemas.openxmlformats.org/drawingml/2006/main" xmlns:r="http://schemas.openxmlformats.org/officeDocument/2006/relationships" xmlns:p="http://schemas.openxmlformats.org/presentationml/2006/main">
+  <p:cSld>
+    <p:spTree>
+      <p:nvGrpSpPr>
+        <p:cNvPr id="1" name=""/>
+        <p:cNvGrpSpPr/>
+        <p:nvPr/>
+      </p:nvGrpSpPr>
+      <p:grpSpPr>
+        <a:xfrm>
+          <a:off x="0" y="0"/>
+          <a:ext cx="0" cy="0"/>
+          <a:chOff x="0" y="0"/>
+          <a:chExt cx="0" cy="0"/>
+        </a:xfrm>
+      </p:grpSpPr>
+      <p:sp>
+        <p:nvSpPr>
+          <p:cNvPr id="2" name="Slide Image Placeholder 1"/>
+          <p:cNvSpPr>
+            <a:spLocks noGrp="1" noRot="1" noChangeAspect="1"/>
+          </p:cNvSpPr>
+          <p:nvPr>
+            <p:ph type="sldImg"/>
+          </p:nvPr>
+        </p:nvSpPr>
+        <p:spPr/>
+      </p:sp>
+      <p:sp>
+        <p:nvSpPr>
+          <p:cNvPr id="3" name="Notes Placeholder 2"/>
+          <p:cNvSpPr>
+            <a:spLocks noGrp="1"/>
+          </p:cNvSpPr>
+          <p:nvPr>
+            <p:ph type="body" idx="1"/>
+          </p:nvPr>
+        </p:nvSpPr>
+        <p:spPr/>
+        <p:txBody>
+          <a:bodyPr>
+            <a:normAutofit/>
+          </a:bodyPr>
+          <a:lstStyle/>
+          <a:p>
+            <a:endParaRPr lang="en-US" dirty="0"/>
+          </a:p>
+        </p:txBody>
+      </p:sp>
+      <p:sp>
+        <p:nvSpPr>
+          <p:cNvPr id="4" name="Slide Number Placeholder 3"/>
+          <p:cNvSpPr>
+            <a:spLocks noGrp="1"/>
+          </p:cNvSpPr>
+          <p:nvPr>
+            <p:ph type="sldNum" sz="quarter" idx="10"/>
+          </p:nvPr>
+        </p:nvSpPr>
+        <p:spPr/>
+        <p:txBody>
+          <a:bodyPr/>
+          <a:lstStyle/>
+          <a:p>
+            <a:fld id="{46B52E04-8F68-435C-880A-7C7B12D9BA2F}" type="slidenum">
+              <a:rPr lang="en-US" smtClean="0"/>
+              <a:pPr/>
+              <a:t>28</a:t>
+            </a:fld>
+            <a:endParaRPr lang="en-US"/>
+          </a:p>
+        </p:txBody>
+      </p:sp>
+    </p:spTree>
+  </p:cSld>
+  <p:clrMapOvr>
+    <a:masterClrMapping/>
+  </p:clrMapOvr>
+</p:notes>
+</file>
+
+<file path=ppt/notesSlides/notesSlide19.xml><?xml version="1.0" encoding="utf-8"?>
+<p:notes xmlns:a="http://schemas.openxmlformats.org/drawingml/2006/main" xmlns:r="http://schemas.openxmlformats.org/officeDocument/2006/relationships" xmlns:p="http://schemas.openxmlformats.org/presentationml/2006/main">
+  <p:cSld>
+    <p:spTree>
+      <p:nvGrpSpPr>
+        <p:cNvPr id="1" name=""/>
+        <p:cNvGrpSpPr/>
+        <p:nvPr/>
+      </p:nvGrpSpPr>
+      <p:grpSpPr>
+        <a:xfrm>
+          <a:off x="0" y="0"/>
+          <a:ext cx="0" cy="0"/>
+          <a:chOff x="0" y="0"/>
+          <a:chExt cx="0" cy="0"/>
+        </a:xfrm>
+      </p:grpSpPr>
+      <p:sp>
+        <p:nvSpPr>
+          <p:cNvPr id="2" name="Slide Image Placeholder 1"/>
+          <p:cNvSpPr>
+            <a:spLocks noGrp="1" noRot="1" noChangeAspect="1"/>
+          </p:cNvSpPr>
+          <p:nvPr>
+            <p:ph type="sldImg"/>
+          </p:nvPr>
+        </p:nvSpPr>
+        <p:spPr/>
+      </p:sp>
+      <p:sp>
+        <p:nvSpPr>
+          <p:cNvPr id="3" name="Notes Placeholder 2"/>
+          <p:cNvSpPr>
+            <a:spLocks noGrp="1"/>
+          </p:cNvSpPr>
+          <p:nvPr>
+            <p:ph type="body" idx="1"/>
+          </p:nvPr>
+        </p:nvSpPr>
+        <p:spPr/>
+        <p:txBody>
+          <a:bodyPr>
+            <a:normAutofit/>
+          </a:bodyPr>
+          <a:lstStyle/>
+          <a:p>
+            <a:r>
+              <a:rPr lang="en-US" sz="1200" b="0" i="0" kern="1200" dirty="0" smtClean="0">
+                <a:solidFill>
+                  <a:schemeClr val="tx1"/>
+                </a:solidFill>
+                <a:latin typeface="+mn-lt"/>
+                <a:ea typeface="+mn-ea"/>
+                <a:cs typeface="+mn-cs"/>
+              </a:rPr>
+              <a:t>-Rails </a:t>
+            </a:r>
+            <a:r>
+              <a:rPr lang="en-US" sz="1200" b="0" i="0" kern="1200" dirty="0" smtClean="0">
+                <a:solidFill>
+                  <a:schemeClr val="tx1"/>
+                </a:solidFill>
+                <a:latin typeface="+mn-lt"/>
+                <a:ea typeface="+mn-ea"/>
+                <a:cs typeface="+mn-cs"/>
+              </a:rPr>
+              <a:t>can be </a:t>
+            </a:r>
+            <a:r>
+              <a:rPr lang="en-US" sz="1200" b="0" i="0" kern="1200" dirty="0" smtClean="0">
+                <a:solidFill>
+                  <a:schemeClr val="tx1"/>
+                </a:solidFill>
+                <a:latin typeface="+mn-lt"/>
+                <a:ea typeface="+mn-ea"/>
+                <a:cs typeface="+mn-cs"/>
+              </a:rPr>
+              <a:t>the "company framework" that everyone is trying to build  </a:t>
+            </a:r>
+            <a:endParaRPr lang="en-US" dirty="0" smtClean="0"/>
+          </a:p>
+          <a:p>
+            <a:r>
+              <a:rPr lang="en-US" sz="1200" b="0" i="0" kern="1200" dirty="0" smtClean="0">
+                <a:solidFill>
+                  <a:schemeClr val="tx1"/>
+                </a:solidFill>
+                <a:latin typeface="+mn-lt"/>
+                <a:ea typeface="+mn-ea"/>
+                <a:cs typeface="+mn-cs"/>
+              </a:rPr>
+              <a:t>-things are done the same way in most Rails projects, so you can join a Rails team and you don't have to learn someone else's homegrown framework  </a:t>
+            </a:r>
+            <a:endParaRPr lang="en-US" dirty="0" smtClean="0"/>
+          </a:p>
+          <a:p>
+            <a:r>
+              <a:rPr lang="en-US" sz="1200" b="0" i="0" kern="1200" dirty="0" smtClean="0">
+                <a:solidFill>
+                  <a:schemeClr val="tx1"/>
+                </a:solidFill>
+                <a:latin typeface="+mn-lt"/>
+                <a:ea typeface="+mn-ea"/>
+                <a:cs typeface="+mn-cs"/>
+              </a:rPr>
+              <a:t>-homegrown frameworks often are a big detriment to getting things done (maintenance is hard, keeps you from upgrading your codebase, etc.)</a:t>
+            </a:r>
+          </a:p>
+          <a:p>
+            <a:endParaRPr lang="en-US" sz="1200" b="0" i="0" kern="1200" dirty="0" smtClean="0">
+              <a:solidFill>
+                <a:schemeClr val="tx1"/>
+              </a:solidFill>
+              <a:latin typeface="+mn-lt"/>
+              <a:ea typeface="+mn-ea"/>
+              <a:cs typeface="+mn-cs"/>
+            </a:endParaRPr>
+          </a:p>
+          <a:p>
+            <a:pPr>
+              <a:buFontTx/>
+              <a:buChar char="-"/>
+            </a:pPr>
+            <a:r>
+              <a:rPr lang="en-US" sz="1200" b="0" i="0" kern="1200" dirty="0" smtClean="0">
+                <a:solidFill>
+                  <a:schemeClr val="tx1"/>
+                </a:solidFill>
+                <a:latin typeface="+mn-lt"/>
+                <a:ea typeface="+mn-ea"/>
+                <a:cs typeface="+mn-cs"/>
+              </a:rPr>
+              <a:t>Rails works in the enterprise - cleanest 4 yr old codebase I've ever worked on, wouldn't gain much if I could rewrite it</a:t>
+            </a:r>
+          </a:p>
+          <a:p>
+            <a:pPr>
+              <a:buFontTx/>
+              <a:buChar char="-"/>
+            </a:pPr>
+            <a:r>
+              <a:rPr lang="en-US" sz="1200" b="0" i="0" kern="1200" dirty="0" smtClean="0">
+                <a:solidFill>
+                  <a:schemeClr val="tx1"/>
+                </a:solidFill>
+                <a:latin typeface="+mn-lt"/>
+                <a:ea typeface="+mn-ea"/>
+                <a:cs typeface="+mn-cs"/>
+              </a:rPr>
+              <a:t>Lots</a:t>
+            </a:r>
+            <a:r>
+              <a:rPr lang="en-US" sz="1200" b="0" i="0" kern="1200" baseline="0" dirty="0" smtClean="0">
+                <a:solidFill>
+                  <a:schemeClr val="tx1"/>
+                </a:solidFill>
+                <a:latin typeface="+mn-lt"/>
+                <a:ea typeface="+mn-ea"/>
+                <a:cs typeface="+mn-cs"/>
+              </a:rPr>
+              <a:t> of big companies using </a:t>
+            </a:r>
+            <a:r>
+              <a:rPr lang="en-US" sz="1200" b="0" i="0" kern="1200" baseline="0" dirty="0" smtClean="0">
+                <a:solidFill>
+                  <a:schemeClr val="tx1"/>
+                </a:solidFill>
+                <a:latin typeface="+mn-lt"/>
+                <a:ea typeface="+mn-ea"/>
+                <a:cs typeface="+mn-cs"/>
+              </a:rPr>
+              <a:t>Rails……. (next slide)</a:t>
+            </a:r>
+            <a:endParaRPr lang="en-US" sz="1200" b="0" i="0" kern="1200" baseline="0" dirty="0" smtClean="0">
+              <a:solidFill>
+                <a:schemeClr val="tx1"/>
+              </a:solidFill>
+              <a:latin typeface="+mn-lt"/>
+              <a:ea typeface="+mn-ea"/>
+              <a:cs typeface="+mn-cs"/>
+            </a:endParaRPr>
+          </a:p>
+        </p:txBody>
+      </p:sp>
+      <p:sp>
+        <p:nvSpPr>
+          <p:cNvPr id="4" name="Slide Number Placeholder 3"/>
+          <p:cNvSpPr>
+            <a:spLocks noGrp="1"/>
+          </p:cNvSpPr>
+          <p:nvPr>
+            <p:ph type="sldNum" sz="quarter" idx="10"/>
+          </p:nvPr>
+        </p:nvSpPr>
+        <p:spPr/>
+        <p:txBody>
+          <a:bodyPr/>
+          <a:lstStyle/>
+          <a:p>
+            <a:fld id="{46B52E04-8F68-435C-880A-7C7B12D9BA2F}" type="slidenum">
+              <a:rPr lang="en-US" smtClean="0"/>
+              <a:pPr/>
+              <a:t>29</a:t>
             </a:fld>
             <a:endParaRPr lang="en-US"/>
           </a:p>
@@ -1509,21 +1635,204 @@
           <a:p>
             <a:r>
               <a:rPr lang="en-US" dirty="0" smtClean="0"/>
-              <a:t>Ever been annoyed by:</a:t>
-            </a:r>
-          </a:p>
+              <a:t>Losing bids – software development takes</a:t>
+            </a:r>
+            <a:r>
+              <a:rPr lang="en-US" baseline="0" dirty="0" smtClean="0"/>
+              <a:t> too long.  Why is it so hard?</a:t>
+            </a:r>
+            <a:endParaRPr lang="en-US" dirty="0" smtClean="0"/>
+          </a:p>
+          <a:p>
+            <a:r>
+              <a:rPr lang="en-US" dirty="0" smtClean="0"/>
+              <a:t>Wanting to go faster</a:t>
+            </a:r>
+          </a:p>
+          <a:p>
+            <a:r>
+              <a:rPr lang="en-US" dirty="0" smtClean="0"/>
+              <a:t>Wanted</a:t>
+            </a:r>
+            <a:r>
+              <a:rPr lang="en-US" baseline="0" dirty="0" smtClean="0"/>
+              <a:t> to write code that does what it says and says what it does</a:t>
+            </a:r>
+          </a:p>
+          <a:p>
+            <a:endParaRPr lang="en-US" dirty="0"/>
+          </a:p>
+        </p:txBody>
+      </p:sp>
+      <p:sp>
+        <p:nvSpPr>
+          <p:cNvPr id="4" name="Slide Number Placeholder 3"/>
+          <p:cNvSpPr>
+            <a:spLocks noGrp="1"/>
+          </p:cNvSpPr>
+          <p:nvPr>
+            <p:ph type="sldNum" sz="quarter" idx="10"/>
+          </p:nvPr>
+        </p:nvSpPr>
+        <p:spPr/>
+        <p:txBody>
+          <a:bodyPr/>
+          <a:lstStyle/>
+          <a:p>
+            <a:fld id="{46B52E04-8F68-435C-880A-7C7B12D9BA2F}" type="slidenum">
+              <a:rPr lang="en-US" smtClean="0"/>
+              <a:pPr/>
+              <a:t>3</a:t>
+            </a:fld>
+            <a:endParaRPr lang="en-US"/>
+          </a:p>
+        </p:txBody>
+      </p:sp>
+    </p:spTree>
+  </p:cSld>
+  <p:clrMapOvr>
+    <a:masterClrMapping/>
+  </p:clrMapOvr>
+</p:notes>
+</file>
+
+<file path=ppt/notesSlides/notesSlide20.xml><?xml version="1.0" encoding="utf-8"?>
+<p:notes xmlns:a="http://schemas.openxmlformats.org/drawingml/2006/main" xmlns:r="http://schemas.openxmlformats.org/officeDocument/2006/relationships" xmlns:p="http://schemas.openxmlformats.org/presentationml/2006/main">
+  <p:cSld>
+    <p:spTree>
+      <p:nvGrpSpPr>
+        <p:cNvPr id="1" name=""/>
+        <p:cNvGrpSpPr/>
+        <p:nvPr/>
+      </p:nvGrpSpPr>
+      <p:grpSpPr>
+        <a:xfrm>
+          <a:off x="0" y="0"/>
+          <a:ext cx="0" cy="0"/>
+          <a:chOff x="0" y="0"/>
+          <a:chExt cx="0" cy="0"/>
+        </a:xfrm>
+      </p:grpSpPr>
+      <p:sp>
+        <p:nvSpPr>
+          <p:cNvPr id="2" name="Slide Image Placeholder 1"/>
+          <p:cNvSpPr>
+            <a:spLocks noGrp="1" noRot="1" noChangeAspect="1"/>
+          </p:cNvSpPr>
+          <p:nvPr>
+            <p:ph type="sldImg"/>
+          </p:nvPr>
+        </p:nvSpPr>
+        <p:spPr/>
+      </p:sp>
+      <p:sp>
+        <p:nvSpPr>
+          <p:cNvPr id="3" name="Notes Placeholder 2"/>
+          <p:cNvSpPr>
+            <a:spLocks noGrp="1"/>
+          </p:cNvSpPr>
+          <p:nvPr>
+            <p:ph type="body" idx="1"/>
+          </p:nvPr>
+        </p:nvSpPr>
+        <p:spPr/>
+        <p:txBody>
+          <a:bodyPr>
+            <a:normAutofit/>
+          </a:bodyPr>
+          <a:lstStyle/>
           <a:p>
             <a:pPr>
               <a:buFontTx/>
               <a:buChar char="-"/>
             </a:pPr>
             <a:r>
-              <a:rPr lang="en-US" dirty="0" smtClean="0"/>
-              <a:t>Not</a:t>
-            </a:r>
-            <a:r>
-              <a:rPr lang="en-US" baseline="0" dirty="0" smtClean="0"/>
-              <a:t> being able to override a method unless it’s marked as virtual</a:t>
+              <a:rPr lang="en-US" sz="1200" b="0" i="0" kern="1200" dirty="0" smtClean="0">
+                <a:solidFill>
+                  <a:schemeClr val="tx1"/>
+                </a:solidFill>
+                <a:latin typeface="+mn-lt"/>
+                <a:ea typeface="+mn-ea"/>
+                <a:cs typeface="+mn-cs"/>
+              </a:rPr>
+              <a:t>Lots</a:t>
+            </a:r>
+            <a:r>
+              <a:rPr lang="en-US" sz="1200" b="0" i="0" kern="1200" baseline="0" dirty="0" smtClean="0">
+                <a:solidFill>
+                  <a:schemeClr val="tx1"/>
+                </a:solidFill>
+                <a:latin typeface="+mn-lt"/>
+                <a:ea typeface="+mn-ea"/>
+                <a:cs typeface="+mn-cs"/>
+              </a:rPr>
+              <a:t> of big companies using Rails (Twitter, </a:t>
+            </a:r>
+            <a:r>
+              <a:rPr lang="en-US" sz="1200" b="0" i="0" kern="1200" baseline="0" dirty="0" err="1" smtClean="0">
+                <a:solidFill>
+                  <a:schemeClr val="tx1"/>
+                </a:solidFill>
+                <a:latin typeface="+mn-lt"/>
+                <a:ea typeface="+mn-ea"/>
+                <a:cs typeface="+mn-cs"/>
+              </a:rPr>
+              <a:t>Github</a:t>
+            </a:r>
+            <a:r>
+              <a:rPr lang="en-US" sz="1200" b="0" i="0" kern="1200" baseline="0" dirty="0" smtClean="0">
+                <a:solidFill>
+                  <a:schemeClr val="tx1"/>
+                </a:solidFill>
+                <a:latin typeface="+mn-lt"/>
+                <a:ea typeface="+mn-ea"/>
+                <a:cs typeface="+mn-cs"/>
+              </a:rPr>
+              <a:t>, </a:t>
+            </a:r>
+            <a:r>
+              <a:rPr lang="en-US" sz="1200" b="0" i="0" kern="1200" baseline="0" dirty="0" err="1" smtClean="0">
+                <a:solidFill>
+                  <a:schemeClr val="tx1"/>
+                </a:solidFill>
+                <a:latin typeface="+mn-lt"/>
+                <a:ea typeface="+mn-ea"/>
+                <a:cs typeface="+mn-cs"/>
+              </a:rPr>
+              <a:t>Hulu</a:t>
+            </a:r>
+            <a:r>
+              <a:rPr lang="en-US" sz="1200" b="0" i="0" kern="1200" baseline="0" dirty="0" smtClean="0">
+                <a:solidFill>
+                  <a:schemeClr val="tx1"/>
+                </a:solidFill>
+                <a:latin typeface="+mn-lt"/>
+                <a:ea typeface="+mn-ea"/>
+                <a:cs typeface="+mn-cs"/>
+              </a:rPr>
+              <a:t>, </a:t>
+            </a:r>
+            <a:r>
+              <a:rPr lang="en-US" sz="1200" b="0" i="0" kern="1200" baseline="0" dirty="0" err="1" smtClean="0">
+                <a:solidFill>
+                  <a:schemeClr val="tx1"/>
+                </a:solidFill>
+                <a:latin typeface="+mn-lt"/>
+                <a:ea typeface="+mn-ea"/>
+                <a:cs typeface="+mn-cs"/>
+              </a:rPr>
+              <a:t>Groupon</a:t>
+            </a:r>
+            <a:r>
+              <a:rPr lang="en-US" sz="1200" b="0" i="0" kern="1200" baseline="0" dirty="0" smtClean="0">
+                <a:solidFill>
+                  <a:schemeClr val="tx1"/>
+                </a:solidFill>
+                <a:latin typeface="+mn-lt"/>
+                <a:ea typeface="+mn-ea"/>
+                <a:cs typeface="+mn-cs"/>
+              </a:rPr>
+              <a:t>)</a:t>
             </a:r>
           </a:p>
           <a:p>
@@ -1531,69 +1840,67 @@
               <a:buFontTx/>
               <a:buChar char="-"/>
             </a:pPr>
+            <a:endParaRPr lang="en-US" dirty="0" smtClean="0"/>
+          </a:p>
+          <a:p>
+            <a:r>
+              <a:rPr lang="en-US" sz="1200" b="0" i="0" kern="1200" dirty="0" smtClean="0">
+                <a:solidFill>
+                  <a:schemeClr val="tx1"/>
+                </a:solidFill>
+                <a:latin typeface="+mn-lt"/>
+                <a:ea typeface="+mn-ea"/>
+                <a:cs typeface="+mn-cs"/>
+              </a:rPr>
+              <a:t>-not "switching to Ruby", not "leaving .NET"- don't be afraid of leaving your comfort zone (framework, language, syntax, etc.)- you will learn things that will help you on other platforms/languages</a:t>
+            </a:r>
+          </a:p>
+          <a:p>
+            <a:r>
+              <a:rPr lang="en-US" sz="1200" b="0" i="0" kern="1200" dirty="0" smtClean="0">
+                <a:solidFill>
+                  <a:schemeClr val="tx1"/>
+                </a:solidFill>
+                <a:latin typeface="+mn-lt"/>
+                <a:ea typeface="+mn-ea"/>
+                <a:cs typeface="+mn-cs"/>
+              </a:rPr>
+              <a:t>-Ruby</a:t>
+            </a:r>
+            <a:r>
+              <a:rPr lang="en-US" sz="1200" b="0" i="0" kern="1200" baseline="0" dirty="0" smtClean="0">
+                <a:solidFill>
+                  <a:schemeClr val="tx1"/>
+                </a:solidFill>
+                <a:latin typeface="+mn-lt"/>
+                <a:ea typeface="+mn-ea"/>
+                <a:cs typeface="+mn-cs"/>
+              </a:rPr>
+              <a:t> on Rails is just another tool in my toolbox (that happens to be really good at building web applications)</a:t>
+            </a:r>
+            <a:endParaRPr lang="en-US" dirty="0" smtClean="0"/>
+          </a:p>
+          <a:p>
+            <a:endParaRPr lang="en-US" dirty="0" smtClean="0"/>
+          </a:p>
+          <a:p>
+            <a:r>
+              <a:rPr lang="en-US" dirty="0" smtClean="0"/>
+              <a:t>-If Ruby on</a:t>
+            </a:r>
             <a:r>
               <a:rPr lang="en-US" baseline="0" dirty="0" smtClean="0"/>
-              <a:t>Not being able to inherit from a sealed class</a:t>
-            </a:r>
-          </a:p>
-          <a:p>
-            <a:pPr>
-              <a:buFontTx/>
-              <a:buChar char="-"/>
-            </a:pPr>
+              <a:t> Rails can help your team develop things better and faster, isn’t it even worth considering?</a:t>
+            </a:r>
+          </a:p>
+          <a:p>
             <a:r>
               <a:rPr lang="en-US" baseline="0" dirty="0" smtClean="0"/>
-              <a:t>Getting generic constraint errors</a:t>
-            </a:r>
-          </a:p>
-          <a:p>
-            <a:pPr>
-              <a:buFontTx/>
-              <a:buChar char="-"/>
-            </a:pPr>
-            <a:r>
-              <a:rPr lang="en-US" baseline="0" dirty="0" smtClean="0"/>
-              <a:t>Not being able to add methods to an existing class</a:t>
-            </a:r>
-          </a:p>
-          <a:p>
-            <a:pPr>
-              <a:buFontTx/>
-              <a:buChar char="-"/>
-            </a:pPr>
-            <a:r>
-              <a:rPr lang="en-US" baseline="0" dirty="0" smtClean="0"/>
-              <a:t>Not having </a:t>
-            </a:r>
-            <a:r>
-              <a:rPr lang="en-US" baseline="0" dirty="0" err="1" smtClean="0"/>
-              <a:t>mixins</a:t>
-            </a:r>
-            <a:endParaRPr lang="en-US" baseline="0" dirty="0" smtClean="0"/>
-          </a:p>
-          <a:p>
-            <a:pPr>
-              <a:buFontTx/>
-              <a:buChar char="-"/>
-            </a:pPr>
-            <a:r>
-              <a:rPr lang="en-US" baseline="0" dirty="0" smtClean="0"/>
-              <a:t>Having to use dependency injection in order to test</a:t>
-            </a:r>
-          </a:p>
-          <a:p>
-            <a:pPr>
-              <a:buFontTx/>
-              <a:buChar char="-"/>
-            </a:pPr>
-            <a:r>
-              <a:rPr lang="en-US" dirty="0" smtClean="0"/>
-              <a:t>Having to</a:t>
-            </a:r>
-            <a:r>
-              <a:rPr lang="en-US" baseline="0" dirty="0" smtClean="0"/>
-              <a:t> compile your code every time you change anything</a:t>
-            </a:r>
+              <a:t>-Do a cost-benefit analysis – will the long term benefit of using Ruby outweigh the time needed to adopt a new technology?</a:t>
+            </a:r>
+            <a:endParaRPr lang="en-US" dirty="0" smtClean="0"/>
+          </a:p>
+          <a:p>
             <a:endParaRPr lang="en-US" dirty="0"/>
           </a:p>
         </p:txBody>
@@ -1616,7 +1923,171 @@
             <a:fld id="{46B52E04-8F68-435C-880A-7C7B12D9BA2F}" type="slidenum">
               <a:rPr lang="en-US" smtClean="0"/>
               <a:pPr/>
-              <a:t>8</a:t>
+              <a:t>30</a:t>
+            </a:fld>
+            <a:endParaRPr lang="en-US"/>
+          </a:p>
+        </p:txBody>
+      </p:sp>
+    </p:spTree>
+  </p:cSld>
+  <p:clrMapOvr>
+    <a:masterClrMapping/>
+  </p:clrMapOvr>
+</p:notes>
+</file>
+
+<file path=ppt/notesSlides/notesSlide21.xml><?xml version="1.0" encoding="utf-8"?>
+<p:notes xmlns:a="http://schemas.openxmlformats.org/drawingml/2006/main" xmlns:r="http://schemas.openxmlformats.org/officeDocument/2006/relationships" xmlns:p="http://schemas.openxmlformats.org/presentationml/2006/main">
+  <p:cSld>
+    <p:spTree>
+      <p:nvGrpSpPr>
+        <p:cNvPr id="1" name=""/>
+        <p:cNvGrpSpPr/>
+        <p:nvPr/>
+      </p:nvGrpSpPr>
+      <p:grpSpPr>
+        <a:xfrm>
+          <a:off x="0" y="0"/>
+          <a:ext cx="0" cy="0"/>
+          <a:chOff x="0" y="0"/>
+          <a:chExt cx="0" cy="0"/>
+        </a:xfrm>
+      </p:grpSpPr>
+      <p:sp>
+        <p:nvSpPr>
+          <p:cNvPr id="2" name="Slide Image Placeholder 1"/>
+          <p:cNvSpPr>
+            <a:spLocks noGrp="1" noRot="1" noChangeAspect="1"/>
+          </p:cNvSpPr>
+          <p:nvPr>
+            <p:ph type="sldImg"/>
+          </p:nvPr>
+        </p:nvSpPr>
+        <p:spPr/>
+      </p:sp>
+      <p:sp>
+        <p:nvSpPr>
+          <p:cNvPr id="3" name="Notes Placeholder 2"/>
+          <p:cNvSpPr>
+            <a:spLocks noGrp="1"/>
+          </p:cNvSpPr>
+          <p:nvPr>
+            <p:ph type="body" idx="1"/>
+          </p:nvPr>
+        </p:nvSpPr>
+        <p:spPr/>
+        <p:txBody>
+          <a:bodyPr>
+            <a:normAutofit/>
+          </a:bodyPr>
+          <a:lstStyle/>
+          <a:p>
+            <a:endParaRPr lang="en-US" dirty="0"/>
+          </a:p>
+        </p:txBody>
+      </p:sp>
+      <p:sp>
+        <p:nvSpPr>
+          <p:cNvPr id="4" name="Slide Number Placeholder 3"/>
+          <p:cNvSpPr>
+            <a:spLocks noGrp="1"/>
+          </p:cNvSpPr>
+          <p:nvPr>
+            <p:ph type="sldNum" sz="quarter" idx="10"/>
+          </p:nvPr>
+        </p:nvSpPr>
+        <p:spPr/>
+        <p:txBody>
+          <a:bodyPr/>
+          <a:lstStyle/>
+          <a:p>
+            <a:fld id="{46B52E04-8F68-435C-880A-7C7B12D9BA2F}" type="slidenum">
+              <a:rPr lang="en-US" smtClean="0"/>
+              <a:pPr/>
+              <a:t>31</a:t>
+            </a:fld>
+            <a:endParaRPr lang="en-US"/>
+          </a:p>
+        </p:txBody>
+      </p:sp>
+    </p:spTree>
+  </p:cSld>
+  <p:clrMapOvr>
+    <a:masterClrMapping/>
+  </p:clrMapOvr>
+</p:notes>
+</file>
+
+<file path=ppt/notesSlides/notesSlide22.xml><?xml version="1.0" encoding="utf-8"?>
+<p:notes xmlns:a="http://schemas.openxmlformats.org/drawingml/2006/main" xmlns:r="http://schemas.openxmlformats.org/officeDocument/2006/relationships" xmlns:p="http://schemas.openxmlformats.org/presentationml/2006/main">
+  <p:cSld>
+    <p:spTree>
+      <p:nvGrpSpPr>
+        <p:cNvPr id="1" name=""/>
+        <p:cNvGrpSpPr/>
+        <p:nvPr/>
+      </p:nvGrpSpPr>
+      <p:grpSpPr>
+        <a:xfrm>
+          <a:off x="0" y="0"/>
+          <a:ext cx="0" cy="0"/>
+          <a:chOff x="0" y="0"/>
+          <a:chExt cx="0" cy="0"/>
+        </a:xfrm>
+      </p:grpSpPr>
+      <p:sp>
+        <p:nvSpPr>
+          <p:cNvPr id="2" name="Slide Image Placeholder 1"/>
+          <p:cNvSpPr>
+            <a:spLocks noGrp="1" noRot="1" noChangeAspect="1"/>
+          </p:cNvSpPr>
+          <p:nvPr>
+            <p:ph type="sldImg"/>
+          </p:nvPr>
+        </p:nvSpPr>
+        <p:spPr/>
+      </p:sp>
+      <p:sp>
+        <p:nvSpPr>
+          <p:cNvPr id="3" name="Notes Placeholder 2"/>
+          <p:cNvSpPr>
+            <a:spLocks noGrp="1"/>
+          </p:cNvSpPr>
+          <p:nvPr>
+            <p:ph type="body" idx="1"/>
+          </p:nvPr>
+        </p:nvSpPr>
+        <p:spPr/>
+        <p:txBody>
+          <a:bodyPr>
+            <a:normAutofit/>
+          </a:bodyPr>
+          <a:lstStyle/>
+          <a:p>
+            <a:endParaRPr lang="en-US" dirty="0"/>
+          </a:p>
+        </p:txBody>
+      </p:sp>
+      <p:sp>
+        <p:nvSpPr>
+          <p:cNvPr id="4" name="Slide Number Placeholder 3"/>
+          <p:cNvSpPr>
+            <a:spLocks noGrp="1"/>
+          </p:cNvSpPr>
+          <p:nvPr>
+            <p:ph type="sldNum" sz="quarter" idx="10"/>
+          </p:nvPr>
+        </p:nvSpPr>
+        <p:spPr/>
+        <p:txBody>
+          <a:bodyPr/>
+          <a:lstStyle/>
+          <a:p>
+            <a:fld id="{46B52E04-8F68-435C-880A-7C7B12D9BA2F}" type="slidenum">
+              <a:rPr lang="en-US" smtClean="0"/>
+              <a:pPr/>
+              <a:t>32</a:t>
             </a:fld>
             <a:endParaRPr lang="en-US"/>
           </a:p>
@@ -1678,41 +2149,17 @@
           <a:p>
             <a:r>
               <a:rPr lang="en-US" dirty="0" smtClean="0"/>
-              <a:t>Things</a:t>
+              <a:t>I want my framework to help me fall into the pit of success</a:t>
+            </a:r>
+          </a:p>
+          <a:p>
+            <a:r>
+              <a:rPr lang="en-US" dirty="0" smtClean="0"/>
+              <a:t>Would someone</a:t>
             </a:r>
             <a:r>
               <a:rPr lang="en-US" baseline="0" dirty="0" smtClean="0"/>
-              <a:t> that got annoying…</a:t>
-            </a:r>
-          </a:p>
-          <a:p>
-            <a:pPr>
-              <a:buFontTx/>
-              <a:buChar char="-"/>
-            </a:pPr>
-            <a:r>
-              <a:rPr lang="en-US" baseline="0" dirty="0" smtClean="0"/>
-              <a:t>Generic constraint errors</a:t>
-            </a:r>
-          </a:p>
-          <a:p>
-            <a:pPr>
-              <a:buFontTx/>
-              <a:buChar char="-"/>
-            </a:pPr>
-            <a:r>
-              <a:rPr lang="en-US" baseline="0" dirty="0" smtClean="0"/>
-              <a:t>Sealed classes and methods</a:t>
-            </a:r>
-          </a:p>
-          <a:p>
-            <a:pPr>
-              <a:buFontTx/>
-              <a:buChar char="-"/>
-            </a:pPr>
-            <a:r>
-              <a:rPr lang="en-US" baseline="0" dirty="0" smtClean="0"/>
-              <a:t>The fact that I have to wait for everything to compile</a:t>
+              <a:t> new to the framework be more likely to succeed or fail?</a:t>
             </a:r>
             <a:endParaRPr lang="en-US" dirty="0"/>
           </a:p>
@@ -1736,7 +2183,7 @@
             <a:fld id="{46B52E04-8F68-435C-880A-7C7B12D9BA2F}" type="slidenum">
               <a:rPr lang="en-US" smtClean="0"/>
               <a:pPr/>
-              <a:t>9</a:t>
+              <a:t>4</a:t>
             </a:fld>
             <a:endParaRPr lang="en-US"/>
           </a:p>
@@ -1796,7 +2243,32 @@
           </a:bodyPr>
           <a:lstStyle/>
           <a:p>
-            <a:endParaRPr lang="en-US" dirty="0"/>
+            <a:r>
+              <a:rPr lang="en-US" dirty="0" smtClean="0"/>
+              <a:t>Started a new</a:t>
+            </a:r>
+            <a:r>
+              <a:rPr lang="en-US" baseline="0" dirty="0" smtClean="0"/>
+              <a:t> project</a:t>
+            </a:r>
+          </a:p>
+          <a:p>
+            <a:r>
+              <a:rPr lang="en-US" baseline="0" dirty="0" smtClean="0"/>
+              <a:t>Lower estimates</a:t>
+            </a:r>
+          </a:p>
+          <a:p>
+            <a:r>
+              <a:rPr lang="en-US" baseline="0" dirty="0" smtClean="0"/>
+              <a:t>Conventions (FNH, grid button clicks)</a:t>
+            </a:r>
+          </a:p>
+          <a:p>
+            <a:r>
+              <a:rPr lang="en-US" baseline="0" dirty="0" smtClean="0"/>
+              <a:t>Company framework</a:t>
+            </a:r>
           </a:p>
         </p:txBody>
       </p:sp>
@@ -1818,7 +2290,7 @@
             <a:fld id="{46B52E04-8F68-435C-880A-7C7B12D9BA2F}" type="slidenum">
               <a:rPr lang="en-US" smtClean="0"/>
               <a:pPr/>
-              <a:t>10</a:t>
+              <a:t>5</a:t>
             </a:fld>
             <a:endParaRPr lang="en-US"/>
           </a:p>
@@ -1880,28 +2352,11 @@
           <a:p>
             <a:r>
               <a:rPr lang="en-US" dirty="0" smtClean="0"/>
-              <a:t>Code and</a:t>
+              <a:t>How many of you</a:t>
             </a:r>
             <a:r>
               <a:rPr lang="en-US" baseline="0" dirty="0" smtClean="0"/>
-              <a:t> coffee</a:t>
-            </a:r>
-            <a:endParaRPr lang="en-US" dirty="0" smtClean="0"/>
-          </a:p>
-          <a:p>
-            <a:r>
-              <a:rPr lang="en-US" dirty="0" smtClean="0"/>
-              <a:t>Rails</a:t>
-            </a:r>
-            <a:r>
-              <a:rPr lang="en-US" baseline="0" dirty="0" smtClean="0"/>
-              <a:t> for .NET Developers</a:t>
-            </a:r>
-          </a:p>
-          <a:p>
-            <a:r>
-              <a:rPr lang="en-US" baseline="0" dirty="0" smtClean="0"/>
-              <a:t>Practice problems</a:t>
+              <a:t> do TDD?</a:t>
             </a:r>
             <a:endParaRPr lang="en-US" dirty="0"/>
           </a:p>
@@ -1925,7 +2380,7 @@
             <a:fld id="{46B52E04-8F68-435C-880A-7C7B12D9BA2F}" type="slidenum">
               <a:rPr lang="en-US" smtClean="0"/>
               <a:pPr/>
-              <a:t>11</a:t>
+              <a:t>7</a:t>
             </a:fld>
             <a:endParaRPr lang="en-US"/>
           </a:p>
@@ -1985,6 +2440,93 @@
           </a:bodyPr>
           <a:lstStyle/>
           <a:p>
+            <a:r>
+              <a:rPr lang="en-US" dirty="0" smtClean="0"/>
+              <a:t>Ever been annoyed by:</a:t>
+            </a:r>
+          </a:p>
+          <a:p>
+            <a:pPr>
+              <a:buFontTx/>
+              <a:buChar char="-"/>
+            </a:pPr>
+            <a:r>
+              <a:rPr lang="en-US" dirty="0" smtClean="0"/>
+              <a:t>Not</a:t>
+            </a:r>
+            <a:r>
+              <a:rPr lang="en-US" baseline="0" dirty="0" smtClean="0"/>
+              <a:t> being able to override a method unless it’s marked as virtual</a:t>
+            </a:r>
+          </a:p>
+          <a:p>
+            <a:pPr>
+              <a:buFontTx/>
+              <a:buChar char="-"/>
+            </a:pPr>
+            <a:r>
+              <a:rPr lang="en-US" baseline="0" dirty="0" smtClean="0"/>
+              <a:t>Not being able to inherit from a sealed class</a:t>
+            </a:r>
+          </a:p>
+          <a:p>
+            <a:pPr>
+              <a:buFontTx/>
+              <a:buChar char="-"/>
+            </a:pPr>
+            <a:r>
+              <a:rPr lang="en-US" baseline="0" dirty="0" smtClean="0"/>
+              <a:t>Getting generic constraint errors</a:t>
+            </a:r>
+          </a:p>
+          <a:p>
+            <a:pPr>
+              <a:buFontTx/>
+              <a:buChar char="-"/>
+            </a:pPr>
+            <a:r>
+              <a:rPr lang="en-US" baseline="0" dirty="0" smtClean="0"/>
+              <a:t>Not being able to add methods to an existing class</a:t>
+            </a:r>
+          </a:p>
+          <a:p>
+            <a:pPr>
+              <a:buFontTx/>
+              <a:buChar char="-"/>
+            </a:pPr>
+            <a:r>
+              <a:rPr lang="en-US" baseline="0" dirty="0" smtClean="0"/>
+              <a:t>Not having </a:t>
+            </a:r>
+            <a:r>
+              <a:rPr lang="en-US" baseline="0" dirty="0" err="1" smtClean="0"/>
+              <a:t>mixins</a:t>
+            </a:r>
+            <a:endParaRPr lang="en-US" baseline="0" dirty="0" smtClean="0"/>
+          </a:p>
+          <a:p>
+            <a:pPr>
+              <a:buFontTx/>
+              <a:buChar char="-"/>
+            </a:pPr>
+            <a:r>
+              <a:rPr lang="en-US" baseline="0" dirty="0" smtClean="0"/>
+              <a:t>Having to use dependency injection in order to test</a:t>
+            </a:r>
+          </a:p>
+          <a:p>
+            <a:pPr>
+              <a:buFontTx/>
+              <a:buChar char="-"/>
+            </a:pPr>
+            <a:r>
+              <a:rPr lang="en-US" dirty="0" smtClean="0"/>
+              <a:t>Having to</a:t>
+            </a:r>
+            <a:r>
+              <a:rPr lang="en-US" baseline="0" dirty="0" smtClean="0"/>
+              <a:t> compile your code every time you change anything</a:t>
+            </a:r>
             <a:endParaRPr lang="en-US" dirty="0"/>
           </a:p>
         </p:txBody>
@@ -2007,7 +2549,7 @@
             <a:fld id="{46B52E04-8F68-435C-880A-7C7B12D9BA2F}" type="slidenum">
               <a:rPr lang="en-US" smtClean="0"/>
               <a:pPr/>
-              <a:t>12</a:t>
+              <a:t>8</a:t>
             </a:fld>
             <a:endParaRPr lang="en-US"/>
           </a:p>
@@ -2089,7 +2631,7 @@
             <a:fld id="{46B52E04-8F68-435C-880A-7C7B12D9BA2F}" type="slidenum">
               <a:rPr lang="en-US" smtClean="0"/>
               <a:pPr/>
-              <a:t>13</a:t>
+              <a:t>9</a:t>
             </a:fld>
             <a:endParaRPr lang="en-US"/>
           </a:p>
@@ -2151,26 +2693,18 @@
           <a:p>
             <a:r>
               <a:rPr lang="en-US" dirty="0" smtClean="0"/>
-              <a:t>UNIX is very command line driven</a:t>
+              <a:t>Stories of people going faster</a:t>
+            </a:r>
+          </a:p>
+          <a:p>
+            <a:r>
+              <a:rPr lang="en-US" dirty="0" smtClean="0"/>
+              <a:t>Ruby-based</a:t>
             </a:r>
             <a:r>
               <a:rPr lang="en-US" baseline="0" dirty="0" smtClean="0"/>
-              <a:t> (install apps through the command line, shell scripting)</a:t>
-            </a:r>
-          </a:p>
-          <a:p>
-            <a:r>
-              <a:rPr lang="en-US" baseline="0" dirty="0" smtClean="0"/>
-              <a:t>Closer to the metal</a:t>
-            </a:r>
-          </a:p>
-          <a:p>
-            <a:r>
-              <a:rPr lang="en-US" baseline="0" dirty="0" smtClean="0"/>
-              <a:t>Using Vim as my IDE</a:t>
-            </a:r>
-          </a:p>
-          <a:p>
+              <a:t> consulting companies are doing it that way for a reason</a:t>
+            </a:r>
             <a:endParaRPr lang="en-US" dirty="0"/>
           </a:p>
         </p:txBody>
@@ -2193,7 +2727,7 @@
             <a:fld id="{46B52E04-8F68-435C-880A-7C7B12D9BA2F}" type="slidenum">
               <a:rPr lang="en-US" smtClean="0"/>
               <a:pPr/>
-              <a:t>14</a:t>
+              <a:t>10</a:t>
             </a:fld>
             <a:endParaRPr lang="en-US"/>
           </a:p>
@@ -2253,6 +2787,36 @@
           </a:bodyPr>
           <a:lstStyle/>
           <a:p>
+            <a:r>
+              <a:rPr lang="en-US" dirty="0" smtClean="0"/>
+              <a:t>Code and</a:t>
+            </a:r>
+            <a:r>
+              <a:rPr lang="en-US" baseline="0" dirty="0" smtClean="0"/>
+              <a:t> coffee</a:t>
+            </a:r>
+            <a:endParaRPr lang="en-US" dirty="0" smtClean="0"/>
+          </a:p>
+          <a:p>
+            <a:r>
+              <a:rPr lang="en-US" dirty="0" smtClean="0"/>
+              <a:t>Rails</a:t>
+            </a:r>
+            <a:r>
+              <a:rPr lang="en-US" baseline="0" dirty="0" smtClean="0"/>
+              <a:t> for .NET </a:t>
+            </a:r>
+            <a:r>
+              <a:rPr lang="en-US" baseline="0" dirty="0" smtClean="0"/>
+              <a:t>Developers (next slide)</a:t>
+            </a:r>
+            <a:endParaRPr lang="en-US" baseline="0" dirty="0" smtClean="0"/>
+          </a:p>
+          <a:p>
+            <a:r>
+              <a:rPr lang="en-US" baseline="0" dirty="0" smtClean="0"/>
+              <a:t>Practice problems</a:t>
+            </a:r>
             <a:endParaRPr lang="en-US" dirty="0"/>
           </a:p>
         </p:txBody>
@@ -2275,7 +2839,7 @@
             <a:fld id="{46B52E04-8F68-435C-880A-7C7B12D9BA2F}" type="slidenum">
               <a:rPr lang="en-US" smtClean="0"/>
               <a:pPr/>
-              <a:t>15</a:t>
+              <a:t>11</a:t>
             </a:fld>
             <a:endParaRPr lang="en-US"/>
           </a:p>
@@ -2449,7 +3013,7 @@
             <a:fld id="{C3F416CD-67A3-4CF0-A210-F6AF31AC147F}" type="datetimeFigureOut">
               <a:rPr lang="en-US" smtClean="0"/>
               <a:pPr/>
-              <a:t>1/13/2011</a:t>
+              <a:t>1/14/2011</a:t>
             </a:fld>
             <a:endParaRPr lang="en-US"/>
           </a:p>
@@ -2629,7 +3193,7 @@
             <a:fld id="{C3F416CD-67A3-4CF0-A210-F6AF31AC147F}" type="datetimeFigureOut">
               <a:rPr lang="en-US" smtClean="0"/>
               <a:pPr/>
-              <a:t>1/13/2011</a:t>
+              <a:t>1/14/2011</a:t>
             </a:fld>
             <a:endParaRPr lang="en-US"/>
           </a:p>
@@ -2806,7 +3370,7 @@
             <a:fld id="{C3F416CD-67A3-4CF0-A210-F6AF31AC147F}" type="datetimeFigureOut">
               <a:rPr lang="en-US" smtClean="0"/>
               <a:pPr/>
-              <a:t>1/13/2011</a:t>
+              <a:t>1/14/2011</a:t>
             </a:fld>
             <a:endParaRPr lang="en-US"/>
           </a:p>
@@ -2973,7 +3537,7 @@
             <a:fld id="{C3F416CD-67A3-4CF0-A210-F6AF31AC147F}" type="datetimeFigureOut">
               <a:rPr lang="en-US" smtClean="0"/>
               <a:pPr/>
-              <a:t>1/13/2011</a:t>
+              <a:t>1/14/2011</a:t>
             </a:fld>
             <a:endParaRPr lang="en-US"/>
           </a:p>
@@ -3186,7 +3750,7 @@
             <a:fld id="{C3F416CD-67A3-4CF0-A210-F6AF31AC147F}" type="datetimeFigureOut">
               <a:rPr lang="en-US" smtClean="0"/>
               <a:pPr/>
-              <a:t>1/13/2011</a:t>
+              <a:t>1/14/2011</a:t>
             </a:fld>
             <a:endParaRPr lang="en-US"/>
           </a:p>
@@ -3471,7 +4035,7 @@
             <a:fld id="{C3F416CD-67A3-4CF0-A210-F6AF31AC147F}" type="datetimeFigureOut">
               <a:rPr lang="en-US" smtClean="0"/>
               <a:pPr/>
-              <a:t>1/13/2011</a:t>
+              <a:t>1/14/2011</a:t>
             </a:fld>
             <a:endParaRPr lang="en-US"/>
           </a:p>
@@ -3903,7 +4467,7 @@
             <a:fld id="{C3F416CD-67A3-4CF0-A210-F6AF31AC147F}" type="datetimeFigureOut">
               <a:rPr lang="en-US" smtClean="0"/>
               <a:pPr algn="l" eaLnBrk="1" latinLnBrk="0" hangingPunct="1"/>
-              <a:t>1/13/2011</a:t>
+              <a:t>1/14/2011</a:t>
             </a:fld>
             <a:endParaRPr lang="en-US"/>
           </a:p>
@@ -4023,7 +4587,7 @@
             <a:fld id="{C3F416CD-67A3-4CF0-A210-F6AF31AC147F}" type="datetimeFigureOut">
               <a:rPr lang="en-US" smtClean="0"/>
               <a:pPr/>
-              <a:t>1/13/2011</a:t>
+              <a:t>1/14/2011</a:t>
             </a:fld>
             <a:endParaRPr lang="en-US"/>
           </a:p>
@@ -4115,7 +4679,7 @@
             <a:fld id="{C3F416CD-67A3-4CF0-A210-F6AF31AC147F}" type="datetimeFigureOut">
               <a:rPr lang="en-US" smtClean="0"/>
               <a:pPr/>
-              <a:t>1/13/2011</a:t>
+              <a:t>1/14/2011</a:t>
             </a:fld>
             <a:endParaRPr lang="en-US"/>
           </a:p>
@@ -4406,7 +4970,7 @@
             <a:fld id="{C3F416CD-67A3-4CF0-A210-F6AF31AC147F}" type="datetimeFigureOut">
               <a:rPr lang="en-US" smtClean="0"/>
               <a:pPr/>
-              <a:t>1/13/2011</a:t>
+              <a:t>1/14/2011</a:t>
             </a:fld>
             <a:endParaRPr lang="en-US"/>
           </a:p>
@@ -4733,7 +5297,7 @@
             <a:fld id="{C3F416CD-67A3-4CF0-A210-F6AF31AC147F}" type="datetimeFigureOut">
               <a:rPr lang="en-US" smtClean="0"/>
               <a:pPr/>
-              <a:t>1/13/2011</a:t>
+              <a:t>1/14/2011</a:t>
             </a:fld>
             <a:endParaRPr lang="en-US"/>
           </a:p>
@@ -4954,7 +5518,7 @@
             <a:fld id="{C3F416CD-67A3-4CF0-A210-F6AF31AC147F}" type="datetimeFigureOut">
               <a:rPr lang="en-US" smtClean="0"/>
               <a:pPr algn="l" eaLnBrk="1" latinLnBrk="0" hangingPunct="1"/>
-              <a:t>1/13/2011</a:t>
+              <a:t>1/14/2011</a:t>
             </a:fld>
             <a:endParaRPr lang="en-US" sz="800" dirty="0">
               <a:solidFill>
@@ -5741,7 +6305,6 @@
               <a:rPr lang="en-US" sz="3600" dirty="0" smtClean="0"/>
               <a:t>Learning the Ruby/UNIX way</a:t>
             </a:r>
-            <a:endParaRPr lang="en-US" sz="3600" dirty="0" smtClean="0"/>
           </a:p>
         </p:txBody>
       </p:sp>
@@ -10689,7 +11252,7 @@
           <p:nvPr/>
         </p:nvPicPr>
         <p:blipFill>
-          <a:blip r:embed="rId2" cstate="print"/>
+          <a:blip r:embed="rId3" cstate="print"/>
           <a:stretch>
             <a:fillRect/>
           </a:stretch>
@@ -10768,7 +11331,7 @@
           <p:nvPr/>
         </p:nvPicPr>
         <p:blipFill>
-          <a:blip r:embed="rId2" cstate="print"/>
+          <a:blip r:embed="rId3" cstate="print"/>
           <a:srcRect/>
           <a:stretch>
             <a:fillRect/>
